--- a/Chess Snake Puzzles – 2022 IA Project.pptx
+++ b/Chess Snake Puzzles – 2022 IA Project.pptx
@@ -108,6 +108,11 @@
       </a:defRPr>
     </a:lvl9pPr>
   </p:defaultTextStyle>
+  <p:extLst>
+    <p:ext uri="{EFAFB233-063F-42B5-8137-9DF3F51BA10A}">
+      <p15:sldGuideLst xmlns:p15="http://schemas.microsoft.com/office/powerpoint/2012/main"/>
+    </p:ext>
+  </p:extLst>
 </p:presentation>
 </file>
 
@@ -258,7 +263,7 @@
           <a:p>
             <a:fld id="{76969C88-B244-455D-A017-012B25B1ACDD}" type="datetimeFigureOut">
               <a:rPr lang="en-US" smtClean="0"/>
-              <a:t>3/24/2022</a:t>
+              <a:t>3/25/22</a:t>
             </a:fld>
             <a:endParaRPr lang="en-US"/>
           </a:p>
@@ -456,7 +461,7 @@
           <a:p>
             <a:fld id="{76969C88-B244-455D-A017-012B25B1ACDD}" type="datetimeFigureOut">
               <a:rPr lang="en-US" smtClean="0"/>
-              <a:t>3/24/2022</a:t>
+              <a:t>3/25/22</a:t>
             </a:fld>
             <a:endParaRPr lang="en-US"/>
           </a:p>
@@ -664,7 +669,7 @@
           <a:p>
             <a:fld id="{76969C88-B244-455D-A017-012B25B1ACDD}" type="datetimeFigureOut">
               <a:rPr lang="en-US" smtClean="0"/>
-              <a:t>3/24/2022</a:t>
+              <a:t>3/25/22</a:t>
             </a:fld>
             <a:endParaRPr lang="en-US"/>
           </a:p>
@@ -863,7 +868,7 @@
           <a:p>
             <a:fld id="{76969C88-B244-455D-A017-012B25B1ACDD}" type="datetimeFigureOut">
               <a:rPr lang="en-US" smtClean="0"/>
-              <a:t>3/24/2022</a:t>
+              <a:t>3/25/22</a:t>
             </a:fld>
             <a:endParaRPr lang="en-US"/>
           </a:p>
@@ -1138,7 +1143,7 @@
           <a:p>
             <a:fld id="{76969C88-B244-455D-A017-012B25B1ACDD}" type="datetimeFigureOut">
               <a:rPr lang="en-US" smtClean="0"/>
-              <a:t>3/24/2022</a:t>
+              <a:t>3/25/22</a:t>
             </a:fld>
             <a:endParaRPr lang="en-US"/>
           </a:p>
@@ -1403,7 +1408,7 @@
           <a:p>
             <a:fld id="{76969C88-B244-455D-A017-012B25B1ACDD}" type="datetimeFigureOut">
               <a:rPr lang="en-US" smtClean="0"/>
-              <a:t>3/24/2022</a:t>
+              <a:t>3/25/22</a:t>
             </a:fld>
             <a:endParaRPr lang="en-US"/>
           </a:p>
@@ -1815,7 +1820,7 @@
           <a:p>
             <a:fld id="{76969C88-B244-455D-A017-012B25B1ACDD}" type="datetimeFigureOut">
               <a:rPr lang="en-US" smtClean="0"/>
-              <a:t>3/24/2022</a:t>
+              <a:t>3/25/22</a:t>
             </a:fld>
             <a:endParaRPr lang="en-US"/>
           </a:p>
@@ -1956,7 +1961,7 @@
           <a:p>
             <a:fld id="{76969C88-B244-455D-A017-012B25B1ACDD}" type="datetimeFigureOut">
               <a:rPr lang="en-US" smtClean="0"/>
-              <a:t>3/24/2022</a:t>
+              <a:t>3/25/22</a:t>
             </a:fld>
             <a:endParaRPr lang="en-US"/>
           </a:p>
@@ -2069,7 +2074,7 @@
           <a:p>
             <a:fld id="{76969C88-B244-455D-A017-012B25B1ACDD}" type="datetimeFigureOut">
               <a:rPr lang="en-US" smtClean="0"/>
-              <a:t>3/24/2022</a:t>
+              <a:t>3/25/22</a:t>
             </a:fld>
             <a:endParaRPr lang="en-US"/>
           </a:p>
@@ -2381,7 +2386,7 @@
           <a:p>
             <a:fld id="{76969C88-B244-455D-A017-012B25B1ACDD}" type="datetimeFigureOut">
               <a:rPr lang="en-US" smtClean="0"/>
-              <a:t>3/24/2022</a:t>
+              <a:t>3/25/22</a:t>
             </a:fld>
             <a:endParaRPr lang="en-US"/>
           </a:p>
@@ -2672,7 +2677,7 @@
           <a:p>
             <a:fld id="{76969C88-B244-455D-A017-012B25B1ACDD}" type="datetimeFigureOut">
               <a:rPr lang="en-US" smtClean="0"/>
-              <a:t>3/24/2022</a:t>
+              <a:t>3/25/22</a:t>
             </a:fld>
             <a:endParaRPr lang="en-US"/>
           </a:p>
@@ -3428,7 +3433,7 @@
             <a:fld id="{76969C88-B244-455D-A017-012B25B1ACDD}" type="datetimeFigureOut">
               <a:rPr lang="en-US" smtClean="0"/>
               <a:pPr/>
-              <a:t>3/24/2022</a:t>
+              <a:t>3/25/22</a:t>
             </a:fld>
             <a:endParaRPr lang="en-US"/>
           </a:p>
@@ -4822,7 +4827,15 @@
             </a:r>
             <a:r>
               <a:rPr lang="pt-PT" dirty="0"/>
-              <a:t> sane </a:t>
+              <a:t> </a:t>
+            </a:r>
+            <a:r>
+              <a:rPr lang="pt-PT" dirty="0" err="1"/>
+              <a:t>same</a:t>
+            </a:r>
+            <a:r>
+              <a:rPr lang="pt-PT" dirty="0"/>
+              <a:t> </a:t>
             </a:r>
             <a:r>
               <a:rPr lang="pt-PT" dirty="0" err="1"/>
@@ -5175,10 +5188,309 @@
         </p:nvSpPr>
         <p:spPr/>
         <p:txBody>
-          <a:bodyPr/>
-          <a:lstStyle/>
-          <a:p>
-            <a:endParaRPr lang="pt-PT"/>
+          <a:bodyPr>
+            <a:normAutofit lnSpcReduction="10000"/>
+          </a:bodyPr>
+          <a:lstStyle/>
+          <a:p>
+            <a:r>
+              <a:rPr lang="pt-PT" dirty="0" err="1"/>
+              <a:t>Multiple</a:t>
+            </a:r>
+            <a:r>
+              <a:rPr lang="pt-PT" dirty="0"/>
+              <a:t> </a:t>
+            </a:r>
+            <a:r>
+              <a:rPr lang="pt-PT" dirty="0" err="1"/>
+              <a:t>State</a:t>
+            </a:r>
+            <a:r>
+              <a:rPr lang="pt-PT" dirty="0"/>
+              <a:t> </a:t>
+            </a:r>
+            <a:r>
+              <a:rPr lang="pt-PT" dirty="0" err="1"/>
+              <a:t>Problem</a:t>
+            </a:r>
+            <a:r>
+              <a:rPr lang="pt-PT" dirty="0"/>
+              <a:t>;</a:t>
+            </a:r>
+          </a:p>
+          <a:p>
+            <a:r>
+              <a:rPr lang="pt-PT" dirty="0" err="1"/>
+              <a:t>State</a:t>
+            </a:r>
+            <a:r>
+              <a:rPr lang="pt-PT" dirty="0"/>
+              <a:t> </a:t>
+            </a:r>
+            <a:r>
+              <a:rPr lang="pt-PT" dirty="0" err="1"/>
+              <a:t>Space</a:t>
+            </a:r>
+            <a:r>
+              <a:rPr lang="pt-PT" dirty="0"/>
+              <a:t>:</a:t>
+            </a:r>
+          </a:p>
+          <a:p>
+            <a:pPr lvl="1"/>
+            <a:r>
+              <a:rPr lang="pt-PT" dirty="0" err="1"/>
+              <a:t>Initial</a:t>
+            </a:r>
+            <a:r>
+              <a:rPr lang="pt-PT" dirty="0"/>
+              <a:t> </a:t>
+            </a:r>
+            <a:r>
+              <a:rPr lang="pt-PT" dirty="0" err="1"/>
+              <a:t>State</a:t>
+            </a:r>
+            <a:r>
+              <a:rPr lang="pt-PT" dirty="0"/>
+              <a:t>: Puzzle </a:t>
+            </a:r>
+            <a:r>
+              <a:rPr lang="pt-PT" dirty="0" err="1"/>
+              <a:t>with</a:t>
+            </a:r>
+            <a:r>
+              <a:rPr lang="pt-PT" dirty="0"/>
+              <a:t> 2 </a:t>
+            </a:r>
+            <a:r>
+              <a:rPr lang="pt-PT" dirty="0" err="1"/>
+              <a:t>pieces</a:t>
+            </a:r>
+            <a:r>
+              <a:rPr lang="pt-PT" dirty="0"/>
+              <a:t>;</a:t>
+            </a:r>
+          </a:p>
+          <a:p>
+            <a:pPr lvl="1"/>
+            <a:r>
+              <a:rPr lang="pt-PT" dirty="0" err="1"/>
+              <a:t>Possible</a:t>
+            </a:r>
+            <a:r>
+              <a:rPr lang="pt-PT" dirty="0"/>
+              <a:t> </a:t>
+            </a:r>
+            <a:r>
+              <a:rPr lang="pt-PT" dirty="0" err="1"/>
+              <a:t>operations</a:t>
+            </a:r>
+            <a:r>
+              <a:rPr lang="pt-PT" dirty="0"/>
+              <a:t>: LEFT, RIGHT, UP, DOWN;</a:t>
+            </a:r>
+          </a:p>
+          <a:p>
+            <a:pPr lvl="1"/>
+            <a:r>
+              <a:rPr lang="pt-PT" dirty="0" err="1"/>
+              <a:t>Objective</a:t>
+            </a:r>
+            <a:r>
+              <a:rPr lang="pt-PT" dirty="0"/>
+              <a:t> </a:t>
+            </a:r>
+            <a:r>
+              <a:rPr lang="pt-PT" dirty="0" err="1"/>
+              <a:t>state</a:t>
+            </a:r>
+            <a:r>
+              <a:rPr lang="pt-PT" dirty="0"/>
+              <a:t>: “</a:t>
+            </a:r>
+            <a:r>
+              <a:rPr lang="pt-PT" dirty="0" err="1"/>
+              <a:t>each</a:t>
+            </a:r>
+            <a:r>
+              <a:rPr lang="pt-PT" dirty="0"/>
+              <a:t> </a:t>
+            </a:r>
+            <a:r>
+              <a:rPr lang="pt-PT" dirty="0" err="1"/>
+              <a:t>chess</a:t>
+            </a:r>
+            <a:r>
+              <a:rPr lang="pt-PT" dirty="0"/>
+              <a:t> </a:t>
+            </a:r>
+            <a:r>
+              <a:rPr lang="pt-PT" dirty="0" err="1"/>
+              <a:t>piece</a:t>
+            </a:r>
+            <a:r>
+              <a:rPr lang="pt-PT" dirty="0"/>
+              <a:t> </a:t>
+            </a:r>
+            <a:r>
+              <a:rPr lang="pt-PT" dirty="0" err="1"/>
+              <a:t>should</a:t>
+            </a:r>
+            <a:r>
+              <a:rPr lang="pt-PT" dirty="0"/>
+              <a:t> </a:t>
+            </a:r>
+            <a:r>
+              <a:rPr lang="pt-PT" dirty="0" err="1"/>
+              <a:t>attack</a:t>
+            </a:r>
+            <a:r>
+              <a:rPr lang="pt-PT" dirty="0"/>
+              <a:t> </a:t>
+            </a:r>
+            <a:r>
+              <a:rPr lang="pt-PT" dirty="0" err="1"/>
+              <a:t>the</a:t>
+            </a:r>
+            <a:r>
+              <a:rPr lang="pt-PT" dirty="0"/>
+              <a:t> </a:t>
+            </a:r>
+            <a:r>
+              <a:rPr lang="pt-PT" dirty="0" err="1"/>
+              <a:t>same</a:t>
+            </a:r>
+            <a:r>
+              <a:rPr lang="pt-PT" dirty="0"/>
+              <a:t> </a:t>
+            </a:r>
+            <a:r>
+              <a:rPr lang="pt-PT" dirty="0" err="1"/>
+              <a:t>number</a:t>
+            </a:r>
+            <a:r>
+              <a:rPr lang="pt-PT" dirty="0"/>
+              <a:t> </a:t>
+            </a:r>
+            <a:r>
+              <a:rPr lang="pt-PT" dirty="0" err="1"/>
+              <a:t>of</a:t>
+            </a:r>
+            <a:r>
+              <a:rPr lang="pt-PT" dirty="0"/>
+              <a:t> </a:t>
+            </a:r>
+            <a:r>
+              <a:rPr lang="pt-PT" dirty="0" err="1"/>
+              <a:t>segments</a:t>
+            </a:r>
+            <a:r>
+              <a:rPr lang="pt-PT" dirty="0"/>
+              <a:t> </a:t>
+            </a:r>
+            <a:r>
+              <a:rPr lang="pt-PT" dirty="0" err="1"/>
+              <a:t>of</a:t>
+            </a:r>
+            <a:r>
+              <a:rPr lang="pt-PT" dirty="0"/>
+              <a:t> </a:t>
+            </a:r>
+            <a:r>
+              <a:rPr lang="pt-PT" dirty="0" err="1"/>
+              <a:t>the</a:t>
+            </a:r>
+            <a:r>
+              <a:rPr lang="pt-PT" dirty="0"/>
+              <a:t> </a:t>
+            </a:r>
+            <a:r>
+              <a:rPr lang="pt-PT" dirty="0" err="1"/>
+              <a:t>snake</a:t>
+            </a:r>
+            <a:r>
+              <a:rPr lang="pt-PT" dirty="0"/>
+              <a:t>” (Não sei descrever o </a:t>
+            </a:r>
+            <a:r>
+              <a:rPr lang="pt-PT" dirty="0" err="1"/>
+              <a:t>state</a:t>
+            </a:r>
+            <a:r>
+              <a:rPr lang="pt-PT" dirty="0"/>
+              <a:t> aqui);</a:t>
+            </a:r>
+          </a:p>
+          <a:p>
+            <a:pPr lvl="1"/>
+            <a:r>
+              <a:rPr lang="pt-PT" dirty="0" err="1"/>
+              <a:t>Solution</a:t>
+            </a:r>
+            <a:r>
+              <a:rPr lang="pt-PT" dirty="0"/>
+              <a:t> </a:t>
+            </a:r>
+            <a:r>
+              <a:rPr lang="pt-PT" dirty="0" err="1"/>
+              <a:t>costs</a:t>
+            </a:r>
+            <a:r>
+              <a:rPr lang="pt-PT" dirty="0"/>
+              <a:t>: </a:t>
+            </a:r>
+            <a:r>
+              <a:rPr lang="pt-PT" dirty="0" err="1"/>
+              <a:t>each</a:t>
+            </a:r>
+            <a:r>
+              <a:rPr lang="pt-PT" dirty="0"/>
+              <a:t> </a:t>
+            </a:r>
+            <a:r>
+              <a:rPr lang="pt-PT" dirty="0" err="1"/>
+              <a:t>operation</a:t>
+            </a:r>
+            <a:r>
+              <a:rPr lang="pt-PT" dirty="0"/>
+              <a:t> </a:t>
+            </a:r>
+            <a:r>
+              <a:rPr lang="pt-PT" dirty="0" err="1"/>
+              <a:t>costs</a:t>
+            </a:r>
+            <a:r>
+              <a:rPr lang="pt-PT" dirty="0"/>
+              <a:t> 1 </a:t>
+            </a:r>
+            <a:r>
+              <a:rPr lang="pt-PT" dirty="0" err="1"/>
+              <a:t>piece</a:t>
+            </a:r>
+            <a:r>
+              <a:rPr lang="pt-PT" dirty="0"/>
+              <a:t> </a:t>
+            </a:r>
+            <a:r>
+              <a:rPr lang="pt-PT" dirty="0" err="1"/>
+              <a:t>of</a:t>
+            </a:r>
+            <a:r>
+              <a:rPr lang="pt-PT" dirty="0"/>
+              <a:t> </a:t>
+            </a:r>
+            <a:r>
+              <a:rPr lang="pt-PT" dirty="0" err="1"/>
+              <a:t>snake</a:t>
+            </a:r>
+            <a:r>
+              <a:rPr lang="pt-PT" dirty="0"/>
+              <a:t>;</a:t>
+            </a:r>
+          </a:p>
+          <a:p>
+            <a:pPr lvl="1"/>
+            <a:endParaRPr lang="pt-PT" dirty="0"/>
           </a:p>
         </p:txBody>
       </p:sp>
@@ -5261,6 +5573,112 @@
         <p:txBody>
           <a:bodyPr/>
           <a:lstStyle/>
+          <a:p>
+            <a:r>
+              <a:rPr lang="pt-PT" dirty="0" err="1"/>
+              <a:t>Prefered</a:t>
+            </a:r>
+            <a:r>
+              <a:rPr lang="pt-PT" dirty="0"/>
+              <a:t> </a:t>
+            </a:r>
+            <a:r>
+              <a:rPr lang="pt-PT" dirty="0" err="1"/>
+              <a:t>IDE’s</a:t>
+            </a:r>
+            <a:r>
+              <a:rPr lang="pt-PT" dirty="0"/>
+              <a:t>: Visual </a:t>
+            </a:r>
+            <a:r>
+              <a:rPr lang="pt-PT" dirty="0" err="1"/>
+              <a:t>Studio</a:t>
+            </a:r>
+            <a:r>
+              <a:rPr lang="pt-PT" dirty="0"/>
+              <a:t>, </a:t>
+            </a:r>
+            <a:r>
+              <a:rPr lang="pt-PT" dirty="0" err="1"/>
+              <a:t>CLion</a:t>
+            </a:r>
+            <a:r>
+              <a:rPr lang="pt-PT" dirty="0"/>
+              <a:t>;</a:t>
+            </a:r>
+          </a:p>
+          <a:p>
+            <a:r>
+              <a:rPr lang="pt-PT" dirty="0" err="1"/>
+              <a:t>Prefered</a:t>
+            </a:r>
+            <a:r>
+              <a:rPr lang="pt-PT" dirty="0"/>
+              <a:t> </a:t>
+            </a:r>
+            <a:r>
+              <a:rPr lang="pt-PT" dirty="0" err="1"/>
+              <a:t>Languages</a:t>
+            </a:r>
+            <a:r>
+              <a:rPr lang="pt-PT" dirty="0"/>
+              <a:t>: C++, C, </a:t>
+            </a:r>
+            <a:r>
+              <a:rPr lang="pt-PT" dirty="0" err="1"/>
+              <a:t>Python</a:t>
+            </a:r>
+            <a:r>
+              <a:rPr lang="pt-PT" dirty="0"/>
+              <a:t>;</a:t>
+            </a:r>
+          </a:p>
+          <a:p>
+            <a:r>
+              <a:rPr lang="pt-PT" dirty="0"/>
+              <a:t>Data </a:t>
+            </a:r>
+            <a:r>
+              <a:rPr lang="pt-PT" dirty="0" err="1"/>
+              <a:t>structures</a:t>
+            </a:r>
+            <a:r>
+              <a:rPr lang="pt-PT" dirty="0"/>
+              <a:t>: </a:t>
+            </a:r>
+            <a:r>
+              <a:rPr lang="pt-PT" dirty="0" err="1"/>
+              <a:t>arrays</a:t>
+            </a:r>
+            <a:r>
+              <a:rPr lang="pt-PT" dirty="0"/>
+              <a:t>, </a:t>
+            </a:r>
+            <a:r>
+              <a:rPr lang="pt-PT" dirty="0" err="1"/>
+              <a:t>vectors</a:t>
+            </a:r>
+            <a:r>
+              <a:rPr lang="pt-PT" dirty="0"/>
+              <a:t>, </a:t>
+            </a:r>
+            <a:r>
+              <a:rPr lang="pt-PT" dirty="0" err="1"/>
+              <a:t>strings</a:t>
+            </a:r>
+            <a:r>
+              <a:rPr lang="pt-PT" dirty="0"/>
+              <a:t>, </a:t>
+            </a:r>
+            <a:r>
+              <a:rPr lang="pt-PT" dirty="0" err="1"/>
+              <a:t>booleans</a:t>
+            </a:r>
+            <a:r>
+              <a:rPr lang="pt-PT" dirty="0"/>
+              <a:t>;</a:t>
+            </a:r>
+          </a:p>
           <a:p>
             <a:endParaRPr lang="pt-PT" dirty="0"/>
           </a:p>

--- a/Chess Snake Puzzles – 2022 IA Project.pptx
+++ b/Chess Snake Puzzles – 2022 IA Project.pptx
@@ -9,7 +9,8 @@
     <p:sldId id="257" r:id="rId3"/>
     <p:sldId id="258" r:id="rId4"/>
     <p:sldId id="259" r:id="rId5"/>
-    <p:sldId id="260" r:id="rId6"/>
+    <p:sldId id="261" r:id="rId6"/>
+    <p:sldId id="260" r:id="rId7"/>
   </p:sldIdLst>
   <p:sldSz cx="12192000" cy="6858000"/>
   <p:notesSz cx="6858000" cy="9144000"/>
@@ -116,6 +117,214 @@
 </p:presentation>
 </file>
 
+<file path=ppt/revisionInfo.xml><?xml version="1.0" encoding="utf-8"?>
+<p1510:revInfo xmlns:a="http://schemas.openxmlformats.org/drawingml/2006/main" xmlns:r="http://schemas.openxmlformats.org/officeDocument/2006/relationships" xmlns:p1510="http://schemas.microsoft.com/office/powerpoint/2015/10/main">
+  <p1510:revLst>
+    <p1510:client id="{C1F6FDB9-D3FC-4B78-9222-BDC7AD7E0D10}" v="299" dt="2022-04-03T22:23:16.173"/>
+  </p1510:revLst>
+</p1510:revInfo>
+</file>
+
+<file path=ppt/changesInfos/changesInfo1.xml><?xml version="1.0" encoding="utf-8"?>
+<pc:chgInfo xmlns:a="http://schemas.openxmlformats.org/drawingml/2006/main" xmlns:r="http://schemas.openxmlformats.org/officeDocument/2006/relationships" xmlns:ac="http://schemas.microsoft.com/office/drawing/2013/main/command" xmlns:pc="http://schemas.microsoft.com/office/powerpoint/2013/main/command">
+  <pc:docChgLst>
+    <pc:chgData name="Carlos Gomes" userId="befe0c0c48f41b83" providerId="LiveId" clId="{C1F6FDB9-D3FC-4B78-9222-BDC7AD7E0D10}"/>
+    <pc:docChg chg="undo redo custSel addSld modSld sldOrd">
+      <pc:chgData name="Carlos Gomes" userId="befe0c0c48f41b83" providerId="LiveId" clId="{C1F6FDB9-D3FC-4B78-9222-BDC7AD7E0D10}" dt="2022-04-03T22:34:10.935" v="3548" actId="20577"/>
+      <pc:docMkLst>
+        <pc:docMk/>
+      </pc:docMkLst>
+      <pc:sldChg chg="modSp mod">
+        <pc:chgData name="Carlos Gomes" userId="befe0c0c48f41b83" providerId="LiveId" clId="{C1F6FDB9-D3FC-4B78-9222-BDC7AD7E0D10}" dt="2022-04-03T22:34:10.935" v="3548" actId="20577"/>
+        <pc:sldMkLst>
+          <pc:docMk/>
+          <pc:sldMk cId="1231463357" sldId="256"/>
+        </pc:sldMkLst>
+        <pc:spChg chg="mod">
+          <ac:chgData name="Carlos Gomes" userId="befe0c0c48f41b83" providerId="LiveId" clId="{C1F6FDB9-D3FC-4B78-9222-BDC7AD7E0D10}" dt="2022-04-03T22:34:01.263" v="3534" actId="20577"/>
+          <ac:spMkLst>
+            <pc:docMk/>
+            <pc:sldMk cId="1231463357" sldId="256"/>
+            <ac:spMk id="2" creationId="{B9FDC1FF-3287-4630-8D77-E66685481EE7}"/>
+          </ac:spMkLst>
+        </pc:spChg>
+        <pc:spChg chg="mod">
+          <ac:chgData name="Carlos Gomes" userId="befe0c0c48f41b83" providerId="LiveId" clId="{C1F6FDB9-D3FC-4B78-9222-BDC7AD7E0D10}" dt="2022-04-03T22:34:10.935" v="3548" actId="20577"/>
+          <ac:spMkLst>
+            <pc:docMk/>
+            <pc:sldMk cId="1231463357" sldId="256"/>
+            <ac:spMk id="3" creationId="{FBB36667-5209-41C5-B231-1A1C67D43CB4}"/>
+          </ac:spMkLst>
+        </pc:spChg>
+      </pc:sldChg>
+      <pc:sldChg chg="modSp mod">
+        <pc:chgData name="Carlos Gomes" userId="befe0c0c48f41b83" providerId="LiveId" clId="{C1F6FDB9-D3FC-4B78-9222-BDC7AD7E0D10}" dt="2022-04-03T22:10:09.854" v="1141" actId="27636"/>
+        <pc:sldMkLst>
+          <pc:docMk/>
+          <pc:sldMk cId="1616608620" sldId="257"/>
+        </pc:sldMkLst>
+        <pc:spChg chg="mod">
+          <ac:chgData name="Carlos Gomes" userId="befe0c0c48f41b83" providerId="LiveId" clId="{C1F6FDB9-D3FC-4B78-9222-BDC7AD7E0D10}" dt="2022-04-03T22:10:09.854" v="1141" actId="27636"/>
+          <ac:spMkLst>
+            <pc:docMk/>
+            <pc:sldMk cId="1616608620" sldId="257"/>
+            <ac:spMk id="3" creationId="{300D1453-DC35-40B3-81DC-E9F3035DCC91}"/>
+          </ac:spMkLst>
+        </pc:spChg>
+      </pc:sldChg>
+      <pc:sldChg chg="addSp delSp modSp mod ord">
+        <pc:chgData name="Carlos Gomes" userId="befe0c0c48f41b83" providerId="LiveId" clId="{C1F6FDB9-D3FC-4B78-9222-BDC7AD7E0D10}" dt="2022-04-03T22:22:07.694" v="2732" actId="21"/>
+        <pc:sldMkLst>
+          <pc:docMk/>
+          <pc:sldMk cId="3204148524" sldId="258"/>
+        </pc:sldMkLst>
+        <pc:graphicFrameChg chg="add del mod">
+          <ac:chgData name="Carlos Gomes" userId="befe0c0c48f41b83" providerId="LiveId" clId="{C1F6FDB9-D3FC-4B78-9222-BDC7AD7E0D10}" dt="2022-04-03T22:20:06.200" v="2687" actId="478"/>
+          <ac:graphicFrameMkLst>
+            <pc:docMk/>
+            <pc:sldMk cId="3204148524" sldId="258"/>
+            <ac:graphicFrameMk id="4" creationId="{15FE3A57-5859-4DED-AC6D-4ABC0300A709}"/>
+          </ac:graphicFrameMkLst>
+        </pc:graphicFrameChg>
+        <pc:graphicFrameChg chg="add del mod">
+          <ac:chgData name="Carlos Gomes" userId="befe0c0c48f41b83" providerId="LiveId" clId="{C1F6FDB9-D3FC-4B78-9222-BDC7AD7E0D10}" dt="2022-04-03T22:22:07.694" v="2732" actId="21"/>
+          <ac:graphicFrameMkLst>
+            <pc:docMk/>
+            <pc:sldMk cId="3204148524" sldId="258"/>
+            <ac:graphicFrameMk id="5" creationId="{21D7BED5-4C06-4B67-AE57-B80BD5EB417A}"/>
+          </ac:graphicFrameMkLst>
+        </pc:graphicFrameChg>
+      </pc:sldChg>
+      <pc:sldChg chg="addSp delSp modSp mod">
+        <pc:chgData name="Carlos Gomes" userId="befe0c0c48f41b83" providerId="LiveId" clId="{C1F6FDB9-D3FC-4B78-9222-BDC7AD7E0D10}" dt="2022-04-03T22:26:51.256" v="3196" actId="20577"/>
+        <pc:sldMkLst>
+          <pc:docMk/>
+          <pc:sldMk cId="3251552042" sldId="259"/>
+        </pc:sldMkLst>
+        <pc:spChg chg="mod">
+          <ac:chgData name="Carlos Gomes" userId="befe0c0c48f41b83" providerId="LiveId" clId="{C1F6FDB9-D3FC-4B78-9222-BDC7AD7E0D10}" dt="2022-04-03T22:26:51.256" v="3196" actId="20577"/>
+          <ac:spMkLst>
+            <pc:docMk/>
+            <pc:sldMk cId="3251552042" sldId="259"/>
+            <ac:spMk id="3" creationId="{6EDDA152-6B00-4A16-8E42-4E16F0784E3C}"/>
+          </ac:spMkLst>
+        </pc:spChg>
+        <pc:spChg chg="add del">
+          <ac:chgData name="Carlos Gomes" userId="befe0c0c48f41b83" providerId="LiveId" clId="{C1F6FDB9-D3FC-4B78-9222-BDC7AD7E0D10}" dt="2022-04-03T21:47:10.040" v="494"/>
+          <ac:spMkLst>
+            <pc:docMk/>
+            <pc:sldMk cId="3251552042" sldId="259"/>
+            <ac:spMk id="4" creationId="{4E279C7A-7679-4AF3-830B-EFE48BB8D967}"/>
+          </ac:spMkLst>
+        </pc:spChg>
+        <pc:spChg chg="add del">
+          <ac:chgData name="Carlos Gomes" userId="befe0c0c48f41b83" providerId="LiveId" clId="{C1F6FDB9-D3FC-4B78-9222-BDC7AD7E0D10}" dt="2022-04-03T21:56:16.693" v="943" actId="22"/>
+          <ac:spMkLst>
+            <pc:docMk/>
+            <pc:sldMk cId="3251552042" sldId="259"/>
+            <ac:spMk id="7" creationId="{535BC4B4-9A16-4A6C-84DF-184FEFDC54AC}"/>
+          </ac:spMkLst>
+        </pc:spChg>
+        <pc:graphicFrameChg chg="add del mod modGraphic">
+          <ac:chgData name="Carlos Gomes" userId="befe0c0c48f41b83" providerId="LiveId" clId="{C1F6FDB9-D3FC-4B78-9222-BDC7AD7E0D10}" dt="2022-04-03T22:14:16.636" v="1897" actId="21"/>
+          <ac:graphicFrameMkLst>
+            <pc:docMk/>
+            <pc:sldMk cId="3251552042" sldId="259"/>
+            <ac:graphicFrameMk id="5" creationId="{1EB8202A-9BEF-41E5-9D28-8DFCB135B6DB}"/>
+          </ac:graphicFrameMkLst>
+        </pc:graphicFrameChg>
+        <pc:graphicFrameChg chg="add del mod modGraphic">
+          <ac:chgData name="Carlos Gomes" userId="befe0c0c48f41b83" providerId="LiveId" clId="{C1F6FDB9-D3FC-4B78-9222-BDC7AD7E0D10}" dt="2022-04-03T22:20:01.187" v="2686" actId="21"/>
+          <ac:graphicFrameMkLst>
+            <pc:docMk/>
+            <pc:sldMk cId="3251552042" sldId="259"/>
+            <ac:graphicFrameMk id="8" creationId="{8F319529-01CA-4C32-9474-3DD9769ECDD5}"/>
+          </ac:graphicFrameMkLst>
+        </pc:graphicFrameChg>
+        <pc:picChg chg="add del mod">
+          <ac:chgData name="Carlos Gomes" userId="befe0c0c48f41b83" providerId="LiveId" clId="{C1F6FDB9-D3FC-4B78-9222-BDC7AD7E0D10}" dt="2022-04-03T22:21:30.480" v="2725" actId="478"/>
+          <ac:picMkLst>
+            <pc:docMk/>
+            <pc:sldMk cId="3251552042" sldId="259"/>
+            <ac:picMk id="10" creationId="{07CB6FE5-4C69-4DFB-9E32-9DF3D2C06C1B}"/>
+          </ac:picMkLst>
+        </pc:picChg>
+      </pc:sldChg>
+      <pc:sldChg chg="modSp mod">
+        <pc:chgData name="Carlos Gomes" userId="befe0c0c48f41b83" providerId="LiveId" clId="{C1F6FDB9-D3FC-4B78-9222-BDC7AD7E0D10}" dt="2022-04-03T22:33:22.391" v="3529" actId="20577"/>
+        <pc:sldMkLst>
+          <pc:docMk/>
+          <pc:sldMk cId="3566798296" sldId="260"/>
+        </pc:sldMkLst>
+        <pc:spChg chg="mod">
+          <ac:chgData name="Carlos Gomes" userId="befe0c0c48f41b83" providerId="LiveId" clId="{C1F6FDB9-D3FC-4B78-9222-BDC7AD7E0D10}" dt="2022-04-03T22:33:22.391" v="3529" actId="20577"/>
+          <ac:spMkLst>
+            <pc:docMk/>
+            <pc:sldMk cId="3566798296" sldId="260"/>
+            <ac:spMk id="3" creationId="{0F091D75-4CD1-4815-A56A-5459ACC80F92}"/>
+          </ac:spMkLst>
+        </pc:spChg>
+      </pc:sldChg>
+      <pc:sldChg chg="addSp delSp modSp new mod">
+        <pc:chgData name="Carlos Gomes" userId="befe0c0c48f41b83" providerId="LiveId" clId="{C1F6FDB9-D3FC-4B78-9222-BDC7AD7E0D10}" dt="2022-04-03T22:23:37.387" v="2777" actId="1076"/>
+        <pc:sldMkLst>
+          <pc:docMk/>
+          <pc:sldMk cId="710399668" sldId="261"/>
+        </pc:sldMkLst>
+        <pc:spChg chg="mod">
+          <ac:chgData name="Carlos Gomes" userId="befe0c0c48f41b83" providerId="LiveId" clId="{C1F6FDB9-D3FC-4B78-9222-BDC7AD7E0D10}" dt="2022-04-03T22:23:37.387" v="2777" actId="1076"/>
+          <ac:spMkLst>
+            <pc:docMk/>
+            <pc:sldMk cId="710399668" sldId="261"/>
+            <ac:spMk id="2" creationId="{27EA0A15-A027-4F12-A914-BB6A52AC47A1}"/>
+          </ac:spMkLst>
+        </pc:spChg>
+        <pc:spChg chg="del">
+          <ac:chgData name="Carlos Gomes" userId="befe0c0c48f41b83" providerId="LiveId" clId="{C1F6FDB9-D3FC-4B78-9222-BDC7AD7E0D10}" dt="2022-04-03T22:22:11.383" v="2733" actId="478"/>
+          <ac:spMkLst>
+            <pc:docMk/>
+            <pc:sldMk cId="710399668" sldId="261"/>
+            <ac:spMk id="3" creationId="{AA2DF9EB-66C7-408B-BAF0-2E28C1A71B31}"/>
+          </ac:spMkLst>
+        </pc:spChg>
+        <pc:spChg chg="add del mod">
+          <ac:chgData name="Carlos Gomes" userId="befe0c0c48f41b83" providerId="LiveId" clId="{C1F6FDB9-D3FC-4B78-9222-BDC7AD7E0D10}" dt="2022-04-03T22:22:56.687" v="2755" actId="478"/>
+          <ac:spMkLst>
+            <pc:docMk/>
+            <pc:sldMk cId="710399668" sldId="261"/>
+            <ac:spMk id="5" creationId="{453EA7F5-C1AA-4B3A-B0DD-F6BC1AE0826A}"/>
+          </ac:spMkLst>
+        </pc:spChg>
+        <pc:spChg chg="add del mod">
+          <ac:chgData name="Carlos Gomes" userId="befe0c0c48f41b83" providerId="LiveId" clId="{C1F6FDB9-D3FC-4B78-9222-BDC7AD7E0D10}" dt="2022-04-03T22:23:10.839" v="2758" actId="478"/>
+          <ac:spMkLst>
+            <pc:docMk/>
+            <pc:sldMk cId="710399668" sldId="261"/>
+            <ac:spMk id="7" creationId="{5273FB21-2CD6-467F-8011-431EBC7575DA}"/>
+          </ac:spMkLst>
+        </pc:spChg>
+        <pc:spChg chg="add mod">
+          <ac:chgData name="Carlos Gomes" userId="befe0c0c48f41b83" providerId="LiveId" clId="{C1F6FDB9-D3FC-4B78-9222-BDC7AD7E0D10}" dt="2022-04-03T22:23:33.136" v="2776" actId="1076"/>
+          <ac:spMkLst>
+            <pc:docMk/>
+            <pc:sldMk cId="710399668" sldId="261"/>
+            <ac:spMk id="8" creationId="{96D95CC1-ECCC-45D2-987C-3AFB7CEA23D7}"/>
+          </ac:spMkLst>
+        </pc:spChg>
+        <pc:graphicFrameChg chg="add del mod modGraphic">
+          <ac:chgData name="Carlos Gomes" userId="befe0c0c48f41b83" providerId="LiveId" clId="{C1F6FDB9-D3FC-4B78-9222-BDC7AD7E0D10}" dt="2022-04-03T22:22:53.813" v="2754" actId="478"/>
+          <ac:graphicFrameMkLst>
+            <pc:docMk/>
+            <pc:sldMk cId="710399668" sldId="261"/>
+            <ac:graphicFrameMk id="4" creationId="{2A3F9839-4261-4ACA-B552-CBD09BE3B284}"/>
+          </ac:graphicFrameMkLst>
+        </pc:graphicFrameChg>
+      </pc:sldChg>
+    </pc:docChg>
+  </pc:docChgLst>
+</pc:chgInfo>
+</file>
+
 <file path=ppt/slideLayouts/slideLayout1.xml><?xml version="1.0" encoding="utf-8"?>
 <p:sldLayout xmlns:a="http://schemas.openxmlformats.org/drawingml/2006/main" xmlns:r="http://schemas.openxmlformats.org/officeDocument/2006/relationships" xmlns:p="http://schemas.openxmlformats.org/presentationml/2006/main" type="title" preserve="1">
   <p:cSld name="Title Slide">
@@ -263,7 +472,7 @@
           <a:p>
             <a:fld id="{76969C88-B244-455D-A017-012B25B1ACDD}" type="datetimeFigureOut">
               <a:rPr lang="en-US" smtClean="0"/>
-              <a:t>3/25/22</a:t>
+              <a:t>4/3/2022</a:t>
             </a:fld>
             <a:endParaRPr lang="en-US"/>
           </a:p>
@@ -317,7 +526,7 @@
           <a:p>
             <a:fld id="{07CE569E-9B7C-4CB9-AB80-C0841F922CFF}" type="slidenum">
               <a:rPr lang="en-US" smtClean="0"/>
-              <a:t>‹nº›</a:t>
+              <a:t>‹#›</a:t>
             </a:fld>
             <a:endParaRPr lang="en-US"/>
           </a:p>
@@ -461,7 +670,7 @@
           <a:p>
             <a:fld id="{76969C88-B244-455D-A017-012B25B1ACDD}" type="datetimeFigureOut">
               <a:rPr lang="en-US" smtClean="0"/>
-              <a:t>3/25/22</a:t>
+              <a:t>4/3/2022</a:t>
             </a:fld>
             <a:endParaRPr lang="en-US"/>
           </a:p>
@@ -515,7 +724,7 @@
           <a:p>
             <a:fld id="{07CE569E-9B7C-4CB9-AB80-C0841F922CFF}" type="slidenum">
               <a:rPr lang="en-US" smtClean="0"/>
-              <a:t>‹nº›</a:t>
+              <a:t>‹#›</a:t>
             </a:fld>
             <a:endParaRPr lang="en-US"/>
           </a:p>
@@ -669,7 +878,7 @@
           <a:p>
             <a:fld id="{76969C88-B244-455D-A017-012B25B1ACDD}" type="datetimeFigureOut">
               <a:rPr lang="en-US" smtClean="0"/>
-              <a:t>3/25/22</a:t>
+              <a:t>4/3/2022</a:t>
             </a:fld>
             <a:endParaRPr lang="en-US"/>
           </a:p>
@@ -723,7 +932,7 @@
           <a:p>
             <a:fld id="{07CE569E-9B7C-4CB9-AB80-C0841F922CFF}" type="slidenum">
               <a:rPr lang="en-US" smtClean="0"/>
-              <a:t>‹nº›</a:t>
+              <a:t>‹#›</a:t>
             </a:fld>
             <a:endParaRPr lang="en-US"/>
           </a:p>
@@ -868,7 +1077,7 @@
           <a:p>
             <a:fld id="{76969C88-B244-455D-A017-012B25B1ACDD}" type="datetimeFigureOut">
               <a:rPr lang="en-US" smtClean="0"/>
-              <a:t>3/25/22</a:t>
+              <a:t>4/3/2022</a:t>
             </a:fld>
             <a:endParaRPr lang="en-US"/>
           </a:p>
@@ -922,7 +1131,7 @@
           <a:p>
             <a:fld id="{07CE569E-9B7C-4CB9-AB80-C0841F922CFF}" type="slidenum">
               <a:rPr lang="en-US" smtClean="0"/>
-              <a:t>‹nº›</a:t>
+              <a:t>‹#›</a:t>
             </a:fld>
             <a:endParaRPr lang="en-US"/>
           </a:p>
@@ -1143,7 +1352,7 @@
           <a:p>
             <a:fld id="{76969C88-B244-455D-A017-012B25B1ACDD}" type="datetimeFigureOut">
               <a:rPr lang="en-US" smtClean="0"/>
-              <a:t>3/25/22</a:t>
+              <a:t>4/3/2022</a:t>
             </a:fld>
             <a:endParaRPr lang="en-US"/>
           </a:p>
@@ -1197,7 +1406,7 @@
           <a:p>
             <a:fld id="{07CE569E-9B7C-4CB9-AB80-C0841F922CFF}" type="slidenum">
               <a:rPr lang="en-US" smtClean="0"/>
-              <a:t>‹nº›</a:t>
+              <a:t>‹#›</a:t>
             </a:fld>
             <a:endParaRPr lang="en-US"/>
           </a:p>
@@ -1408,7 +1617,7 @@
           <a:p>
             <a:fld id="{76969C88-B244-455D-A017-012B25B1ACDD}" type="datetimeFigureOut">
               <a:rPr lang="en-US" smtClean="0"/>
-              <a:t>3/25/22</a:t>
+              <a:t>4/3/2022</a:t>
             </a:fld>
             <a:endParaRPr lang="en-US"/>
           </a:p>
@@ -1462,7 +1671,7 @@
           <a:p>
             <a:fld id="{07CE569E-9B7C-4CB9-AB80-C0841F922CFF}" type="slidenum">
               <a:rPr lang="en-US" smtClean="0"/>
-              <a:t>‹nº›</a:t>
+              <a:t>‹#›</a:t>
             </a:fld>
             <a:endParaRPr lang="en-US"/>
           </a:p>
@@ -1820,7 +2029,7 @@
           <a:p>
             <a:fld id="{76969C88-B244-455D-A017-012B25B1ACDD}" type="datetimeFigureOut">
               <a:rPr lang="en-US" smtClean="0"/>
-              <a:t>3/25/22</a:t>
+              <a:t>4/3/2022</a:t>
             </a:fld>
             <a:endParaRPr lang="en-US"/>
           </a:p>
@@ -1874,7 +2083,7 @@
           <a:p>
             <a:fld id="{07CE569E-9B7C-4CB9-AB80-C0841F922CFF}" type="slidenum">
               <a:rPr lang="en-US" smtClean="0"/>
-              <a:t>‹nº›</a:t>
+              <a:t>‹#›</a:t>
             </a:fld>
             <a:endParaRPr lang="en-US"/>
           </a:p>
@@ -1961,7 +2170,7 @@
           <a:p>
             <a:fld id="{76969C88-B244-455D-A017-012B25B1ACDD}" type="datetimeFigureOut">
               <a:rPr lang="en-US" smtClean="0"/>
-              <a:t>3/25/22</a:t>
+              <a:t>4/3/2022</a:t>
             </a:fld>
             <a:endParaRPr lang="en-US"/>
           </a:p>
@@ -2015,7 +2224,7 @@
           <a:p>
             <a:fld id="{07CE569E-9B7C-4CB9-AB80-C0841F922CFF}" type="slidenum">
               <a:rPr lang="en-US" smtClean="0"/>
-              <a:t>‹nº›</a:t>
+              <a:t>‹#›</a:t>
             </a:fld>
             <a:endParaRPr lang="en-US"/>
           </a:p>
@@ -2074,7 +2283,7 @@
           <a:p>
             <a:fld id="{76969C88-B244-455D-A017-012B25B1ACDD}" type="datetimeFigureOut">
               <a:rPr lang="en-US" smtClean="0"/>
-              <a:t>3/25/22</a:t>
+              <a:t>4/3/2022</a:t>
             </a:fld>
             <a:endParaRPr lang="en-US"/>
           </a:p>
@@ -2128,7 +2337,7 @@
           <a:p>
             <a:fld id="{07CE569E-9B7C-4CB9-AB80-C0841F922CFF}" type="slidenum">
               <a:rPr lang="en-US" smtClean="0"/>
-              <a:t>‹nº›</a:t>
+              <a:t>‹#›</a:t>
             </a:fld>
             <a:endParaRPr lang="en-US"/>
           </a:p>
@@ -2386,7 +2595,7 @@
           <a:p>
             <a:fld id="{76969C88-B244-455D-A017-012B25B1ACDD}" type="datetimeFigureOut">
               <a:rPr lang="en-US" smtClean="0"/>
-              <a:t>3/25/22</a:t>
+              <a:t>4/3/2022</a:t>
             </a:fld>
             <a:endParaRPr lang="en-US"/>
           </a:p>
@@ -2440,7 +2649,7 @@
           <a:p>
             <a:fld id="{07CE569E-9B7C-4CB9-AB80-C0841F922CFF}" type="slidenum">
               <a:rPr lang="en-US" smtClean="0"/>
-              <a:t>‹nº›</a:t>
+              <a:t>‹#›</a:t>
             </a:fld>
             <a:endParaRPr lang="en-US"/>
           </a:p>
@@ -2677,7 +2886,7 @@
           <a:p>
             <a:fld id="{76969C88-B244-455D-A017-012B25B1ACDD}" type="datetimeFigureOut">
               <a:rPr lang="en-US" smtClean="0"/>
-              <a:t>3/25/22</a:t>
+              <a:t>4/3/2022</a:t>
             </a:fld>
             <a:endParaRPr lang="en-US"/>
           </a:p>
@@ -2731,7 +2940,7 @@
           <a:p>
             <a:fld id="{07CE569E-9B7C-4CB9-AB80-C0841F922CFF}" type="slidenum">
               <a:rPr lang="en-US" smtClean="0"/>
-              <a:t>‹nº›</a:t>
+              <a:t>‹#›</a:t>
             </a:fld>
             <a:endParaRPr lang="en-US"/>
           </a:p>
@@ -3433,7 +3642,7 @@
             <a:fld id="{76969C88-B244-455D-A017-012B25B1ACDD}" type="datetimeFigureOut">
               <a:rPr lang="en-US" smtClean="0"/>
               <a:pPr/>
-              <a:t>3/25/22</a:t>
+              <a:t>4/3/2022</a:t>
             </a:fld>
             <a:endParaRPr lang="en-US"/>
           </a:p>
@@ -3526,7 +3735,7 @@
             <a:fld id="{07CE569E-9B7C-4CB9-AB80-C0841F922CFF}" type="slidenum">
               <a:rPr lang="en-US" smtClean="0"/>
               <a:pPr/>
-              <a:t>‹nº›</a:t>
+              <a:t>‹#›</a:t>
             </a:fld>
             <a:endParaRPr lang="en-US"/>
           </a:p>
@@ -3974,22 +4183,16 @@
           </a:bodyPr>
           <a:lstStyle/>
           <a:p>
-            <a:pPr algn="l"/>
-            <a:r>
-              <a:rPr lang="pt-PT" sz="4400" u="sng" dirty="0" err="1"/>
-              <a:t>Chess</a:t>
-            </a:r>
             <a:r>
               <a:rPr lang="pt-PT" sz="4400" u="sng" dirty="0"/>
-              <a:t> </a:t>
-            </a:r>
-            <a:r>
-              <a:rPr lang="pt-PT" sz="4400" u="sng" dirty="0" err="1"/>
-              <a:t>Snake</a:t>
-            </a:r>
-            <a:r>
+              <a:t>Chess Snake </a:t>
+            </a:r>
+            <a:br>
               <a:rPr lang="pt-PT" sz="4400" u="sng" dirty="0"/>
-              <a:t> Puzzles – 2022 IA Project</a:t>
+            </a:br>
+            <a:r>
+              <a:rPr lang="pt-PT" sz="4400" u="sng" dirty="0"/>
+              <a:t>IART Project</a:t>
             </a:r>
           </a:p>
         </p:txBody>
@@ -4025,21 +4228,21 @@
             <a:pPr algn="l"/>
             <a:r>
               <a:rPr lang="pt-PT" dirty="0"/>
-              <a:t>Carlos Gomes – UP201906622</a:t>
+              <a:t>Carlos Gomes – up201906622</a:t>
             </a:r>
           </a:p>
           <a:p>
             <a:pPr algn="l"/>
             <a:r>
               <a:rPr lang="pt-PT" dirty="0"/>
-              <a:t>Domingos Santos – UP201906680</a:t>
+              <a:t>Domingos Santos – up201906680</a:t>
             </a:r>
           </a:p>
           <a:p>
             <a:pPr algn="l"/>
             <a:r>
               <a:rPr lang="pt-PT" dirty="0"/>
-              <a:t>Filipe Pinto – UP201907747</a:t>
+              <a:t>Filipe Pinto – up201907747</a:t>
             </a:r>
           </a:p>
         </p:txBody>
@@ -4567,397 +4770,61 @@
         <p:spPr/>
         <p:txBody>
           <a:bodyPr>
-            <a:normAutofit lnSpcReduction="10000"/>
+            <a:normAutofit fontScale="70000" lnSpcReduction="20000"/>
           </a:bodyPr>
           <a:lstStyle/>
           <a:p>
             <a:r>
-              <a:rPr lang="pt-PT" dirty="0" err="1"/>
-              <a:t>The</a:t>
-            </a:r>
-            <a:r>
               <a:rPr lang="pt-PT" dirty="0"/>
-              <a:t> </a:t>
-            </a:r>
-            <a:r>
-              <a:rPr lang="pt-PT" dirty="0" err="1"/>
-              <a:t>main</a:t>
-            </a:r>
+              <a:t>The main goal for this project is to, based on Artificial Inteligence skills and search algorithms, implement a version of the puzzle “Chess Snake”;</a:t>
+            </a:r>
+          </a:p>
+          <a:p>
             <a:r>
               <a:rPr lang="pt-PT" dirty="0"/>
-              <a:t> </a:t>
-            </a:r>
-            <a:r>
-              <a:rPr lang="pt-PT" dirty="0" err="1"/>
-              <a:t>goal</a:t>
-            </a:r>
+              <a:t>The main goal of the puzzle is to connect the bottom left tile of the board with the top right tile, by creating a path according to some rules;</a:t>
+            </a:r>
+          </a:p>
+          <a:p>
             <a:r>
               <a:rPr lang="pt-PT" dirty="0"/>
-              <a:t> for </a:t>
-            </a:r>
-            <a:r>
-              <a:rPr lang="pt-PT" dirty="0" err="1"/>
-              <a:t>this</a:t>
-            </a:r>
+              <a:t>The rules are: </a:t>
+            </a:r>
+          </a:p>
+          <a:p>
+            <a:pPr marL="0" indent="0">
+              <a:buNone/>
+            </a:pPr>
             <a:r>
               <a:rPr lang="pt-PT" dirty="0"/>
-              <a:t> </a:t>
-            </a:r>
-            <a:r>
-              <a:rPr lang="pt-PT" dirty="0" err="1"/>
-              <a:t>project</a:t>
-            </a:r>
+              <a:t>    - No loops are allowed;</a:t>
+            </a:r>
+          </a:p>
+          <a:p>
+            <a:pPr marL="0" indent="0">
+              <a:buNone/>
+            </a:pPr>
             <a:r>
               <a:rPr lang="pt-PT" dirty="0"/>
-              <a:t> </a:t>
-            </a:r>
-            <a:r>
-              <a:rPr lang="pt-PT" dirty="0" err="1"/>
-              <a:t>is</a:t>
-            </a:r>
+              <a:t>    - Each chess piece attacks and equal number of squares of the choose path;</a:t>
+            </a:r>
+          </a:p>
+          <a:p>
+            <a:pPr marL="0" indent="0">
+              <a:buNone/>
+            </a:pPr>
             <a:r>
               <a:rPr lang="pt-PT" dirty="0"/>
-              <a:t> to, </a:t>
-            </a:r>
-            <a:r>
-              <a:rPr lang="pt-PT" dirty="0" err="1"/>
-              <a:t>based</a:t>
-            </a:r>
+              <a:t>    - Pieces may not be crossed by the path</a:t>
+            </a:r>
+          </a:p>
+          <a:p>
+            <a:pPr marL="0" indent="0">
+              <a:buNone/>
+            </a:pPr>
             <a:r>
               <a:rPr lang="pt-PT" dirty="0"/>
-              <a:t> </a:t>
-            </a:r>
-            <a:r>
-              <a:rPr lang="pt-PT" dirty="0" err="1"/>
-              <a:t>on</a:t>
-            </a:r>
-            <a:r>
-              <a:rPr lang="pt-PT" dirty="0"/>
-              <a:t> Artificial </a:t>
-            </a:r>
-            <a:r>
-              <a:rPr lang="pt-PT" dirty="0" err="1"/>
-              <a:t>Inteligence</a:t>
-            </a:r>
-            <a:r>
-              <a:rPr lang="pt-PT" dirty="0"/>
-              <a:t> </a:t>
-            </a:r>
-            <a:r>
-              <a:rPr lang="pt-PT" dirty="0" err="1"/>
-              <a:t>skills</a:t>
-            </a:r>
-            <a:r>
-              <a:rPr lang="pt-PT" dirty="0"/>
-              <a:t>, </a:t>
-            </a:r>
-            <a:r>
-              <a:rPr lang="pt-PT" dirty="0" err="1"/>
-              <a:t>and</a:t>
-            </a:r>
-            <a:r>
-              <a:rPr lang="pt-PT" dirty="0"/>
-              <a:t> </a:t>
-            </a:r>
-            <a:r>
-              <a:rPr lang="pt-PT" dirty="0" err="1"/>
-              <a:t>search</a:t>
-            </a:r>
-            <a:r>
-              <a:rPr lang="pt-PT" dirty="0"/>
-              <a:t> </a:t>
-            </a:r>
-            <a:r>
-              <a:rPr lang="pt-PT" dirty="0" err="1"/>
-              <a:t>algorithms</a:t>
-            </a:r>
-            <a:r>
-              <a:rPr lang="pt-PT" dirty="0"/>
-              <a:t>, </a:t>
-            </a:r>
-            <a:r>
-              <a:rPr lang="pt-PT" dirty="0" err="1"/>
-              <a:t>draw</a:t>
-            </a:r>
-            <a:r>
-              <a:rPr lang="pt-PT" dirty="0"/>
-              <a:t> a </a:t>
-            </a:r>
-            <a:r>
-              <a:rPr lang="pt-PT" dirty="0" err="1"/>
-              <a:t>snake</a:t>
-            </a:r>
-            <a:r>
-              <a:rPr lang="pt-PT" dirty="0"/>
-              <a:t> </a:t>
-            </a:r>
-            <a:r>
-              <a:rPr lang="pt-PT" dirty="0" err="1"/>
-              <a:t>that</a:t>
-            </a:r>
-            <a:r>
-              <a:rPr lang="pt-PT" dirty="0"/>
-              <a:t> </a:t>
-            </a:r>
-            <a:r>
-              <a:rPr lang="pt-PT" dirty="0" err="1"/>
-              <a:t>goes</a:t>
-            </a:r>
-            <a:r>
-              <a:rPr lang="pt-PT" dirty="0"/>
-              <a:t> </a:t>
-            </a:r>
-            <a:r>
-              <a:rPr lang="pt-PT" dirty="0" err="1"/>
-              <a:t>from</a:t>
-            </a:r>
-            <a:r>
-              <a:rPr lang="pt-PT" dirty="0"/>
-              <a:t> </a:t>
-            </a:r>
-            <a:r>
-              <a:rPr lang="pt-PT" dirty="0" err="1"/>
-              <a:t>the</a:t>
-            </a:r>
-            <a:r>
-              <a:rPr lang="pt-PT" dirty="0"/>
-              <a:t> </a:t>
-            </a:r>
-            <a:r>
-              <a:rPr lang="pt-PT" dirty="0" err="1"/>
-              <a:t>lower</a:t>
-            </a:r>
-            <a:r>
-              <a:rPr lang="pt-PT" dirty="0"/>
-              <a:t> </a:t>
-            </a:r>
-            <a:r>
-              <a:rPr lang="pt-PT" dirty="0" err="1"/>
-              <a:t>left</a:t>
-            </a:r>
-            <a:r>
-              <a:rPr lang="pt-PT" dirty="0"/>
-              <a:t> </a:t>
-            </a:r>
-            <a:r>
-              <a:rPr lang="pt-PT" dirty="0" err="1"/>
-              <a:t>square</a:t>
-            </a:r>
-            <a:r>
-              <a:rPr lang="pt-PT" dirty="0"/>
-              <a:t> to </a:t>
-            </a:r>
-            <a:r>
-              <a:rPr lang="pt-PT" dirty="0" err="1"/>
-              <a:t>the</a:t>
-            </a:r>
-            <a:r>
-              <a:rPr lang="pt-PT" dirty="0"/>
-              <a:t> </a:t>
-            </a:r>
-            <a:r>
-              <a:rPr lang="pt-PT" dirty="0" err="1"/>
-              <a:t>upper</a:t>
-            </a:r>
-            <a:r>
-              <a:rPr lang="pt-PT" dirty="0"/>
-              <a:t> </a:t>
-            </a:r>
-            <a:r>
-              <a:rPr lang="pt-PT" dirty="0" err="1"/>
-              <a:t>right</a:t>
-            </a:r>
-            <a:r>
-              <a:rPr lang="pt-PT" dirty="0"/>
-              <a:t> </a:t>
-            </a:r>
-            <a:r>
-              <a:rPr lang="pt-PT" dirty="0" err="1"/>
-              <a:t>square</a:t>
-            </a:r>
-            <a:r>
-              <a:rPr lang="pt-PT" dirty="0"/>
-              <a:t>;</a:t>
-            </a:r>
-          </a:p>
-          <a:p>
-            <a:r>
-              <a:rPr lang="pt-PT" dirty="0" err="1"/>
-              <a:t>Each</a:t>
-            </a:r>
-            <a:r>
-              <a:rPr lang="pt-PT" dirty="0"/>
-              <a:t> </a:t>
-            </a:r>
-            <a:r>
-              <a:rPr lang="pt-PT" dirty="0" err="1"/>
-              <a:t>chess</a:t>
-            </a:r>
-            <a:r>
-              <a:rPr lang="pt-PT" dirty="0"/>
-              <a:t> </a:t>
-            </a:r>
-            <a:r>
-              <a:rPr lang="pt-PT" dirty="0" err="1"/>
-              <a:t>piece</a:t>
-            </a:r>
-            <a:r>
-              <a:rPr lang="pt-PT" dirty="0"/>
-              <a:t> </a:t>
-            </a:r>
-            <a:r>
-              <a:rPr lang="pt-PT" dirty="0" err="1"/>
-              <a:t>should</a:t>
-            </a:r>
-            <a:r>
-              <a:rPr lang="pt-PT" dirty="0"/>
-              <a:t> </a:t>
-            </a:r>
-            <a:r>
-              <a:rPr lang="pt-PT" dirty="0" err="1"/>
-              <a:t>attack</a:t>
-            </a:r>
-            <a:r>
-              <a:rPr lang="pt-PT" dirty="0"/>
-              <a:t> </a:t>
-            </a:r>
-            <a:r>
-              <a:rPr lang="pt-PT" dirty="0" err="1"/>
-              <a:t>the</a:t>
-            </a:r>
-            <a:r>
-              <a:rPr lang="pt-PT" dirty="0"/>
-              <a:t> </a:t>
-            </a:r>
-            <a:r>
-              <a:rPr lang="pt-PT" dirty="0" err="1"/>
-              <a:t>same</a:t>
-            </a:r>
-            <a:r>
-              <a:rPr lang="pt-PT" dirty="0"/>
-              <a:t> </a:t>
-            </a:r>
-            <a:r>
-              <a:rPr lang="pt-PT" dirty="0" err="1"/>
-              <a:t>number</a:t>
-            </a:r>
-            <a:r>
-              <a:rPr lang="pt-PT" dirty="0"/>
-              <a:t> </a:t>
-            </a:r>
-            <a:r>
-              <a:rPr lang="pt-PT" dirty="0" err="1"/>
-              <a:t>of</a:t>
-            </a:r>
-            <a:r>
-              <a:rPr lang="pt-PT" dirty="0"/>
-              <a:t> </a:t>
-            </a:r>
-            <a:r>
-              <a:rPr lang="pt-PT" dirty="0" err="1"/>
-              <a:t>segments</a:t>
-            </a:r>
-            <a:r>
-              <a:rPr lang="pt-PT" dirty="0"/>
-              <a:t> </a:t>
-            </a:r>
-            <a:r>
-              <a:rPr lang="pt-PT" dirty="0" err="1"/>
-              <a:t>of</a:t>
-            </a:r>
-            <a:r>
-              <a:rPr lang="pt-PT" dirty="0"/>
-              <a:t> </a:t>
-            </a:r>
-            <a:r>
-              <a:rPr lang="pt-PT" dirty="0" err="1"/>
-              <a:t>the</a:t>
-            </a:r>
-            <a:r>
-              <a:rPr lang="pt-PT" dirty="0"/>
-              <a:t> </a:t>
-            </a:r>
-            <a:r>
-              <a:rPr lang="pt-PT" dirty="0" err="1"/>
-              <a:t>snake</a:t>
-            </a:r>
-            <a:r>
-              <a:rPr lang="pt-PT" dirty="0"/>
-              <a:t>;</a:t>
-            </a:r>
-          </a:p>
-          <a:p>
-            <a:r>
-              <a:rPr lang="pt-PT" dirty="0" err="1"/>
-              <a:t>This</a:t>
-            </a:r>
-            <a:r>
-              <a:rPr lang="pt-PT" dirty="0"/>
-              <a:t> </a:t>
-            </a:r>
-            <a:r>
-              <a:rPr lang="pt-PT" dirty="0" err="1"/>
-              <a:t>project</a:t>
-            </a:r>
-            <a:r>
-              <a:rPr lang="pt-PT" dirty="0"/>
-              <a:t> </a:t>
-            </a:r>
-            <a:r>
-              <a:rPr lang="pt-PT" dirty="0" err="1"/>
-              <a:t>should</a:t>
-            </a:r>
-            <a:r>
-              <a:rPr lang="pt-PT" dirty="0"/>
-              <a:t> </a:t>
-            </a:r>
-            <a:r>
-              <a:rPr lang="pt-PT" dirty="0" err="1"/>
-              <a:t>allow</a:t>
-            </a:r>
-            <a:r>
-              <a:rPr lang="pt-PT" dirty="0"/>
-              <a:t> </a:t>
-            </a:r>
-            <a:r>
-              <a:rPr lang="pt-PT" dirty="0" err="1"/>
-              <a:t>different</a:t>
-            </a:r>
-            <a:r>
-              <a:rPr lang="pt-PT" dirty="0"/>
-              <a:t> </a:t>
-            </a:r>
-            <a:r>
-              <a:rPr lang="pt-PT" dirty="0" err="1"/>
-              <a:t>level</a:t>
-            </a:r>
-            <a:r>
-              <a:rPr lang="pt-PT" dirty="0"/>
-              <a:t> games </a:t>
-            </a:r>
-            <a:r>
-              <a:rPr lang="pt-PT" dirty="0" err="1"/>
-              <a:t>and</a:t>
-            </a:r>
-            <a:r>
-              <a:rPr lang="pt-PT" dirty="0"/>
-              <a:t> </a:t>
-            </a:r>
-            <a:r>
-              <a:rPr lang="pt-PT" dirty="0" err="1"/>
-              <a:t>multiplayer</a:t>
-            </a:r>
-            <a:r>
-              <a:rPr lang="pt-PT" dirty="0"/>
-              <a:t> </a:t>
-            </a:r>
-            <a:r>
-              <a:rPr lang="pt-PT" dirty="0" err="1"/>
-              <a:t>options</a:t>
-            </a:r>
-            <a:r>
-              <a:rPr lang="pt-PT" dirty="0"/>
-              <a:t>;</a:t>
+              <a:t>    - The snake cannot touch itself.</a:t>
             </a:r>
           </a:p>
         </p:txBody>
@@ -5189,308 +5056,26 @@
         <p:spPr/>
         <p:txBody>
           <a:bodyPr>
-            <a:normAutofit lnSpcReduction="10000"/>
+            <a:normAutofit fontScale="77500" lnSpcReduction="20000"/>
           </a:bodyPr>
           <a:lstStyle/>
           <a:p>
             <a:r>
-              <a:rPr lang="pt-PT" dirty="0" err="1"/>
-              <a:t>Multiple</a:t>
-            </a:r>
-            <a:r>
               <a:rPr lang="pt-PT" dirty="0"/>
-              <a:t> </a:t>
-            </a:r>
-            <a:r>
-              <a:rPr lang="pt-PT" dirty="0" err="1"/>
-              <a:t>State</a:t>
-            </a:r>
+              <a:t>State Representation: The board is represented by a matrix (list of lists) start and end tile are represented by the char ‘s’ and ‘f’, respectively, each chess piece is also represented by a char (king – k, queen – q, bishop – b, knigth – n, rook –r and pawn - p) the path tiles are represented with a 1 and the empty tiles with a 0.</a:t>
+            </a:r>
+          </a:p>
+          <a:p>
             <a:r>
               <a:rPr lang="pt-PT" dirty="0"/>
-              <a:t> </a:t>
-            </a:r>
-            <a:r>
-              <a:rPr lang="pt-PT" dirty="0" err="1"/>
-              <a:t>Problem</a:t>
-            </a:r>
+              <a:t>Initial state: The initial state is represented with the given chess tiles defined in the board and the start and finish tiles well-marked as well.</a:t>
+            </a:r>
+          </a:p>
+          <a:p>
             <a:r>
               <a:rPr lang="pt-PT" dirty="0"/>
-              <a:t>;</a:t>
-            </a:r>
-          </a:p>
-          <a:p>
-            <a:r>
-              <a:rPr lang="pt-PT" dirty="0" err="1"/>
-              <a:t>State</a:t>
-            </a:r>
-            <a:r>
-              <a:rPr lang="pt-PT" dirty="0"/>
-              <a:t> </a:t>
-            </a:r>
-            <a:r>
-              <a:rPr lang="pt-PT" dirty="0" err="1"/>
-              <a:t>Space</a:t>
-            </a:r>
-            <a:r>
-              <a:rPr lang="pt-PT" dirty="0"/>
-              <a:t>:</a:t>
-            </a:r>
-          </a:p>
-          <a:p>
-            <a:pPr lvl="1"/>
-            <a:r>
-              <a:rPr lang="pt-PT" dirty="0" err="1"/>
-              <a:t>Initial</a:t>
-            </a:r>
-            <a:r>
-              <a:rPr lang="pt-PT" dirty="0"/>
-              <a:t> </a:t>
-            </a:r>
-            <a:r>
-              <a:rPr lang="pt-PT" dirty="0" err="1"/>
-              <a:t>State</a:t>
-            </a:r>
-            <a:r>
-              <a:rPr lang="pt-PT" dirty="0"/>
-              <a:t>: Puzzle </a:t>
-            </a:r>
-            <a:r>
-              <a:rPr lang="pt-PT" dirty="0" err="1"/>
-              <a:t>with</a:t>
-            </a:r>
-            <a:r>
-              <a:rPr lang="pt-PT" dirty="0"/>
-              <a:t> 2 </a:t>
-            </a:r>
-            <a:r>
-              <a:rPr lang="pt-PT" dirty="0" err="1"/>
-              <a:t>pieces</a:t>
-            </a:r>
-            <a:r>
-              <a:rPr lang="pt-PT" dirty="0"/>
-              <a:t>;</a:t>
-            </a:r>
-          </a:p>
-          <a:p>
-            <a:pPr lvl="1"/>
-            <a:r>
-              <a:rPr lang="pt-PT" dirty="0" err="1"/>
-              <a:t>Possible</a:t>
-            </a:r>
-            <a:r>
-              <a:rPr lang="pt-PT" dirty="0"/>
-              <a:t> </a:t>
-            </a:r>
-            <a:r>
-              <a:rPr lang="pt-PT" dirty="0" err="1"/>
-              <a:t>operations</a:t>
-            </a:r>
-            <a:r>
-              <a:rPr lang="pt-PT" dirty="0"/>
-              <a:t>: LEFT, RIGHT, UP, DOWN;</a:t>
-            </a:r>
-          </a:p>
-          <a:p>
-            <a:pPr lvl="1"/>
-            <a:r>
-              <a:rPr lang="pt-PT" dirty="0" err="1"/>
-              <a:t>Objective</a:t>
-            </a:r>
-            <a:r>
-              <a:rPr lang="pt-PT" dirty="0"/>
-              <a:t> </a:t>
-            </a:r>
-            <a:r>
-              <a:rPr lang="pt-PT" dirty="0" err="1"/>
-              <a:t>state</a:t>
-            </a:r>
-            <a:r>
-              <a:rPr lang="pt-PT" dirty="0"/>
-              <a:t>: “</a:t>
-            </a:r>
-            <a:r>
-              <a:rPr lang="pt-PT" dirty="0" err="1"/>
-              <a:t>each</a:t>
-            </a:r>
-            <a:r>
-              <a:rPr lang="pt-PT" dirty="0"/>
-              <a:t> </a:t>
-            </a:r>
-            <a:r>
-              <a:rPr lang="pt-PT" dirty="0" err="1"/>
-              <a:t>chess</a:t>
-            </a:r>
-            <a:r>
-              <a:rPr lang="pt-PT" dirty="0"/>
-              <a:t> </a:t>
-            </a:r>
-            <a:r>
-              <a:rPr lang="pt-PT" dirty="0" err="1"/>
-              <a:t>piece</a:t>
-            </a:r>
-            <a:r>
-              <a:rPr lang="pt-PT" dirty="0"/>
-              <a:t> </a:t>
-            </a:r>
-            <a:r>
-              <a:rPr lang="pt-PT" dirty="0" err="1"/>
-              <a:t>should</a:t>
-            </a:r>
-            <a:r>
-              <a:rPr lang="pt-PT" dirty="0"/>
-              <a:t> </a:t>
-            </a:r>
-            <a:r>
-              <a:rPr lang="pt-PT" dirty="0" err="1"/>
-              <a:t>attack</a:t>
-            </a:r>
-            <a:r>
-              <a:rPr lang="pt-PT" dirty="0"/>
-              <a:t> </a:t>
-            </a:r>
-            <a:r>
-              <a:rPr lang="pt-PT" dirty="0" err="1"/>
-              <a:t>the</a:t>
-            </a:r>
-            <a:r>
-              <a:rPr lang="pt-PT" dirty="0"/>
-              <a:t> </a:t>
-            </a:r>
-            <a:r>
-              <a:rPr lang="pt-PT" dirty="0" err="1"/>
-              <a:t>same</a:t>
-            </a:r>
-            <a:r>
-              <a:rPr lang="pt-PT" dirty="0"/>
-              <a:t> </a:t>
-            </a:r>
-            <a:r>
-              <a:rPr lang="pt-PT" dirty="0" err="1"/>
-              <a:t>number</a:t>
-            </a:r>
-            <a:r>
-              <a:rPr lang="pt-PT" dirty="0"/>
-              <a:t> </a:t>
-            </a:r>
-            <a:r>
-              <a:rPr lang="pt-PT" dirty="0" err="1"/>
-              <a:t>of</a:t>
-            </a:r>
-            <a:r>
-              <a:rPr lang="pt-PT" dirty="0"/>
-              <a:t> </a:t>
-            </a:r>
-            <a:r>
-              <a:rPr lang="pt-PT" dirty="0" err="1"/>
-              <a:t>segments</a:t>
-            </a:r>
-            <a:r>
-              <a:rPr lang="pt-PT" dirty="0"/>
-              <a:t> </a:t>
-            </a:r>
-            <a:r>
-              <a:rPr lang="pt-PT" dirty="0" err="1"/>
-              <a:t>of</a:t>
-            </a:r>
-            <a:r>
-              <a:rPr lang="pt-PT" dirty="0"/>
-              <a:t> </a:t>
-            </a:r>
-            <a:r>
-              <a:rPr lang="pt-PT" dirty="0" err="1"/>
-              <a:t>the</a:t>
-            </a:r>
-            <a:r>
-              <a:rPr lang="pt-PT" dirty="0"/>
-              <a:t> </a:t>
-            </a:r>
-            <a:r>
-              <a:rPr lang="pt-PT" dirty="0" err="1"/>
-              <a:t>snake</a:t>
-            </a:r>
-            <a:r>
-              <a:rPr lang="pt-PT" dirty="0"/>
-              <a:t>” (Não sei descrever o </a:t>
-            </a:r>
-            <a:r>
-              <a:rPr lang="pt-PT" dirty="0" err="1"/>
-              <a:t>state</a:t>
-            </a:r>
-            <a:r>
-              <a:rPr lang="pt-PT" dirty="0"/>
-              <a:t> aqui);</a:t>
-            </a:r>
-          </a:p>
-          <a:p>
-            <a:pPr lvl="1"/>
-            <a:r>
-              <a:rPr lang="pt-PT" dirty="0" err="1"/>
-              <a:t>Solution</a:t>
-            </a:r>
-            <a:r>
-              <a:rPr lang="pt-PT" dirty="0"/>
-              <a:t> </a:t>
-            </a:r>
-            <a:r>
-              <a:rPr lang="pt-PT" dirty="0" err="1"/>
-              <a:t>costs</a:t>
-            </a:r>
-            <a:r>
-              <a:rPr lang="pt-PT" dirty="0"/>
-              <a:t>: </a:t>
-            </a:r>
-            <a:r>
-              <a:rPr lang="pt-PT" dirty="0" err="1"/>
-              <a:t>each</a:t>
-            </a:r>
-            <a:r>
-              <a:rPr lang="pt-PT" dirty="0"/>
-              <a:t> </a:t>
-            </a:r>
-            <a:r>
-              <a:rPr lang="pt-PT" dirty="0" err="1"/>
-              <a:t>operation</a:t>
-            </a:r>
-            <a:r>
-              <a:rPr lang="pt-PT" dirty="0"/>
-              <a:t> </a:t>
-            </a:r>
-            <a:r>
-              <a:rPr lang="pt-PT" dirty="0" err="1"/>
-              <a:t>costs</a:t>
-            </a:r>
-            <a:r>
-              <a:rPr lang="pt-PT" dirty="0"/>
-              <a:t> 1 </a:t>
-            </a:r>
-            <a:r>
-              <a:rPr lang="pt-PT" dirty="0" err="1"/>
-              <a:t>piece</a:t>
-            </a:r>
-            <a:r>
-              <a:rPr lang="pt-PT" dirty="0"/>
-              <a:t> </a:t>
-            </a:r>
-            <a:r>
-              <a:rPr lang="pt-PT" dirty="0" err="1"/>
-              <a:t>of</a:t>
-            </a:r>
-            <a:r>
-              <a:rPr lang="pt-PT" dirty="0"/>
-              <a:t> </a:t>
-            </a:r>
-            <a:r>
-              <a:rPr lang="pt-PT" dirty="0" err="1"/>
-              <a:t>snake</a:t>
-            </a:r>
-            <a:r>
-              <a:rPr lang="pt-PT" dirty="0"/>
-              <a:t>;</a:t>
-            </a:r>
-          </a:p>
-          <a:p>
-            <a:pPr lvl="1"/>
-            <a:endParaRPr lang="pt-PT" dirty="0"/>
+              <a:t>Final state: state with a choosen path which may follow the rules defined in the game description. So it will be a matrix similiar with the initial state but, in this case with the tiles representing the solution path marked with a 1.</a:t>
+            </a:r>
           </a:p>
         </p:txBody>
       </p:sp>
@@ -5526,6 +5111,564 @@
       </p:grpSpPr>
       <p:sp>
         <p:nvSpPr>
+          <p:cNvPr id="2" name="Title 1">
+            <a:extLst>
+              <a:ext uri="{FF2B5EF4-FFF2-40B4-BE49-F238E27FC236}">
+                <a16:creationId xmlns:a16="http://schemas.microsoft.com/office/drawing/2014/main" id="{27EA0A15-A027-4F12-A914-BB6A52AC47A1}"/>
+              </a:ext>
+            </a:extLst>
+          </p:cNvPr>
+          <p:cNvSpPr>
+            <a:spLocks noGrp="1"/>
+          </p:cNvSpPr>
+          <p:nvPr>
+            <p:ph type="title"/>
+          </p:nvPr>
+        </p:nvSpPr>
+        <p:spPr>
+          <a:xfrm>
+            <a:off x="820723" y="544418"/>
+            <a:ext cx="10668000" cy="1524000"/>
+          </a:xfrm>
+        </p:spPr>
+        <p:txBody>
+          <a:bodyPr/>
+          <a:lstStyle/>
+          <a:p>
+            <a:r>
+              <a:rPr lang="pt-PT" dirty="0"/>
+              <a:t>Search Problem Formulation</a:t>
+            </a:r>
+          </a:p>
+        </p:txBody>
+      </p:sp>
+      <p:graphicFrame>
+        <p:nvGraphicFramePr>
+          <p:cNvPr id="4" name="Table 5">
+            <a:extLst>
+              <a:ext uri="{FF2B5EF4-FFF2-40B4-BE49-F238E27FC236}">
+                <a16:creationId xmlns:a16="http://schemas.microsoft.com/office/drawing/2014/main" id="{2A3F9839-4261-4ACA-B552-CBD09BE3B284}"/>
+              </a:ext>
+            </a:extLst>
+          </p:cNvPr>
+          <p:cNvGraphicFramePr>
+            <a:graphicFrameLocks noGrp="1"/>
+          </p:cNvGraphicFramePr>
+          <p:nvPr>
+            <p:extLst>
+              <p:ext uri="{D42A27DB-BD31-4B8C-83A1-F6EECF244321}">
+                <p14:modId xmlns:p14="http://schemas.microsoft.com/office/powerpoint/2010/main" val="3057027204"/>
+              </p:ext>
+            </p:extLst>
+          </p:nvPr>
+        </p:nvGraphicFramePr>
+        <p:xfrm>
+          <a:off x="1143633" y="2286000"/>
+          <a:ext cx="9720000" cy="4084320"/>
+        </p:xfrm>
+        <a:graphic>
+          <a:graphicData uri="http://schemas.openxmlformats.org/drawingml/2006/table">
+            <a:tbl>
+              <a:tblPr firstRow="1" bandRow="1">
+                <a:tableStyleId>{5C22544A-7EE6-4342-B048-85BDC9FD1C3A}</a:tableStyleId>
+              </a:tblPr>
+              <a:tblGrid>
+                <a:gridCol w="1224000">
+                  <a:extLst>
+                    <a:ext uri="{9D8B030D-6E8A-4147-A177-3AD203B41FA5}">
+                      <a16:colId xmlns:a16="http://schemas.microsoft.com/office/drawing/2014/main" val="1900299851"/>
+                    </a:ext>
+                  </a:extLst>
+                </a:gridCol>
+                <a:gridCol w="4284000">
+                  <a:extLst>
+                    <a:ext uri="{9D8B030D-6E8A-4147-A177-3AD203B41FA5}">
+                      <a16:colId xmlns:a16="http://schemas.microsoft.com/office/drawing/2014/main" val="2670342692"/>
+                    </a:ext>
+                  </a:extLst>
+                </a:gridCol>
+                <a:gridCol w="4212000">
+                  <a:extLst>
+                    <a:ext uri="{9D8B030D-6E8A-4147-A177-3AD203B41FA5}">
+                      <a16:colId xmlns:a16="http://schemas.microsoft.com/office/drawing/2014/main" val="3521495539"/>
+                    </a:ext>
+                  </a:extLst>
+                </a:gridCol>
+              </a:tblGrid>
+              <a:tr h="288000">
+                <a:tc>
+                  <a:txBody>
+                    <a:bodyPr/>
+                    <a:lstStyle/>
+                    <a:p>
+                      <a:r>
+                        <a:rPr lang="en-GB" sz="1400" dirty="0"/>
+                        <a:t>Operators</a:t>
+                      </a:r>
+                      <a:endParaRPr lang="pt-PT" sz="1400" dirty="0"/>
+                    </a:p>
+                  </a:txBody>
+                  <a:tcPr/>
+                </a:tc>
+                <a:tc>
+                  <a:txBody>
+                    <a:bodyPr/>
+                    <a:lstStyle/>
+                    <a:p>
+                      <a:r>
+                        <a:rPr lang="en-GB" sz="1400" dirty="0"/>
+                        <a:t>Pre-condition</a:t>
+                      </a:r>
+                      <a:endParaRPr lang="pt-PT" sz="1400" dirty="0"/>
+                    </a:p>
+                  </a:txBody>
+                  <a:tcPr/>
+                </a:tc>
+                <a:tc>
+                  <a:txBody>
+                    <a:bodyPr/>
+                    <a:lstStyle/>
+                    <a:p>
+                      <a:r>
+                        <a:rPr lang="en-GB" sz="1400" dirty="0"/>
+                        <a:t>Effects</a:t>
+                      </a:r>
+                      <a:endParaRPr lang="pt-PT" sz="1400" dirty="0"/>
+                    </a:p>
+                  </a:txBody>
+                  <a:tcPr/>
+                </a:tc>
+                <a:extLst>
+                  <a:ext uri="{0D108BD9-81ED-4DB2-BD59-A6C34878D82A}">
+                    <a16:rowId xmlns:a16="http://schemas.microsoft.com/office/drawing/2014/main" val="3458546414"/>
+                  </a:ext>
+                </a:extLst>
+              </a:tr>
+              <a:tr h="728597">
+                <a:tc>
+                  <a:txBody>
+                    <a:bodyPr/>
+                    <a:lstStyle/>
+                    <a:p>
+                      <a:r>
+                        <a:rPr lang="en-GB" sz="1400" dirty="0"/>
+                        <a:t>Move up</a:t>
+                      </a:r>
+                      <a:endParaRPr lang="pt-PT" sz="1400" dirty="0"/>
+                    </a:p>
+                  </a:txBody>
+                  <a:tcPr/>
+                </a:tc>
+                <a:tc>
+                  <a:txBody>
+                    <a:bodyPr/>
+                    <a:lstStyle/>
+                    <a:p>
+                      <a:r>
+                        <a:rPr lang="en-GB" sz="1400" dirty="0"/>
+                        <a:t>- The above tile of the last piece of the snake is empty ( no chess piece nor snake piece);</a:t>
+                      </a:r>
+                    </a:p>
+                    <a:p>
+                      <a:r>
+                        <a:rPr lang="en-GB" sz="1400" dirty="0"/>
+                        <a:t>- The last tile of the snake is not on the top row.</a:t>
+                      </a:r>
+                      <a:endParaRPr lang="pt-PT" sz="1400" dirty="0"/>
+                    </a:p>
+                  </a:txBody>
+                  <a:tcPr/>
+                </a:tc>
+                <a:tc>
+                  <a:txBody>
+                    <a:bodyPr/>
+                    <a:lstStyle/>
+                    <a:p>
+                      <a:r>
+                        <a:rPr lang="en-GB" sz="1400" dirty="0"/>
+                        <a:t>- The above tile of the last piece of the snake is now part of the path too.</a:t>
+                      </a:r>
+                      <a:endParaRPr lang="pt-PT" sz="1400" dirty="0"/>
+                    </a:p>
+                  </a:txBody>
+                  <a:tcPr/>
+                </a:tc>
+                <a:extLst>
+                  <a:ext uri="{0D108BD9-81ED-4DB2-BD59-A6C34878D82A}">
+                    <a16:rowId xmlns:a16="http://schemas.microsoft.com/office/drawing/2014/main" val="1414879794"/>
+                  </a:ext>
+                </a:extLst>
+              </a:tr>
+              <a:tr h="941104">
+                <a:tc>
+                  <a:txBody>
+                    <a:bodyPr/>
+                    <a:lstStyle/>
+                    <a:p>
+                      <a:pPr marL="0" marR="0" lvl="0" indent="0" algn="l" defTabSz="914400" rtl="0" eaLnBrk="1" fontAlgn="auto" latinLnBrk="0" hangingPunct="1">
+                        <a:lnSpc>
+                          <a:spcPct val="100000"/>
+                        </a:lnSpc>
+                        <a:spcBef>
+                          <a:spcPts val="0"/>
+                        </a:spcBef>
+                        <a:spcAft>
+                          <a:spcPts val="0"/>
+                        </a:spcAft>
+                        <a:buClrTx/>
+                        <a:buSzTx/>
+                        <a:buFontTx/>
+                        <a:buNone/>
+                        <a:tabLst/>
+                        <a:defRPr/>
+                      </a:pPr>
+                      <a:r>
+                        <a:rPr lang="en-GB" sz="1400" dirty="0"/>
+                        <a:t>Move Down</a:t>
+                      </a:r>
+                      <a:endParaRPr lang="pt-PT" sz="1400" dirty="0"/>
+                    </a:p>
+                    <a:p>
+                      <a:endParaRPr lang="pt-PT" sz="1400" dirty="0"/>
+                    </a:p>
+                  </a:txBody>
+                  <a:tcPr/>
+                </a:tc>
+                <a:tc>
+                  <a:txBody>
+                    <a:bodyPr/>
+                    <a:lstStyle/>
+                    <a:p>
+                      <a:r>
+                        <a:rPr lang="en-GB" sz="1400" dirty="0"/>
+                        <a:t>- The tile on the bottom of the last piece of the snake is empty (no chess piece nor snake piece);</a:t>
+                      </a:r>
+                    </a:p>
+                    <a:p>
+                      <a:r>
+                        <a:rPr lang="en-GB" sz="1400" dirty="0"/>
+                        <a:t>- The last tile of the snake is not on the last row.</a:t>
+                      </a:r>
+                      <a:endParaRPr lang="pt-PT" sz="1400" dirty="0"/>
+                    </a:p>
+                    <a:p>
+                      <a:endParaRPr lang="pt-PT" sz="1400" dirty="0"/>
+                    </a:p>
+                  </a:txBody>
+                  <a:tcPr/>
+                </a:tc>
+                <a:tc>
+                  <a:txBody>
+                    <a:bodyPr/>
+                    <a:lstStyle/>
+                    <a:p>
+                      <a:pPr marL="0" marR="0" lvl="0" indent="0" algn="l" defTabSz="914400" rtl="0" eaLnBrk="1" fontAlgn="auto" latinLnBrk="0" hangingPunct="1">
+                        <a:lnSpc>
+                          <a:spcPct val="100000"/>
+                        </a:lnSpc>
+                        <a:spcBef>
+                          <a:spcPts val="0"/>
+                        </a:spcBef>
+                        <a:spcAft>
+                          <a:spcPts val="0"/>
+                        </a:spcAft>
+                        <a:buClrTx/>
+                        <a:buSzTx/>
+                        <a:buFontTx/>
+                        <a:buNone/>
+                        <a:tabLst/>
+                        <a:defRPr/>
+                      </a:pPr>
+                      <a:r>
+                        <a:rPr lang="en-GB" sz="1400" dirty="0"/>
+                        <a:t>- The tile on the bottom of the last piece of the snake is now part of the path too.</a:t>
+                      </a:r>
+                      <a:endParaRPr lang="pt-PT" sz="1400" dirty="0"/>
+                    </a:p>
+                    <a:p>
+                      <a:endParaRPr lang="pt-PT" sz="1400" dirty="0"/>
+                    </a:p>
+                  </a:txBody>
+                  <a:tcPr/>
+                </a:tc>
+                <a:extLst>
+                  <a:ext uri="{0D108BD9-81ED-4DB2-BD59-A6C34878D82A}">
+                    <a16:rowId xmlns:a16="http://schemas.microsoft.com/office/drawing/2014/main" val="3434043383"/>
+                  </a:ext>
+                </a:extLst>
+              </a:tr>
+              <a:tr h="1153612">
+                <a:tc>
+                  <a:txBody>
+                    <a:bodyPr/>
+                    <a:lstStyle/>
+                    <a:p>
+                      <a:pPr marL="0" marR="0" lvl="0" indent="0" algn="l" defTabSz="914400" rtl="0" eaLnBrk="1" fontAlgn="auto" latinLnBrk="0" hangingPunct="1">
+                        <a:lnSpc>
+                          <a:spcPct val="100000"/>
+                        </a:lnSpc>
+                        <a:spcBef>
+                          <a:spcPts val="0"/>
+                        </a:spcBef>
+                        <a:spcAft>
+                          <a:spcPts val="0"/>
+                        </a:spcAft>
+                        <a:buClrTx/>
+                        <a:buSzTx/>
+                        <a:buFontTx/>
+                        <a:buNone/>
+                        <a:tabLst/>
+                        <a:defRPr/>
+                      </a:pPr>
+                      <a:r>
+                        <a:rPr lang="en-GB" sz="1400" dirty="0"/>
+                        <a:t>Move Left</a:t>
+                      </a:r>
+                      <a:endParaRPr lang="pt-PT" sz="1400" dirty="0"/>
+                    </a:p>
+                    <a:p>
+                      <a:endParaRPr lang="pt-PT" sz="1400" dirty="0"/>
+                    </a:p>
+                  </a:txBody>
+                  <a:tcPr/>
+                </a:tc>
+                <a:tc>
+                  <a:txBody>
+                    <a:bodyPr/>
+                    <a:lstStyle/>
+                    <a:p>
+                      <a:r>
+                        <a:rPr lang="en-GB" sz="1400" dirty="0"/>
+                        <a:t>- The tile on the left of the last piece of the snake is empty ( no chess piece nor snake piece);</a:t>
+                      </a:r>
+                    </a:p>
+                    <a:p>
+                      <a:r>
+                        <a:rPr lang="en-GB" sz="1400" dirty="0"/>
+                        <a:t>- The last tile of the snake is not on the first column.</a:t>
+                      </a:r>
+                      <a:endParaRPr lang="pt-PT" sz="1400" dirty="0"/>
+                    </a:p>
+                    <a:p>
+                      <a:endParaRPr lang="pt-PT" sz="1400" dirty="0"/>
+                    </a:p>
+                  </a:txBody>
+                  <a:tcPr/>
+                </a:tc>
+                <a:tc>
+                  <a:txBody>
+                    <a:bodyPr/>
+                    <a:lstStyle/>
+                    <a:p>
+                      <a:pPr marL="0" marR="0" lvl="0" indent="0" algn="l" defTabSz="914400" rtl="0" eaLnBrk="1" fontAlgn="auto" latinLnBrk="0" hangingPunct="1">
+                        <a:lnSpc>
+                          <a:spcPct val="100000"/>
+                        </a:lnSpc>
+                        <a:spcBef>
+                          <a:spcPts val="0"/>
+                        </a:spcBef>
+                        <a:spcAft>
+                          <a:spcPts val="0"/>
+                        </a:spcAft>
+                        <a:buClrTx/>
+                        <a:buSzTx/>
+                        <a:buFontTx/>
+                        <a:buNone/>
+                        <a:tabLst/>
+                        <a:defRPr/>
+                      </a:pPr>
+                      <a:r>
+                        <a:rPr lang="en-GB" sz="1400" dirty="0"/>
+                        <a:t>- The tile on the left of the snake is now part of the path too.</a:t>
+                      </a:r>
+                      <a:endParaRPr lang="pt-PT" sz="1400" dirty="0"/>
+                    </a:p>
+                  </a:txBody>
+                  <a:tcPr/>
+                </a:tc>
+                <a:extLst>
+                  <a:ext uri="{0D108BD9-81ED-4DB2-BD59-A6C34878D82A}">
+                    <a16:rowId xmlns:a16="http://schemas.microsoft.com/office/drawing/2014/main" val="4161733167"/>
+                  </a:ext>
+                </a:extLst>
+              </a:tr>
+              <a:tr h="941104">
+                <a:tc>
+                  <a:txBody>
+                    <a:bodyPr/>
+                    <a:lstStyle/>
+                    <a:p>
+                      <a:pPr marL="0" marR="0" lvl="0" indent="0" algn="l" defTabSz="914400" rtl="0" eaLnBrk="1" fontAlgn="auto" latinLnBrk="0" hangingPunct="1">
+                        <a:lnSpc>
+                          <a:spcPct val="100000"/>
+                        </a:lnSpc>
+                        <a:spcBef>
+                          <a:spcPts val="0"/>
+                        </a:spcBef>
+                        <a:spcAft>
+                          <a:spcPts val="0"/>
+                        </a:spcAft>
+                        <a:buClrTx/>
+                        <a:buSzTx/>
+                        <a:buFontTx/>
+                        <a:buNone/>
+                        <a:tabLst/>
+                        <a:defRPr/>
+                      </a:pPr>
+                      <a:r>
+                        <a:rPr lang="en-GB" sz="1400" dirty="0"/>
+                        <a:t>Move Right</a:t>
+                      </a:r>
+                      <a:endParaRPr lang="pt-PT" sz="1400" dirty="0"/>
+                    </a:p>
+                    <a:p>
+                      <a:endParaRPr lang="pt-PT" sz="1400" dirty="0"/>
+                    </a:p>
+                  </a:txBody>
+                  <a:tcPr/>
+                </a:tc>
+                <a:tc>
+                  <a:txBody>
+                    <a:bodyPr/>
+                    <a:lstStyle/>
+                    <a:p>
+                      <a:r>
+                        <a:rPr lang="en-GB" sz="1400" dirty="0"/>
+                        <a:t>- The tile on the </a:t>
+                      </a:r>
+                      <a:r>
+                        <a:rPr lang="en-GB" sz="1400" dirty="0" err="1"/>
+                        <a:t>rigth</a:t>
+                      </a:r>
+                      <a:r>
+                        <a:rPr lang="en-GB" sz="1400" dirty="0"/>
+                        <a:t> of the last piece of the snake is empty ( no chess piece nor snake piece);</a:t>
+                      </a:r>
+                    </a:p>
+                    <a:p>
+                      <a:r>
+                        <a:rPr lang="en-GB" sz="1400" dirty="0"/>
+                        <a:t>- The last tile of the snake is not on the last column.</a:t>
+                      </a:r>
+                      <a:endParaRPr lang="pt-PT" sz="1400" dirty="0"/>
+                    </a:p>
+                    <a:p>
+                      <a:endParaRPr lang="pt-PT" sz="1400" dirty="0"/>
+                    </a:p>
+                  </a:txBody>
+                  <a:tcPr/>
+                </a:tc>
+                <a:tc>
+                  <a:txBody>
+                    <a:bodyPr/>
+                    <a:lstStyle/>
+                    <a:p>
+                      <a:pPr marL="0" marR="0" lvl="0" indent="0" algn="l" defTabSz="914400" rtl="0" eaLnBrk="1" fontAlgn="auto" latinLnBrk="0" hangingPunct="1">
+                        <a:lnSpc>
+                          <a:spcPct val="100000"/>
+                        </a:lnSpc>
+                        <a:spcBef>
+                          <a:spcPts val="0"/>
+                        </a:spcBef>
+                        <a:spcAft>
+                          <a:spcPts val="0"/>
+                        </a:spcAft>
+                        <a:buClrTx/>
+                        <a:buSzTx/>
+                        <a:buFontTx/>
+                        <a:buNone/>
+                        <a:tabLst/>
+                        <a:defRPr/>
+                      </a:pPr>
+                      <a:r>
+                        <a:rPr lang="en-GB" sz="1400" dirty="0"/>
+                        <a:t>The tile on the right of the snake is now part of the path too.</a:t>
+                      </a:r>
+                      <a:endParaRPr lang="pt-PT" sz="1400" dirty="0"/>
+                    </a:p>
+                    <a:p>
+                      <a:endParaRPr lang="pt-PT" sz="1400" dirty="0"/>
+                    </a:p>
+                  </a:txBody>
+                  <a:tcPr/>
+                </a:tc>
+                <a:extLst>
+                  <a:ext uri="{0D108BD9-81ED-4DB2-BD59-A6C34878D82A}">
+                    <a16:rowId xmlns:a16="http://schemas.microsoft.com/office/drawing/2014/main" val="1000675557"/>
+                  </a:ext>
+                </a:extLst>
+              </a:tr>
+            </a:tbl>
+          </a:graphicData>
+        </a:graphic>
+      </p:graphicFrame>
+      <p:sp>
+        <p:nvSpPr>
+          <p:cNvPr id="8" name="Marcador de Posição de Conteúdo 2">
+            <a:extLst>
+              <a:ext uri="{FF2B5EF4-FFF2-40B4-BE49-F238E27FC236}">
+                <a16:creationId xmlns:a16="http://schemas.microsoft.com/office/drawing/2014/main" id="{96D95CC1-ECCC-45D2-987C-3AFB7CEA23D7}"/>
+              </a:ext>
+            </a:extLst>
+          </p:cNvPr>
+          <p:cNvSpPr>
+            <a:spLocks noGrp="1"/>
+          </p:cNvSpPr>
+          <p:nvPr>
+            <p:ph idx="1"/>
+          </p:nvPr>
+        </p:nvSpPr>
+        <p:spPr>
+          <a:xfrm>
+            <a:off x="762000" y="1656825"/>
+            <a:ext cx="10668000" cy="3818083"/>
+          </a:xfrm>
+        </p:spPr>
+        <p:txBody>
+          <a:bodyPr>
+            <a:normAutofit/>
+          </a:bodyPr>
+          <a:lstStyle/>
+          <a:p>
+            <a:r>
+              <a:rPr lang="pt-PT" dirty="0"/>
+              <a:t>Operators</a:t>
+            </a:r>
+          </a:p>
+        </p:txBody>
+      </p:sp>
+    </p:spTree>
+    <p:extLst>
+      <p:ext uri="{BB962C8B-B14F-4D97-AF65-F5344CB8AC3E}">
+        <p14:creationId xmlns:p14="http://schemas.microsoft.com/office/powerpoint/2010/main" val="710399668"/>
+      </p:ext>
+    </p:extLst>
+  </p:cSld>
+  <p:clrMapOvr>
+    <a:masterClrMapping/>
+  </p:clrMapOvr>
+</p:sld>
+</file>
+
+<file path=ppt/slides/slide6.xml><?xml version="1.0" encoding="utf-8"?>
+<p:sld xmlns:a="http://schemas.openxmlformats.org/drawingml/2006/main" xmlns:r="http://schemas.openxmlformats.org/officeDocument/2006/relationships" xmlns:p="http://schemas.openxmlformats.org/presentationml/2006/main">
+  <p:cSld>
+    <p:spTree>
+      <p:nvGrpSpPr>
+        <p:cNvPr id="1" name=""/>
+        <p:cNvGrpSpPr/>
+        <p:nvPr/>
+      </p:nvGrpSpPr>
+      <p:grpSpPr>
+        <a:xfrm>
+          <a:off x="0" y="0"/>
+          <a:ext cx="0" cy="0"/>
+          <a:chOff x="0" y="0"/>
+          <a:chExt cx="0" cy="0"/>
+        </a:xfrm>
+      </p:grpSpPr>
+      <p:sp>
+        <p:nvSpPr>
           <p:cNvPr id="2" name="Título 1">
             <a:extLst>
               <a:ext uri="{FF2B5EF4-FFF2-40B4-BE49-F238E27FC236}">
@@ -5575,108 +5718,20 @@
           <a:lstStyle/>
           <a:p>
             <a:r>
-              <a:rPr lang="pt-PT" dirty="0" err="1"/>
-              <a:t>Prefered</a:t>
-            </a:r>
-            <a:r>
               <a:rPr lang="pt-PT" dirty="0"/>
-              <a:t> </a:t>
-            </a:r>
-            <a:r>
-              <a:rPr lang="pt-PT" dirty="0" err="1"/>
-              <a:t>IDE’s</a:t>
-            </a:r>
+              <a:t>Prefered Languages: Python.</a:t>
+            </a:r>
+          </a:p>
+          <a:p>
             <a:r>
               <a:rPr lang="pt-PT" dirty="0"/>
-              <a:t>: Visual </a:t>
-            </a:r>
-            <a:r>
-              <a:rPr lang="pt-PT" dirty="0" err="1"/>
-              <a:t>Studio</a:t>
-            </a:r>
+              <a:t>Data structures: board ( class the will represented the game state) and piece (aclass which defines the possible attacks of the chess piece and stores its position).</a:t>
+            </a:r>
+          </a:p>
+          <a:p>
             <a:r>
               <a:rPr lang="pt-PT" dirty="0"/>
-              <a:t>, </a:t>
-            </a:r>
-            <a:r>
-              <a:rPr lang="pt-PT" dirty="0" err="1"/>
-              <a:t>CLion</a:t>
-            </a:r>
-            <a:r>
-              <a:rPr lang="pt-PT" dirty="0"/>
-              <a:t>;</a:t>
-            </a:r>
-          </a:p>
-          <a:p>
-            <a:r>
-              <a:rPr lang="pt-PT" dirty="0" err="1"/>
-              <a:t>Prefered</a:t>
-            </a:r>
-            <a:r>
-              <a:rPr lang="pt-PT" dirty="0"/>
-              <a:t> </a:t>
-            </a:r>
-            <a:r>
-              <a:rPr lang="pt-PT" dirty="0" err="1"/>
-              <a:t>Languages</a:t>
-            </a:r>
-            <a:r>
-              <a:rPr lang="pt-PT" dirty="0"/>
-              <a:t>: C++, C, </a:t>
-            </a:r>
-            <a:r>
-              <a:rPr lang="pt-PT" dirty="0" err="1"/>
-              <a:t>Python</a:t>
-            </a:r>
-            <a:r>
-              <a:rPr lang="pt-PT" dirty="0"/>
-              <a:t>;</a:t>
-            </a:r>
-          </a:p>
-          <a:p>
-            <a:r>
-              <a:rPr lang="pt-PT" dirty="0"/>
-              <a:t>Data </a:t>
-            </a:r>
-            <a:r>
-              <a:rPr lang="pt-PT" dirty="0" err="1"/>
-              <a:t>structures</a:t>
-            </a:r>
-            <a:r>
-              <a:rPr lang="pt-PT" dirty="0"/>
-              <a:t>: </a:t>
-            </a:r>
-            <a:r>
-              <a:rPr lang="pt-PT" dirty="0" err="1"/>
-              <a:t>arrays</a:t>
-            </a:r>
-            <a:r>
-              <a:rPr lang="pt-PT" dirty="0"/>
-              <a:t>, </a:t>
-            </a:r>
-            <a:r>
-              <a:rPr lang="pt-PT" dirty="0" err="1"/>
-              <a:t>vectors</a:t>
-            </a:r>
-            <a:r>
-              <a:rPr lang="pt-PT" dirty="0"/>
-              <a:t>, </a:t>
-            </a:r>
-            <a:r>
-              <a:rPr lang="pt-PT" dirty="0" err="1"/>
-              <a:t>strings</a:t>
-            </a:r>
-            <a:r>
-              <a:rPr lang="pt-PT" dirty="0"/>
-              <a:t>, </a:t>
-            </a:r>
-            <a:r>
-              <a:rPr lang="pt-PT" dirty="0" err="1"/>
-              <a:t>booleans</a:t>
-            </a:r>
-            <a:r>
-              <a:rPr lang="pt-PT" dirty="0"/>
-              <a:t>;</a:t>
+              <a:t>The initial state is defined by reading the saved text files with board information.</a:t>
             </a:r>
           </a:p>
           <a:p>

--- a/Chess Snake Puzzles – 2022 IA Project.pptx
+++ b/Chess Snake Puzzles – 2022 IA Project.pptx
@@ -120,7 +120,7 @@
 <file path=ppt/revisionInfo.xml><?xml version="1.0" encoding="utf-8"?>
 <p1510:revInfo xmlns:a="http://schemas.openxmlformats.org/drawingml/2006/main" xmlns:r="http://schemas.openxmlformats.org/officeDocument/2006/relationships" xmlns:p1510="http://schemas.microsoft.com/office/powerpoint/2015/10/main">
   <p1510:revLst>
-    <p1510:client id="{C1F6FDB9-D3FC-4B78-9222-BDC7AD7E0D10}" v="299" dt="2022-04-03T22:23:16.173"/>
+    <p1510:client id="{C1F6FDB9-D3FC-4B78-9222-BDC7AD7E0D10}" v="349" dt="2022-04-04T15:02:07.065"/>
   </p1510:revLst>
 </p1510:revInfo>
 </file>
@@ -130,7 +130,7 @@
   <pc:docChgLst>
     <pc:chgData name="Carlos Gomes" userId="befe0c0c48f41b83" providerId="LiveId" clId="{C1F6FDB9-D3FC-4B78-9222-BDC7AD7E0D10}"/>
     <pc:docChg chg="undo redo custSel addSld modSld sldOrd">
-      <pc:chgData name="Carlos Gomes" userId="befe0c0c48f41b83" providerId="LiveId" clId="{C1F6FDB9-D3FC-4B78-9222-BDC7AD7E0D10}" dt="2022-04-03T22:34:10.935" v="3548" actId="20577"/>
+      <pc:chgData name="Carlos Gomes" userId="befe0c0c48f41b83" providerId="LiveId" clId="{C1F6FDB9-D3FC-4B78-9222-BDC7AD7E0D10}" dt="2022-04-04T15:36:24.934" v="4136" actId="6549"/>
       <pc:docMkLst>
         <pc:docMk/>
       </pc:docMkLst>
@@ -196,13 +196,13 @@
         </pc:graphicFrameChg>
       </pc:sldChg>
       <pc:sldChg chg="addSp delSp modSp mod">
-        <pc:chgData name="Carlos Gomes" userId="befe0c0c48f41b83" providerId="LiveId" clId="{C1F6FDB9-D3FC-4B78-9222-BDC7AD7E0D10}" dt="2022-04-03T22:26:51.256" v="3196" actId="20577"/>
+        <pc:chgData name="Carlos Gomes" userId="befe0c0c48f41b83" providerId="LiveId" clId="{C1F6FDB9-D3FC-4B78-9222-BDC7AD7E0D10}" dt="2022-04-04T15:36:24.934" v="4136" actId="6549"/>
         <pc:sldMkLst>
           <pc:docMk/>
           <pc:sldMk cId="3251552042" sldId="259"/>
         </pc:sldMkLst>
         <pc:spChg chg="mod">
-          <ac:chgData name="Carlos Gomes" userId="befe0c0c48f41b83" providerId="LiveId" clId="{C1F6FDB9-D3FC-4B78-9222-BDC7AD7E0D10}" dt="2022-04-03T22:26:51.256" v="3196" actId="20577"/>
+          <ac:chgData name="Carlos Gomes" userId="befe0c0c48f41b83" providerId="LiveId" clId="{C1F6FDB9-D3FC-4B78-9222-BDC7AD7E0D10}" dt="2022-04-04T15:36:24.934" v="4136" actId="6549"/>
           <ac:spMkLst>
             <pc:docMk/>
             <pc:sldMk cId="3251552042" sldId="259"/>
@@ -251,13 +251,13 @@
         </pc:picChg>
       </pc:sldChg>
       <pc:sldChg chg="modSp mod">
-        <pc:chgData name="Carlos Gomes" userId="befe0c0c48f41b83" providerId="LiveId" clId="{C1F6FDB9-D3FC-4B78-9222-BDC7AD7E0D10}" dt="2022-04-03T22:33:22.391" v="3529" actId="20577"/>
+        <pc:chgData name="Carlos Gomes" userId="befe0c0c48f41b83" providerId="LiveId" clId="{C1F6FDB9-D3FC-4B78-9222-BDC7AD7E0D10}" dt="2022-04-04T15:04:03.870" v="3692" actId="20577"/>
         <pc:sldMkLst>
           <pc:docMk/>
           <pc:sldMk cId="3566798296" sldId="260"/>
         </pc:sldMkLst>
         <pc:spChg chg="mod">
-          <ac:chgData name="Carlos Gomes" userId="befe0c0c48f41b83" providerId="LiveId" clId="{C1F6FDB9-D3FC-4B78-9222-BDC7AD7E0D10}" dt="2022-04-03T22:33:22.391" v="3529" actId="20577"/>
+          <ac:chgData name="Carlos Gomes" userId="befe0c0c48f41b83" providerId="LiveId" clId="{C1F6FDB9-D3FC-4B78-9222-BDC7AD7E0D10}" dt="2022-04-04T15:04:03.870" v="3692" actId="20577"/>
           <ac:spMkLst>
             <pc:docMk/>
             <pc:sldMk cId="3566798296" sldId="260"/>
@@ -266,13 +266,13 @@
         </pc:spChg>
       </pc:sldChg>
       <pc:sldChg chg="addSp delSp modSp new mod">
-        <pc:chgData name="Carlos Gomes" userId="befe0c0c48f41b83" providerId="LiveId" clId="{C1F6FDB9-D3FC-4B78-9222-BDC7AD7E0D10}" dt="2022-04-03T22:23:37.387" v="2777" actId="1076"/>
+        <pc:chgData name="Carlos Gomes" userId="befe0c0c48f41b83" providerId="LiveId" clId="{C1F6FDB9-D3FC-4B78-9222-BDC7AD7E0D10}" dt="2022-04-04T15:03:43.046" v="3648" actId="122"/>
         <pc:sldMkLst>
           <pc:docMk/>
           <pc:sldMk cId="710399668" sldId="261"/>
         </pc:sldMkLst>
         <pc:spChg chg="mod">
-          <ac:chgData name="Carlos Gomes" userId="befe0c0c48f41b83" providerId="LiveId" clId="{C1F6FDB9-D3FC-4B78-9222-BDC7AD7E0D10}" dt="2022-04-03T22:23:37.387" v="2777" actId="1076"/>
+          <ac:chgData name="Carlos Gomes" userId="befe0c0c48f41b83" providerId="LiveId" clId="{C1F6FDB9-D3FC-4B78-9222-BDC7AD7E0D10}" dt="2022-04-04T15:02:31.649" v="3635" actId="1076"/>
           <ac:spMkLst>
             <pc:docMk/>
             <pc:sldMk cId="710399668" sldId="261"/>
@@ -304,7 +304,7 @@
           </ac:spMkLst>
         </pc:spChg>
         <pc:spChg chg="add mod">
-          <ac:chgData name="Carlos Gomes" userId="befe0c0c48f41b83" providerId="LiveId" clId="{C1F6FDB9-D3FC-4B78-9222-BDC7AD7E0D10}" dt="2022-04-03T22:23:33.136" v="2776" actId="1076"/>
+          <ac:chgData name="Carlos Gomes" userId="befe0c0c48f41b83" providerId="LiveId" clId="{C1F6FDB9-D3FC-4B78-9222-BDC7AD7E0D10}" dt="2022-04-04T15:02:41.710" v="3637" actId="1076"/>
           <ac:spMkLst>
             <pc:docMk/>
             <pc:sldMk cId="710399668" sldId="261"/>
@@ -312,7 +312,7 @@
           </ac:spMkLst>
         </pc:spChg>
         <pc:graphicFrameChg chg="add del mod modGraphic">
-          <ac:chgData name="Carlos Gomes" userId="befe0c0c48f41b83" providerId="LiveId" clId="{C1F6FDB9-D3FC-4B78-9222-BDC7AD7E0D10}" dt="2022-04-03T22:22:53.813" v="2754" actId="478"/>
+          <ac:chgData name="Carlos Gomes" userId="befe0c0c48f41b83" providerId="LiveId" clId="{C1F6FDB9-D3FC-4B78-9222-BDC7AD7E0D10}" dt="2022-04-04T15:03:43.046" v="3648" actId="122"/>
           <ac:graphicFrameMkLst>
             <pc:docMk/>
             <pc:sldMk cId="710399668" sldId="261"/>
@@ -472,7 +472,7 @@
           <a:p>
             <a:fld id="{76969C88-B244-455D-A017-012B25B1ACDD}" type="datetimeFigureOut">
               <a:rPr lang="en-US" smtClean="0"/>
-              <a:t>4/3/2022</a:t>
+              <a:t>4/4/2022</a:t>
             </a:fld>
             <a:endParaRPr lang="en-US"/>
           </a:p>
@@ -670,7 +670,7 @@
           <a:p>
             <a:fld id="{76969C88-B244-455D-A017-012B25B1ACDD}" type="datetimeFigureOut">
               <a:rPr lang="en-US" smtClean="0"/>
-              <a:t>4/3/2022</a:t>
+              <a:t>4/4/2022</a:t>
             </a:fld>
             <a:endParaRPr lang="en-US"/>
           </a:p>
@@ -878,7 +878,7 @@
           <a:p>
             <a:fld id="{76969C88-B244-455D-A017-012B25B1ACDD}" type="datetimeFigureOut">
               <a:rPr lang="en-US" smtClean="0"/>
-              <a:t>4/3/2022</a:t>
+              <a:t>4/4/2022</a:t>
             </a:fld>
             <a:endParaRPr lang="en-US"/>
           </a:p>
@@ -1077,7 +1077,7 @@
           <a:p>
             <a:fld id="{76969C88-B244-455D-A017-012B25B1ACDD}" type="datetimeFigureOut">
               <a:rPr lang="en-US" smtClean="0"/>
-              <a:t>4/3/2022</a:t>
+              <a:t>4/4/2022</a:t>
             </a:fld>
             <a:endParaRPr lang="en-US"/>
           </a:p>
@@ -1352,7 +1352,7 @@
           <a:p>
             <a:fld id="{76969C88-B244-455D-A017-012B25B1ACDD}" type="datetimeFigureOut">
               <a:rPr lang="en-US" smtClean="0"/>
-              <a:t>4/3/2022</a:t>
+              <a:t>4/4/2022</a:t>
             </a:fld>
             <a:endParaRPr lang="en-US"/>
           </a:p>
@@ -1617,7 +1617,7 @@
           <a:p>
             <a:fld id="{76969C88-B244-455D-A017-012B25B1ACDD}" type="datetimeFigureOut">
               <a:rPr lang="en-US" smtClean="0"/>
-              <a:t>4/3/2022</a:t>
+              <a:t>4/4/2022</a:t>
             </a:fld>
             <a:endParaRPr lang="en-US"/>
           </a:p>
@@ -2029,7 +2029,7 @@
           <a:p>
             <a:fld id="{76969C88-B244-455D-A017-012B25B1ACDD}" type="datetimeFigureOut">
               <a:rPr lang="en-US" smtClean="0"/>
-              <a:t>4/3/2022</a:t>
+              <a:t>4/4/2022</a:t>
             </a:fld>
             <a:endParaRPr lang="en-US"/>
           </a:p>
@@ -2170,7 +2170,7 @@
           <a:p>
             <a:fld id="{76969C88-B244-455D-A017-012B25B1ACDD}" type="datetimeFigureOut">
               <a:rPr lang="en-US" smtClean="0"/>
-              <a:t>4/3/2022</a:t>
+              <a:t>4/4/2022</a:t>
             </a:fld>
             <a:endParaRPr lang="en-US"/>
           </a:p>
@@ -2283,7 +2283,7 @@
           <a:p>
             <a:fld id="{76969C88-B244-455D-A017-012B25B1ACDD}" type="datetimeFigureOut">
               <a:rPr lang="en-US" smtClean="0"/>
-              <a:t>4/3/2022</a:t>
+              <a:t>4/4/2022</a:t>
             </a:fld>
             <a:endParaRPr lang="en-US"/>
           </a:p>
@@ -2595,7 +2595,7 @@
           <a:p>
             <a:fld id="{76969C88-B244-455D-A017-012B25B1ACDD}" type="datetimeFigureOut">
               <a:rPr lang="en-US" smtClean="0"/>
-              <a:t>4/3/2022</a:t>
+              <a:t>4/4/2022</a:t>
             </a:fld>
             <a:endParaRPr lang="en-US"/>
           </a:p>
@@ -2886,7 +2886,7 @@
           <a:p>
             <a:fld id="{76969C88-B244-455D-A017-012B25B1ACDD}" type="datetimeFigureOut">
               <a:rPr lang="en-US" smtClean="0"/>
-              <a:t>4/3/2022</a:t>
+              <a:t>4/4/2022</a:t>
             </a:fld>
             <a:endParaRPr lang="en-US"/>
           </a:p>
@@ -3642,7 +3642,7 @@
             <a:fld id="{76969C88-B244-455D-A017-012B25B1ACDD}" type="datetimeFigureOut">
               <a:rPr lang="en-US" smtClean="0"/>
               <a:pPr/>
-              <a:t>4/3/2022</a:t>
+              <a:t>4/4/2022</a:t>
             </a:fld>
             <a:endParaRPr lang="en-US"/>
           </a:p>
@@ -5056,7 +5056,7 @@
         <p:spPr/>
         <p:txBody>
           <a:bodyPr>
-            <a:normAutofit fontScale="77500" lnSpcReduction="20000"/>
+            <a:normAutofit fontScale="55000" lnSpcReduction="20000"/>
           </a:bodyPr>
           <a:lstStyle/>
           <a:p>
@@ -5075,6 +5075,18 @@
             <a:r>
               <a:rPr lang="pt-PT" dirty="0"/>
               <a:t>Final state: state with a choosen path which may follow the rules defined in the game description. So it will be a matrix similiar with the initial state but, in this case with the tiles representing the solution path marked with a 1.</a:t>
+            </a:r>
+          </a:p>
+          <a:p>
+            <a:r>
+              <a:rPr lang="pt-PT" dirty="0"/>
+              <a:t>Solution Cost – Each move costs 1, so the final cost will be the total length of the snake.</a:t>
+            </a:r>
+          </a:p>
+          <a:p>
+            <a:r>
+              <a:rPr lang="pt-PT" dirty="0"/>
+              <a:t>Heuristic – As the main goal of the puzzle is to find a way to connect the 2 edges pf the board, an heuristic function can be defined as the remaining Manhattan distance from the current snake block to the finish tile.</a:t>
             </a:r>
           </a:p>
         </p:txBody>
@@ -5127,7 +5139,7 @@
         </p:nvSpPr>
         <p:spPr>
           <a:xfrm>
-            <a:off x="820723" y="544418"/>
+            <a:off x="829112" y="396240"/>
             <a:ext cx="10668000" cy="1524000"/>
           </a:xfrm>
         </p:spPr>
@@ -5157,14 +5169,14 @@
           <p:nvPr>
             <p:extLst>
               <p:ext uri="{D42A27DB-BD31-4B8C-83A1-F6EECF244321}">
-                <p14:modId xmlns:p14="http://schemas.microsoft.com/office/powerpoint/2010/main" val="3057027204"/>
+                <p14:modId xmlns:p14="http://schemas.microsoft.com/office/powerpoint/2010/main" val="1337802970"/>
               </p:ext>
             </p:extLst>
           </p:nvPr>
         </p:nvGraphicFramePr>
         <p:xfrm>
-          <a:off x="1143633" y="2286000"/>
-          <a:ext cx="9720000" cy="4084320"/>
+          <a:off x="1149292" y="1920240"/>
+          <a:ext cx="9722730" cy="4722339"/>
         </p:xfrm>
         <a:graphic>
           <a:graphicData uri="http://schemas.openxmlformats.org/drawingml/2006/table">
@@ -5173,34 +5185,42 @@
                 <a:tableStyleId>{5C22544A-7EE6-4342-B048-85BDC9FD1C3A}</a:tableStyleId>
               </a:tblPr>
               <a:tblGrid>
-                <a:gridCol w="1224000">
+                <a:gridCol w="1174458">
                   <a:extLst>
                     <a:ext uri="{9D8B030D-6E8A-4147-A177-3AD203B41FA5}">
                       <a16:colId xmlns:a16="http://schemas.microsoft.com/office/drawing/2014/main" val="1900299851"/>
                     </a:ext>
                   </a:extLst>
                 </a:gridCol>
-                <a:gridCol w="4284000">
+                <a:gridCol w="3984771">
                   <a:extLst>
                     <a:ext uri="{9D8B030D-6E8A-4147-A177-3AD203B41FA5}">
                       <a16:colId xmlns:a16="http://schemas.microsoft.com/office/drawing/2014/main" val="2670342692"/>
                     </a:ext>
                   </a:extLst>
                 </a:gridCol>
-                <a:gridCol w="4212000">
+                <a:gridCol w="3514987">
                   <a:extLst>
                     <a:ext uri="{9D8B030D-6E8A-4147-A177-3AD203B41FA5}">
                       <a16:colId xmlns:a16="http://schemas.microsoft.com/office/drawing/2014/main" val="3521495539"/>
                     </a:ext>
                   </a:extLst>
                 </a:gridCol>
+                <a:gridCol w="1048514">
+                  <a:extLst>
+                    <a:ext uri="{9D8B030D-6E8A-4147-A177-3AD203B41FA5}">
+                      <a16:colId xmlns:a16="http://schemas.microsoft.com/office/drawing/2014/main" val="485993998"/>
+                    </a:ext>
+                  </a:extLst>
+                </a:gridCol>
               </a:tblGrid>
-              <a:tr h="288000">
+              <a:tr h="287970">
                 <a:tc>
                   <a:txBody>
                     <a:bodyPr/>
                     <a:lstStyle/>
                     <a:p>
+                      <a:pPr algn="ctr"/>
                       <a:r>
                         <a:rPr lang="en-GB" sz="1400" dirty="0"/>
                         <a:t>Operators</a:t>
@@ -5215,6 +5235,7 @@
                     <a:bodyPr/>
                     <a:lstStyle/>
                     <a:p>
+                      <a:pPr algn="ctr"/>
                       <a:r>
                         <a:rPr lang="en-GB" sz="1400" dirty="0"/>
                         <a:t>Pre-condition</a:t>
@@ -5229,9 +5250,25 @@
                     <a:bodyPr/>
                     <a:lstStyle/>
                     <a:p>
+                      <a:pPr algn="ctr"/>
                       <a:r>
                         <a:rPr lang="en-GB" sz="1400" dirty="0"/>
                         <a:t>Effects</a:t>
+                      </a:r>
+                      <a:endParaRPr lang="pt-PT" sz="1400" dirty="0"/>
+                    </a:p>
+                  </a:txBody>
+                  <a:tcPr/>
+                </a:tc>
+                <a:tc>
+                  <a:txBody>
+                    <a:bodyPr/>
+                    <a:lstStyle/>
+                    <a:p>
+                      <a:pPr algn="ctr"/>
+                      <a:r>
+                        <a:rPr lang="en-GB" sz="1400" dirty="0"/>
+                        <a:t>Cost</a:t>
                       </a:r>
                       <a:endParaRPr lang="pt-PT" sz="1400" dirty="0"/>
                     </a:p>
@@ -5244,12 +5281,13 @@
                   </a:ext>
                 </a:extLst>
               </a:tr>
-              <a:tr h="728597">
+              <a:tr h="691129">
                 <a:tc>
                   <a:txBody>
                     <a:bodyPr/>
                     <a:lstStyle/>
                     <a:p>
+                      <a:pPr algn="ctr"/>
                       <a:r>
                         <a:rPr lang="en-GB" sz="1400" dirty="0"/>
                         <a:t>Move up</a:t>
@@ -5293,19 +5331,34 @@
                   </a:txBody>
                   <a:tcPr/>
                 </a:tc>
+                <a:tc>
+                  <a:txBody>
+                    <a:bodyPr/>
+                    <a:lstStyle/>
+                    <a:p>
+                      <a:pPr algn="ctr"/>
+                      <a:r>
+                        <a:rPr lang="en-GB" sz="1400" dirty="0"/>
+                        <a:t>1</a:t>
+                      </a:r>
+                      <a:endParaRPr lang="pt-PT" sz="1400" dirty="0"/>
+                    </a:p>
+                  </a:txBody>
+                  <a:tcPr/>
+                </a:tc>
                 <a:extLst>
                   <a:ext uri="{0D108BD9-81ED-4DB2-BD59-A6C34878D82A}">
                     <a16:rowId xmlns:a16="http://schemas.microsoft.com/office/drawing/2014/main" val="1414879794"/>
                   </a:ext>
                 </a:extLst>
               </a:tr>
-              <a:tr h="941104">
+              <a:tr h="1094287">
                 <a:tc>
                   <a:txBody>
                     <a:bodyPr/>
                     <a:lstStyle/>
                     <a:p>
-                      <a:pPr marL="0" marR="0" lvl="0" indent="0" algn="l" defTabSz="914400" rtl="0" eaLnBrk="1" fontAlgn="auto" latinLnBrk="0" hangingPunct="1">
+                      <a:pPr marL="0" marR="0" lvl="0" indent="0" algn="ctr" defTabSz="914400" rtl="0" eaLnBrk="1" fontAlgn="auto" latinLnBrk="0" hangingPunct="1">
                         <a:lnSpc>
                           <a:spcPct val="100000"/>
                         </a:lnSpc>
@@ -5329,6 +5382,7 @@
                       <a:endParaRPr lang="pt-PT" sz="1400" dirty="0"/>
                     </a:p>
                     <a:p>
+                      <a:pPr algn="ctr"/>
                       <a:endParaRPr lang="pt-PT" sz="1400" dirty="0"/>
                     </a:p>
                   </a:txBody>
@@ -5349,9 +5403,6 @@
                         <a:rPr lang="en-GB" sz="1400" dirty="0"/>
                         <a:t>- The last tile of the snake is not on the last row.</a:t>
                       </a:r>
-                      <a:endParaRPr lang="pt-PT" sz="1400" dirty="0"/>
-                    </a:p>
-                    <a:p>
                       <a:endParaRPr lang="pt-PT" sz="1400" dirty="0"/>
                     </a:p>
                   </a:txBody>
@@ -5391,19 +5442,34 @@
                   </a:txBody>
                   <a:tcPr/>
                 </a:tc>
+                <a:tc>
+                  <a:txBody>
+                    <a:bodyPr/>
+                    <a:lstStyle/>
+                    <a:p>
+                      <a:pPr algn="ctr"/>
+                      <a:r>
+                        <a:rPr lang="en-GB" sz="1400" dirty="0"/>
+                        <a:t>1</a:t>
+                      </a:r>
+                      <a:endParaRPr lang="pt-PT" sz="1400" dirty="0"/>
+                    </a:p>
+                  </a:txBody>
+                  <a:tcPr/>
+                </a:tc>
                 <a:extLst>
                   <a:ext uri="{0D108BD9-81ED-4DB2-BD59-A6C34878D82A}">
                     <a16:rowId xmlns:a16="http://schemas.microsoft.com/office/drawing/2014/main" val="3434043383"/>
                   </a:ext>
                 </a:extLst>
               </a:tr>
-              <a:tr h="1153612">
+              <a:tr h="1295866">
                 <a:tc>
                   <a:txBody>
                     <a:bodyPr/>
                     <a:lstStyle/>
                     <a:p>
-                      <a:pPr marL="0" marR="0" lvl="0" indent="0" algn="l" defTabSz="914400" rtl="0" eaLnBrk="1" fontAlgn="auto" latinLnBrk="0" hangingPunct="1">
+                      <a:pPr marL="0" marR="0" lvl="0" indent="0" algn="ctr" defTabSz="914400" rtl="0" eaLnBrk="1" fontAlgn="auto" latinLnBrk="0" hangingPunct="1">
                         <a:lnSpc>
                           <a:spcPct val="100000"/>
                         </a:lnSpc>
@@ -5427,6 +5493,7 @@
                       <a:endParaRPr lang="pt-PT" sz="1400" dirty="0"/>
                     </a:p>
                     <a:p>
+                      <a:pPr algn="ctr"/>
                       <a:endParaRPr lang="pt-PT" sz="1400" dirty="0"/>
                     </a:p>
                   </a:txBody>
@@ -5447,9 +5514,6 @@
                         <a:rPr lang="en-GB" sz="1400" dirty="0"/>
                         <a:t>- The last tile of the snake is not on the first column.</a:t>
                       </a:r>
-                      <a:endParaRPr lang="pt-PT" sz="1400" dirty="0"/>
-                    </a:p>
-                    <a:p>
                       <a:endParaRPr lang="pt-PT" sz="1400" dirty="0"/>
                     </a:p>
                   </a:txBody>
@@ -5486,19 +5550,50 @@
                   </a:txBody>
                   <a:tcPr/>
                 </a:tc>
+                <a:tc>
+                  <a:txBody>
+                    <a:bodyPr/>
+                    <a:lstStyle/>
+                    <a:p>
+                      <a:pPr marL="0" marR="0" lvl="0" indent="0" algn="ctr" defTabSz="914400" rtl="0" eaLnBrk="1" fontAlgn="auto" latinLnBrk="0" hangingPunct="1">
+                        <a:lnSpc>
+                          <a:spcPct val="100000"/>
+                        </a:lnSpc>
+                        <a:spcBef>
+                          <a:spcPts val="0"/>
+                        </a:spcBef>
+                        <a:spcAft>
+                          <a:spcPts val="0"/>
+                        </a:spcAft>
+                        <a:buClrTx/>
+                        <a:buSzTx/>
+                        <a:buFontTx/>
+                        <a:buNone/>
+                        <a:tabLst/>
+                        <a:defRPr/>
+                      </a:pPr>
+                      <a:r>
+                        <a:rPr lang="en-GB" sz="1400" dirty="0"/>
+                        <a:t>1</a:t>
+                      </a:r>
+                      <a:endParaRPr lang="pt-PT" sz="1400" dirty="0"/>
+                    </a:p>
+                  </a:txBody>
+                  <a:tcPr/>
+                </a:tc>
                 <a:extLst>
                   <a:ext uri="{0D108BD9-81ED-4DB2-BD59-A6C34878D82A}">
                     <a16:rowId xmlns:a16="http://schemas.microsoft.com/office/drawing/2014/main" val="4161733167"/>
                   </a:ext>
                 </a:extLst>
               </a:tr>
-              <a:tr h="941104">
+              <a:tr h="1295866">
                 <a:tc>
                   <a:txBody>
                     <a:bodyPr/>
                     <a:lstStyle/>
                     <a:p>
-                      <a:pPr marL="0" marR="0" lvl="0" indent="0" algn="l" defTabSz="914400" rtl="0" eaLnBrk="1" fontAlgn="auto" latinLnBrk="0" hangingPunct="1">
+                      <a:pPr marL="0" marR="0" lvl="0" indent="0" algn="ctr" defTabSz="914400" rtl="0" eaLnBrk="1" fontAlgn="auto" latinLnBrk="0" hangingPunct="1">
                         <a:lnSpc>
                           <a:spcPct val="100000"/>
                         </a:lnSpc>
@@ -5522,6 +5617,7 @@
                       <a:endParaRPr lang="pt-PT" sz="1400" dirty="0"/>
                     </a:p>
                     <a:p>
+                      <a:pPr algn="ctr"/>
                       <a:endParaRPr lang="pt-PT" sz="1400" dirty="0"/>
                     </a:p>
                   </a:txBody>
@@ -5550,9 +5646,6 @@
                         <a:rPr lang="en-GB" sz="1400" dirty="0"/>
                         <a:t>- The last tile of the snake is not on the last column.</a:t>
                       </a:r>
-                      <a:endParaRPr lang="pt-PT" sz="1400" dirty="0"/>
-                    </a:p>
-                    <a:p>
                       <a:endParaRPr lang="pt-PT" sz="1400" dirty="0"/>
                     </a:p>
                   </a:txBody>
@@ -5592,6 +5685,21 @@
                   </a:txBody>
                   <a:tcPr/>
                 </a:tc>
+                <a:tc>
+                  <a:txBody>
+                    <a:bodyPr/>
+                    <a:lstStyle/>
+                    <a:p>
+                      <a:pPr algn="ctr"/>
+                      <a:r>
+                        <a:rPr lang="en-GB" sz="1400" dirty="0"/>
+                        <a:t>1</a:t>
+                      </a:r>
+                      <a:endParaRPr lang="pt-PT" sz="1400" dirty="0"/>
+                    </a:p>
+                  </a:txBody>
+                  <a:tcPr/>
+                </a:tc>
                 <a:extLst>
                   <a:ext uri="{0D108BD9-81ED-4DB2-BD59-A6C34878D82A}">
                     <a16:rowId xmlns:a16="http://schemas.microsoft.com/office/drawing/2014/main" val="1000675557"/>
@@ -5620,8 +5728,8 @@
         </p:nvSpPr>
         <p:spPr>
           <a:xfrm>
-            <a:off x="762000" y="1656825"/>
-            <a:ext cx="10668000" cy="3818083"/>
+            <a:off x="753611" y="1312037"/>
+            <a:ext cx="2341927" cy="608203"/>
           </a:xfrm>
         </p:spPr>
         <p:txBody>
@@ -5714,7 +5822,9 @@
         </p:nvSpPr>
         <p:spPr/>
         <p:txBody>
-          <a:bodyPr/>
+          <a:bodyPr>
+            <a:normAutofit fontScale="92500" lnSpcReduction="10000"/>
+          </a:bodyPr>
           <a:lstStyle/>
           <a:p>
             <a:r>
@@ -5732,6 +5842,12 @@
             <a:r>
               <a:rPr lang="pt-PT" dirty="0"/>
               <a:t>The initial state is defined by reading the saved text files with board information.</a:t>
+            </a:r>
+          </a:p>
+          <a:p>
+            <a:r>
+              <a:rPr lang="pt-PT" dirty="0"/>
+              <a:t>Implemented libraries: numpy, pygame</a:t>
             </a:r>
           </a:p>
           <a:p>

--- a/Chess Snake Puzzles – 2022 IA Project.pptx
+++ b/Chess Snake Puzzles – 2022 IA Project.pptx
@@ -313,6 +313,60 @@
         </pc:spChg>
         <pc:graphicFrameChg chg="add del mod modGraphic">
           <ac:chgData name="Carlos Gomes" userId="befe0c0c48f41b83" providerId="LiveId" clId="{C1F6FDB9-D3FC-4B78-9222-BDC7AD7E0D10}" dt="2022-04-04T15:03:43.046" v="3648" actId="122"/>
+          <ac:graphicFrameMkLst>
+            <pc:docMk/>
+            <pc:sldMk cId="710399668" sldId="261"/>
+            <ac:graphicFrameMk id="4" creationId="{2A3F9839-4261-4ACA-B552-CBD09BE3B284}"/>
+          </ac:graphicFrameMkLst>
+        </pc:graphicFrameChg>
+      </pc:sldChg>
+    </pc:docChg>
+  </pc:docChgLst>
+  <pc:docChgLst>
+    <pc:chgData name="Carlos Gomes" userId="befe0c0c48f41b83" providerId="LiveId" clId="{6FEF4BB0-CB00-438C-A0D8-7FBC648DD444}"/>
+    <pc:docChg chg="modSld">
+      <pc:chgData name="Carlos Gomes" userId="befe0c0c48f41b83" providerId="LiveId" clId="{6FEF4BB0-CB00-438C-A0D8-7FBC648DD444}" dt="2022-04-04T21:10:05.569" v="12" actId="20577"/>
+      <pc:docMkLst>
+        <pc:docMk/>
+      </pc:docMkLst>
+      <pc:sldChg chg="modSp mod">
+        <pc:chgData name="Carlos Gomes" userId="befe0c0c48f41b83" providerId="LiveId" clId="{6FEF4BB0-CB00-438C-A0D8-7FBC648DD444}" dt="2022-04-04T21:10:05.569" v="12" actId="20577"/>
+        <pc:sldMkLst>
+          <pc:docMk/>
+          <pc:sldMk cId="3251552042" sldId="259"/>
+        </pc:sldMkLst>
+        <pc:spChg chg="mod">
+          <ac:chgData name="Carlos Gomes" userId="befe0c0c48f41b83" providerId="LiveId" clId="{6FEF4BB0-CB00-438C-A0D8-7FBC648DD444}" dt="2022-04-04T21:10:05.569" v="12" actId="20577"/>
+          <ac:spMkLst>
+            <pc:docMk/>
+            <pc:sldMk cId="3251552042" sldId="259"/>
+            <ac:spMk id="3" creationId="{6EDDA152-6B00-4A16-8E42-4E16F0784E3C}"/>
+          </ac:spMkLst>
+        </pc:spChg>
+      </pc:sldChg>
+      <pc:sldChg chg="modSp mod">
+        <pc:chgData name="Carlos Gomes" userId="befe0c0c48f41b83" providerId="LiveId" clId="{6FEF4BB0-CB00-438C-A0D8-7FBC648DD444}" dt="2022-04-04T21:07:58.867" v="1"/>
+        <pc:sldMkLst>
+          <pc:docMk/>
+          <pc:sldMk cId="3566798296" sldId="260"/>
+        </pc:sldMkLst>
+        <pc:spChg chg="mod">
+          <ac:chgData name="Carlos Gomes" userId="befe0c0c48f41b83" providerId="LiveId" clId="{6FEF4BB0-CB00-438C-A0D8-7FBC648DD444}" dt="2022-04-04T21:07:58.867" v="1"/>
+          <ac:spMkLst>
+            <pc:docMk/>
+            <pc:sldMk cId="3566798296" sldId="260"/>
+            <ac:spMk id="3" creationId="{0F091D75-4CD1-4815-A56A-5459ACC80F92}"/>
+          </ac:spMkLst>
+        </pc:spChg>
+      </pc:sldChg>
+      <pc:sldChg chg="modSp mod">
+        <pc:chgData name="Carlos Gomes" userId="befe0c0c48f41b83" providerId="LiveId" clId="{6FEF4BB0-CB00-438C-A0D8-7FBC648DD444}" dt="2022-04-04T21:08:23.481" v="5" actId="20577"/>
+        <pc:sldMkLst>
+          <pc:docMk/>
+          <pc:sldMk cId="710399668" sldId="261"/>
+        </pc:sldMkLst>
+        <pc:graphicFrameChg chg="modGraphic">
+          <ac:chgData name="Carlos Gomes" userId="befe0c0c48f41b83" providerId="LiveId" clId="{6FEF4BB0-CB00-438C-A0D8-7FBC648DD444}" dt="2022-04-04T21:08:23.481" v="5" actId="20577"/>
           <ac:graphicFrameMkLst>
             <pc:docMk/>
             <pc:sldMk cId="710399668" sldId="261"/>
@@ -4815,7 +4869,23 @@
             </a:pPr>
             <a:r>
               <a:rPr lang="pt-PT" dirty="0"/>
-              <a:t>    - Pieces may not be crossed by the path</a:t>
+              <a:t>    - Pieces may not be crossed by </a:t>
+            </a:r>
+            <a:r>
+              <a:rPr lang="pt-PT" dirty="0" err="1"/>
+              <a:t>the</a:t>
+            </a:r>
+            <a:r>
+              <a:rPr lang="pt-PT" dirty="0"/>
+              <a:t> </a:t>
+            </a:r>
+            <a:r>
+              <a:rPr lang="pt-PT" dirty="0" err="1"/>
+              <a:t>path</a:t>
+            </a:r>
+            <a:r>
+              <a:rPr lang="pt-PT" dirty="0"/>
+              <a:t>;</a:t>
             </a:r>
           </a:p>
           <a:p>
@@ -5062,7 +5132,7 @@
           <a:p>
             <a:r>
               <a:rPr lang="pt-PT" dirty="0"/>
-              <a:t>State Representation: The board is represented by a matrix (list of lists) start and end tile are represented by the char ‘s’ and ‘f’, respectively, each chess piece is also represented by a char (king – k, queen – q, bishop – b, knigth – n, rook –r and pawn - p) the path tiles are represented with a 1 and the empty tiles with a 0.</a:t>
+              <a:t>State Representation: The board is represented by a matrix (list of lists), start and end tile are represented by the char ‘s’ and ‘f’, respectively, each chess piece is also represented by a char (king – k, queen – q, bishop – b, knigth – n, rook –r and pawn - p) the path tiles are represented with a 1 and the empty tiles with a 0.</a:t>
             </a:r>
           </a:p>
           <a:p>
@@ -5074,7 +5144,15 @@
           <a:p>
             <a:r>
               <a:rPr lang="pt-PT" dirty="0"/>
-              <a:t>Final state: state with a choosen path which may follow the rules defined in the game description. So it will be a matrix similiar with the initial state but, in this case with the tiles representing the solution path marked with a 1.</a:t>
+              <a:t>Final state: state with a chosen path which may follow the rules defined in the game description. So it will be a matrix similiar with the initial state but, in </a:t>
+            </a:r>
+            <a:r>
+              <a:rPr lang="pt-PT"/>
+              <a:t>this case, </a:t>
+            </a:r>
+            <a:r>
+              <a:rPr lang="pt-PT" dirty="0"/>
+              <a:t>with the tiles representing the solution path marked with a 1.</a:t>
             </a:r>
           </a:p>
           <a:p>
@@ -5169,7 +5247,7 @@
           <p:nvPr>
             <p:extLst>
               <p:ext uri="{D42A27DB-BD31-4B8C-83A1-F6EECF244321}">
-                <p14:modId xmlns:p14="http://schemas.microsoft.com/office/powerpoint/2010/main" val="1337802970"/>
+                <p14:modId xmlns:p14="http://schemas.microsoft.com/office/powerpoint/2010/main" val="1241741362"/>
               </p:ext>
             </p:extLst>
           </p:nvPr>
@@ -5630,15 +5708,7 @@
                     <a:p>
                       <a:r>
                         <a:rPr lang="en-GB" sz="1400" dirty="0"/>
-                        <a:t>- The tile on the </a:t>
-                      </a:r>
-                      <a:r>
-                        <a:rPr lang="en-GB" sz="1400" dirty="0" err="1"/>
-                        <a:t>rigth</a:t>
-                      </a:r>
-                      <a:r>
-                        <a:rPr lang="en-GB" sz="1400" dirty="0"/>
-                        <a:t> of the last piece of the snake is empty ( no chess piece nor snake piece);</a:t>
+                        <a:t>- The tile on the right of the last piece of the snake is empty ( no chess piece nor snake piece);</a:t>
                       </a:r>
                     </a:p>
                     <a:p>
@@ -5835,7 +5905,7 @@
           <a:p>
             <a:r>
               <a:rPr lang="pt-PT" dirty="0"/>
-              <a:t>Data structures: board ( class the will represented the game state) and piece (aclass which defines the possible attacks of the chess piece and stores its position).</a:t>
+              <a:t>Data structures: board ( class that will represent the game state) and piece (a class which defines the possible attacks of the chess piece and stores its position).</a:t>
             </a:r>
           </a:p>
           <a:p>

--- a/Chess Snake Puzzles – 2022 IA Project.pptx
+++ b/Chess Snake Puzzles – 2022 IA Project.pptx
@@ -526,7 +526,7 @@
           <a:p>
             <a:fld id="{76969C88-B244-455D-A017-012B25B1ACDD}" type="datetimeFigureOut">
               <a:rPr lang="en-US" smtClean="0"/>
-              <a:t>4/4/2022</a:t>
+              <a:t>4/5/22</a:t>
             </a:fld>
             <a:endParaRPr lang="en-US"/>
           </a:p>
@@ -580,7 +580,7 @@
           <a:p>
             <a:fld id="{07CE569E-9B7C-4CB9-AB80-C0841F922CFF}" type="slidenum">
               <a:rPr lang="en-US" smtClean="0"/>
-              <a:t>‹#›</a:t>
+              <a:t>‹nº›</a:t>
             </a:fld>
             <a:endParaRPr lang="en-US"/>
           </a:p>
@@ -724,7 +724,7 @@
           <a:p>
             <a:fld id="{76969C88-B244-455D-A017-012B25B1ACDD}" type="datetimeFigureOut">
               <a:rPr lang="en-US" smtClean="0"/>
-              <a:t>4/4/2022</a:t>
+              <a:t>4/5/22</a:t>
             </a:fld>
             <a:endParaRPr lang="en-US"/>
           </a:p>
@@ -778,7 +778,7 @@
           <a:p>
             <a:fld id="{07CE569E-9B7C-4CB9-AB80-C0841F922CFF}" type="slidenum">
               <a:rPr lang="en-US" smtClean="0"/>
-              <a:t>‹#›</a:t>
+              <a:t>‹nº›</a:t>
             </a:fld>
             <a:endParaRPr lang="en-US"/>
           </a:p>
@@ -932,7 +932,7 @@
           <a:p>
             <a:fld id="{76969C88-B244-455D-A017-012B25B1ACDD}" type="datetimeFigureOut">
               <a:rPr lang="en-US" smtClean="0"/>
-              <a:t>4/4/2022</a:t>
+              <a:t>4/5/22</a:t>
             </a:fld>
             <a:endParaRPr lang="en-US"/>
           </a:p>
@@ -986,7 +986,7 @@
           <a:p>
             <a:fld id="{07CE569E-9B7C-4CB9-AB80-C0841F922CFF}" type="slidenum">
               <a:rPr lang="en-US" smtClean="0"/>
-              <a:t>‹#›</a:t>
+              <a:t>‹nº›</a:t>
             </a:fld>
             <a:endParaRPr lang="en-US"/>
           </a:p>
@@ -1131,7 +1131,7 @@
           <a:p>
             <a:fld id="{76969C88-B244-455D-A017-012B25B1ACDD}" type="datetimeFigureOut">
               <a:rPr lang="en-US" smtClean="0"/>
-              <a:t>4/4/2022</a:t>
+              <a:t>4/5/22</a:t>
             </a:fld>
             <a:endParaRPr lang="en-US"/>
           </a:p>
@@ -1185,7 +1185,7 @@
           <a:p>
             <a:fld id="{07CE569E-9B7C-4CB9-AB80-C0841F922CFF}" type="slidenum">
               <a:rPr lang="en-US" smtClean="0"/>
-              <a:t>‹#›</a:t>
+              <a:t>‹nº›</a:t>
             </a:fld>
             <a:endParaRPr lang="en-US"/>
           </a:p>
@@ -1406,7 +1406,7 @@
           <a:p>
             <a:fld id="{76969C88-B244-455D-A017-012B25B1ACDD}" type="datetimeFigureOut">
               <a:rPr lang="en-US" smtClean="0"/>
-              <a:t>4/4/2022</a:t>
+              <a:t>4/5/22</a:t>
             </a:fld>
             <a:endParaRPr lang="en-US"/>
           </a:p>
@@ -1460,7 +1460,7 @@
           <a:p>
             <a:fld id="{07CE569E-9B7C-4CB9-AB80-C0841F922CFF}" type="slidenum">
               <a:rPr lang="en-US" smtClean="0"/>
-              <a:t>‹#›</a:t>
+              <a:t>‹nº›</a:t>
             </a:fld>
             <a:endParaRPr lang="en-US"/>
           </a:p>
@@ -1671,7 +1671,7 @@
           <a:p>
             <a:fld id="{76969C88-B244-455D-A017-012B25B1ACDD}" type="datetimeFigureOut">
               <a:rPr lang="en-US" smtClean="0"/>
-              <a:t>4/4/2022</a:t>
+              <a:t>4/5/22</a:t>
             </a:fld>
             <a:endParaRPr lang="en-US"/>
           </a:p>
@@ -1725,7 +1725,7 @@
           <a:p>
             <a:fld id="{07CE569E-9B7C-4CB9-AB80-C0841F922CFF}" type="slidenum">
               <a:rPr lang="en-US" smtClean="0"/>
-              <a:t>‹#›</a:t>
+              <a:t>‹nº›</a:t>
             </a:fld>
             <a:endParaRPr lang="en-US"/>
           </a:p>
@@ -2083,7 +2083,7 @@
           <a:p>
             <a:fld id="{76969C88-B244-455D-A017-012B25B1ACDD}" type="datetimeFigureOut">
               <a:rPr lang="en-US" smtClean="0"/>
-              <a:t>4/4/2022</a:t>
+              <a:t>4/5/22</a:t>
             </a:fld>
             <a:endParaRPr lang="en-US"/>
           </a:p>
@@ -2137,7 +2137,7 @@
           <a:p>
             <a:fld id="{07CE569E-9B7C-4CB9-AB80-C0841F922CFF}" type="slidenum">
               <a:rPr lang="en-US" smtClean="0"/>
-              <a:t>‹#›</a:t>
+              <a:t>‹nº›</a:t>
             </a:fld>
             <a:endParaRPr lang="en-US"/>
           </a:p>
@@ -2224,7 +2224,7 @@
           <a:p>
             <a:fld id="{76969C88-B244-455D-A017-012B25B1ACDD}" type="datetimeFigureOut">
               <a:rPr lang="en-US" smtClean="0"/>
-              <a:t>4/4/2022</a:t>
+              <a:t>4/5/22</a:t>
             </a:fld>
             <a:endParaRPr lang="en-US"/>
           </a:p>
@@ -2278,7 +2278,7 @@
           <a:p>
             <a:fld id="{07CE569E-9B7C-4CB9-AB80-C0841F922CFF}" type="slidenum">
               <a:rPr lang="en-US" smtClean="0"/>
-              <a:t>‹#›</a:t>
+              <a:t>‹nº›</a:t>
             </a:fld>
             <a:endParaRPr lang="en-US"/>
           </a:p>
@@ -2337,7 +2337,7 @@
           <a:p>
             <a:fld id="{76969C88-B244-455D-A017-012B25B1ACDD}" type="datetimeFigureOut">
               <a:rPr lang="en-US" smtClean="0"/>
-              <a:t>4/4/2022</a:t>
+              <a:t>4/5/22</a:t>
             </a:fld>
             <a:endParaRPr lang="en-US"/>
           </a:p>
@@ -2391,7 +2391,7 @@
           <a:p>
             <a:fld id="{07CE569E-9B7C-4CB9-AB80-C0841F922CFF}" type="slidenum">
               <a:rPr lang="en-US" smtClean="0"/>
-              <a:t>‹#›</a:t>
+              <a:t>‹nº›</a:t>
             </a:fld>
             <a:endParaRPr lang="en-US"/>
           </a:p>
@@ -2649,7 +2649,7 @@
           <a:p>
             <a:fld id="{76969C88-B244-455D-A017-012B25B1ACDD}" type="datetimeFigureOut">
               <a:rPr lang="en-US" smtClean="0"/>
-              <a:t>4/4/2022</a:t>
+              <a:t>4/5/22</a:t>
             </a:fld>
             <a:endParaRPr lang="en-US"/>
           </a:p>
@@ -2703,7 +2703,7 @@
           <a:p>
             <a:fld id="{07CE569E-9B7C-4CB9-AB80-C0841F922CFF}" type="slidenum">
               <a:rPr lang="en-US" smtClean="0"/>
-              <a:t>‹#›</a:t>
+              <a:t>‹nº›</a:t>
             </a:fld>
             <a:endParaRPr lang="en-US"/>
           </a:p>
@@ -2940,7 +2940,7 @@
           <a:p>
             <a:fld id="{76969C88-B244-455D-A017-012B25B1ACDD}" type="datetimeFigureOut">
               <a:rPr lang="en-US" smtClean="0"/>
-              <a:t>4/4/2022</a:t>
+              <a:t>4/5/22</a:t>
             </a:fld>
             <a:endParaRPr lang="en-US"/>
           </a:p>
@@ -2994,7 +2994,7 @@
           <a:p>
             <a:fld id="{07CE569E-9B7C-4CB9-AB80-C0841F922CFF}" type="slidenum">
               <a:rPr lang="en-US" smtClean="0"/>
-              <a:t>‹#›</a:t>
+              <a:t>‹nº›</a:t>
             </a:fld>
             <a:endParaRPr lang="en-US"/>
           </a:p>
@@ -3696,7 +3696,7 @@
             <a:fld id="{76969C88-B244-455D-A017-012B25B1ACDD}" type="datetimeFigureOut">
               <a:rPr lang="en-US" smtClean="0"/>
               <a:pPr/>
-              <a:t>4/4/2022</a:t>
+              <a:t>4/5/22</a:t>
             </a:fld>
             <a:endParaRPr lang="en-US"/>
           </a:p>
@@ -3789,7 +3789,7 @@
             <a:fld id="{07CE569E-9B7C-4CB9-AB80-C0841F922CFF}" type="slidenum">
               <a:rPr lang="en-US" smtClean="0"/>
               <a:pPr/>
-              <a:t>‹#›</a:t>
+              <a:t>‹nº›</a:t>
             </a:fld>
             <a:endParaRPr lang="en-US"/>
           </a:p>
@@ -4860,7 +4860,23 @@
             </a:pPr>
             <a:r>
               <a:rPr lang="pt-PT" dirty="0"/>
-              <a:t>    - Each chess piece attacks and equal number of squares of the choose path;</a:t>
+              <a:t>    - Each chess piece </a:t>
+            </a:r>
+            <a:r>
+              <a:rPr lang="pt-PT" dirty="0" err="1"/>
+              <a:t>attacks</a:t>
+            </a:r>
+            <a:r>
+              <a:rPr lang="pt-PT" dirty="0"/>
+              <a:t> </a:t>
+            </a:r>
+            <a:r>
+              <a:rPr lang="pt-PT" dirty="0" err="1"/>
+              <a:t>an</a:t>
+            </a:r>
+            <a:r>
+              <a:rPr lang="pt-PT" dirty="0"/>
+              <a:t> equal number of squares of the choose path;</a:t>
             </a:r>
           </a:p>
           <a:p>
@@ -5132,7 +5148,95 @@
           <a:p>
             <a:r>
               <a:rPr lang="pt-PT" dirty="0"/>
-              <a:t>State Representation: The board is represented by a matrix (list of lists), start and end tile are represented by the char ‘s’ and ‘f’, respectively, each chess piece is also represented by a char (king – k, queen – q, bishop – b, knigth – n, rook –r and pawn - p) the path tiles are represented with a 1 and the empty tiles with a 0.</a:t>
+              <a:t>State Representation: The board is represented by a matrix (list of lists), start and end tile are represented by the char ‘s’ and ‘f’, respectively, each chess piece is also represented by a char (king – k, queen – q, bishop – b, knigth – n, rook –r and pawn - p) the path tiles are represented with a 1 and the empty tiles with a 0. </a:t>
+            </a:r>
+            <a:r>
+              <a:rPr lang="pt-PT" dirty="0" err="1"/>
+              <a:t>Each</a:t>
+            </a:r>
+            <a:r>
+              <a:rPr lang="pt-PT" dirty="0"/>
+              <a:t> </a:t>
+            </a:r>
+            <a:r>
+              <a:rPr lang="pt-PT" dirty="0" err="1"/>
+              <a:t>piece</a:t>
+            </a:r>
+            <a:r>
+              <a:rPr lang="pt-PT" dirty="0"/>
+              <a:t> </a:t>
+            </a:r>
+            <a:r>
+              <a:rPr lang="pt-PT" dirty="0" err="1"/>
+              <a:t>has</a:t>
+            </a:r>
+            <a:r>
+              <a:rPr lang="pt-PT" dirty="0"/>
+              <a:t> a </a:t>
+            </a:r>
+            <a:r>
+              <a:rPr lang="pt-PT" dirty="0" err="1"/>
+              <a:t>counter</a:t>
+            </a:r>
+            <a:r>
+              <a:rPr lang="pt-PT" dirty="0"/>
+              <a:t> </a:t>
+            </a:r>
+            <a:r>
+              <a:rPr lang="pt-PT" dirty="0" err="1"/>
+              <a:t>that</a:t>
+            </a:r>
+            <a:r>
+              <a:rPr lang="pt-PT" dirty="0"/>
+              <a:t> </a:t>
+            </a:r>
+            <a:r>
+              <a:rPr lang="pt-PT" dirty="0" err="1"/>
+              <a:t>counts</a:t>
+            </a:r>
+            <a:r>
+              <a:rPr lang="pt-PT" dirty="0"/>
+              <a:t> </a:t>
+            </a:r>
+            <a:r>
+              <a:rPr lang="pt-PT" dirty="0" err="1"/>
+              <a:t>each</a:t>
+            </a:r>
+            <a:r>
+              <a:rPr lang="pt-PT" dirty="0"/>
+              <a:t> time </a:t>
+            </a:r>
+            <a:r>
+              <a:rPr lang="pt-PT" dirty="0" err="1"/>
+              <a:t>it</a:t>
+            </a:r>
+            <a:r>
+              <a:rPr lang="pt-PT" dirty="0"/>
+              <a:t> </a:t>
+            </a:r>
+            <a:r>
+              <a:rPr lang="pt-PT" dirty="0" err="1"/>
+              <a:t>attacks</a:t>
+            </a:r>
+            <a:r>
+              <a:rPr lang="pt-PT" dirty="0"/>
+              <a:t> </a:t>
+            </a:r>
+            <a:r>
+              <a:rPr lang="pt-PT" dirty="0" err="1"/>
+              <a:t>the</a:t>
+            </a:r>
+            <a:r>
+              <a:rPr lang="pt-PT" dirty="0"/>
+              <a:t> </a:t>
+            </a:r>
+            <a:r>
+              <a:rPr lang="pt-PT" dirty="0" err="1"/>
+              <a:t>snake</a:t>
+            </a:r>
+            <a:r>
+              <a:rPr lang="pt-PT" dirty="0"/>
+              <a:t>.</a:t>
             </a:r>
           </a:p>
           <a:p>
@@ -5147,18 +5251,46 @@
               <a:t>Final state: state with a chosen path which may follow the rules defined in the game description. So it will be a matrix similiar with the initial state but, in </a:t>
             </a:r>
             <a:r>
-              <a:rPr lang="pt-PT"/>
-              <a:t>this case, </a:t>
+              <a:rPr lang="pt-PT" dirty="0" err="1"/>
+              <a:t>this</a:t>
             </a:r>
             <a:r>
               <a:rPr lang="pt-PT" dirty="0"/>
-              <a:t>with the tiles representing the solution path marked with a 1.</a:t>
+              <a:t> case, with the tiles representing the solution path marked with a 1.</a:t>
             </a:r>
           </a:p>
           <a:p>
             <a:r>
               <a:rPr lang="pt-PT" dirty="0"/>
-              <a:t>Solution Cost – Each move costs 1, so the final cost will be the total length of the snake.</a:t>
+              <a:t>Solution Cost – Each move costs 1, so the final cost will be the total length of the </a:t>
+            </a:r>
+            <a:r>
+              <a:rPr lang="pt-PT" dirty="0" err="1"/>
+              <a:t>snake</a:t>
+            </a:r>
+            <a:r>
+              <a:rPr lang="pt-PT" dirty="0"/>
+              <a:t>. (</a:t>
+            </a:r>
+            <a:r>
+              <a:rPr lang="pt-PT" b="1" dirty="0"/>
+              <a:t>to </a:t>
+            </a:r>
+            <a:r>
+              <a:rPr lang="pt-PT" b="1" dirty="0" err="1"/>
+              <a:t>be</a:t>
+            </a:r>
+            <a:r>
+              <a:rPr lang="pt-PT" b="1" dirty="0"/>
+              <a:t> </a:t>
+            </a:r>
+            <a:r>
+              <a:rPr lang="pt-PT" b="1" dirty="0" err="1"/>
+              <a:t>checked</a:t>
+            </a:r>
+            <a:r>
+              <a:rPr lang="pt-PT" dirty="0"/>
+              <a:t>)</a:t>
             </a:r>
           </a:p>
           <a:p>
@@ -5247,14 +5379,14 @@
           <p:nvPr>
             <p:extLst>
               <p:ext uri="{D42A27DB-BD31-4B8C-83A1-F6EECF244321}">
-                <p14:modId xmlns:p14="http://schemas.microsoft.com/office/powerpoint/2010/main" val="1241741362"/>
+                <p14:modId xmlns:p14="http://schemas.microsoft.com/office/powerpoint/2010/main" val="1403049640"/>
               </p:ext>
             </p:extLst>
           </p:nvPr>
         </p:nvGraphicFramePr>
         <p:xfrm>
           <a:off x="1149292" y="1920240"/>
-          <a:ext cx="9722730" cy="4722339"/>
+          <a:ext cx="9722730" cy="5502106"/>
         </p:xfrm>
         <a:graphic>
           <a:graphicData uri="http://schemas.openxmlformats.org/drawingml/2006/table">
@@ -5400,9 +5532,31 @@
                     <a:bodyPr/>
                     <a:lstStyle/>
                     <a:p>
+                      <a:pPr marL="285750" indent="-285750">
+                        <a:buFontTx/>
+                        <a:buChar char="-"/>
+                      </a:pPr>
                       <a:r>
                         <a:rPr lang="en-GB" sz="1400" dirty="0"/>
-                        <a:t>- The above tile of the last piece of the snake is now part of the path too.</a:t>
+                        <a:t>The above tile of the last piece of the snake is now part of the </a:t>
+                      </a:r>
+                      <a:r>
+                        <a:rPr lang="en-GB" sz="1400"/>
+                        <a:t>path too</a:t>
+                      </a:r>
+                      <a:r>
+                        <a:rPr lang="en-GB" sz="1400" dirty="0"/>
+                        <a:t>;</a:t>
+                      </a:r>
+                    </a:p>
+                    <a:p>
+                      <a:pPr marL="285750" indent="-285750">
+                        <a:buFontTx/>
+                        <a:buChar char="-"/>
+                      </a:pPr>
+                      <a:r>
+                        <a:rPr lang="en-GB" sz="1400" dirty="0"/>
+                        <a:t>Update matrix’s values. (x, y-1) changes to 1.</a:t>
                       </a:r>
                       <a:endParaRPr lang="pt-PT" sz="1400" dirty="0"/>
                     </a:p>
@@ -5491,7 +5645,7 @@
                     <a:bodyPr/>
                     <a:lstStyle/>
                     <a:p>
-                      <a:pPr marL="0" marR="0" lvl="0" indent="0" algn="l" defTabSz="914400" rtl="0" eaLnBrk="1" fontAlgn="auto" latinLnBrk="0" hangingPunct="1">
+                      <a:pPr marL="285750" marR="0" lvl="0" indent="-285750" algn="l" defTabSz="914400" rtl="0" eaLnBrk="1" fontAlgn="auto" latinLnBrk="0" hangingPunct="1">
                         <a:lnSpc>
                           <a:spcPct val="100000"/>
                         </a:lnSpc>
@@ -5504,14 +5658,57 @@
                         <a:buClrTx/>
                         <a:buSzTx/>
                         <a:buFontTx/>
-                        <a:buNone/>
+                        <a:buChar char="-"/>
                         <a:tabLst/>
                         <a:defRPr/>
                       </a:pPr>
                       <a:r>
                         <a:rPr lang="en-GB" sz="1400" dirty="0"/>
-                        <a:t>- The tile on the bottom of the last piece of the snake is now part of the path too.</a:t>
+                        <a:t>The tile on the bottom of the last piece of the snake is now part of the path too;</a:t>
                       </a:r>
+                    </a:p>
+                    <a:p>
+                      <a:pPr marL="285750" marR="0" lvl="0" indent="-285750" algn="l" defTabSz="914400" rtl="0" eaLnBrk="1" fontAlgn="auto" latinLnBrk="0" hangingPunct="1">
+                        <a:lnSpc>
+                          <a:spcPct val="100000"/>
+                        </a:lnSpc>
+                        <a:spcBef>
+                          <a:spcPts val="0"/>
+                        </a:spcBef>
+                        <a:spcAft>
+                          <a:spcPts val="0"/>
+                        </a:spcAft>
+                        <a:buClrTx/>
+                        <a:buSzTx/>
+                        <a:buFontTx/>
+                        <a:buChar char="-"/>
+                        <a:tabLst/>
+                        <a:defRPr/>
+                      </a:pPr>
+                      <a:r>
+                        <a:rPr lang="en-GB" sz="1400" dirty="0"/>
+                        <a:t>Update matrix’s values. (x, y+1) changes to 1.</a:t>
+                      </a:r>
+                      <a:endParaRPr lang="pt-PT" sz="1400" dirty="0"/>
+                    </a:p>
+                    <a:p>
+                      <a:pPr marL="285750" marR="0" lvl="0" indent="-285750" algn="l" defTabSz="914400" rtl="0" eaLnBrk="1" fontAlgn="auto" latinLnBrk="0" hangingPunct="1">
+                        <a:lnSpc>
+                          <a:spcPct val="100000"/>
+                        </a:lnSpc>
+                        <a:spcBef>
+                          <a:spcPts val="0"/>
+                        </a:spcBef>
+                        <a:spcAft>
+                          <a:spcPts val="0"/>
+                        </a:spcAft>
+                        <a:buClrTx/>
+                        <a:buSzTx/>
+                        <a:buFontTx/>
+                        <a:buChar char="-"/>
+                        <a:tabLst/>
+                        <a:defRPr/>
+                      </a:pPr>
                       <a:endParaRPr lang="pt-PT" sz="1400" dirty="0"/>
                     </a:p>
                     <a:p>
@@ -5602,7 +5799,7 @@
                     <a:bodyPr/>
                     <a:lstStyle/>
                     <a:p>
-                      <a:pPr marL="0" marR="0" lvl="0" indent="0" algn="l" defTabSz="914400" rtl="0" eaLnBrk="1" fontAlgn="auto" latinLnBrk="0" hangingPunct="1">
+                      <a:pPr marL="285750" marR="0" lvl="0" indent="-285750" algn="l" defTabSz="914400" rtl="0" eaLnBrk="1" fontAlgn="auto" latinLnBrk="0" hangingPunct="1">
                         <a:lnSpc>
                           <a:spcPct val="100000"/>
                         </a:lnSpc>
@@ -5615,14 +5812,57 @@
                         <a:buClrTx/>
                         <a:buSzTx/>
                         <a:buFontTx/>
-                        <a:buNone/>
+                        <a:buChar char="-"/>
                         <a:tabLst/>
                         <a:defRPr/>
                       </a:pPr>
                       <a:r>
                         <a:rPr lang="en-GB" sz="1400" dirty="0"/>
-                        <a:t>- The tile on the left of the snake is now part of the path too.</a:t>
+                        <a:t>The tile on the left of the snake is now part of the path too;</a:t>
                       </a:r>
+                    </a:p>
+                    <a:p>
+                      <a:pPr marL="285750" marR="0" lvl="0" indent="-285750" algn="l" defTabSz="914400" rtl="0" eaLnBrk="1" fontAlgn="auto" latinLnBrk="0" hangingPunct="1">
+                        <a:lnSpc>
+                          <a:spcPct val="100000"/>
+                        </a:lnSpc>
+                        <a:spcBef>
+                          <a:spcPts val="0"/>
+                        </a:spcBef>
+                        <a:spcAft>
+                          <a:spcPts val="0"/>
+                        </a:spcAft>
+                        <a:buClrTx/>
+                        <a:buSzTx/>
+                        <a:buFontTx/>
+                        <a:buChar char="-"/>
+                        <a:tabLst/>
+                        <a:defRPr/>
+                      </a:pPr>
+                      <a:r>
+                        <a:rPr lang="en-GB" sz="1400" dirty="0"/>
+                        <a:t>Update matrix’s values. (x-1, y) changes to 1.</a:t>
+                      </a:r>
+                      <a:endParaRPr lang="pt-PT" sz="1400" dirty="0"/>
+                    </a:p>
+                    <a:p>
+                      <a:pPr marL="285750" marR="0" lvl="0" indent="-285750" algn="l" defTabSz="914400" rtl="0" eaLnBrk="1" fontAlgn="auto" latinLnBrk="0" hangingPunct="1">
+                        <a:lnSpc>
+                          <a:spcPct val="100000"/>
+                        </a:lnSpc>
+                        <a:spcBef>
+                          <a:spcPts val="0"/>
+                        </a:spcBef>
+                        <a:spcAft>
+                          <a:spcPts val="0"/>
+                        </a:spcAft>
+                        <a:buClrTx/>
+                        <a:buSzTx/>
+                        <a:buFontTx/>
+                        <a:buChar char="-"/>
+                        <a:tabLst/>
+                        <a:defRPr/>
+                      </a:pPr>
                       <a:endParaRPr lang="pt-PT" sz="1400" dirty="0"/>
                     </a:p>
                   </a:txBody>
@@ -5745,8 +5985,51 @@
                       </a:pPr>
                       <a:r>
                         <a:rPr lang="en-GB" sz="1400" dirty="0"/>
-                        <a:t>The tile on the right of the snake is now part of the path too.</a:t>
+                        <a:t>The tile on the right of the snake is now part of the path too;</a:t>
                       </a:r>
+                    </a:p>
+                    <a:p>
+                      <a:pPr marL="0" marR="0" lvl="0" indent="0" algn="l" defTabSz="914400" rtl="0" eaLnBrk="1" fontAlgn="auto" latinLnBrk="0" hangingPunct="1">
+                        <a:lnSpc>
+                          <a:spcPct val="100000"/>
+                        </a:lnSpc>
+                        <a:spcBef>
+                          <a:spcPts val="0"/>
+                        </a:spcBef>
+                        <a:spcAft>
+                          <a:spcPts val="0"/>
+                        </a:spcAft>
+                        <a:buClrTx/>
+                        <a:buSzTx/>
+                        <a:buFontTx/>
+                        <a:buNone/>
+                        <a:tabLst/>
+                        <a:defRPr/>
+                      </a:pPr>
+                      <a:r>
+                        <a:rPr lang="en-GB" sz="1400" dirty="0"/>
+                        <a:t>Update matrix’s values. (x+1, y) changes to 1.</a:t>
+                      </a:r>
+                      <a:endParaRPr lang="pt-PT" sz="1400" dirty="0"/>
+                    </a:p>
+                    <a:p>
+                      <a:pPr marL="0" marR="0" lvl="0" indent="0" algn="l" defTabSz="914400" rtl="0" eaLnBrk="1" fontAlgn="auto" latinLnBrk="0" hangingPunct="1">
+                        <a:lnSpc>
+                          <a:spcPct val="100000"/>
+                        </a:lnSpc>
+                        <a:spcBef>
+                          <a:spcPts val="0"/>
+                        </a:spcBef>
+                        <a:spcAft>
+                          <a:spcPts val="0"/>
+                        </a:spcAft>
+                        <a:buClrTx/>
+                        <a:buSzTx/>
+                        <a:buFontTx/>
+                        <a:buNone/>
+                        <a:tabLst/>
+                        <a:defRPr/>
+                      </a:pPr>
                       <a:endParaRPr lang="pt-PT" sz="1400" dirty="0"/>
                     </a:p>
                     <a:p>

--- a/Chess Snake Puzzles – 2022 IA Project.pptx
+++ b/Chess Snake Puzzles – 2022 IA Project.pptx
@@ -5236,13 +5236,81 @@
             </a:r>
             <a:r>
               <a:rPr lang="pt-PT" dirty="0"/>
-              <a:t>.</a:t>
-            </a:r>
-          </a:p>
-          <a:p>
+              <a:t>. </a:t>
+            </a:r>
+            <a:r>
+              <a:rPr lang="pt-PT" dirty="0" err="1"/>
+              <a:t>Every</a:t>
+            </a:r>
             <a:r>
               <a:rPr lang="pt-PT" dirty="0"/>
-              <a:t>Initial state: The initial state is represented with the given chess tiles defined in the board and the start and finish tiles well-marked as well.</a:t>
+              <a:t> tile </a:t>
+            </a:r>
+            <a:r>
+              <a:rPr lang="pt-PT" dirty="0" err="1"/>
+              <a:t>has</a:t>
+            </a:r>
+            <a:r>
+              <a:rPr lang="pt-PT" dirty="0"/>
+              <a:t> a </a:t>
+            </a:r>
+            <a:r>
+              <a:rPr lang="pt-PT" dirty="0" err="1"/>
+              <a:t>position</a:t>
+            </a:r>
+            <a:r>
+              <a:rPr lang="pt-PT" dirty="0"/>
+              <a:t> (x, y) </a:t>
+            </a:r>
+            <a:r>
+              <a:rPr lang="pt-PT" dirty="0" err="1"/>
+              <a:t>that</a:t>
+            </a:r>
+            <a:r>
+              <a:rPr lang="pt-PT" dirty="0"/>
+              <a:t> </a:t>
+            </a:r>
+            <a:r>
+              <a:rPr lang="pt-PT" dirty="0" err="1"/>
+              <a:t>is</a:t>
+            </a:r>
+            <a:r>
+              <a:rPr lang="pt-PT" dirty="0"/>
+              <a:t> </a:t>
+            </a:r>
+            <a:r>
+              <a:rPr lang="pt-PT" dirty="0" err="1"/>
+              <a:t>updated</a:t>
+            </a:r>
+            <a:r>
+              <a:rPr lang="pt-PT" dirty="0"/>
+              <a:t> </a:t>
+            </a:r>
+            <a:r>
+              <a:rPr lang="pt-PT" dirty="0" err="1"/>
+              <a:t>everytime</a:t>
+            </a:r>
+            <a:r>
+              <a:rPr lang="pt-PT" dirty="0"/>
+              <a:t> </a:t>
+            </a:r>
+            <a:r>
+              <a:rPr lang="pt-PT" dirty="0" err="1"/>
+              <a:t>it</a:t>
+            </a:r>
+            <a:r>
+              <a:rPr lang="pt-PT" dirty="0"/>
+              <a:t> moves.</a:t>
+            </a:r>
+          </a:p>
+          <a:p>
+            <a:r>
+              <a:rPr lang="pt-PT" dirty="0" err="1"/>
+              <a:t>Initial</a:t>
+            </a:r>
+            <a:r>
+              <a:rPr lang="pt-PT" dirty="0"/>
+              <a:t> state: The initial state is represented with the given chess tiles defined in the board and the start and finish tiles well-marked as well.</a:t>
             </a:r>
           </a:p>
           <a:p>
@@ -5349,7 +5417,7 @@
         </p:nvSpPr>
         <p:spPr>
           <a:xfrm>
-            <a:off x="829112" y="396240"/>
+            <a:off x="321112" y="-211963"/>
             <a:ext cx="10668000" cy="1524000"/>
           </a:xfrm>
         </p:spPr>
@@ -5379,14 +5447,14 @@
           <p:nvPr>
             <p:extLst>
               <p:ext uri="{D42A27DB-BD31-4B8C-83A1-F6EECF244321}">
-                <p14:modId xmlns:p14="http://schemas.microsoft.com/office/powerpoint/2010/main" val="1403049640"/>
+                <p14:modId xmlns:p14="http://schemas.microsoft.com/office/powerpoint/2010/main" val="186792945"/>
               </p:ext>
             </p:extLst>
           </p:nvPr>
         </p:nvGraphicFramePr>
         <p:xfrm>
-          <a:off x="1149292" y="1920240"/>
-          <a:ext cx="9722730" cy="5502106"/>
+          <a:off x="3119823" y="854138"/>
+          <a:ext cx="8751065" cy="5791200"/>
         </p:xfrm>
         <a:graphic>
           <a:graphicData uri="http://schemas.openxmlformats.org/drawingml/2006/table">
@@ -5395,28 +5463,28 @@
                 <a:tableStyleId>{5C22544A-7EE6-4342-B048-85BDC9FD1C3A}</a:tableStyleId>
               </a:tblPr>
               <a:tblGrid>
-                <a:gridCol w="1174458">
+                <a:gridCol w="1057086">
                   <a:extLst>
                     <a:ext uri="{9D8B030D-6E8A-4147-A177-3AD203B41FA5}">
                       <a16:colId xmlns:a16="http://schemas.microsoft.com/office/drawing/2014/main" val="1900299851"/>
                     </a:ext>
                   </a:extLst>
                 </a:gridCol>
-                <a:gridCol w="3984771">
+                <a:gridCol w="3586543">
                   <a:extLst>
                     <a:ext uri="{9D8B030D-6E8A-4147-A177-3AD203B41FA5}">
                       <a16:colId xmlns:a16="http://schemas.microsoft.com/office/drawing/2014/main" val="2670342692"/>
                     </a:ext>
                   </a:extLst>
                 </a:gridCol>
-                <a:gridCol w="3514987">
+                <a:gridCol w="3163708">
                   <a:extLst>
                     <a:ext uri="{9D8B030D-6E8A-4147-A177-3AD203B41FA5}">
                       <a16:colId xmlns:a16="http://schemas.microsoft.com/office/drawing/2014/main" val="3521495539"/>
                     </a:ext>
                   </a:extLst>
                 </a:gridCol>
-                <a:gridCol w="1048514">
+                <a:gridCol w="943728">
                   <a:extLst>
                     <a:ext uri="{9D8B030D-6E8A-4147-A177-3AD203B41FA5}">
                       <a16:colId xmlns:a16="http://schemas.microsoft.com/office/drawing/2014/main" val="485993998"/>
@@ -5424,7 +5492,7 @@
                   </a:extLst>
                 </a:gridCol>
               </a:tblGrid>
-              <a:tr h="287970">
+              <a:tr h="0">
                 <a:tc>
                   <a:txBody>
                     <a:bodyPr/>
@@ -5491,7 +5559,7 @@
                   </a:ext>
                 </a:extLst>
               </a:tr>
-              <a:tr h="691129">
+              <a:tr h="895531">
                 <a:tc>
                   <a:txBody>
                     <a:bodyPr/>
@@ -5538,15 +5606,7 @@
                       </a:pPr>
                       <a:r>
                         <a:rPr lang="en-GB" sz="1400" dirty="0"/>
-                        <a:t>The above tile of the last piece of the snake is now part of the </a:t>
-                      </a:r>
-                      <a:r>
-                        <a:rPr lang="en-GB" sz="1400"/>
-                        <a:t>path too</a:t>
-                      </a:r>
-                      <a:r>
-                        <a:rPr lang="en-GB" sz="1400" dirty="0"/>
-                        <a:t>;</a:t>
+                        <a:t>The above tile of the last piece of the snake is now part of the path too;</a:t>
                       </a:r>
                     </a:p>
                     <a:p>
@@ -5584,7 +5644,7 @@
                   </a:ext>
                 </a:extLst>
               </a:tr>
-              <a:tr h="1094287">
+              <a:tr h="1225463">
                 <a:tc>
                   <a:txBody>
                     <a:bodyPr/>
@@ -5738,7 +5798,7 @@
                   </a:ext>
                 </a:extLst>
               </a:tr>
-              <a:tr h="1295866">
+              <a:tr h="916647">
                 <a:tc>
                   <a:txBody>
                     <a:bodyPr/>
@@ -5905,7 +5965,7 @@
                   </a:ext>
                 </a:extLst>
               </a:tr>
-              <a:tr h="1295866">
+              <a:tr h="1060497">
                 <a:tc>
                   <a:txBody>
                     <a:bodyPr/>
@@ -6081,7 +6141,7 @@
         </p:nvSpPr>
         <p:spPr>
           <a:xfrm>
-            <a:off x="753611" y="1312037"/>
+            <a:off x="549504" y="1453148"/>
             <a:ext cx="2341927" cy="608203"/>
           </a:xfrm>
         </p:spPr>

--- a/Chess Snake Puzzles – 2022 IA Project.pptx
+++ b/Chess Snake Puzzles – 2022 IA Project.pptx
@@ -1,25 +1,25 @@
 
 <file path=ppt/presentation.xml><?xml version="1.0" encoding="utf-8"?>
-<p:presentation xmlns:a="http://schemas.openxmlformats.org/drawingml/2006/main" xmlns:r="http://schemas.openxmlformats.org/officeDocument/2006/relationships" xmlns:p="http://schemas.openxmlformats.org/presentationml/2006/main" saveSubsetFonts="1">
+<p:presentation xmlns:a="http://schemas.openxmlformats.org/drawingml/2006/main" xmlns:r="http://schemas.openxmlformats.org/officeDocument/2006/relationships" xmlns:p="http://schemas.openxmlformats.org/presentationml/2006/main" xmlns:m="http://schemas.openxmlformats.org/officeDocument/2006/math" xmlns:w="http://schemas.openxmlformats.org/wordprocessingml/2006/main" saveSubsetFonts="1">
   <p:sldMasterIdLst>
-    <p:sldMasterId id="2147483725" r:id="rId1"/>
+    <p:sldMasterId id="2147483648" r:id="rId1"/>
   </p:sldMasterIdLst>
   <p:sldIdLst>
-    <p:sldId id="256" r:id="rId2"/>
-    <p:sldId id="257" r:id="rId3"/>
-    <p:sldId id="258" r:id="rId4"/>
-    <p:sldId id="259" r:id="rId5"/>
-    <p:sldId id="261" r:id="rId6"/>
+    <p:sldId id="256" r:id="rId3"/>
+    <p:sldId id="257" r:id="rId4"/>
+    <p:sldId id="258" r:id="rId5"/>
+    <p:sldId id="259" r:id="rId6"/>
     <p:sldId id="260" r:id="rId7"/>
+    <p:sldId id="261" r:id="rId8"/>
   </p:sldIdLst>
   <p:sldSz cx="12192000" cy="6858000"/>
-  <p:notesSz cx="6858000" cy="9144000"/>
+  <p:notesSz cx="12192000" cy="6858000"/>
   <p:defaultTextStyle>
     <a:defPPr>
       <a:defRPr lang="pt-PT"/>
     </a:defPPr>
-    <a:lvl1pPr marL="0" algn="l" defTabSz="914400" rtl="0" eaLnBrk="1" latinLnBrk="0" hangingPunct="1">
-      <a:defRPr sz="1800" kern="1200">
+    <a:lvl1pPr marL="0" algn="l" defTabSz="914400">
+      <a:defRPr sz="1800">
         <a:solidFill>
           <a:schemeClr val="tx1"/>
         </a:solidFill>
@@ -28,8 +28,8 @@
         <a:cs typeface="+mn-cs"/>
       </a:defRPr>
     </a:lvl1pPr>
-    <a:lvl2pPr marL="457200" algn="l" defTabSz="914400" rtl="0" eaLnBrk="1" latinLnBrk="0" hangingPunct="1">
-      <a:defRPr sz="1800" kern="1200">
+    <a:lvl2pPr marL="457200" algn="l" defTabSz="914400">
+      <a:defRPr sz="1800">
         <a:solidFill>
           <a:schemeClr val="tx1"/>
         </a:solidFill>
@@ -38,8 +38,8 @@
         <a:cs typeface="+mn-cs"/>
       </a:defRPr>
     </a:lvl2pPr>
-    <a:lvl3pPr marL="914400" algn="l" defTabSz="914400" rtl="0" eaLnBrk="1" latinLnBrk="0" hangingPunct="1">
-      <a:defRPr sz="1800" kern="1200">
+    <a:lvl3pPr marL="914400" algn="l" defTabSz="914400">
+      <a:defRPr sz="1800">
         <a:solidFill>
           <a:schemeClr val="tx1"/>
         </a:solidFill>
@@ -48,8 +48,8 @@
         <a:cs typeface="+mn-cs"/>
       </a:defRPr>
     </a:lvl3pPr>
-    <a:lvl4pPr marL="1371600" algn="l" defTabSz="914400" rtl="0" eaLnBrk="1" latinLnBrk="0" hangingPunct="1">
-      <a:defRPr sz="1800" kern="1200">
+    <a:lvl4pPr marL="1371600" algn="l" defTabSz="914400">
+      <a:defRPr sz="1800">
         <a:solidFill>
           <a:schemeClr val="tx1"/>
         </a:solidFill>
@@ -58,8 +58,8 @@
         <a:cs typeface="+mn-cs"/>
       </a:defRPr>
     </a:lvl4pPr>
-    <a:lvl5pPr marL="1828800" algn="l" defTabSz="914400" rtl="0" eaLnBrk="1" latinLnBrk="0" hangingPunct="1">
-      <a:defRPr sz="1800" kern="1200">
+    <a:lvl5pPr marL="1828800" algn="l" defTabSz="914400">
+      <a:defRPr sz="1800">
         <a:solidFill>
           <a:schemeClr val="tx1"/>
         </a:solidFill>
@@ -68,8 +68,8 @@
         <a:cs typeface="+mn-cs"/>
       </a:defRPr>
     </a:lvl5pPr>
-    <a:lvl6pPr marL="2286000" algn="l" defTabSz="914400" rtl="0" eaLnBrk="1" latinLnBrk="0" hangingPunct="1">
-      <a:defRPr sz="1800" kern="1200">
+    <a:lvl6pPr marL="2286000" algn="l" defTabSz="914400">
+      <a:defRPr sz="1800">
         <a:solidFill>
           <a:schemeClr val="tx1"/>
         </a:solidFill>
@@ -78,8 +78,8 @@
         <a:cs typeface="+mn-cs"/>
       </a:defRPr>
     </a:lvl6pPr>
-    <a:lvl7pPr marL="2743200" algn="l" defTabSz="914400" rtl="0" eaLnBrk="1" latinLnBrk="0" hangingPunct="1">
-      <a:defRPr sz="1800" kern="1200">
+    <a:lvl7pPr marL="2743200" algn="l" defTabSz="914400">
+      <a:defRPr sz="1800">
         <a:solidFill>
           <a:schemeClr val="tx1"/>
         </a:solidFill>
@@ -88,8 +88,8 @@
         <a:cs typeface="+mn-cs"/>
       </a:defRPr>
     </a:lvl7pPr>
-    <a:lvl8pPr marL="3200400" algn="l" defTabSz="914400" rtl="0" eaLnBrk="1" latinLnBrk="0" hangingPunct="1">
-      <a:defRPr sz="1800" kern="1200">
+    <a:lvl8pPr marL="3200400" algn="l" defTabSz="914400">
+      <a:defRPr sz="1800">
         <a:solidFill>
           <a:schemeClr val="tx1"/>
         </a:solidFill>
@@ -98,8 +98,8 @@
         <a:cs typeface="+mn-cs"/>
       </a:defRPr>
     </a:lvl8pPr>
-    <a:lvl9pPr marL="3657600" algn="l" defTabSz="914400" rtl="0" eaLnBrk="1" latinLnBrk="0" hangingPunct="1">
-      <a:defRPr sz="1800" kern="1200">
+    <a:lvl9pPr marL="3657600" algn="l" defTabSz="914400">
+      <a:defRPr sz="1800">
         <a:solidFill>
           <a:schemeClr val="tx1"/>
         </a:solidFill>
@@ -109,286 +109,19 @@
       </a:defRPr>
     </a:lvl9pPr>
   </p:defaultTextStyle>
-  <p:extLst>
-    <p:ext uri="{EFAFB233-063F-42B5-8137-9DF3F51BA10A}">
-      <p15:sldGuideLst xmlns:p15="http://schemas.microsoft.com/office/powerpoint/2012/main"/>
-    </p:ext>
-  </p:extLst>
 </p:presentation>
 </file>
 
-<file path=ppt/revisionInfo.xml><?xml version="1.0" encoding="utf-8"?>
-<p1510:revInfo xmlns:a="http://schemas.openxmlformats.org/drawingml/2006/main" xmlns:r="http://schemas.openxmlformats.org/officeDocument/2006/relationships" xmlns:p1510="http://schemas.microsoft.com/office/powerpoint/2015/10/main">
-  <p1510:revLst>
-    <p1510:client id="{C1F6FDB9-D3FC-4B78-9222-BDC7AD7E0D10}" v="349" dt="2022-04-04T15:02:07.065"/>
-  </p1510:revLst>
-</p1510:revInfo>
-</file>
-
-<file path=ppt/changesInfos/changesInfo1.xml><?xml version="1.0" encoding="utf-8"?>
-<pc:chgInfo xmlns:a="http://schemas.openxmlformats.org/drawingml/2006/main" xmlns:r="http://schemas.openxmlformats.org/officeDocument/2006/relationships" xmlns:ac="http://schemas.microsoft.com/office/drawing/2013/main/command" xmlns:pc="http://schemas.microsoft.com/office/powerpoint/2013/main/command">
-  <pc:docChgLst>
-    <pc:chgData name="Carlos Gomes" userId="befe0c0c48f41b83" providerId="LiveId" clId="{C1F6FDB9-D3FC-4B78-9222-BDC7AD7E0D10}"/>
-    <pc:docChg chg="undo redo custSel addSld modSld sldOrd">
-      <pc:chgData name="Carlos Gomes" userId="befe0c0c48f41b83" providerId="LiveId" clId="{C1F6FDB9-D3FC-4B78-9222-BDC7AD7E0D10}" dt="2022-04-04T15:36:24.934" v="4136" actId="6549"/>
-      <pc:docMkLst>
-        <pc:docMk/>
-      </pc:docMkLst>
-      <pc:sldChg chg="modSp mod">
-        <pc:chgData name="Carlos Gomes" userId="befe0c0c48f41b83" providerId="LiveId" clId="{C1F6FDB9-D3FC-4B78-9222-BDC7AD7E0D10}" dt="2022-04-03T22:34:10.935" v="3548" actId="20577"/>
-        <pc:sldMkLst>
-          <pc:docMk/>
-          <pc:sldMk cId="1231463357" sldId="256"/>
-        </pc:sldMkLst>
-        <pc:spChg chg="mod">
-          <ac:chgData name="Carlos Gomes" userId="befe0c0c48f41b83" providerId="LiveId" clId="{C1F6FDB9-D3FC-4B78-9222-BDC7AD7E0D10}" dt="2022-04-03T22:34:01.263" v="3534" actId="20577"/>
-          <ac:spMkLst>
-            <pc:docMk/>
-            <pc:sldMk cId="1231463357" sldId="256"/>
-            <ac:spMk id="2" creationId="{B9FDC1FF-3287-4630-8D77-E66685481EE7}"/>
-          </ac:spMkLst>
-        </pc:spChg>
-        <pc:spChg chg="mod">
-          <ac:chgData name="Carlos Gomes" userId="befe0c0c48f41b83" providerId="LiveId" clId="{C1F6FDB9-D3FC-4B78-9222-BDC7AD7E0D10}" dt="2022-04-03T22:34:10.935" v="3548" actId="20577"/>
-          <ac:spMkLst>
-            <pc:docMk/>
-            <pc:sldMk cId="1231463357" sldId="256"/>
-            <ac:spMk id="3" creationId="{FBB36667-5209-41C5-B231-1A1C67D43CB4}"/>
-          </ac:spMkLst>
-        </pc:spChg>
-      </pc:sldChg>
-      <pc:sldChg chg="modSp mod">
-        <pc:chgData name="Carlos Gomes" userId="befe0c0c48f41b83" providerId="LiveId" clId="{C1F6FDB9-D3FC-4B78-9222-BDC7AD7E0D10}" dt="2022-04-03T22:10:09.854" v="1141" actId="27636"/>
-        <pc:sldMkLst>
-          <pc:docMk/>
-          <pc:sldMk cId="1616608620" sldId="257"/>
-        </pc:sldMkLst>
-        <pc:spChg chg="mod">
-          <ac:chgData name="Carlos Gomes" userId="befe0c0c48f41b83" providerId="LiveId" clId="{C1F6FDB9-D3FC-4B78-9222-BDC7AD7E0D10}" dt="2022-04-03T22:10:09.854" v="1141" actId="27636"/>
-          <ac:spMkLst>
-            <pc:docMk/>
-            <pc:sldMk cId="1616608620" sldId="257"/>
-            <ac:spMk id="3" creationId="{300D1453-DC35-40B3-81DC-E9F3035DCC91}"/>
-          </ac:spMkLst>
-        </pc:spChg>
-      </pc:sldChg>
-      <pc:sldChg chg="addSp delSp modSp mod ord">
-        <pc:chgData name="Carlos Gomes" userId="befe0c0c48f41b83" providerId="LiveId" clId="{C1F6FDB9-D3FC-4B78-9222-BDC7AD7E0D10}" dt="2022-04-03T22:22:07.694" v="2732" actId="21"/>
-        <pc:sldMkLst>
-          <pc:docMk/>
-          <pc:sldMk cId="3204148524" sldId="258"/>
-        </pc:sldMkLst>
-        <pc:graphicFrameChg chg="add del mod">
-          <ac:chgData name="Carlos Gomes" userId="befe0c0c48f41b83" providerId="LiveId" clId="{C1F6FDB9-D3FC-4B78-9222-BDC7AD7E0D10}" dt="2022-04-03T22:20:06.200" v="2687" actId="478"/>
-          <ac:graphicFrameMkLst>
-            <pc:docMk/>
-            <pc:sldMk cId="3204148524" sldId="258"/>
-            <ac:graphicFrameMk id="4" creationId="{15FE3A57-5859-4DED-AC6D-4ABC0300A709}"/>
-          </ac:graphicFrameMkLst>
-        </pc:graphicFrameChg>
-        <pc:graphicFrameChg chg="add del mod">
-          <ac:chgData name="Carlos Gomes" userId="befe0c0c48f41b83" providerId="LiveId" clId="{C1F6FDB9-D3FC-4B78-9222-BDC7AD7E0D10}" dt="2022-04-03T22:22:07.694" v="2732" actId="21"/>
-          <ac:graphicFrameMkLst>
-            <pc:docMk/>
-            <pc:sldMk cId="3204148524" sldId="258"/>
-            <ac:graphicFrameMk id="5" creationId="{21D7BED5-4C06-4B67-AE57-B80BD5EB417A}"/>
-          </ac:graphicFrameMkLst>
-        </pc:graphicFrameChg>
-      </pc:sldChg>
-      <pc:sldChg chg="addSp delSp modSp mod">
-        <pc:chgData name="Carlos Gomes" userId="befe0c0c48f41b83" providerId="LiveId" clId="{C1F6FDB9-D3FC-4B78-9222-BDC7AD7E0D10}" dt="2022-04-04T15:36:24.934" v="4136" actId="6549"/>
-        <pc:sldMkLst>
-          <pc:docMk/>
-          <pc:sldMk cId="3251552042" sldId="259"/>
-        </pc:sldMkLst>
-        <pc:spChg chg="mod">
-          <ac:chgData name="Carlos Gomes" userId="befe0c0c48f41b83" providerId="LiveId" clId="{C1F6FDB9-D3FC-4B78-9222-BDC7AD7E0D10}" dt="2022-04-04T15:36:24.934" v="4136" actId="6549"/>
-          <ac:spMkLst>
-            <pc:docMk/>
-            <pc:sldMk cId="3251552042" sldId="259"/>
-            <ac:spMk id="3" creationId="{6EDDA152-6B00-4A16-8E42-4E16F0784E3C}"/>
-          </ac:spMkLst>
-        </pc:spChg>
-        <pc:spChg chg="add del">
-          <ac:chgData name="Carlos Gomes" userId="befe0c0c48f41b83" providerId="LiveId" clId="{C1F6FDB9-D3FC-4B78-9222-BDC7AD7E0D10}" dt="2022-04-03T21:47:10.040" v="494"/>
-          <ac:spMkLst>
-            <pc:docMk/>
-            <pc:sldMk cId="3251552042" sldId="259"/>
-            <ac:spMk id="4" creationId="{4E279C7A-7679-4AF3-830B-EFE48BB8D967}"/>
-          </ac:spMkLst>
-        </pc:spChg>
-        <pc:spChg chg="add del">
-          <ac:chgData name="Carlos Gomes" userId="befe0c0c48f41b83" providerId="LiveId" clId="{C1F6FDB9-D3FC-4B78-9222-BDC7AD7E0D10}" dt="2022-04-03T21:56:16.693" v="943" actId="22"/>
-          <ac:spMkLst>
-            <pc:docMk/>
-            <pc:sldMk cId="3251552042" sldId="259"/>
-            <ac:spMk id="7" creationId="{535BC4B4-9A16-4A6C-84DF-184FEFDC54AC}"/>
-          </ac:spMkLst>
-        </pc:spChg>
-        <pc:graphicFrameChg chg="add del mod modGraphic">
-          <ac:chgData name="Carlos Gomes" userId="befe0c0c48f41b83" providerId="LiveId" clId="{C1F6FDB9-D3FC-4B78-9222-BDC7AD7E0D10}" dt="2022-04-03T22:14:16.636" v="1897" actId="21"/>
-          <ac:graphicFrameMkLst>
-            <pc:docMk/>
-            <pc:sldMk cId="3251552042" sldId="259"/>
-            <ac:graphicFrameMk id="5" creationId="{1EB8202A-9BEF-41E5-9D28-8DFCB135B6DB}"/>
-          </ac:graphicFrameMkLst>
-        </pc:graphicFrameChg>
-        <pc:graphicFrameChg chg="add del mod modGraphic">
-          <ac:chgData name="Carlos Gomes" userId="befe0c0c48f41b83" providerId="LiveId" clId="{C1F6FDB9-D3FC-4B78-9222-BDC7AD7E0D10}" dt="2022-04-03T22:20:01.187" v="2686" actId="21"/>
-          <ac:graphicFrameMkLst>
-            <pc:docMk/>
-            <pc:sldMk cId="3251552042" sldId="259"/>
-            <ac:graphicFrameMk id="8" creationId="{8F319529-01CA-4C32-9474-3DD9769ECDD5}"/>
-          </ac:graphicFrameMkLst>
-        </pc:graphicFrameChg>
-        <pc:picChg chg="add del mod">
-          <ac:chgData name="Carlos Gomes" userId="befe0c0c48f41b83" providerId="LiveId" clId="{C1F6FDB9-D3FC-4B78-9222-BDC7AD7E0D10}" dt="2022-04-03T22:21:30.480" v="2725" actId="478"/>
-          <ac:picMkLst>
-            <pc:docMk/>
-            <pc:sldMk cId="3251552042" sldId="259"/>
-            <ac:picMk id="10" creationId="{07CB6FE5-4C69-4DFB-9E32-9DF3D2C06C1B}"/>
-          </ac:picMkLst>
-        </pc:picChg>
-      </pc:sldChg>
-      <pc:sldChg chg="modSp mod">
-        <pc:chgData name="Carlos Gomes" userId="befe0c0c48f41b83" providerId="LiveId" clId="{C1F6FDB9-D3FC-4B78-9222-BDC7AD7E0D10}" dt="2022-04-04T15:04:03.870" v="3692" actId="20577"/>
-        <pc:sldMkLst>
-          <pc:docMk/>
-          <pc:sldMk cId="3566798296" sldId="260"/>
-        </pc:sldMkLst>
-        <pc:spChg chg="mod">
-          <ac:chgData name="Carlos Gomes" userId="befe0c0c48f41b83" providerId="LiveId" clId="{C1F6FDB9-D3FC-4B78-9222-BDC7AD7E0D10}" dt="2022-04-04T15:04:03.870" v="3692" actId="20577"/>
-          <ac:spMkLst>
-            <pc:docMk/>
-            <pc:sldMk cId="3566798296" sldId="260"/>
-            <ac:spMk id="3" creationId="{0F091D75-4CD1-4815-A56A-5459ACC80F92}"/>
-          </ac:spMkLst>
-        </pc:spChg>
-      </pc:sldChg>
-      <pc:sldChg chg="addSp delSp modSp new mod">
-        <pc:chgData name="Carlos Gomes" userId="befe0c0c48f41b83" providerId="LiveId" clId="{C1F6FDB9-D3FC-4B78-9222-BDC7AD7E0D10}" dt="2022-04-04T15:03:43.046" v="3648" actId="122"/>
-        <pc:sldMkLst>
-          <pc:docMk/>
-          <pc:sldMk cId="710399668" sldId="261"/>
-        </pc:sldMkLst>
-        <pc:spChg chg="mod">
-          <ac:chgData name="Carlos Gomes" userId="befe0c0c48f41b83" providerId="LiveId" clId="{C1F6FDB9-D3FC-4B78-9222-BDC7AD7E0D10}" dt="2022-04-04T15:02:31.649" v="3635" actId="1076"/>
-          <ac:spMkLst>
-            <pc:docMk/>
-            <pc:sldMk cId="710399668" sldId="261"/>
-            <ac:spMk id="2" creationId="{27EA0A15-A027-4F12-A914-BB6A52AC47A1}"/>
-          </ac:spMkLst>
-        </pc:spChg>
-        <pc:spChg chg="del">
-          <ac:chgData name="Carlos Gomes" userId="befe0c0c48f41b83" providerId="LiveId" clId="{C1F6FDB9-D3FC-4B78-9222-BDC7AD7E0D10}" dt="2022-04-03T22:22:11.383" v="2733" actId="478"/>
-          <ac:spMkLst>
-            <pc:docMk/>
-            <pc:sldMk cId="710399668" sldId="261"/>
-            <ac:spMk id="3" creationId="{AA2DF9EB-66C7-408B-BAF0-2E28C1A71B31}"/>
-          </ac:spMkLst>
-        </pc:spChg>
-        <pc:spChg chg="add del mod">
-          <ac:chgData name="Carlos Gomes" userId="befe0c0c48f41b83" providerId="LiveId" clId="{C1F6FDB9-D3FC-4B78-9222-BDC7AD7E0D10}" dt="2022-04-03T22:22:56.687" v="2755" actId="478"/>
-          <ac:spMkLst>
-            <pc:docMk/>
-            <pc:sldMk cId="710399668" sldId="261"/>
-            <ac:spMk id="5" creationId="{453EA7F5-C1AA-4B3A-B0DD-F6BC1AE0826A}"/>
-          </ac:spMkLst>
-        </pc:spChg>
-        <pc:spChg chg="add del mod">
-          <ac:chgData name="Carlos Gomes" userId="befe0c0c48f41b83" providerId="LiveId" clId="{C1F6FDB9-D3FC-4B78-9222-BDC7AD7E0D10}" dt="2022-04-03T22:23:10.839" v="2758" actId="478"/>
-          <ac:spMkLst>
-            <pc:docMk/>
-            <pc:sldMk cId="710399668" sldId="261"/>
-            <ac:spMk id="7" creationId="{5273FB21-2CD6-467F-8011-431EBC7575DA}"/>
-          </ac:spMkLst>
-        </pc:spChg>
-        <pc:spChg chg="add mod">
-          <ac:chgData name="Carlos Gomes" userId="befe0c0c48f41b83" providerId="LiveId" clId="{C1F6FDB9-D3FC-4B78-9222-BDC7AD7E0D10}" dt="2022-04-04T15:02:41.710" v="3637" actId="1076"/>
-          <ac:spMkLst>
-            <pc:docMk/>
-            <pc:sldMk cId="710399668" sldId="261"/>
-            <ac:spMk id="8" creationId="{96D95CC1-ECCC-45D2-987C-3AFB7CEA23D7}"/>
-          </ac:spMkLst>
-        </pc:spChg>
-        <pc:graphicFrameChg chg="add del mod modGraphic">
-          <ac:chgData name="Carlos Gomes" userId="befe0c0c48f41b83" providerId="LiveId" clId="{C1F6FDB9-D3FC-4B78-9222-BDC7AD7E0D10}" dt="2022-04-04T15:03:43.046" v="3648" actId="122"/>
-          <ac:graphicFrameMkLst>
-            <pc:docMk/>
-            <pc:sldMk cId="710399668" sldId="261"/>
-            <ac:graphicFrameMk id="4" creationId="{2A3F9839-4261-4ACA-B552-CBD09BE3B284}"/>
-          </ac:graphicFrameMkLst>
-        </pc:graphicFrameChg>
-      </pc:sldChg>
-    </pc:docChg>
-  </pc:docChgLst>
-  <pc:docChgLst>
-    <pc:chgData name="Carlos Gomes" userId="befe0c0c48f41b83" providerId="LiveId" clId="{6FEF4BB0-CB00-438C-A0D8-7FBC648DD444}"/>
-    <pc:docChg chg="modSld">
-      <pc:chgData name="Carlos Gomes" userId="befe0c0c48f41b83" providerId="LiveId" clId="{6FEF4BB0-CB00-438C-A0D8-7FBC648DD444}" dt="2022-04-04T21:10:05.569" v="12" actId="20577"/>
-      <pc:docMkLst>
-        <pc:docMk/>
-      </pc:docMkLst>
-      <pc:sldChg chg="modSp mod">
-        <pc:chgData name="Carlos Gomes" userId="befe0c0c48f41b83" providerId="LiveId" clId="{6FEF4BB0-CB00-438C-A0D8-7FBC648DD444}" dt="2022-04-04T21:10:05.569" v="12" actId="20577"/>
-        <pc:sldMkLst>
-          <pc:docMk/>
-          <pc:sldMk cId="3251552042" sldId="259"/>
-        </pc:sldMkLst>
-        <pc:spChg chg="mod">
-          <ac:chgData name="Carlos Gomes" userId="befe0c0c48f41b83" providerId="LiveId" clId="{6FEF4BB0-CB00-438C-A0D8-7FBC648DD444}" dt="2022-04-04T21:10:05.569" v="12" actId="20577"/>
-          <ac:spMkLst>
-            <pc:docMk/>
-            <pc:sldMk cId="3251552042" sldId="259"/>
-            <ac:spMk id="3" creationId="{6EDDA152-6B00-4A16-8E42-4E16F0784E3C}"/>
-          </ac:spMkLst>
-        </pc:spChg>
-      </pc:sldChg>
-      <pc:sldChg chg="modSp mod">
-        <pc:chgData name="Carlos Gomes" userId="befe0c0c48f41b83" providerId="LiveId" clId="{6FEF4BB0-CB00-438C-A0D8-7FBC648DD444}" dt="2022-04-04T21:07:58.867" v="1"/>
-        <pc:sldMkLst>
-          <pc:docMk/>
-          <pc:sldMk cId="3566798296" sldId="260"/>
-        </pc:sldMkLst>
-        <pc:spChg chg="mod">
-          <ac:chgData name="Carlos Gomes" userId="befe0c0c48f41b83" providerId="LiveId" clId="{6FEF4BB0-CB00-438C-A0D8-7FBC648DD444}" dt="2022-04-04T21:07:58.867" v="1"/>
-          <ac:spMkLst>
-            <pc:docMk/>
-            <pc:sldMk cId="3566798296" sldId="260"/>
-            <ac:spMk id="3" creationId="{0F091D75-4CD1-4815-A56A-5459ACC80F92}"/>
-          </ac:spMkLst>
-        </pc:spChg>
-      </pc:sldChg>
-      <pc:sldChg chg="modSp mod">
-        <pc:chgData name="Carlos Gomes" userId="befe0c0c48f41b83" providerId="LiveId" clId="{6FEF4BB0-CB00-438C-A0D8-7FBC648DD444}" dt="2022-04-04T21:08:23.481" v="5" actId="20577"/>
-        <pc:sldMkLst>
-          <pc:docMk/>
-          <pc:sldMk cId="710399668" sldId="261"/>
-        </pc:sldMkLst>
-        <pc:graphicFrameChg chg="modGraphic">
-          <ac:chgData name="Carlos Gomes" userId="befe0c0c48f41b83" providerId="LiveId" clId="{6FEF4BB0-CB00-438C-A0D8-7FBC648DD444}" dt="2022-04-04T21:08:23.481" v="5" actId="20577"/>
-          <ac:graphicFrameMkLst>
-            <pc:docMk/>
-            <pc:sldMk cId="710399668" sldId="261"/>
-            <ac:graphicFrameMk id="4" creationId="{2A3F9839-4261-4ACA-B552-CBD09BE3B284}"/>
-          </ac:graphicFrameMkLst>
-        </pc:graphicFrameChg>
-      </pc:sldChg>
-    </pc:docChg>
-  </pc:docChgLst>
-</pc:chgInfo>
-</file>
-
 <file path=ppt/slideLayouts/slideLayout1.xml><?xml version="1.0" encoding="utf-8"?>
-<p:sldLayout xmlns:a="http://schemas.openxmlformats.org/drawingml/2006/main" xmlns:r="http://schemas.openxmlformats.org/officeDocument/2006/relationships" xmlns:p="http://schemas.openxmlformats.org/presentationml/2006/main" type="title" preserve="1">
+<p:sldLayout xmlns:a="http://schemas.openxmlformats.org/drawingml/2006/main" xmlns:r="http://schemas.openxmlformats.org/officeDocument/2006/relationships" xmlns:p="http://schemas.openxmlformats.org/presentationml/2006/main" xmlns:m="http://schemas.openxmlformats.org/officeDocument/2006/math" xmlns:w="http://schemas.openxmlformats.org/wordprocessingml/2006/main" matchingName="" preserve="1" showMasterPhAnim="0" type="title" userDrawn="1">
   <p:cSld name="Title Slide">
     <p:spTree>
       <p:nvGrpSpPr>
-        <p:cNvPr id="1" name=""/>
+        <p:cNvPr id="1" name="" hidden="0"/>
         <p:cNvGrpSpPr/>
-        <p:nvPr/>
+        <p:nvPr isPhoto="0" userDrawn="0"/>
       </p:nvGrpSpPr>
-      <p:grpSpPr>
+      <p:grpSpPr bwMode="auto">
         <a:xfrm>
           <a:off x="0" y="0"/>
           <a:ext cx="0" cy="0"/>
@@ -398,21 +131,15 @@
       </p:grpSpPr>
       <p:sp>
         <p:nvSpPr>
-          <p:cNvPr id="2" name="Title 1">
-            <a:extLst>
-              <a:ext uri="{FF2B5EF4-FFF2-40B4-BE49-F238E27FC236}">
-                <a16:creationId xmlns:a16="http://schemas.microsoft.com/office/drawing/2014/main" id="{078DD129-A8C2-419E-B641-6CC90F50732D}"/>
-              </a:ext>
-            </a:extLst>
-          </p:cNvPr>
-          <p:cNvSpPr>
-            <a:spLocks noGrp="1"/>
-          </p:cNvSpPr>
-          <p:nvPr>
-            <p:ph type="ctrTitle"/>
-          </p:nvPr>
-        </p:nvSpPr>
-        <p:spPr>
+          <p:cNvPr id="2" name="Title 1" hidden="0"/>
+          <p:cNvSpPr>
+            <a:spLocks noGrp="1"/>
+          </p:cNvSpPr>
+          <p:nvPr isPhoto="0" userDrawn="0">
+            <p:ph type="ctrTitle" hasCustomPrompt="0"/>
+          </p:nvPr>
+        </p:nvSpPr>
+        <p:spPr bwMode="auto">
           <a:xfrm>
             <a:off x="762000" y="1524000"/>
             <a:ext cx="10668000" cy="2286000"/>
@@ -426,30 +153,28 @@
             </a:lvl1pPr>
           </a:lstStyle>
           <a:p>
+            <a:pPr>
+              <a:defRPr/>
+            </a:pPr>
             <a:r>
               <a:rPr lang="en-US"/>
               <a:t>Click to edit Master title style</a:t>
             </a:r>
-          </a:p>
-        </p:txBody>
-      </p:sp>
-      <p:sp>
-        <p:nvSpPr>
-          <p:cNvPr id="3" name="Subtitle 2">
-            <a:extLst>
-              <a:ext uri="{FF2B5EF4-FFF2-40B4-BE49-F238E27FC236}">
-                <a16:creationId xmlns:a16="http://schemas.microsoft.com/office/drawing/2014/main" id="{D1B33C04-8A23-4499-A6EF-1D190F0FB38E}"/>
-              </a:ext>
-            </a:extLst>
-          </p:cNvPr>
-          <p:cNvSpPr>
-            <a:spLocks noGrp="1"/>
-          </p:cNvSpPr>
-          <p:nvPr>
-            <p:ph type="subTitle" idx="1"/>
-          </p:nvPr>
-        </p:nvSpPr>
-        <p:spPr>
+            <a:endParaRPr/>
+          </a:p>
+        </p:txBody>
+      </p:sp>
+      <p:sp>
+        <p:nvSpPr>
+          <p:cNvPr id="3" name="Subtitle 2" hidden="0"/>
+          <p:cNvSpPr>
+            <a:spLocks noGrp="1"/>
+          </p:cNvSpPr>
+          <p:nvPr isPhoto="0" userDrawn="0">
+            <p:ph type="subTitle" idx="1" hasCustomPrompt="0"/>
+          </p:nvPr>
+        </p:nvSpPr>
+        <p:spPr bwMode="auto">
           <a:xfrm>
             <a:off x="762000" y="4571999"/>
             <a:ext cx="10668000" cy="1524000"/>
@@ -496,37 +221,38 @@
             </a:lvl9pPr>
           </a:lstStyle>
           <a:p>
+            <a:pPr>
+              <a:defRPr/>
+            </a:pPr>
             <a:r>
               <a:rPr lang="en-US"/>
               <a:t>Click to edit Master subtitle style</a:t>
             </a:r>
-          </a:p>
-        </p:txBody>
-      </p:sp>
-      <p:sp>
-        <p:nvSpPr>
-          <p:cNvPr id="4" name="Date Placeholder 3">
-            <a:extLst>
-              <a:ext uri="{FF2B5EF4-FFF2-40B4-BE49-F238E27FC236}">
-                <a16:creationId xmlns:a16="http://schemas.microsoft.com/office/drawing/2014/main" id="{BEFA99FB-5674-4BC5-949F-8D45EC167511}"/>
-              </a:ext>
-            </a:extLst>
-          </p:cNvPr>
-          <p:cNvSpPr>
-            <a:spLocks noGrp="1"/>
-          </p:cNvSpPr>
-          <p:nvPr>
-            <p:ph type="dt" sz="half" idx="10"/>
-          </p:nvPr>
-        </p:nvSpPr>
-        <p:spPr/>
+            <a:endParaRPr/>
+          </a:p>
+        </p:txBody>
+      </p:sp>
+      <p:sp>
+        <p:nvSpPr>
+          <p:cNvPr id="4" name="Date Placeholder 3" hidden="0"/>
+          <p:cNvSpPr>
+            <a:spLocks noGrp="1"/>
+          </p:cNvSpPr>
+          <p:nvPr isPhoto="0" userDrawn="0">
+            <p:ph type="dt" sz="half" idx="10" hasCustomPrompt="0"/>
+          </p:nvPr>
+        </p:nvSpPr>
+        <p:spPr bwMode="auto"/>
         <p:txBody>
           <a:bodyPr/>
           <a:lstStyle/>
           <a:p>
+            <a:pPr>
+              <a:defRPr/>
+            </a:pPr>
             <a:fld id="{76969C88-B244-455D-A017-012B25B1ACDD}" type="datetimeFigureOut">
-              <a:rPr lang="en-US" smtClean="0"/>
-              <a:t>4/5/22</a:t>
+              <a:rPr lang="en-US"/>
+              <a:t/>
             </a:fld>
             <a:endParaRPr lang="en-US"/>
           </a:p>
@@ -534,64 +260,53 @@
       </p:sp>
       <p:sp>
         <p:nvSpPr>
-          <p:cNvPr id="5" name="Footer Placeholder 4">
-            <a:extLst>
-              <a:ext uri="{FF2B5EF4-FFF2-40B4-BE49-F238E27FC236}">
-                <a16:creationId xmlns:a16="http://schemas.microsoft.com/office/drawing/2014/main" id="{0763CF93-DD67-4FE2-8083-864693FE8E7B}"/>
-              </a:ext>
-            </a:extLst>
-          </p:cNvPr>
-          <p:cNvSpPr>
-            <a:spLocks noGrp="1"/>
-          </p:cNvSpPr>
-          <p:nvPr>
-            <p:ph type="ftr" sz="quarter" idx="11"/>
-          </p:nvPr>
-        </p:nvSpPr>
-        <p:spPr/>
+          <p:cNvPr id="5" name="Footer Placeholder 4" hidden="0"/>
+          <p:cNvSpPr>
+            <a:spLocks noGrp="1"/>
+          </p:cNvSpPr>
+          <p:nvPr isPhoto="0" userDrawn="0">
+            <p:ph type="ftr" sz="quarter" idx="11" hasCustomPrompt="0"/>
+          </p:nvPr>
+        </p:nvSpPr>
+        <p:spPr bwMode="auto"/>
         <p:txBody>
           <a:bodyPr/>
           <a:lstStyle/>
           <a:p>
+            <a:pPr>
+              <a:defRPr/>
+            </a:pPr>
             <a:endParaRPr lang="en-US"/>
           </a:p>
         </p:txBody>
       </p:sp>
       <p:sp>
         <p:nvSpPr>
-          <p:cNvPr id="6" name="Slide Number Placeholder 5">
-            <a:extLst>
-              <a:ext uri="{FF2B5EF4-FFF2-40B4-BE49-F238E27FC236}">
-                <a16:creationId xmlns:a16="http://schemas.microsoft.com/office/drawing/2014/main" id="{2F05E934-32B6-44B1-9622-67F30BDA3F3A}"/>
-              </a:ext>
-            </a:extLst>
-          </p:cNvPr>
-          <p:cNvSpPr>
-            <a:spLocks noGrp="1"/>
-          </p:cNvSpPr>
-          <p:nvPr>
-            <p:ph type="sldNum" sz="quarter" idx="12"/>
-          </p:nvPr>
-        </p:nvSpPr>
-        <p:spPr/>
+          <p:cNvPr id="6" name="Slide Number Placeholder 5" hidden="0"/>
+          <p:cNvSpPr>
+            <a:spLocks noGrp="1"/>
+          </p:cNvSpPr>
+          <p:nvPr isPhoto="0" userDrawn="0">
+            <p:ph type="sldNum" sz="quarter" idx="12" hasCustomPrompt="0"/>
+          </p:nvPr>
+        </p:nvSpPr>
+        <p:spPr bwMode="auto"/>
         <p:txBody>
           <a:bodyPr/>
           <a:lstStyle/>
           <a:p>
+            <a:pPr>
+              <a:defRPr/>
+            </a:pPr>
             <a:fld id="{07CE569E-9B7C-4CB9-AB80-C0841F922CFF}" type="slidenum">
-              <a:rPr lang="en-US" smtClean="0"/>
-              <a:t>‹nº›</a:t>
+              <a:rPr lang="en-US"/>
+              <a:t/>
             </a:fld>
             <a:endParaRPr lang="en-US"/>
           </a:p>
         </p:txBody>
       </p:sp>
     </p:spTree>
-    <p:extLst>
-      <p:ext uri="{BB962C8B-B14F-4D97-AF65-F5344CB8AC3E}">
-        <p14:creationId xmlns:p14="http://schemas.microsoft.com/office/powerpoint/2010/main" val="434224587"/>
-      </p:ext>
-    </p:extLst>
   </p:cSld>
   <p:clrMapOvr>
     <a:masterClrMapping/>
@@ -600,15 +315,15 @@
 </file>
 
 <file path=ppt/slideLayouts/slideLayout10.xml><?xml version="1.0" encoding="utf-8"?>
-<p:sldLayout xmlns:a="http://schemas.openxmlformats.org/drawingml/2006/main" xmlns:r="http://schemas.openxmlformats.org/officeDocument/2006/relationships" xmlns:p="http://schemas.openxmlformats.org/presentationml/2006/main" type="vertTx" preserve="1">
+<p:sldLayout xmlns:a="http://schemas.openxmlformats.org/drawingml/2006/main" xmlns:r="http://schemas.openxmlformats.org/officeDocument/2006/relationships" xmlns:p="http://schemas.openxmlformats.org/presentationml/2006/main" xmlns:m="http://schemas.openxmlformats.org/officeDocument/2006/math" xmlns:w="http://schemas.openxmlformats.org/wordprocessingml/2006/main" matchingName="" preserve="1" showMasterPhAnim="0" type="vertTx" userDrawn="1">
   <p:cSld name="Title and Vertical Text">
     <p:spTree>
       <p:nvGrpSpPr>
-        <p:cNvPr id="1" name=""/>
+        <p:cNvPr id="1" name="" hidden="0"/>
         <p:cNvGrpSpPr/>
-        <p:nvPr/>
+        <p:nvPr isPhoto="0" userDrawn="0"/>
       </p:nvGrpSpPr>
-      <p:grpSpPr>
+      <p:grpSpPr bwMode="auto">
         <a:xfrm>
           <a:off x="0" y="0"/>
           <a:ext cx="0" cy="0"/>
@@ -618,113 +333,117 @@
       </p:grpSpPr>
       <p:sp>
         <p:nvSpPr>
-          <p:cNvPr id="2" name="Title 1">
-            <a:extLst>
-              <a:ext uri="{FF2B5EF4-FFF2-40B4-BE49-F238E27FC236}">
-                <a16:creationId xmlns:a16="http://schemas.microsoft.com/office/drawing/2014/main" id="{22BA5B09-FC60-445F-8A12-79869BEC60B7}"/>
-              </a:ext>
-            </a:extLst>
-          </p:cNvPr>
-          <p:cNvSpPr>
-            <a:spLocks noGrp="1"/>
-          </p:cNvSpPr>
-          <p:nvPr>
-            <p:ph type="title"/>
-          </p:nvPr>
-        </p:nvSpPr>
-        <p:spPr/>
+          <p:cNvPr id="2" name="Title 1" hidden="0"/>
+          <p:cNvSpPr>
+            <a:spLocks noGrp="1"/>
+          </p:cNvSpPr>
+          <p:nvPr isPhoto="0" userDrawn="0">
+            <p:ph type="title" hasCustomPrompt="0"/>
+          </p:nvPr>
+        </p:nvSpPr>
+        <p:spPr bwMode="auto"/>
         <p:txBody>
           <a:bodyPr/>
           <a:lstStyle/>
           <a:p>
+            <a:pPr>
+              <a:defRPr/>
+            </a:pPr>
             <a:r>
               <a:rPr lang="en-US"/>
               <a:t>Click to edit Master title style</a:t>
             </a:r>
-          </a:p>
-        </p:txBody>
-      </p:sp>
-      <p:sp>
-        <p:nvSpPr>
-          <p:cNvPr id="3" name="Vertical Text Placeholder 2">
-            <a:extLst>
-              <a:ext uri="{FF2B5EF4-FFF2-40B4-BE49-F238E27FC236}">
-                <a16:creationId xmlns:a16="http://schemas.microsoft.com/office/drawing/2014/main" id="{E0A219F7-87F2-409F-BB0B-8FE9270C982C}"/>
-              </a:ext>
-            </a:extLst>
-          </p:cNvPr>
-          <p:cNvSpPr>
-            <a:spLocks noGrp="1"/>
-          </p:cNvSpPr>
-          <p:nvPr>
-            <p:ph type="body" orient="vert" idx="1"/>
-          </p:nvPr>
-        </p:nvSpPr>
-        <p:spPr/>
+            <a:endParaRPr/>
+          </a:p>
+        </p:txBody>
+      </p:sp>
+      <p:sp>
+        <p:nvSpPr>
+          <p:cNvPr id="3" name="Vertical Text Placeholder 2" hidden="0"/>
+          <p:cNvSpPr>
+            <a:spLocks noGrp="1"/>
+          </p:cNvSpPr>
+          <p:nvPr isPhoto="0" userDrawn="0">
+            <p:ph type="body" orient="vert" idx="1" hasCustomPrompt="0"/>
+          </p:nvPr>
+        </p:nvSpPr>
+        <p:spPr bwMode="auto"/>
         <p:txBody>
           <a:bodyPr vert="eaVert"/>
           <a:lstStyle/>
           <a:p>
-            <a:pPr lvl="0"/>
+            <a:pPr lvl="0">
+              <a:defRPr/>
+            </a:pPr>
             <a:r>
               <a:rPr lang="en-US"/>
               <a:t>Click to edit Master text styles</a:t>
             </a:r>
-          </a:p>
-          <a:p>
-            <a:pPr lvl="1"/>
+            <a:endParaRPr/>
+          </a:p>
+          <a:p>
+            <a:pPr lvl="1">
+              <a:defRPr/>
+            </a:pPr>
             <a:r>
               <a:rPr lang="en-US"/>
               <a:t>Second level</a:t>
             </a:r>
-          </a:p>
-          <a:p>
-            <a:pPr lvl="2"/>
+            <a:endParaRPr/>
+          </a:p>
+          <a:p>
+            <a:pPr lvl="2">
+              <a:defRPr/>
+            </a:pPr>
             <a:r>
               <a:rPr lang="en-US"/>
               <a:t>Third level</a:t>
             </a:r>
-          </a:p>
-          <a:p>
-            <a:pPr lvl="3"/>
+            <a:endParaRPr/>
+          </a:p>
+          <a:p>
+            <a:pPr lvl="3">
+              <a:defRPr/>
+            </a:pPr>
             <a:r>
               <a:rPr lang="en-US"/>
               <a:t>Fourth level</a:t>
             </a:r>
-          </a:p>
-          <a:p>
-            <a:pPr lvl="4"/>
+            <a:endParaRPr/>
+          </a:p>
+          <a:p>
+            <a:pPr lvl="4">
+              <a:defRPr/>
+            </a:pPr>
             <a:r>
               <a:rPr lang="en-US"/>
               <a:t>Fifth level</a:t>
             </a:r>
-          </a:p>
-        </p:txBody>
-      </p:sp>
-      <p:sp>
-        <p:nvSpPr>
-          <p:cNvPr id="4" name="Date Placeholder 3">
-            <a:extLst>
-              <a:ext uri="{FF2B5EF4-FFF2-40B4-BE49-F238E27FC236}">
-                <a16:creationId xmlns:a16="http://schemas.microsoft.com/office/drawing/2014/main" id="{CCAC2BB8-59E0-4EB2-B3BE-59D8641EE133}"/>
-              </a:ext>
-            </a:extLst>
-          </p:cNvPr>
-          <p:cNvSpPr>
-            <a:spLocks noGrp="1"/>
-          </p:cNvSpPr>
-          <p:nvPr>
-            <p:ph type="dt" sz="half" idx="10"/>
-          </p:nvPr>
-        </p:nvSpPr>
-        <p:spPr/>
+            <a:endParaRPr/>
+          </a:p>
+        </p:txBody>
+      </p:sp>
+      <p:sp>
+        <p:nvSpPr>
+          <p:cNvPr id="4" name="Date Placeholder 3" hidden="0"/>
+          <p:cNvSpPr>
+            <a:spLocks noGrp="1"/>
+          </p:cNvSpPr>
+          <p:nvPr isPhoto="0" userDrawn="0">
+            <p:ph type="dt" sz="half" idx="10" hasCustomPrompt="0"/>
+          </p:nvPr>
+        </p:nvSpPr>
+        <p:spPr bwMode="auto"/>
         <p:txBody>
           <a:bodyPr/>
           <a:lstStyle/>
           <a:p>
+            <a:pPr>
+              <a:defRPr/>
+            </a:pPr>
             <a:fld id="{76969C88-B244-455D-A017-012B25B1ACDD}" type="datetimeFigureOut">
-              <a:rPr lang="en-US" smtClean="0"/>
-              <a:t>4/5/22</a:t>
+              <a:rPr lang="en-US"/>
+              <a:t/>
             </a:fld>
             <a:endParaRPr lang="en-US"/>
           </a:p>
@@ -732,64 +451,53 @@
       </p:sp>
       <p:sp>
         <p:nvSpPr>
-          <p:cNvPr id="5" name="Footer Placeholder 4">
-            <a:extLst>
-              <a:ext uri="{FF2B5EF4-FFF2-40B4-BE49-F238E27FC236}">
-                <a16:creationId xmlns:a16="http://schemas.microsoft.com/office/drawing/2014/main" id="{2D56984E-C0DE-461B-8011-8FC31B0EE948}"/>
-              </a:ext>
-            </a:extLst>
-          </p:cNvPr>
-          <p:cNvSpPr>
-            <a:spLocks noGrp="1"/>
-          </p:cNvSpPr>
-          <p:nvPr>
-            <p:ph type="ftr" sz="quarter" idx="11"/>
-          </p:nvPr>
-        </p:nvSpPr>
-        <p:spPr/>
+          <p:cNvPr id="5" name="Footer Placeholder 4" hidden="0"/>
+          <p:cNvSpPr>
+            <a:spLocks noGrp="1"/>
+          </p:cNvSpPr>
+          <p:nvPr isPhoto="0" userDrawn="0">
+            <p:ph type="ftr" sz="quarter" idx="11" hasCustomPrompt="0"/>
+          </p:nvPr>
+        </p:nvSpPr>
+        <p:spPr bwMode="auto"/>
         <p:txBody>
           <a:bodyPr/>
           <a:lstStyle/>
           <a:p>
+            <a:pPr>
+              <a:defRPr/>
+            </a:pPr>
             <a:endParaRPr lang="en-US"/>
           </a:p>
         </p:txBody>
       </p:sp>
       <p:sp>
         <p:nvSpPr>
-          <p:cNvPr id="6" name="Slide Number Placeholder 5">
-            <a:extLst>
-              <a:ext uri="{FF2B5EF4-FFF2-40B4-BE49-F238E27FC236}">
-                <a16:creationId xmlns:a16="http://schemas.microsoft.com/office/drawing/2014/main" id="{57FE7C03-68D3-445E-A5A2-8A935CFC977E}"/>
-              </a:ext>
-            </a:extLst>
-          </p:cNvPr>
-          <p:cNvSpPr>
-            <a:spLocks noGrp="1"/>
-          </p:cNvSpPr>
-          <p:nvPr>
-            <p:ph type="sldNum" sz="quarter" idx="12"/>
-          </p:nvPr>
-        </p:nvSpPr>
-        <p:spPr/>
+          <p:cNvPr id="6" name="Slide Number Placeholder 5" hidden="0"/>
+          <p:cNvSpPr>
+            <a:spLocks noGrp="1"/>
+          </p:cNvSpPr>
+          <p:nvPr isPhoto="0" userDrawn="0">
+            <p:ph type="sldNum" sz="quarter" idx="12" hasCustomPrompt="0"/>
+          </p:nvPr>
+        </p:nvSpPr>
+        <p:spPr bwMode="auto"/>
         <p:txBody>
           <a:bodyPr/>
           <a:lstStyle/>
           <a:p>
+            <a:pPr>
+              <a:defRPr/>
+            </a:pPr>
             <a:fld id="{07CE569E-9B7C-4CB9-AB80-C0841F922CFF}" type="slidenum">
-              <a:rPr lang="en-US" smtClean="0"/>
-              <a:t>‹nº›</a:t>
+              <a:rPr lang="en-US"/>
+              <a:t/>
             </a:fld>
             <a:endParaRPr lang="en-US"/>
           </a:p>
         </p:txBody>
       </p:sp>
     </p:spTree>
-    <p:extLst>
-      <p:ext uri="{BB962C8B-B14F-4D97-AF65-F5344CB8AC3E}">
-        <p14:creationId xmlns:p14="http://schemas.microsoft.com/office/powerpoint/2010/main" val="1864810059"/>
-      </p:ext>
-    </p:extLst>
   </p:cSld>
   <p:clrMapOvr>
     <a:masterClrMapping/>
@@ -798,15 +506,15 @@
 </file>
 
 <file path=ppt/slideLayouts/slideLayout11.xml><?xml version="1.0" encoding="utf-8"?>
-<p:sldLayout xmlns:a="http://schemas.openxmlformats.org/drawingml/2006/main" xmlns:r="http://schemas.openxmlformats.org/officeDocument/2006/relationships" xmlns:p="http://schemas.openxmlformats.org/presentationml/2006/main" type="vertTitleAndTx" preserve="1">
+<p:sldLayout xmlns:a="http://schemas.openxmlformats.org/drawingml/2006/main" xmlns:r="http://schemas.openxmlformats.org/officeDocument/2006/relationships" xmlns:p="http://schemas.openxmlformats.org/presentationml/2006/main" xmlns:m="http://schemas.openxmlformats.org/officeDocument/2006/math" xmlns:w="http://schemas.openxmlformats.org/wordprocessingml/2006/main" matchingName="" preserve="1" showMasterPhAnim="0" type="vertTitleAndTx" userDrawn="1">
   <p:cSld name="Vertical Title and Text">
     <p:spTree>
       <p:nvGrpSpPr>
-        <p:cNvPr id="1" name=""/>
+        <p:cNvPr id="1" name="" hidden="0"/>
         <p:cNvGrpSpPr/>
-        <p:nvPr/>
+        <p:nvPr isPhoto="0" userDrawn="0"/>
       </p:nvGrpSpPr>
-      <p:grpSpPr>
+      <p:grpSpPr bwMode="auto">
         <a:xfrm>
           <a:off x="0" y="0"/>
           <a:ext cx="0" cy="0"/>
@@ -816,123 +524,127 @@
       </p:grpSpPr>
       <p:sp>
         <p:nvSpPr>
-          <p:cNvPr id="2" name="Vertical Title 1">
-            <a:extLst>
-              <a:ext uri="{FF2B5EF4-FFF2-40B4-BE49-F238E27FC236}">
-                <a16:creationId xmlns:a16="http://schemas.microsoft.com/office/drawing/2014/main" id="{3B21F0D7-112D-48B1-B32B-170B1AA2B51E}"/>
-              </a:ext>
-            </a:extLst>
-          </p:cNvPr>
-          <p:cNvSpPr>
-            <a:spLocks noGrp="1"/>
-          </p:cNvSpPr>
-          <p:nvPr>
-            <p:ph type="title" orient="vert"/>
-          </p:nvPr>
-        </p:nvSpPr>
-        <p:spPr>
+          <p:cNvPr id="2" name="Vertical Title 1" hidden="0"/>
+          <p:cNvSpPr>
+            <a:spLocks noGrp="1"/>
+          </p:cNvSpPr>
+          <p:nvPr isPhoto="0" userDrawn="0">
+            <p:ph type="title" orient="vert" hasCustomPrompt="0"/>
+          </p:nvPr>
+        </p:nvSpPr>
+        <p:spPr bwMode="auto">
           <a:xfrm>
             <a:off x="9143998" y="761999"/>
-            <a:ext cx="2286000" cy="5334001"/>
+            <a:ext cx="2286000" cy="5334000"/>
           </a:xfrm>
         </p:spPr>
         <p:txBody>
           <a:bodyPr vert="eaVert"/>
           <a:lstStyle/>
           <a:p>
+            <a:pPr>
+              <a:defRPr/>
+            </a:pPr>
             <a:r>
               <a:rPr lang="en-US"/>
               <a:t>Click to edit Master title style</a:t>
             </a:r>
-          </a:p>
-        </p:txBody>
-      </p:sp>
-      <p:sp>
-        <p:nvSpPr>
-          <p:cNvPr id="3" name="Vertical Text Placeholder 2">
-            <a:extLst>
-              <a:ext uri="{FF2B5EF4-FFF2-40B4-BE49-F238E27FC236}">
-                <a16:creationId xmlns:a16="http://schemas.microsoft.com/office/drawing/2014/main" id="{4B27A7C1-8E5B-41DA-9802-F242D382B66B}"/>
-              </a:ext>
-            </a:extLst>
-          </p:cNvPr>
-          <p:cNvSpPr>
-            <a:spLocks noGrp="1"/>
-          </p:cNvSpPr>
-          <p:nvPr>
-            <p:ph type="body" orient="vert" idx="1"/>
-          </p:nvPr>
-        </p:nvSpPr>
-        <p:spPr>
+            <a:endParaRPr/>
+          </a:p>
+        </p:txBody>
+      </p:sp>
+      <p:sp>
+        <p:nvSpPr>
+          <p:cNvPr id="3" name="Vertical Text Placeholder 2" hidden="0"/>
+          <p:cNvSpPr>
+            <a:spLocks noGrp="1"/>
+          </p:cNvSpPr>
+          <p:nvPr isPhoto="0" userDrawn="0">
+            <p:ph type="body" orient="vert" idx="1" hasCustomPrompt="0"/>
+          </p:nvPr>
+        </p:nvSpPr>
+        <p:spPr bwMode="auto">
           <a:xfrm>
             <a:off x="762001" y="761999"/>
-            <a:ext cx="7619999" cy="5334001"/>
+            <a:ext cx="7619999" cy="5334000"/>
           </a:xfrm>
         </p:spPr>
         <p:txBody>
           <a:bodyPr vert="eaVert"/>
           <a:lstStyle/>
           <a:p>
-            <a:pPr lvl="0"/>
+            <a:pPr lvl="0">
+              <a:defRPr/>
+            </a:pPr>
             <a:r>
               <a:rPr lang="en-US"/>
               <a:t>Click to edit Master text styles</a:t>
             </a:r>
-          </a:p>
-          <a:p>
-            <a:pPr lvl="1"/>
+            <a:endParaRPr/>
+          </a:p>
+          <a:p>
+            <a:pPr lvl="1">
+              <a:defRPr/>
+            </a:pPr>
             <a:r>
               <a:rPr lang="en-US"/>
               <a:t>Second level</a:t>
             </a:r>
-          </a:p>
-          <a:p>
-            <a:pPr lvl="2"/>
+            <a:endParaRPr/>
+          </a:p>
+          <a:p>
+            <a:pPr lvl="2">
+              <a:defRPr/>
+            </a:pPr>
             <a:r>
               <a:rPr lang="en-US"/>
               <a:t>Third level</a:t>
             </a:r>
-          </a:p>
-          <a:p>
-            <a:pPr lvl="3"/>
+            <a:endParaRPr/>
+          </a:p>
+          <a:p>
+            <a:pPr lvl="3">
+              <a:defRPr/>
+            </a:pPr>
             <a:r>
               <a:rPr lang="en-US"/>
               <a:t>Fourth level</a:t>
             </a:r>
-          </a:p>
-          <a:p>
-            <a:pPr lvl="4"/>
+            <a:endParaRPr/>
+          </a:p>
+          <a:p>
+            <a:pPr lvl="4">
+              <a:defRPr/>
+            </a:pPr>
             <a:r>
               <a:rPr lang="en-US"/>
               <a:t>Fifth level</a:t>
             </a:r>
-          </a:p>
-        </p:txBody>
-      </p:sp>
-      <p:sp>
-        <p:nvSpPr>
-          <p:cNvPr id="4" name="Date Placeholder 3">
-            <a:extLst>
-              <a:ext uri="{FF2B5EF4-FFF2-40B4-BE49-F238E27FC236}">
-                <a16:creationId xmlns:a16="http://schemas.microsoft.com/office/drawing/2014/main" id="{4A961CC7-F5B1-464A-8127-60645FB21081}"/>
-              </a:ext>
-            </a:extLst>
-          </p:cNvPr>
-          <p:cNvSpPr>
-            <a:spLocks noGrp="1"/>
-          </p:cNvSpPr>
-          <p:nvPr>
-            <p:ph type="dt" sz="half" idx="10"/>
-          </p:nvPr>
-        </p:nvSpPr>
-        <p:spPr/>
+            <a:endParaRPr/>
+          </a:p>
+        </p:txBody>
+      </p:sp>
+      <p:sp>
+        <p:nvSpPr>
+          <p:cNvPr id="4" name="Date Placeholder 3" hidden="0"/>
+          <p:cNvSpPr>
+            <a:spLocks noGrp="1"/>
+          </p:cNvSpPr>
+          <p:nvPr isPhoto="0" userDrawn="0">
+            <p:ph type="dt" sz="half" idx="10" hasCustomPrompt="0"/>
+          </p:nvPr>
+        </p:nvSpPr>
+        <p:spPr bwMode="auto"/>
         <p:txBody>
           <a:bodyPr/>
           <a:lstStyle/>
           <a:p>
+            <a:pPr>
+              <a:defRPr/>
+            </a:pPr>
             <a:fld id="{76969C88-B244-455D-A017-012B25B1ACDD}" type="datetimeFigureOut">
-              <a:rPr lang="en-US" smtClean="0"/>
-              <a:t>4/5/22</a:t>
+              <a:rPr lang="en-US"/>
+              <a:t/>
             </a:fld>
             <a:endParaRPr lang="en-US"/>
           </a:p>
@@ -940,64 +652,53 @@
       </p:sp>
       <p:sp>
         <p:nvSpPr>
-          <p:cNvPr id="5" name="Footer Placeholder 4">
-            <a:extLst>
-              <a:ext uri="{FF2B5EF4-FFF2-40B4-BE49-F238E27FC236}">
-                <a16:creationId xmlns:a16="http://schemas.microsoft.com/office/drawing/2014/main" id="{53B94302-B381-4F37-A9FF-5CC5519175A6}"/>
-              </a:ext>
-            </a:extLst>
-          </p:cNvPr>
-          <p:cNvSpPr>
-            <a:spLocks noGrp="1"/>
-          </p:cNvSpPr>
-          <p:nvPr>
-            <p:ph type="ftr" sz="quarter" idx="11"/>
-          </p:nvPr>
-        </p:nvSpPr>
-        <p:spPr/>
+          <p:cNvPr id="5" name="Footer Placeholder 4" hidden="0"/>
+          <p:cNvSpPr>
+            <a:spLocks noGrp="1"/>
+          </p:cNvSpPr>
+          <p:nvPr isPhoto="0" userDrawn="0">
+            <p:ph type="ftr" sz="quarter" idx="11" hasCustomPrompt="0"/>
+          </p:nvPr>
+        </p:nvSpPr>
+        <p:spPr bwMode="auto"/>
         <p:txBody>
           <a:bodyPr/>
           <a:lstStyle/>
           <a:p>
+            <a:pPr>
+              <a:defRPr/>
+            </a:pPr>
             <a:endParaRPr lang="en-US"/>
           </a:p>
         </p:txBody>
       </p:sp>
       <p:sp>
         <p:nvSpPr>
-          <p:cNvPr id="6" name="Slide Number Placeholder 5">
-            <a:extLst>
-              <a:ext uri="{FF2B5EF4-FFF2-40B4-BE49-F238E27FC236}">
-                <a16:creationId xmlns:a16="http://schemas.microsoft.com/office/drawing/2014/main" id="{FE707151-541F-4104-B989-83A9DCA6E616}"/>
-              </a:ext>
-            </a:extLst>
-          </p:cNvPr>
-          <p:cNvSpPr>
-            <a:spLocks noGrp="1"/>
-          </p:cNvSpPr>
-          <p:nvPr>
-            <p:ph type="sldNum" sz="quarter" idx="12"/>
-          </p:nvPr>
-        </p:nvSpPr>
-        <p:spPr/>
+          <p:cNvPr id="6" name="Slide Number Placeholder 5" hidden="0"/>
+          <p:cNvSpPr>
+            <a:spLocks noGrp="1"/>
+          </p:cNvSpPr>
+          <p:nvPr isPhoto="0" userDrawn="0">
+            <p:ph type="sldNum" sz="quarter" idx="12" hasCustomPrompt="0"/>
+          </p:nvPr>
+        </p:nvSpPr>
+        <p:spPr bwMode="auto"/>
         <p:txBody>
           <a:bodyPr/>
           <a:lstStyle/>
           <a:p>
+            <a:pPr>
+              <a:defRPr/>
+            </a:pPr>
             <a:fld id="{07CE569E-9B7C-4CB9-AB80-C0841F922CFF}" type="slidenum">
-              <a:rPr lang="en-US" smtClean="0"/>
-              <a:t>‹nº›</a:t>
+              <a:rPr lang="en-US"/>
+              <a:t/>
             </a:fld>
             <a:endParaRPr lang="en-US"/>
           </a:p>
         </p:txBody>
       </p:sp>
     </p:spTree>
-    <p:extLst>
-      <p:ext uri="{BB962C8B-B14F-4D97-AF65-F5344CB8AC3E}">
-        <p14:creationId xmlns:p14="http://schemas.microsoft.com/office/powerpoint/2010/main" val="4222663268"/>
-      </p:ext>
-    </p:extLst>
   </p:cSld>
   <p:clrMapOvr>
     <a:masterClrMapping/>
@@ -1006,15 +707,15 @@
 </file>
 
 <file path=ppt/slideLayouts/slideLayout2.xml><?xml version="1.0" encoding="utf-8"?>
-<p:sldLayout xmlns:a="http://schemas.openxmlformats.org/drawingml/2006/main" xmlns:r="http://schemas.openxmlformats.org/officeDocument/2006/relationships" xmlns:p="http://schemas.openxmlformats.org/presentationml/2006/main" type="obj" preserve="1">
+<p:sldLayout xmlns:a="http://schemas.openxmlformats.org/drawingml/2006/main" xmlns:r="http://schemas.openxmlformats.org/officeDocument/2006/relationships" xmlns:p="http://schemas.openxmlformats.org/presentationml/2006/main" xmlns:m="http://schemas.openxmlformats.org/officeDocument/2006/math" xmlns:w="http://schemas.openxmlformats.org/wordprocessingml/2006/main" matchingName="" preserve="1" showMasterPhAnim="0" type="obj" userDrawn="1">
   <p:cSld name="Title and Content">
     <p:spTree>
       <p:nvGrpSpPr>
-        <p:cNvPr id="1" name=""/>
+        <p:cNvPr id="1" name="" hidden="0"/>
         <p:cNvGrpSpPr/>
-        <p:nvPr/>
+        <p:nvPr isPhoto="0" userDrawn="0"/>
       </p:nvGrpSpPr>
-      <p:grpSpPr>
+      <p:grpSpPr bwMode="auto">
         <a:xfrm>
           <a:off x="0" y="0"/>
           <a:ext cx="0" cy="0"/>
@@ -1024,114 +725,117 @@
       </p:grpSpPr>
       <p:sp>
         <p:nvSpPr>
-          <p:cNvPr id="2" name="Title 1">
-            <a:extLst>
-              <a:ext uri="{FF2B5EF4-FFF2-40B4-BE49-F238E27FC236}">
-                <a16:creationId xmlns:a16="http://schemas.microsoft.com/office/drawing/2014/main" id="{066AF011-A499-4054-89BF-A4800A68F60B}"/>
-              </a:ext>
-            </a:extLst>
-          </p:cNvPr>
-          <p:cNvSpPr>
-            <a:spLocks noGrp="1"/>
-          </p:cNvSpPr>
-          <p:nvPr>
-            <p:ph type="title"/>
-          </p:nvPr>
-        </p:nvSpPr>
-        <p:spPr/>
+          <p:cNvPr id="2" name="Title 1" hidden="0"/>
+          <p:cNvSpPr>
+            <a:spLocks noGrp="1"/>
+          </p:cNvSpPr>
+          <p:nvPr isPhoto="0" userDrawn="0">
+            <p:ph type="title" hasCustomPrompt="0"/>
+          </p:nvPr>
+        </p:nvSpPr>
+        <p:spPr bwMode="auto"/>
         <p:txBody>
           <a:bodyPr/>
           <a:lstStyle/>
           <a:p>
+            <a:pPr>
+              <a:defRPr/>
+            </a:pPr>
             <a:r>
               <a:rPr lang="en-US"/>
               <a:t>Click to edit Master title style</a:t>
             </a:r>
-            <a:endParaRPr lang="en-US" dirty="0"/>
-          </a:p>
-        </p:txBody>
-      </p:sp>
-      <p:sp>
-        <p:nvSpPr>
-          <p:cNvPr id="3" name="Content Placeholder 2">
-            <a:extLst>
-              <a:ext uri="{FF2B5EF4-FFF2-40B4-BE49-F238E27FC236}">
-                <a16:creationId xmlns:a16="http://schemas.microsoft.com/office/drawing/2014/main" id="{066FB6E8-D956-45B5-9B4A-9D31DF466BED}"/>
-              </a:ext>
-            </a:extLst>
-          </p:cNvPr>
-          <p:cNvSpPr>
-            <a:spLocks noGrp="1"/>
-          </p:cNvSpPr>
-          <p:nvPr>
-            <p:ph idx="1"/>
-          </p:nvPr>
-        </p:nvSpPr>
-        <p:spPr/>
+            <a:endParaRPr lang="en-US"/>
+          </a:p>
+        </p:txBody>
+      </p:sp>
+      <p:sp>
+        <p:nvSpPr>
+          <p:cNvPr id="3" name="Content Placeholder 2" hidden="0"/>
+          <p:cNvSpPr>
+            <a:spLocks noGrp="1"/>
+          </p:cNvSpPr>
+          <p:nvPr isPhoto="0" userDrawn="0">
+            <p:ph idx="1" hasCustomPrompt="0"/>
+          </p:nvPr>
+        </p:nvSpPr>
+        <p:spPr bwMode="auto"/>
         <p:txBody>
           <a:bodyPr/>
           <a:lstStyle/>
           <a:p>
-            <a:pPr lvl="0"/>
+            <a:pPr lvl="0">
+              <a:defRPr/>
+            </a:pPr>
             <a:r>
               <a:rPr lang="en-US"/>
               <a:t>Click to edit Master text styles</a:t>
             </a:r>
-          </a:p>
-          <a:p>
-            <a:pPr lvl="1"/>
+            <a:endParaRPr/>
+          </a:p>
+          <a:p>
+            <a:pPr lvl="1">
+              <a:defRPr/>
+            </a:pPr>
             <a:r>
               <a:rPr lang="en-US"/>
               <a:t>Second level</a:t>
             </a:r>
-          </a:p>
-          <a:p>
-            <a:pPr lvl="2"/>
+            <a:endParaRPr/>
+          </a:p>
+          <a:p>
+            <a:pPr lvl="2">
+              <a:defRPr/>
+            </a:pPr>
             <a:r>
               <a:rPr lang="en-US"/>
               <a:t>Third level</a:t>
             </a:r>
-          </a:p>
-          <a:p>
-            <a:pPr lvl="3"/>
+            <a:endParaRPr/>
+          </a:p>
+          <a:p>
+            <a:pPr lvl="3">
+              <a:defRPr/>
+            </a:pPr>
             <a:r>
               <a:rPr lang="en-US"/>
               <a:t>Fourth level</a:t>
             </a:r>
-          </a:p>
-          <a:p>
-            <a:pPr lvl="4"/>
+            <a:endParaRPr/>
+          </a:p>
+          <a:p>
+            <a:pPr lvl="4">
+              <a:defRPr/>
+            </a:pPr>
             <a:r>
               <a:rPr lang="en-US"/>
               <a:t>Fifth level</a:t>
             </a:r>
-          </a:p>
-        </p:txBody>
-      </p:sp>
-      <p:sp>
-        <p:nvSpPr>
-          <p:cNvPr id="4" name="Date Placeholder 3">
-            <a:extLst>
-              <a:ext uri="{FF2B5EF4-FFF2-40B4-BE49-F238E27FC236}">
-                <a16:creationId xmlns:a16="http://schemas.microsoft.com/office/drawing/2014/main" id="{BECDB9DB-9E62-4292-915C-1DD4134740DB}"/>
-              </a:ext>
-            </a:extLst>
-          </p:cNvPr>
-          <p:cNvSpPr>
-            <a:spLocks noGrp="1"/>
-          </p:cNvSpPr>
-          <p:nvPr>
-            <p:ph type="dt" sz="half" idx="10"/>
-          </p:nvPr>
-        </p:nvSpPr>
-        <p:spPr/>
+            <a:endParaRPr/>
+          </a:p>
+        </p:txBody>
+      </p:sp>
+      <p:sp>
+        <p:nvSpPr>
+          <p:cNvPr id="4" name="Date Placeholder 3" hidden="0"/>
+          <p:cNvSpPr>
+            <a:spLocks noGrp="1"/>
+          </p:cNvSpPr>
+          <p:nvPr isPhoto="0" userDrawn="0">
+            <p:ph type="dt" sz="half" idx="10" hasCustomPrompt="0"/>
+          </p:nvPr>
+        </p:nvSpPr>
+        <p:spPr bwMode="auto"/>
         <p:txBody>
           <a:bodyPr/>
           <a:lstStyle/>
           <a:p>
+            <a:pPr>
+              <a:defRPr/>
+            </a:pPr>
             <a:fld id="{76969C88-B244-455D-A017-012B25B1ACDD}" type="datetimeFigureOut">
-              <a:rPr lang="en-US" smtClean="0"/>
-              <a:t>4/5/22</a:t>
+              <a:rPr lang="en-US"/>
+              <a:t/>
             </a:fld>
             <a:endParaRPr lang="en-US"/>
           </a:p>
@@ -1139,64 +843,53 @@
       </p:sp>
       <p:sp>
         <p:nvSpPr>
-          <p:cNvPr id="5" name="Footer Placeholder 4">
-            <a:extLst>
-              <a:ext uri="{FF2B5EF4-FFF2-40B4-BE49-F238E27FC236}">
-                <a16:creationId xmlns:a16="http://schemas.microsoft.com/office/drawing/2014/main" id="{2BD462F1-BC30-4172-8353-363123A1DB4E}"/>
-              </a:ext>
-            </a:extLst>
-          </p:cNvPr>
-          <p:cNvSpPr>
-            <a:spLocks noGrp="1"/>
-          </p:cNvSpPr>
-          <p:nvPr>
-            <p:ph type="ftr" sz="quarter" idx="11"/>
-          </p:nvPr>
-        </p:nvSpPr>
-        <p:spPr/>
+          <p:cNvPr id="5" name="Footer Placeholder 4" hidden="0"/>
+          <p:cNvSpPr>
+            <a:spLocks noGrp="1"/>
+          </p:cNvSpPr>
+          <p:nvPr isPhoto="0" userDrawn="0">
+            <p:ph type="ftr" sz="quarter" idx="11" hasCustomPrompt="0"/>
+          </p:nvPr>
+        </p:nvSpPr>
+        <p:spPr bwMode="auto"/>
         <p:txBody>
           <a:bodyPr/>
           <a:lstStyle/>
           <a:p>
+            <a:pPr>
+              <a:defRPr/>
+            </a:pPr>
             <a:endParaRPr lang="en-US"/>
           </a:p>
         </p:txBody>
       </p:sp>
       <p:sp>
         <p:nvSpPr>
-          <p:cNvPr id="6" name="Slide Number Placeholder 5">
-            <a:extLst>
-              <a:ext uri="{FF2B5EF4-FFF2-40B4-BE49-F238E27FC236}">
-                <a16:creationId xmlns:a16="http://schemas.microsoft.com/office/drawing/2014/main" id="{BC92EE8A-96DF-4D7D-B434-778324756D04}"/>
-              </a:ext>
-            </a:extLst>
-          </p:cNvPr>
-          <p:cNvSpPr>
-            <a:spLocks noGrp="1"/>
-          </p:cNvSpPr>
-          <p:nvPr>
-            <p:ph type="sldNum" sz="quarter" idx="12"/>
-          </p:nvPr>
-        </p:nvSpPr>
-        <p:spPr/>
+          <p:cNvPr id="6" name="Slide Number Placeholder 5" hidden="0"/>
+          <p:cNvSpPr>
+            <a:spLocks noGrp="1"/>
+          </p:cNvSpPr>
+          <p:nvPr isPhoto="0" userDrawn="0">
+            <p:ph type="sldNum" sz="quarter" idx="12" hasCustomPrompt="0"/>
+          </p:nvPr>
+        </p:nvSpPr>
+        <p:spPr bwMode="auto"/>
         <p:txBody>
           <a:bodyPr/>
           <a:lstStyle/>
           <a:p>
+            <a:pPr>
+              <a:defRPr/>
+            </a:pPr>
             <a:fld id="{07CE569E-9B7C-4CB9-AB80-C0841F922CFF}" type="slidenum">
-              <a:rPr lang="en-US" smtClean="0"/>
-              <a:t>‹nº›</a:t>
+              <a:rPr lang="en-US"/>
+              <a:t/>
             </a:fld>
             <a:endParaRPr lang="en-US"/>
           </a:p>
         </p:txBody>
       </p:sp>
     </p:spTree>
-    <p:extLst>
-      <p:ext uri="{BB962C8B-B14F-4D97-AF65-F5344CB8AC3E}">
-        <p14:creationId xmlns:p14="http://schemas.microsoft.com/office/powerpoint/2010/main" val="3541034562"/>
-      </p:ext>
-    </p:extLst>
   </p:cSld>
   <p:clrMapOvr>
     <a:masterClrMapping/>
@@ -1205,15 +898,15 @@
 </file>
 
 <file path=ppt/slideLayouts/slideLayout3.xml><?xml version="1.0" encoding="utf-8"?>
-<p:sldLayout xmlns:a="http://schemas.openxmlformats.org/drawingml/2006/main" xmlns:r="http://schemas.openxmlformats.org/officeDocument/2006/relationships" xmlns:p="http://schemas.openxmlformats.org/presentationml/2006/main" type="secHead" preserve="1">
+<p:sldLayout xmlns:a="http://schemas.openxmlformats.org/drawingml/2006/main" xmlns:r="http://schemas.openxmlformats.org/officeDocument/2006/relationships" xmlns:p="http://schemas.openxmlformats.org/presentationml/2006/main" xmlns:m="http://schemas.openxmlformats.org/officeDocument/2006/math" xmlns:w="http://schemas.openxmlformats.org/wordprocessingml/2006/main" matchingName="" preserve="1" showMasterPhAnim="0" type="secHead" userDrawn="1">
   <p:cSld name="Section Header">
     <p:spTree>
       <p:nvGrpSpPr>
-        <p:cNvPr id="1" name=""/>
+        <p:cNvPr id="1" name="" hidden="0"/>
         <p:cNvGrpSpPr/>
-        <p:nvPr/>
+        <p:nvPr isPhoto="0" userDrawn="0"/>
       </p:nvGrpSpPr>
-      <p:grpSpPr>
+      <p:grpSpPr bwMode="auto">
         <a:xfrm>
           <a:off x="0" y="0"/>
           <a:ext cx="0" cy="0"/>
@@ -1223,21 +916,15 @@
       </p:grpSpPr>
       <p:sp>
         <p:nvSpPr>
-          <p:cNvPr id="2" name="Title 1">
-            <a:extLst>
-              <a:ext uri="{FF2B5EF4-FFF2-40B4-BE49-F238E27FC236}">
-                <a16:creationId xmlns:a16="http://schemas.microsoft.com/office/drawing/2014/main" id="{9328453A-F2B4-4EDB-B8FA-150267BC1A9A}"/>
-              </a:ext>
-            </a:extLst>
-          </p:cNvPr>
-          <p:cNvSpPr>
-            <a:spLocks noGrp="1"/>
-          </p:cNvSpPr>
-          <p:nvPr>
-            <p:ph type="title"/>
-          </p:nvPr>
-        </p:nvSpPr>
-        <p:spPr>
+          <p:cNvPr id="2" name="Title 1" hidden="0"/>
+          <p:cNvSpPr>
+            <a:spLocks noGrp="1"/>
+          </p:cNvSpPr>
+          <p:nvPr isPhoto="0" userDrawn="0">
+            <p:ph type="title" hasCustomPrompt="0"/>
+          </p:nvPr>
+        </p:nvSpPr>
+        <p:spPr bwMode="auto">
           <a:xfrm>
             <a:off x="762000" y="1524000"/>
             <a:ext cx="10668000" cy="3038475"/>
@@ -1251,30 +938,28 @@
             </a:lvl1pPr>
           </a:lstStyle>
           <a:p>
+            <a:pPr>
+              <a:defRPr/>
+            </a:pPr>
             <a:r>
               <a:rPr lang="en-US"/>
               <a:t>Click to edit Master title style</a:t>
             </a:r>
-          </a:p>
-        </p:txBody>
-      </p:sp>
-      <p:sp>
-        <p:nvSpPr>
-          <p:cNvPr id="3" name="Text Placeholder 2">
-            <a:extLst>
-              <a:ext uri="{FF2B5EF4-FFF2-40B4-BE49-F238E27FC236}">
-                <a16:creationId xmlns:a16="http://schemas.microsoft.com/office/drawing/2014/main" id="{24C46C51-ADF1-48FC-A4D9-38C369E78304}"/>
-              </a:ext>
-            </a:extLst>
-          </p:cNvPr>
-          <p:cNvSpPr>
-            <a:spLocks noGrp="1"/>
-          </p:cNvSpPr>
-          <p:nvPr>
-            <p:ph type="body" idx="1"/>
-          </p:nvPr>
-        </p:nvSpPr>
-        <p:spPr>
+            <a:endParaRPr/>
+          </a:p>
+        </p:txBody>
+      </p:sp>
+      <p:sp>
+        <p:nvSpPr>
+          <p:cNvPr id="3" name="Text Placeholder 2" hidden="0"/>
+          <p:cNvSpPr>
+            <a:spLocks noGrp="1"/>
+          </p:cNvSpPr>
+          <p:nvPr isPhoto="0" userDrawn="0">
+            <p:ph type="body" idx="1" hasCustomPrompt="0"/>
+          </p:nvPr>
+        </p:nvSpPr>
+        <p:spPr bwMode="auto">
           <a:xfrm>
             <a:off x="762000" y="4589463"/>
             <a:ext cx="10668000" cy="1506537"/>
@@ -1375,38 +1060,38 @@
             </a:lvl9pPr>
           </a:lstStyle>
           <a:p>
-            <a:pPr lvl="0"/>
+            <a:pPr lvl="0">
+              <a:defRPr/>
+            </a:pPr>
             <a:r>
               <a:rPr lang="en-US"/>
               <a:t>Click to edit Master text styles</a:t>
             </a:r>
-          </a:p>
-        </p:txBody>
-      </p:sp>
-      <p:sp>
-        <p:nvSpPr>
-          <p:cNvPr id="4" name="Date Placeholder 3">
-            <a:extLst>
-              <a:ext uri="{FF2B5EF4-FFF2-40B4-BE49-F238E27FC236}">
-                <a16:creationId xmlns:a16="http://schemas.microsoft.com/office/drawing/2014/main" id="{BEC43B56-4DC7-490B-AEFD-55ED1ECFF82E}"/>
-              </a:ext>
-            </a:extLst>
-          </p:cNvPr>
-          <p:cNvSpPr>
-            <a:spLocks noGrp="1"/>
-          </p:cNvSpPr>
-          <p:nvPr>
-            <p:ph type="dt" sz="half" idx="10"/>
-          </p:nvPr>
-        </p:nvSpPr>
-        <p:spPr/>
+            <a:endParaRPr/>
+          </a:p>
+        </p:txBody>
+      </p:sp>
+      <p:sp>
+        <p:nvSpPr>
+          <p:cNvPr id="4" name="Date Placeholder 3" hidden="0"/>
+          <p:cNvSpPr>
+            <a:spLocks noGrp="1"/>
+          </p:cNvSpPr>
+          <p:nvPr isPhoto="0" userDrawn="0">
+            <p:ph type="dt" sz="half" idx="10" hasCustomPrompt="0"/>
+          </p:nvPr>
+        </p:nvSpPr>
+        <p:spPr bwMode="auto"/>
         <p:txBody>
           <a:bodyPr/>
           <a:lstStyle/>
           <a:p>
+            <a:pPr>
+              <a:defRPr/>
+            </a:pPr>
             <a:fld id="{76969C88-B244-455D-A017-012B25B1ACDD}" type="datetimeFigureOut">
-              <a:rPr lang="en-US" smtClean="0"/>
-              <a:t>4/5/22</a:t>
+              <a:rPr lang="en-US"/>
+              <a:t/>
             </a:fld>
             <a:endParaRPr lang="en-US"/>
           </a:p>
@@ -1414,64 +1099,53 @@
       </p:sp>
       <p:sp>
         <p:nvSpPr>
-          <p:cNvPr id="5" name="Footer Placeholder 4">
-            <a:extLst>
-              <a:ext uri="{FF2B5EF4-FFF2-40B4-BE49-F238E27FC236}">
-                <a16:creationId xmlns:a16="http://schemas.microsoft.com/office/drawing/2014/main" id="{454738F8-C4B2-41D8-B627-A6DDB24B2D57}"/>
-              </a:ext>
-            </a:extLst>
-          </p:cNvPr>
-          <p:cNvSpPr>
-            <a:spLocks noGrp="1"/>
-          </p:cNvSpPr>
-          <p:nvPr>
-            <p:ph type="ftr" sz="quarter" idx="11"/>
-          </p:nvPr>
-        </p:nvSpPr>
-        <p:spPr/>
+          <p:cNvPr id="5" name="Footer Placeholder 4" hidden="0"/>
+          <p:cNvSpPr>
+            <a:spLocks noGrp="1"/>
+          </p:cNvSpPr>
+          <p:nvPr isPhoto="0" userDrawn="0">
+            <p:ph type="ftr" sz="quarter" idx="11" hasCustomPrompt="0"/>
+          </p:nvPr>
+        </p:nvSpPr>
+        <p:spPr bwMode="auto"/>
         <p:txBody>
           <a:bodyPr/>
           <a:lstStyle/>
           <a:p>
+            <a:pPr>
+              <a:defRPr/>
+            </a:pPr>
             <a:endParaRPr lang="en-US"/>
           </a:p>
         </p:txBody>
       </p:sp>
       <p:sp>
         <p:nvSpPr>
-          <p:cNvPr id="6" name="Slide Number Placeholder 5">
-            <a:extLst>
-              <a:ext uri="{FF2B5EF4-FFF2-40B4-BE49-F238E27FC236}">
-                <a16:creationId xmlns:a16="http://schemas.microsoft.com/office/drawing/2014/main" id="{C4F43D49-23F8-4C4B-9C30-EDC030EE6F7E}"/>
-              </a:ext>
-            </a:extLst>
-          </p:cNvPr>
-          <p:cNvSpPr>
-            <a:spLocks noGrp="1"/>
-          </p:cNvSpPr>
-          <p:nvPr>
-            <p:ph type="sldNum" sz="quarter" idx="12"/>
-          </p:nvPr>
-        </p:nvSpPr>
-        <p:spPr/>
+          <p:cNvPr id="6" name="Slide Number Placeholder 5" hidden="0"/>
+          <p:cNvSpPr>
+            <a:spLocks noGrp="1"/>
+          </p:cNvSpPr>
+          <p:nvPr isPhoto="0" userDrawn="0">
+            <p:ph type="sldNum" sz="quarter" idx="12" hasCustomPrompt="0"/>
+          </p:nvPr>
+        </p:nvSpPr>
+        <p:spPr bwMode="auto"/>
         <p:txBody>
           <a:bodyPr/>
           <a:lstStyle/>
           <a:p>
+            <a:pPr>
+              <a:defRPr/>
+            </a:pPr>
             <a:fld id="{07CE569E-9B7C-4CB9-AB80-C0841F922CFF}" type="slidenum">
-              <a:rPr lang="en-US" smtClean="0"/>
-              <a:t>‹nº›</a:t>
+              <a:rPr lang="en-US"/>
+              <a:t/>
             </a:fld>
             <a:endParaRPr lang="en-US"/>
           </a:p>
         </p:txBody>
       </p:sp>
     </p:spTree>
-    <p:extLst>
-      <p:ext uri="{BB962C8B-B14F-4D97-AF65-F5344CB8AC3E}">
-        <p14:creationId xmlns:p14="http://schemas.microsoft.com/office/powerpoint/2010/main" val="1650455613"/>
-      </p:ext>
-    </p:extLst>
   </p:cSld>
   <p:clrMapOvr>
     <a:masterClrMapping/>
@@ -1480,15 +1154,15 @@
 </file>
 
 <file path=ppt/slideLayouts/slideLayout4.xml><?xml version="1.0" encoding="utf-8"?>
-<p:sldLayout xmlns:a="http://schemas.openxmlformats.org/drawingml/2006/main" xmlns:r="http://schemas.openxmlformats.org/officeDocument/2006/relationships" xmlns:p="http://schemas.openxmlformats.org/presentationml/2006/main" type="twoObj" preserve="1">
+<p:sldLayout xmlns:a="http://schemas.openxmlformats.org/drawingml/2006/main" xmlns:r="http://schemas.openxmlformats.org/officeDocument/2006/relationships" xmlns:p="http://schemas.openxmlformats.org/presentationml/2006/main" xmlns:m="http://schemas.openxmlformats.org/officeDocument/2006/math" xmlns:w="http://schemas.openxmlformats.org/wordprocessingml/2006/main" matchingName="" preserve="1" showMasterPhAnim="0" type="twoObj" userDrawn="1">
   <p:cSld name="Two Content">
     <p:spTree>
       <p:nvGrpSpPr>
-        <p:cNvPr id="1" name=""/>
+        <p:cNvPr id="1" name="" hidden="0"/>
         <p:cNvGrpSpPr/>
-        <p:nvPr/>
+        <p:nvPr isPhoto="0" userDrawn="0"/>
       </p:nvGrpSpPr>
-      <p:grpSpPr>
+      <p:grpSpPr bwMode="auto">
         <a:xfrm>
           <a:off x="0" y="0"/>
           <a:ext cx="0" cy="0"/>
@@ -1498,49 +1172,41 @@
       </p:grpSpPr>
       <p:sp>
         <p:nvSpPr>
-          <p:cNvPr id="2" name="Title 1">
-            <a:extLst>
-              <a:ext uri="{FF2B5EF4-FFF2-40B4-BE49-F238E27FC236}">
-                <a16:creationId xmlns:a16="http://schemas.microsoft.com/office/drawing/2014/main" id="{12E5556D-6916-42E6-8820-8A0D328A502B}"/>
-              </a:ext>
-            </a:extLst>
-          </p:cNvPr>
-          <p:cNvSpPr>
-            <a:spLocks noGrp="1"/>
-          </p:cNvSpPr>
-          <p:nvPr>
-            <p:ph type="title"/>
-          </p:nvPr>
-        </p:nvSpPr>
-        <p:spPr/>
+          <p:cNvPr id="2" name="Title 1" hidden="0"/>
+          <p:cNvSpPr>
+            <a:spLocks noGrp="1"/>
+          </p:cNvSpPr>
+          <p:nvPr isPhoto="0" userDrawn="0">
+            <p:ph type="title" hasCustomPrompt="0"/>
+          </p:nvPr>
+        </p:nvSpPr>
+        <p:spPr bwMode="auto"/>
         <p:txBody>
           <a:bodyPr/>
           <a:lstStyle/>
           <a:p>
+            <a:pPr>
+              <a:defRPr/>
+            </a:pPr>
             <a:r>
               <a:rPr lang="en-US"/>
               <a:t>Click to edit Master title style</a:t>
             </a:r>
-          </a:p>
-        </p:txBody>
-      </p:sp>
-      <p:sp>
-        <p:nvSpPr>
-          <p:cNvPr id="3" name="Content Placeholder 2">
-            <a:extLst>
-              <a:ext uri="{FF2B5EF4-FFF2-40B4-BE49-F238E27FC236}">
-                <a16:creationId xmlns:a16="http://schemas.microsoft.com/office/drawing/2014/main" id="{062747A5-C962-477F-89AA-A32385D57996}"/>
-              </a:ext>
-            </a:extLst>
-          </p:cNvPr>
-          <p:cNvSpPr>
-            <a:spLocks noGrp="1"/>
-          </p:cNvSpPr>
-          <p:nvPr>
-            <p:ph sz="half" idx="1"/>
-          </p:nvPr>
-        </p:nvSpPr>
-        <p:spPr>
+            <a:endParaRPr/>
+          </a:p>
+        </p:txBody>
+      </p:sp>
+      <p:sp>
+        <p:nvSpPr>
+          <p:cNvPr id="3" name="Content Placeholder 2" hidden="0"/>
+          <p:cNvSpPr>
+            <a:spLocks noGrp="1"/>
+          </p:cNvSpPr>
+          <p:nvPr isPhoto="0" userDrawn="0">
+            <p:ph sz="half" idx="1" hasCustomPrompt="0"/>
+          </p:nvPr>
+        </p:nvSpPr>
+        <p:spPr bwMode="auto">
           <a:xfrm>
             <a:off x="762000" y="2285999"/>
             <a:ext cx="5151119" cy="3810001"/>
@@ -1550,59 +1216,68 @@
           <a:bodyPr/>
           <a:lstStyle/>
           <a:p>
-            <a:pPr lvl="0"/>
+            <a:pPr lvl="0">
+              <a:defRPr/>
+            </a:pPr>
             <a:r>
               <a:rPr lang="en-US"/>
               <a:t>Click to edit Master text styles</a:t>
             </a:r>
-          </a:p>
-          <a:p>
-            <a:pPr lvl="1"/>
+            <a:endParaRPr/>
+          </a:p>
+          <a:p>
+            <a:pPr lvl="1">
+              <a:defRPr/>
+            </a:pPr>
             <a:r>
               <a:rPr lang="en-US"/>
               <a:t>Second level</a:t>
             </a:r>
-          </a:p>
-          <a:p>
-            <a:pPr lvl="2"/>
+            <a:endParaRPr/>
+          </a:p>
+          <a:p>
+            <a:pPr lvl="2">
+              <a:defRPr/>
+            </a:pPr>
             <a:r>
               <a:rPr lang="en-US"/>
               <a:t>Third level</a:t>
             </a:r>
-          </a:p>
-          <a:p>
-            <a:pPr lvl="3"/>
+            <a:endParaRPr/>
+          </a:p>
+          <a:p>
+            <a:pPr lvl="3">
+              <a:defRPr/>
+            </a:pPr>
             <a:r>
               <a:rPr lang="en-US"/>
               <a:t>Fourth level</a:t>
             </a:r>
-          </a:p>
-          <a:p>
-            <a:pPr lvl="4"/>
+            <a:endParaRPr/>
+          </a:p>
+          <a:p>
+            <a:pPr lvl="4">
+              <a:defRPr/>
+            </a:pPr>
             <a:r>
               <a:rPr lang="en-US"/>
               <a:t>Fifth level</a:t>
             </a:r>
-          </a:p>
-        </p:txBody>
-      </p:sp>
-      <p:sp>
-        <p:nvSpPr>
-          <p:cNvPr id="4" name="Content Placeholder 3">
-            <a:extLst>
-              <a:ext uri="{FF2B5EF4-FFF2-40B4-BE49-F238E27FC236}">
-                <a16:creationId xmlns:a16="http://schemas.microsoft.com/office/drawing/2014/main" id="{0CD08312-30FC-44D8-B2A9-B5CAAD9F066F}"/>
-              </a:ext>
-            </a:extLst>
-          </p:cNvPr>
-          <p:cNvSpPr>
-            <a:spLocks noGrp="1"/>
-          </p:cNvSpPr>
-          <p:nvPr>
-            <p:ph sz="half" idx="2"/>
-          </p:nvPr>
-        </p:nvSpPr>
-        <p:spPr>
+            <a:endParaRPr/>
+          </a:p>
+        </p:txBody>
+      </p:sp>
+      <p:sp>
+        <p:nvSpPr>
+          <p:cNvPr id="4" name="Content Placeholder 3" hidden="0"/>
+          <p:cNvSpPr>
+            <a:spLocks noGrp="1"/>
+          </p:cNvSpPr>
+          <p:nvPr isPhoto="0" userDrawn="0">
+            <p:ph sz="half" idx="2" hasCustomPrompt="0"/>
+          </p:nvPr>
+        </p:nvSpPr>
+        <p:spPr bwMode="auto">
           <a:xfrm>
             <a:off x="6278879" y="2285999"/>
             <a:ext cx="5151121" cy="3810001"/>
@@ -1612,66 +1287,78 @@
           <a:bodyPr/>
           <a:lstStyle/>
           <a:p>
-            <a:pPr lvl="0"/>
+            <a:pPr lvl="0">
+              <a:defRPr/>
+            </a:pPr>
             <a:r>
               <a:rPr lang="en-US"/>
               <a:t>Click to edit Master text styles</a:t>
             </a:r>
-          </a:p>
-          <a:p>
-            <a:pPr lvl="1"/>
+            <a:endParaRPr/>
+          </a:p>
+          <a:p>
+            <a:pPr lvl="1">
+              <a:defRPr/>
+            </a:pPr>
             <a:r>
               <a:rPr lang="en-US"/>
               <a:t>Second level</a:t>
             </a:r>
-          </a:p>
-          <a:p>
-            <a:pPr lvl="2"/>
+            <a:endParaRPr/>
+          </a:p>
+          <a:p>
+            <a:pPr lvl="2">
+              <a:defRPr/>
+            </a:pPr>
             <a:r>
               <a:rPr lang="en-US"/>
               <a:t>Third level</a:t>
             </a:r>
-          </a:p>
-          <a:p>
-            <a:pPr lvl="3"/>
+            <a:endParaRPr/>
+          </a:p>
+          <a:p>
+            <a:pPr lvl="3">
+              <a:defRPr/>
+            </a:pPr>
             <a:r>
               <a:rPr lang="en-US"/>
               <a:t>Fourth level</a:t>
             </a:r>
-          </a:p>
-          <a:p>
-            <a:pPr lvl="4"/>
+            <a:endParaRPr/>
+          </a:p>
+          <a:p>
+            <a:pPr lvl="4">
+              <a:defRPr/>
+            </a:pPr>
             <a:r>
               <a:rPr lang="en-US"/>
               <a:t>Fifth level</a:t>
             </a:r>
-          </a:p>
-        </p:txBody>
-      </p:sp>
-      <p:sp>
-        <p:nvSpPr>
-          <p:cNvPr id="5" name="Date Placeholder 4">
-            <a:extLst>
-              <a:ext uri="{FF2B5EF4-FFF2-40B4-BE49-F238E27FC236}">
-                <a16:creationId xmlns:a16="http://schemas.microsoft.com/office/drawing/2014/main" id="{DBED84EB-AF90-4F19-A376-0FE5E50F9EA5}"/>
-              </a:ext>
-            </a:extLst>
-          </p:cNvPr>
-          <p:cNvSpPr>
-            <a:spLocks noGrp="1"/>
-          </p:cNvSpPr>
-          <p:nvPr>
-            <p:ph type="dt" sz="half" idx="10"/>
-          </p:nvPr>
-        </p:nvSpPr>
-        <p:spPr/>
+            <a:endParaRPr/>
+          </a:p>
+        </p:txBody>
+      </p:sp>
+      <p:sp>
+        <p:nvSpPr>
+          <p:cNvPr id="5" name="Date Placeholder 4" hidden="0"/>
+          <p:cNvSpPr>
+            <a:spLocks noGrp="1"/>
+          </p:cNvSpPr>
+          <p:nvPr isPhoto="0" userDrawn="0">
+            <p:ph type="dt" sz="half" idx="10" hasCustomPrompt="0"/>
+          </p:nvPr>
+        </p:nvSpPr>
+        <p:spPr bwMode="auto"/>
         <p:txBody>
           <a:bodyPr/>
           <a:lstStyle/>
           <a:p>
+            <a:pPr>
+              <a:defRPr/>
+            </a:pPr>
             <a:fld id="{76969C88-B244-455D-A017-012B25B1ACDD}" type="datetimeFigureOut">
-              <a:rPr lang="en-US" smtClean="0"/>
-              <a:t>4/5/22</a:t>
+              <a:rPr lang="en-US"/>
+              <a:t/>
             </a:fld>
             <a:endParaRPr lang="en-US"/>
           </a:p>
@@ -1679,64 +1366,53 @@
       </p:sp>
       <p:sp>
         <p:nvSpPr>
-          <p:cNvPr id="6" name="Footer Placeholder 5">
-            <a:extLst>
-              <a:ext uri="{FF2B5EF4-FFF2-40B4-BE49-F238E27FC236}">
-                <a16:creationId xmlns:a16="http://schemas.microsoft.com/office/drawing/2014/main" id="{7B838ED0-2789-41E4-A36E-83F92CA2E84B}"/>
-              </a:ext>
-            </a:extLst>
-          </p:cNvPr>
-          <p:cNvSpPr>
-            <a:spLocks noGrp="1"/>
-          </p:cNvSpPr>
-          <p:nvPr>
-            <p:ph type="ftr" sz="quarter" idx="11"/>
-          </p:nvPr>
-        </p:nvSpPr>
-        <p:spPr/>
+          <p:cNvPr id="6" name="Footer Placeholder 5" hidden="0"/>
+          <p:cNvSpPr>
+            <a:spLocks noGrp="1"/>
+          </p:cNvSpPr>
+          <p:nvPr isPhoto="0" userDrawn="0">
+            <p:ph type="ftr" sz="quarter" idx="11" hasCustomPrompt="0"/>
+          </p:nvPr>
+        </p:nvSpPr>
+        <p:spPr bwMode="auto"/>
         <p:txBody>
           <a:bodyPr/>
           <a:lstStyle/>
           <a:p>
+            <a:pPr>
+              <a:defRPr/>
+            </a:pPr>
             <a:endParaRPr lang="en-US"/>
           </a:p>
         </p:txBody>
       </p:sp>
       <p:sp>
         <p:nvSpPr>
-          <p:cNvPr id="7" name="Slide Number Placeholder 6">
-            <a:extLst>
-              <a:ext uri="{FF2B5EF4-FFF2-40B4-BE49-F238E27FC236}">
-                <a16:creationId xmlns:a16="http://schemas.microsoft.com/office/drawing/2014/main" id="{37221A83-6D60-45F0-9173-5F6D2438BC36}"/>
-              </a:ext>
-            </a:extLst>
-          </p:cNvPr>
-          <p:cNvSpPr>
-            <a:spLocks noGrp="1"/>
-          </p:cNvSpPr>
-          <p:nvPr>
-            <p:ph type="sldNum" sz="quarter" idx="12"/>
-          </p:nvPr>
-        </p:nvSpPr>
-        <p:spPr/>
+          <p:cNvPr id="7" name="Slide Number Placeholder 6" hidden="0"/>
+          <p:cNvSpPr>
+            <a:spLocks noGrp="1"/>
+          </p:cNvSpPr>
+          <p:nvPr isPhoto="0" userDrawn="0">
+            <p:ph type="sldNum" sz="quarter" idx="12" hasCustomPrompt="0"/>
+          </p:nvPr>
+        </p:nvSpPr>
+        <p:spPr bwMode="auto"/>
         <p:txBody>
           <a:bodyPr/>
           <a:lstStyle/>
           <a:p>
+            <a:pPr>
+              <a:defRPr/>
+            </a:pPr>
             <a:fld id="{07CE569E-9B7C-4CB9-AB80-C0841F922CFF}" type="slidenum">
-              <a:rPr lang="en-US" smtClean="0"/>
-              <a:t>‹nº›</a:t>
+              <a:rPr lang="en-US"/>
+              <a:t/>
             </a:fld>
             <a:endParaRPr lang="en-US"/>
           </a:p>
         </p:txBody>
       </p:sp>
     </p:spTree>
-    <p:extLst>
-      <p:ext uri="{BB962C8B-B14F-4D97-AF65-F5344CB8AC3E}">
-        <p14:creationId xmlns:p14="http://schemas.microsoft.com/office/powerpoint/2010/main" val="4139621677"/>
-      </p:ext>
-    </p:extLst>
   </p:cSld>
   <p:clrMapOvr>
     <a:masterClrMapping/>
@@ -1745,15 +1421,15 @@
 </file>
 
 <file path=ppt/slideLayouts/slideLayout5.xml><?xml version="1.0" encoding="utf-8"?>
-<p:sldLayout xmlns:a="http://schemas.openxmlformats.org/drawingml/2006/main" xmlns:r="http://schemas.openxmlformats.org/officeDocument/2006/relationships" xmlns:p="http://schemas.openxmlformats.org/presentationml/2006/main" preserve="1">
+<p:sldLayout xmlns:a="http://schemas.openxmlformats.org/drawingml/2006/main" xmlns:r="http://schemas.openxmlformats.org/officeDocument/2006/relationships" xmlns:p="http://schemas.openxmlformats.org/presentationml/2006/main" xmlns:m="http://schemas.openxmlformats.org/officeDocument/2006/math" xmlns:w="http://schemas.openxmlformats.org/wordprocessingml/2006/main" matchingName="" preserve="1" showMasterPhAnim="0" userDrawn="1">
   <p:cSld name="Comparison">
     <p:spTree>
       <p:nvGrpSpPr>
-        <p:cNvPr id="1" name=""/>
+        <p:cNvPr id="1" name="" hidden="0"/>
         <p:cNvGrpSpPr/>
-        <p:nvPr/>
+        <p:nvPr isPhoto="0" userDrawn="0"/>
       </p:nvGrpSpPr>
-      <p:grpSpPr>
+      <p:grpSpPr bwMode="auto">
         <a:xfrm>
           <a:off x="0" y="0"/>
           <a:ext cx="0" cy="0"/>
@@ -1763,21 +1439,15 @@
       </p:grpSpPr>
       <p:sp>
         <p:nvSpPr>
-          <p:cNvPr id="2" name="Title 1">
-            <a:extLst>
-              <a:ext uri="{FF2B5EF4-FFF2-40B4-BE49-F238E27FC236}">
-                <a16:creationId xmlns:a16="http://schemas.microsoft.com/office/drawing/2014/main" id="{8A4FFAE2-03F4-4A94-86C4-9305B237CA89}"/>
-              </a:ext>
-            </a:extLst>
-          </p:cNvPr>
-          <p:cNvSpPr>
-            <a:spLocks noGrp="1"/>
-          </p:cNvSpPr>
-          <p:nvPr>
-            <p:ph type="title"/>
-          </p:nvPr>
-        </p:nvSpPr>
-        <p:spPr>
+          <p:cNvPr id="2" name="Title 1" hidden="0"/>
+          <p:cNvSpPr>
+            <a:spLocks noGrp="1"/>
+          </p:cNvSpPr>
+          <p:nvPr isPhoto="0" userDrawn="0">
+            <p:ph type="title" hasCustomPrompt="0"/>
+          </p:nvPr>
+        </p:nvSpPr>
+        <p:spPr bwMode="auto">
           <a:xfrm>
             <a:off x="762000" y="762000"/>
             <a:ext cx="10668000" cy="1524000"/>
@@ -1787,30 +1457,28 @@
           <a:bodyPr/>
           <a:lstStyle/>
           <a:p>
+            <a:pPr>
+              <a:defRPr/>
+            </a:pPr>
             <a:r>
               <a:rPr lang="en-US"/>
               <a:t>Click to edit Master title style</a:t>
             </a:r>
-          </a:p>
-        </p:txBody>
-      </p:sp>
-      <p:sp>
-        <p:nvSpPr>
-          <p:cNvPr id="3" name="Text Placeholder 2">
-            <a:extLst>
-              <a:ext uri="{FF2B5EF4-FFF2-40B4-BE49-F238E27FC236}">
-                <a16:creationId xmlns:a16="http://schemas.microsoft.com/office/drawing/2014/main" id="{75BAC5A5-E184-46B6-8AB5-C8E132D3624B}"/>
-              </a:ext>
-            </a:extLst>
-          </p:cNvPr>
-          <p:cNvSpPr>
-            <a:spLocks noGrp="1"/>
-          </p:cNvSpPr>
-          <p:nvPr>
-            <p:ph type="body" idx="1"/>
-          </p:nvPr>
-        </p:nvSpPr>
-        <p:spPr>
+            <a:endParaRPr/>
+          </a:p>
+        </p:txBody>
+      </p:sp>
+      <p:sp>
+        <p:nvSpPr>
+          <p:cNvPr id="3" name="Text Placeholder 2" hidden="0"/>
+          <p:cNvSpPr>
+            <a:spLocks noGrp="1"/>
+          </p:cNvSpPr>
+          <p:nvPr isPhoto="0" userDrawn="0">
+            <p:ph type="body" idx="1" hasCustomPrompt="0"/>
+          </p:nvPr>
+        </p:nvSpPr>
+        <p:spPr bwMode="auto">
           <a:xfrm>
             <a:off x="762000" y="2285999"/>
             <a:ext cx="5151119" cy="761999"/>
@@ -1857,31 +1525,28 @@
             </a:lvl9pPr>
           </a:lstStyle>
           <a:p>
-            <a:pPr lvl="0"/>
+            <a:pPr lvl="0">
+              <a:defRPr/>
+            </a:pPr>
             <a:r>
               <a:rPr lang="en-US"/>
               <a:t>Click to edit Master text styles</a:t>
             </a:r>
-          </a:p>
-        </p:txBody>
-      </p:sp>
-      <p:sp>
-        <p:nvSpPr>
-          <p:cNvPr id="4" name="Content Placeholder 3">
-            <a:extLst>
-              <a:ext uri="{FF2B5EF4-FFF2-40B4-BE49-F238E27FC236}">
-                <a16:creationId xmlns:a16="http://schemas.microsoft.com/office/drawing/2014/main" id="{8FDCFE87-5D80-45CB-9D13-DFC9AFCEC7F9}"/>
-              </a:ext>
-            </a:extLst>
-          </p:cNvPr>
-          <p:cNvSpPr>
-            <a:spLocks noGrp="1"/>
-          </p:cNvSpPr>
-          <p:nvPr>
-            <p:ph sz="half" idx="2"/>
-          </p:nvPr>
-        </p:nvSpPr>
-        <p:spPr>
+            <a:endParaRPr/>
+          </a:p>
+        </p:txBody>
+      </p:sp>
+      <p:sp>
+        <p:nvSpPr>
+          <p:cNvPr id="4" name="Content Placeholder 3" hidden="0"/>
+          <p:cNvSpPr>
+            <a:spLocks noGrp="1"/>
+          </p:cNvSpPr>
+          <p:nvPr isPhoto="0" userDrawn="0">
+            <p:ph sz="half" idx="2" hasCustomPrompt="0"/>
+          </p:nvPr>
+        </p:nvSpPr>
+        <p:spPr bwMode="auto">
           <a:xfrm>
             <a:off x="762000" y="3048000"/>
             <a:ext cx="5151119" cy="3048000"/>
@@ -1891,59 +1556,68 @@
           <a:bodyPr/>
           <a:lstStyle/>
           <a:p>
-            <a:pPr lvl="0"/>
+            <a:pPr lvl="0">
+              <a:defRPr/>
+            </a:pPr>
             <a:r>
               <a:rPr lang="en-US"/>
               <a:t>Click to edit Master text styles</a:t>
             </a:r>
-          </a:p>
-          <a:p>
-            <a:pPr lvl="1"/>
+            <a:endParaRPr/>
+          </a:p>
+          <a:p>
+            <a:pPr lvl="1">
+              <a:defRPr/>
+            </a:pPr>
             <a:r>
               <a:rPr lang="en-US"/>
               <a:t>Second level</a:t>
             </a:r>
-          </a:p>
-          <a:p>
-            <a:pPr lvl="2"/>
+            <a:endParaRPr/>
+          </a:p>
+          <a:p>
+            <a:pPr lvl="2">
+              <a:defRPr/>
+            </a:pPr>
             <a:r>
               <a:rPr lang="en-US"/>
               <a:t>Third level</a:t>
             </a:r>
-          </a:p>
-          <a:p>
-            <a:pPr lvl="3"/>
+            <a:endParaRPr/>
+          </a:p>
+          <a:p>
+            <a:pPr lvl="3">
+              <a:defRPr/>
+            </a:pPr>
             <a:r>
               <a:rPr lang="en-US"/>
               <a:t>Fourth level</a:t>
             </a:r>
-          </a:p>
-          <a:p>
-            <a:pPr lvl="4"/>
+            <a:endParaRPr/>
+          </a:p>
+          <a:p>
+            <a:pPr lvl="4">
+              <a:defRPr/>
+            </a:pPr>
             <a:r>
               <a:rPr lang="en-US"/>
               <a:t>Fifth level</a:t>
             </a:r>
-          </a:p>
-        </p:txBody>
-      </p:sp>
-      <p:sp>
-        <p:nvSpPr>
-          <p:cNvPr id="5" name="Text Placeholder 4">
-            <a:extLst>
-              <a:ext uri="{FF2B5EF4-FFF2-40B4-BE49-F238E27FC236}">
-                <a16:creationId xmlns:a16="http://schemas.microsoft.com/office/drawing/2014/main" id="{DAAC1E5A-8423-4749-8EDA-E13425F69658}"/>
-              </a:ext>
-            </a:extLst>
-          </p:cNvPr>
-          <p:cNvSpPr>
-            <a:spLocks noGrp="1"/>
-          </p:cNvSpPr>
-          <p:nvPr>
-            <p:ph type="body" sz="quarter" idx="3"/>
-          </p:nvPr>
-        </p:nvSpPr>
-        <p:spPr>
+            <a:endParaRPr/>
+          </a:p>
+        </p:txBody>
+      </p:sp>
+      <p:sp>
+        <p:nvSpPr>
+          <p:cNvPr id="5" name="Text Placeholder 4" hidden="0"/>
+          <p:cNvSpPr>
+            <a:spLocks noGrp="1"/>
+          </p:cNvSpPr>
+          <p:nvPr isPhoto="0" userDrawn="0">
+            <p:ph type="body" sz="quarter" idx="3" hasCustomPrompt="0"/>
+          </p:nvPr>
+        </p:nvSpPr>
+        <p:spPr bwMode="auto">
           <a:xfrm>
             <a:off x="6278878" y="2286000"/>
             <a:ext cx="5151122" cy="761999"/>
@@ -1990,31 +1664,28 @@
             </a:lvl9pPr>
           </a:lstStyle>
           <a:p>
-            <a:pPr lvl="0"/>
+            <a:pPr lvl="0">
+              <a:defRPr/>
+            </a:pPr>
             <a:r>
               <a:rPr lang="en-US"/>
               <a:t>Click to edit Master text styles</a:t>
             </a:r>
-          </a:p>
-        </p:txBody>
-      </p:sp>
-      <p:sp>
-        <p:nvSpPr>
-          <p:cNvPr id="6" name="Content Placeholder 5">
-            <a:extLst>
-              <a:ext uri="{FF2B5EF4-FFF2-40B4-BE49-F238E27FC236}">
-                <a16:creationId xmlns:a16="http://schemas.microsoft.com/office/drawing/2014/main" id="{DA832AAA-4BB8-4A3D-9C79-516F82F8001D}"/>
-              </a:ext>
-            </a:extLst>
-          </p:cNvPr>
-          <p:cNvSpPr>
-            <a:spLocks noGrp="1"/>
-          </p:cNvSpPr>
-          <p:nvPr>
-            <p:ph sz="quarter" idx="4"/>
-          </p:nvPr>
-        </p:nvSpPr>
-        <p:spPr>
+            <a:endParaRPr/>
+          </a:p>
+        </p:txBody>
+      </p:sp>
+      <p:sp>
+        <p:nvSpPr>
+          <p:cNvPr id="6" name="Content Placeholder 5" hidden="0"/>
+          <p:cNvSpPr>
+            <a:spLocks noGrp="1"/>
+          </p:cNvSpPr>
+          <p:nvPr isPhoto="0" userDrawn="0">
+            <p:ph sz="quarter" idx="4" hasCustomPrompt="0"/>
+          </p:nvPr>
+        </p:nvSpPr>
+        <p:spPr bwMode="auto">
           <a:xfrm>
             <a:off x="6278878" y="3048000"/>
             <a:ext cx="5151122" cy="3048000"/>
@@ -2024,66 +1695,78 @@
           <a:bodyPr/>
           <a:lstStyle/>
           <a:p>
-            <a:pPr lvl="0"/>
+            <a:pPr lvl="0">
+              <a:defRPr/>
+            </a:pPr>
             <a:r>
               <a:rPr lang="en-US"/>
               <a:t>Click to edit Master text styles</a:t>
             </a:r>
-          </a:p>
-          <a:p>
-            <a:pPr lvl="1"/>
+            <a:endParaRPr/>
+          </a:p>
+          <a:p>
+            <a:pPr lvl="1">
+              <a:defRPr/>
+            </a:pPr>
             <a:r>
               <a:rPr lang="en-US"/>
               <a:t>Second level</a:t>
             </a:r>
-          </a:p>
-          <a:p>
-            <a:pPr lvl="2"/>
+            <a:endParaRPr/>
+          </a:p>
+          <a:p>
+            <a:pPr lvl="2">
+              <a:defRPr/>
+            </a:pPr>
             <a:r>
               <a:rPr lang="en-US"/>
               <a:t>Third level</a:t>
             </a:r>
-          </a:p>
-          <a:p>
-            <a:pPr lvl="3"/>
+            <a:endParaRPr/>
+          </a:p>
+          <a:p>
+            <a:pPr lvl="3">
+              <a:defRPr/>
+            </a:pPr>
             <a:r>
               <a:rPr lang="en-US"/>
               <a:t>Fourth level</a:t>
             </a:r>
-          </a:p>
-          <a:p>
-            <a:pPr lvl="4"/>
+            <a:endParaRPr/>
+          </a:p>
+          <a:p>
+            <a:pPr lvl="4">
+              <a:defRPr/>
+            </a:pPr>
             <a:r>
               <a:rPr lang="en-US"/>
               <a:t>Fifth level</a:t>
             </a:r>
-          </a:p>
-        </p:txBody>
-      </p:sp>
-      <p:sp>
-        <p:nvSpPr>
-          <p:cNvPr id="7" name="Date Placeholder 6">
-            <a:extLst>
-              <a:ext uri="{FF2B5EF4-FFF2-40B4-BE49-F238E27FC236}">
-                <a16:creationId xmlns:a16="http://schemas.microsoft.com/office/drawing/2014/main" id="{E80BEC63-51D3-4C70-B804-BE9EF765AD21}"/>
-              </a:ext>
-            </a:extLst>
-          </p:cNvPr>
-          <p:cNvSpPr>
-            <a:spLocks noGrp="1"/>
-          </p:cNvSpPr>
-          <p:nvPr>
-            <p:ph type="dt" sz="half" idx="10"/>
-          </p:nvPr>
-        </p:nvSpPr>
-        <p:spPr/>
+            <a:endParaRPr/>
+          </a:p>
+        </p:txBody>
+      </p:sp>
+      <p:sp>
+        <p:nvSpPr>
+          <p:cNvPr id="7" name="Date Placeholder 6" hidden="0"/>
+          <p:cNvSpPr>
+            <a:spLocks noGrp="1"/>
+          </p:cNvSpPr>
+          <p:nvPr isPhoto="0" userDrawn="0">
+            <p:ph type="dt" sz="half" idx="10" hasCustomPrompt="0"/>
+          </p:nvPr>
+        </p:nvSpPr>
+        <p:spPr bwMode="auto"/>
         <p:txBody>
           <a:bodyPr/>
           <a:lstStyle/>
           <a:p>
+            <a:pPr>
+              <a:defRPr/>
+            </a:pPr>
             <a:fld id="{76969C88-B244-455D-A017-012B25B1ACDD}" type="datetimeFigureOut">
-              <a:rPr lang="en-US" smtClean="0"/>
-              <a:t>4/5/22</a:t>
+              <a:rPr lang="en-US"/>
+              <a:t/>
             </a:fld>
             <a:endParaRPr lang="en-US"/>
           </a:p>
@@ -2091,64 +1774,53 @@
       </p:sp>
       <p:sp>
         <p:nvSpPr>
-          <p:cNvPr id="8" name="Footer Placeholder 7">
-            <a:extLst>
-              <a:ext uri="{FF2B5EF4-FFF2-40B4-BE49-F238E27FC236}">
-                <a16:creationId xmlns:a16="http://schemas.microsoft.com/office/drawing/2014/main" id="{735CA295-8563-402F-92C3-1F20C977C177}"/>
-              </a:ext>
-            </a:extLst>
-          </p:cNvPr>
-          <p:cNvSpPr>
-            <a:spLocks noGrp="1"/>
-          </p:cNvSpPr>
-          <p:nvPr>
-            <p:ph type="ftr" sz="quarter" idx="11"/>
-          </p:nvPr>
-        </p:nvSpPr>
-        <p:spPr/>
+          <p:cNvPr id="8" name="Footer Placeholder 7" hidden="0"/>
+          <p:cNvSpPr>
+            <a:spLocks noGrp="1"/>
+          </p:cNvSpPr>
+          <p:nvPr isPhoto="0" userDrawn="0">
+            <p:ph type="ftr" sz="quarter" idx="11" hasCustomPrompt="0"/>
+          </p:nvPr>
+        </p:nvSpPr>
+        <p:spPr bwMode="auto"/>
         <p:txBody>
           <a:bodyPr/>
           <a:lstStyle/>
           <a:p>
+            <a:pPr>
+              <a:defRPr/>
+            </a:pPr>
             <a:endParaRPr lang="en-US"/>
           </a:p>
         </p:txBody>
       </p:sp>
       <p:sp>
         <p:nvSpPr>
-          <p:cNvPr id="9" name="Slide Number Placeholder 8">
-            <a:extLst>
-              <a:ext uri="{FF2B5EF4-FFF2-40B4-BE49-F238E27FC236}">
-                <a16:creationId xmlns:a16="http://schemas.microsoft.com/office/drawing/2014/main" id="{5EFA5918-109D-4342-84C0-9774A52C9E78}"/>
-              </a:ext>
-            </a:extLst>
-          </p:cNvPr>
-          <p:cNvSpPr>
-            <a:spLocks noGrp="1"/>
-          </p:cNvSpPr>
-          <p:nvPr>
-            <p:ph type="sldNum" sz="quarter" idx="12"/>
-          </p:nvPr>
-        </p:nvSpPr>
-        <p:spPr/>
+          <p:cNvPr id="9" name="Slide Number Placeholder 8" hidden="0"/>
+          <p:cNvSpPr>
+            <a:spLocks noGrp="1"/>
+          </p:cNvSpPr>
+          <p:nvPr isPhoto="0" userDrawn="0">
+            <p:ph type="sldNum" sz="quarter" idx="12" hasCustomPrompt="0"/>
+          </p:nvPr>
+        </p:nvSpPr>
+        <p:spPr bwMode="auto"/>
         <p:txBody>
           <a:bodyPr/>
           <a:lstStyle/>
           <a:p>
+            <a:pPr>
+              <a:defRPr/>
+            </a:pPr>
             <a:fld id="{07CE569E-9B7C-4CB9-AB80-C0841F922CFF}" type="slidenum">
-              <a:rPr lang="en-US" smtClean="0"/>
-              <a:t>‹nº›</a:t>
+              <a:rPr lang="en-US"/>
+              <a:t/>
             </a:fld>
             <a:endParaRPr lang="en-US"/>
           </a:p>
         </p:txBody>
       </p:sp>
     </p:spTree>
-    <p:extLst>
-      <p:ext uri="{BB962C8B-B14F-4D97-AF65-F5344CB8AC3E}">
-        <p14:creationId xmlns:p14="http://schemas.microsoft.com/office/powerpoint/2010/main" val="2198366086"/>
-      </p:ext>
-    </p:extLst>
   </p:cSld>
   <p:clrMapOvr>
     <a:masterClrMapping/>
@@ -2157,15 +1829,15 @@
 </file>
 
 <file path=ppt/slideLayouts/slideLayout6.xml><?xml version="1.0" encoding="utf-8"?>
-<p:sldLayout xmlns:a="http://schemas.openxmlformats.org/drawingml/2006/main" xmlns:r="http://schemas.openxmlformats.org/officeDocument/2006/relationships" xmlns:p="http://schemas.openxmlformats.org/presentationml/2006/main" type="titleOnly" preserve="1">
+<p:sldLayout xmlns:a="http://schemas.openxmlformats.org/drawingml/2006/main" xmlns:r="http://schemas.openxmlformats.org/officeDocument/2006/relationships" xmlns:p="http://schemas.openxmlformats.org/presentationml/2006/main" xmlns:m="http://schemas.openxmlformats.org/officeDocument/2006/math" xmlns:w="http://schemas.openxmlformats.org/wordprocessingml/2006/main" matchingName="" preserve="1" showMasterPhAnim="0" type="titleOnly" userDrawn="1">
   <p:cSld name="Title Only">
     <p:spTree>
       <p:nvGrpSpPr>
-        <p:cNvPr id="1" name=""/>
+        <p:cNvPr id="1" name="" hidden="0"/>
         <p:cNvGrpSpPr/>
-        <p:nvPr/>
+        <p:nvPr isPhoto="0" userDrawn="0"/>
       </p:nvGrpSpPr>
-      <p:grpSpPr>
+      <p:grpSpPr bwMode="auto">
         <a:xfrm>
           <a:off x="0" y="0"/>
           <a:ext cx="0" cy="0"/>
@@ -2175,56 +1847,51 @@
       </p:grpSpPr>
       <p:sp>
         <p:nvSpPr>
-          <p:cNvPr id="2" name="Title 1">
-            <a:extLst>
-              <a:ext uri="{FF2B5EF4-FFF2-40B4-BE49-F238E27FC236}">
-                <a16:creationId xmlns:a16="http://schemas.microsoft.com/office/drawing/2014/main" id="{A5EF2662-CBD1-4498-9B6E-2961F5EF1BFB}"/>
-              </a:ext>
-            </a:extLst>
-          </p:cNvPr>
-          <p:cNvSpPr>
-            <a:spLocks noGrp="1"/>
-          </p:cNvSpPr>
-          <p:nvPr>
-            <p:ph type="title"/>
-          </p:nvPr>
-        </p:nvSpPr>
-        <p:spPr/>
+          <p:cNvPr id="2" name="Title 1" hidden="0"/>
+          <p:cNvSpPr>
+            <a:spLocks noGrp="1"/>
+          </p:cNvSpPr>
+          <p:nvPr isPhoto="0" userDrawn="0">
+            <p:ph type="title" hasCustomPrompt="0"/>
+          </p:nvPr>
+        </p:nvSpPr>
+        <p:spPr bwMode="auto"/>
         <p:txBody>
           <a:bodyPr/>
           <a:lstStyle/>
           <a:p>
+            <a:pPr>
+              <a:defRPr/>
+            </a:pPr>
             <a:r>
               <a:rPr lang="en-US"/>
               <a:t>Click to edit Master title style</a:t>
             </a:r>
-          </a:p>
-        </p:txBody>
-      </p:sp>
-      <p:sp>
-        <p:nvSpPr>
-          <p:cNvPr id="3" name="Date Placeholder 2">
-            <a:extLst>
-              <a:ext uri="{FF2B5EF4-FFF2-40B4-BE49-F238E27FC236}">
-                <a16:creationId xmlns:a16="http://schemas.microsoft.com/office/drawing/2014/main" id="{9FF739AE-8101-4C18-8CF3-911BDF3978A8}"/>
-              </a:ext>
-            </a:extLst>
-          </p:cNvPr>
-          <p:cNvSpPr>
-            <a:spLocks noGrp="1"/>
-          </p:cNvSpPr>
-          <p:nvPr>
-            <p:ph type="dt" sz="half" idx="10"/>
-          </p:nvPr>
-        </p:nvSpPr>
-        <p:spPr/>
+            <a:endParaRPr/>
+          </a:p>
+        </p:txBody>
+      </p:sp>
+      <p:sp>
+        <p:nvSpPr>
+          <p:cNvPr id="3" name="Date Placeholder 2" hidden="0"/>
+          <p:cNvSpPr>
+            <a:spLocks noGrp="1"/>
+          </p:cNvSpPr>
+          <p:nvPr isPhoto="0" userDrawn="0">
+            <p:ph type="dt" sz="half" idx="10" hasCustomPrompt="0"/>
+          </p:nvPr>
+        </p:nvSpPr>
+        <p:spPr bwMode="auto"/>
         <p:txBody>
           <a:bodyPr/>
           <a:lstStyle/>
           <a:p>
+            <a:pPr>
+              <a:defRPr/>
+            </a:pPr>
             <a:fld id="{76969C88-B244-455D-A017-012B25B1ACDD}" type="datetimeFigureOut">
-              <a:rPr lang="en-US" smtClean="0"/>
-              <a:t>4/5/22</a:t>
+              <a:rPr lang="en-US"/>
+              <a:t/>
             </a:fld>
             <a:endParaRPr lang="en-US"/>
           </a:p>
@@ -2232,64 +1899,53 @@
       </p:sp>
       <p:sp>
         <p:nvSpPr>
-          <p:cNvPr id="4" name="Footer Placeholder 3">
-            <a:extLst>
-              <a:ext uri="{FF2B5EF4-FFF2-40B4-BE49-F238E27FC236}">
-                <a16:creationId xmlns:a16="http://schemas.microsoft.com/office/drawing/2014/main" id="{66EB1C88-D181-449C-9BE1-E85068C1883C}"/>
-              </a:ext>
-            </a:extLst>
-          </p:cNvPr>
-          <p:cNvSpPr>
-            <a:spLocks noGrp="1"/>
-          </p:cNvSpPr>
-          <p:nvPr>
-            <p:ph type="ftr" sz="quarter" idx="11"/>
-          </p:nvPr>
-        </p:nvSpPr>
-        <p:spPr/>
+          <p:cNvPr id="4" name="Footer Placeholder 3" hidden="0"/>
+          <p:cNvSpPr>
+            <a:spLocks noGrp="1"/>
+          </p:cNvSpPr>
+          <p:nvPr isPhoto="0" userDrawn="0">
+            <p:ph type="ftr" sz="quarter" idx="11" hasCustomPrompt="0"/>
+          </p:nvPr>
+        </p:nvSpPr>
+        <p:spPr bwMode="auto"/>
         <p:txBody>
           <a:bodyPr/>
           <a:lstStyle/>
           <a:p>
+            <a:pPr>
+              <a:defRPr/>
+            </a:pPr>
             <a:endParaRPr lang="en-US"/>
           </a:p>
         </p:txBody>
       </p:sp>
       <p:sp>
         <p:nvSpPr>
-          <p:cNvPr id="5" name="Slide Number Placeholder 4">
-            <a:extLst>
-              <a:ext uri="{FF2B5EF4-FFF2-40B4-BE49-F238E27FC236}">
-                <a16:creationId xmlns:a16="http://schemas.microsoft.com/office/drawing/2014/main" id="{EB38A2C9-E93B-4F0A-A021-9E3AEBC3FA88}"/>
-              </a:ext>
-            </a:extLst>
-          </p:cNvPr>
-          <p:cNvSpPr>
-            <a:spLocks noGrp="1"/>
-          </p:cNvSpPr>
-          <p:nvPr>
-            <p:ph type="sldNum" sz="quarter" idx="12"/>
-          </p:nvPr>
-        </p:nvSpPr>
-        <p:spPr/>
+          <p:cNvPr id="5" name="Slide Number Placeholder 4" hidden="0"/>
+          <p:cNvSpPr>
+            <a:spLocks noGrp="1"/>
+          </p:cNvSpPr>
+          <p:nvPr isPhoto="0" userDrawn="0">
+            <p:ph type="sldNum" sz="quarter" idx="12" hasCustomPrompt="0"/>
+          </p:nvPr>
+        </p:nvSpPr>
+        <p:spPr bwMode="auto"/>
         <p:txBody>
           <a:bodyPr/>
           <a:lstStyle/>
           <a:p>
+            <a:pPr>
+              <a:defRPr/>
+            </a:pPr>
             <a:fld id="{07CE569E-9B7C-4CB9-AB80-C0841F922CFF}" type="slidenum">
-              <a:rPr lang="en-US" smtClean="0"/>
-              <a:t>‹nº›</a:t>
+              <a:rPr lang="en-US"/>
+              <a:t/>
             </a:fld>
             <a:endParaRPr lang="en-US"/>
           </a:p>
         </p:txBody>
       </p:sp>
     </p:spTree>
-    <p:extLst>
-      <p:ext uri="{BB962C8B-B14F-4D97-AF65-F5344CB8AC3E}">
-        <p14:creationId xmlns:p14="http://schemas.microsoft.com/office/powerpoint/2010/main" val="793381652"/>
-      </p:ext>
-    </p:extLst>
   </p:cSld>
   <p:clrMapOvr>
     <a:masterClrMapping/>
@@ -2298,15 +1954,15 @@
 </file>
 
 <file path=ppt/slideLayouts/slideLayout7.xml><?xml version="1.0" encoding="utf-8"?>
-<p:sldLayout xmlns:a="http://schemas.openxmlformats.org/drawingml/2006/main" xmlns:r="http://schemas.openxmlformats.org/officeDocument/2006/relationships" xmlns:p="http://schemas.openxmlformats.org/presentationml/2006/main" type="blank" preserve="1">
+<p:sldLayout xmlns:a="http://schemas.openxmlformats.org/drawingml/2006/main" xmlns:r="http://schemas.openxmlformats.org/officeDocument/2006/relationships" xmlns:p="http://schemas.openxmlformats.org/presentationml/2006/main" xmlns:m="http://schemas.openxmlformats.org/officeDocument/2006/math" xmlns:w="http://schemas.openxmlformats.org/wordprocessingml/2006/main" matchingName="" preserve="1" showMasterPhAnim="0" type="blank" userDrawn="1">
   <p:cSld name="Blank">
     <p:spTree>
       <p:nvGrpSpPr>
-        <p:cNvPr id="1" name=""/>
+        <p:cNvPr id="1" name="" hidden="0"/>
         <p:cNvGrpSpPr/>
-        <p:nvPr/>
+        <p:nvPr isPhoto="0" userDrawn="0"/>
       </p:nvGrpSpPr>
-      <p:grpSpPr>
+      <p:grpSpPr bwMode="auto">
         <a:xfrm>
           <a:off x="0" y="0"/>
           <a:ext cx="0" cy="0"/>
@@ -2316,28 +1972,25 @@
       </p:grpSpPr>
       <p:sp>
         <p:nvSpPr>
-          <p:cNvPr id="2" name="Date Placeholder 1">
-            <a:extLst>
-              <a:ext uri="{FF2B5EF4-FFF2-40B4-BE49-F238E27FC236}">
-                <a16:creationId xmlns:a16="http://schemas.microsoft.com/office/drawing/2014/main" id="{F00AE8D9-9B42-438E-ADA6-CCFE45788460}"/>
-              </a:ext>
-            </a:extLst>
-          </p:cNvPr>
-          <p:cNvSpPr>
-            <a:spLocks noGrp="1"/>
-          </p:cNvSpPr>
-          <p:nvPr>
-            <p:ph type="dt" sz="half" idx="10"/>
-          </p:nvPr>
-        </p:nvSpPr>
-        <p:spPr/>
+          <p:cNvPr id="2" name="Date Placeholder 1" hidden="0"/>
+          <p:cNvSpPr>
+            <a:spLocks noGrp="1"/>
+          </p:cNvSpPr>
+          <p:nvPr isPhoto="0" userDrawn="0">
+            <p:ph type="dt" sz="half" idx="10" hasCustomPrompt="0"/>
+          </p:nvPr>
+        </p:nvSpPr>
+        <p:spPr bwMode="auto"/>
         <p:txBody>
           <a:bodyPr/>
           <a:lstStyle/>
           <a:p>
+            <a:pPr>
+              <a:defRPr/>
+            </a:pPr>
             <a:fld id="{76969C88-B244-455D-A017-012B25B1ACDD}" type="datetimeFigureOut">
-              <a:rPr lang="en-US" smtClean="0"/>
-              <a:t>4/5/22</a:t>
+              <a:rPr lang="en-US"/>
+              <a:t/>
             </a:fld>
             <a:endParaRPr lang="en-US"/>
           </a:p>
@@ -2345,64 +1998,53 @@
       </p:sp>
       <p:sp>
         <p:nvSpPr>
-          <p:cNvPr id="3" name="Footer Placeholder 2">
-            <a:extLst>
-              <a:ext uri="{FF2B5EF4-FFF2-40B4-BE49-F238E27FC236}">
-                <a16:creationId xmlns:a16="http://schemas.microsoft.com/office/drawing/2014/main" id="{C4F792B9-A8AF-4E13-8A25-741E89691EFA}"/>
-              </a:ext>
-            </a:extLst>
-          </p:cNvPr>
-          <p:cNvSpPr>
-            <a:spLocks noGrp="1"/>
-          </p:cNvSpPr>
-          <p:nvPr>
-            <p:ph type="ftr" sz="quarter" idx="11"/>
-          </p:nvPr>
-        </p:nvSpPr>
-        <p:spPr/>
+          <p:cNvPr id="3" name="Footer Placeholder 2" hidden="0"/>
+          <p:cNvSpPr>
+            <a:spLocks noGrp="1"/>
+          </p:cNvSpPr>
+          <p:nvPr isPhoto="0" userDrawn="0">
+            <p:ph type="ftr" sz="quarter" idx="11" hasCustomPrompt="0"/>
+          </p:nvPr>
+        </p:nvSpPr>
+        <p:spPr bwMode="auto"/>
         <p:txBody>
           <a:bodyPr/>
           <a:lstStyle/>
           <a:p>
+            <a:pPr>
+              <a:defRPr/>
+            </a:pPr>
             <a:endParaRPr lang="en-US"/>
           </a:p>
         </p:txBody>
       </p:sp>
       <p:sp>
         <p:nvSpPr>
-          <p:cNvPr id="4" name="Slide Number Placeholder 3">
-            <a:extLst>
-              <a:ext uri="{FF2B5EF4-FFF2-40B4-BE49-F238E27FC236}">
-                <a16:creationId xmlns:a16="http://schemas.microsoft.com/office/drawing/2014/main" id="{533A2CF6-DBC5-4491-B213-B3CD09D3130C}"/>
-              </a:ext>
-            </a:extLst>
-          </p:cNvPr>
-          <p:cNvSpPr>
-            <a:spLocks noGrp="1"/>
-          </p:cNvSpPr>
-          <p:nvPr>
-            <p:ph type="sldNum" sz="quarter" idx="12"/>
-          </p:nvPr>
-        </p:nvSpPr>
-        <p:spPr/>
+          <p:cNvPr id="4" name="Slide Number Placeholder 3" hidden="0"/>
+          <p:cNvSpPr>
+            <a:spLocks noGrp="1"/>
+          </p:cNvSpPr>
+          <p:nvPr isPhoto="0" userDrawn="0">
+            <p:ph type="sldNum" sz="quarter" idx="12" hasCustomPrompt="0"/>
+          </p:nvPr>
+        </p:nvSpPr>
+        <p:spPr bwMode="auto"/>
         <p:txBody>
           <a:bodyPr/>
           <a:lstStyle/>
           <a:p>
+            <a:pPr>
+              <a:defRPr/>
+            </a:pPr>
             <a:fld id="{07CE569E-9B7C-4CB9-AB80-C0841F922CFF}" type="slidenum">
-              <a:rPr lang="en-US" smtClean="0"/>
-              <a:t>‹nº›</a:t>
+              <a:rPr lang="en-US"/>
+              <a:t/>
             </a:fld>
             <a:endParaRPr lang="en-US"/>
           </a:p>
         </p:txBody>
       </p:sp>
     </p:spTree>
-    <p:extLst>
-      <p:ext uri="{BB962C8B-B14F-4D97-AF65-F5344CB8AC3E}">
-        <p14:creationId xmlns:p14="http://schemas.microsoft.com/office/powerpoint/2010/main" val="2650310477"/>
-      </p:ext>
-    </p:extLst>
   </p:cSld>
   <p:clrMapOvr>
     <a:masterClrMapping/>
@@ -2411,15 +2053,15 @@
 </file>
 
 <file path=ppt/slideLayouts/slideLayout8.xml><?xml version="1.0" encoding="utf-8"?>
-<p:sldLayout xmlns:a="http://schemas.openxmlformats.org/drawingml/2006/main" xmlns:r="http://schemas.openxmlformats.org/officeDocument/2006/relationships" xmlns:p="http://schemas.openxmlformats.org/presentationml/2006/main" type="objTx" preserve="1">
+<p:sldLayout xmlns:a="http://schemas.openxmlformats.org/drawingml/2006/main" xmlns:r="http://schemas.openxmlformats.org/officeDocument/2006/relationships" xmlns:p="http://schemas.openxmlformats.org/presentationml/2006/main" xmlns:m="http://schemas.openxmlformats.org/officeDocument/2006/math" xmlns:w="http://schemas.openxmlformats.org/wordprocessingml/2006/main" matchingName="" preserve="1" showMasterPhAnim="0" type="objTx" userDrawn="1">
   <p:cSld name="Content with Caption">
     <p:spTree>
       <p:nvGrpSpPr>
-        <p:cNvPr id="1" name=""/>
+        <p:cNvPr id="1" name="" hidden="0"/>
         <p:cNvGrpSpPr/>
-        <p:nvPr/>
+        <p:nvPr isPhoto="0" userDrawn="0"/>
       </p:nvGrpSpPr>
-      <p:grpSpPr>
+      <p:grpSpPr bwMode="auto">
         <a:xfrm>
           <a:off x="0" y="0"/>
           <a:ext cx="0" cy="0"/>
@@ -2429,21 +2071,15 @@
       </p:grpSpPr>
       <p:sp>
         <p:nvSpPr>
-          <p:cNvPr id="2" name="Title 1">
-            <a:extLst>
-              <a:ext uri="{FF2B5EF4-FFF2-40B4-BE49-F238E27FC236}">
-                <a16:creationId xmlns:a16="http://schemas.microsoft.com/office/drawing/2014/main" id="{89727076-58C8-494C-B6B1-DC86F62DDC24}"/>
-              </a:ext>
-            </a:extLst>
-          </p:cNvPr>
-          <p:cNvSpPr>
-            <a:spLocks noGrp="1"/>
-          </p:cNvSpPr>
-          <p:nvPr>
-            <p:ph type="title"/>
-          </p:nvPr>
-        </p:nvSpPr>
-        <p:spPr>
+          <p:cNvPr id="2" name="Title 1" hidden="0"/>
+          <p:cNvSpPr>
+            <a:spLocks noGrp="1"/>
+          </p:cNvSpPr>
+          <p:nvPr isPhoto="0" userDrawn="0">
+            <p:ph type="title" hasCustomPrompt="0"/>
+          </p:nvPr>
+        </p:nvSpPr>
+        <p:spPr bwMode="auto">
           <a:xfrm>
             <a:off x="762000" y="761998"/>
             <a:ext cx="3810000" cy="1524002"/>
@@ -2457,31 +2093,28 @@
             </a:lvl1pPr>
           </a:lstStyle>
           <a:p>
+            <a:pPr>
+              <a:defRPr/>
+            </a:pPr>
             <a:r>
               <a:rPr lang="en-US"/>
               <a:t>Click to edit Master title style</a:t>
             </a:r>
-            <a:endParaRPr lang="en-US" dirty="0"/>
-          </a:p>
-        </p:txBody>
-      </p:sp>
-      <p:sp>
-        <p:nvSpPr>
-          <p:cNvPr id="3" name="Content Placeholder 2">
-            <a:extLst>
-              <a:ext uri="{FF2B5EF4-FFF2-40B4-BE49-F238E27FC236}">
-                <a16:creationId xmlns:a16="http://schemas.microsoft.com/office/drawing/2014/main" id="{49F29E36-0340-452F-8D0A-1BC3F3A388CF}"/>
-              </a:ext>
-            </a:extLst>
-          </p:cNvPr>
-          <p:cNvSpPr>
-            <a:spLocks noGrp="1"/>
-          </p:cNvSpPr>
-          <p:nvPr>
-            <p:ph idx="1"/>
-          </p:nvPr>
-        </p:nvSpPr>
-        <p:spPr>
+            <a:endParaRPr lang="en-US"/>
+          </a:p>
+        </p:txBody>
+      </p:sp>
+      <p:sp>
+        <p:nvSpPr>
+          <p:cNvPr id="3" name="Content Placeholder 2" hidden="0"/>
+          <p:cNvSpPr>
+            <a:spLocks noGrp="1"/>
+          </p:cNvSpPr>
+          <p:nvPr isPhoto="0" userDrawn="0">
+            <p:ph idx="1" hasCustomPrompt="0"/>
+          </p:nvPr>
+        </p:nvSpPr>
+        <p:spPr bwMode="auto">
           <a:xfrm>
             <a:off x="5334000" y="762001"/>
             <a:ext cx="6096000" cy="5334000"/>
@@ -2519,59 +2152,68 @@
             </a:lvl9pPr>
           </a:lstStyle>
           <a:p>
-            <a:pPr lvl="0"/>
+            <a:pPr lvl="0">
+              <a:defRPr/>
+            </a:pPr>
             <a:r>
               <a:rPr lang="en-US"/>
               <a:t>Click to edit Master text styles</a:t>
             </a:r>
-          </a:p>
-          <a:p>
-            <a:pPr lvl="1"/>
+            <a:endParaRPr/>
+          </a:p>
+          <a:p>
+            <a:pPr lvl="1">
+              <a:defRPr/>
+            </a:pPr>
             <a:r>
               <a:rPr lang="en-US"/>
               <a:t>Second level</a:t>
             </a:r>
-          </a:p>
-          <a:p>
-            <a:pPr lvl="2"/>
+            <a:endParaRPr/>
+          </a:p>
+          <a:p>
+            <a:pPr lvl="2">
+              <a:defRPr/>
+            </a:pPr>
             <a:r>
               <a:rPr lang="en-US"/>
               <a:t>Third level</a:t>
             </a:r>
-          </a:p>
-          <a:p>
-            <a:pPr lvl="3"/>
+            <a:endParaRPr/>
+          </a:p>
+          <a:p>
+            <a:pPr lvl="3">
+              <a:defRPr/>
+            </a:pPr>
             <a:r>
               <a:rPr lang="en-US"/>
               <a:t>Fourth level</a:t>
             </a:r>
-          </a:p>
-          <a:p>
-            <a:pPr lvl="4"/>
+            <a:endParaRPr/>
+          </a:p>
+          <a:p>
+            <a:pPr lvl="4">
+              <a:defRPr/>
+            </a:pPr>
             <a:r>
               <a:rPr lang="en-US"/>
               <a:t>Fifth level</a:t>
             </a:r>
-          </a:p>
-        </p:txBody>
-      </p:sp>
-      <p:sp>
-        <p:nvSpPr>
-          <p:cNvPr id="4" name="Text Placeholder 3">
-            <a:extLst>
-              <a:ext uri="{FF2B5EF4-FFF2-40B4-BE49-F238E27FC236}">
-                <a16:creationId xmlns:a16="http://schemas.microsoft.com/office/drawing/2014/main" id="{4A051C2E-E587-45E8-BDB1-DFF2F2791BF6}"/>
-              </a:ext>
-            </a:extLst>
-          </p:cNvPr>
-          <p:cNvSpPr>
-            <a:spLocks noGrp="1"/>
-          </p:cNvSpPr>
-          <p:nvPr>
-            <p:ph type="body" sz="half" idx="2"/>
-          </p:nvPr>
-        </p:nvSpPr>
-        <p:spPr>
+            <a:endParaRPr/>
+          </a:p>
+        </p:txBody>
+      </p:sp>
+      <p:sp>
+        <p:nvSpPr>
+          <p:cNvPr id="4" name="Text Placeholder 3" hidden="0"/>
+          <p:cNvSpPr>
+            <a:spLocks noGrp="1"/>
+          </p:cNvSpPr>
+          <p:nvPr isPhoto="0" userDrawn="0">
+            <p:ph type="body" sz="half" idx="2" hasCustomPrompt="0"/>
+          </p:nvPr>
+        </p:nvSpPr>
+        <p:spPr bwMode="auto">
           <a:xfrm>
             <a:off x="762000" y="2286000"/>
             <a:ext cx="3810000" cy="3810001"/>
@@ -2618,38 +2260,38 @@
             </a:lvl9pPr>
           </a:lstStyle>
           <a:p>
-            <a:pPr lvl="0"/>
+            <a:pPr lvl="0">
+              <a:defRPr/>
+            </a:pPr>
             <a:r>
               <a:rPr lang="en-US"/>
               <a:t>Click to edit Master text styles</a:t>
             </a:r>
-          </a:p>
-        </p:txBody>
-      </p:sp>
-      <p:sp>
-        <p:nvSpPr>
-          <p:cNvPr id="5" name="Date Placeholder 4">
-            <a:extLst>
-              <a:ext uri="{FF2B5EF4-FFF2-40B4-BE49-F238E27FC236}">
-                <a16:creationId xmlns:a16="http://schemas.microsoft.com/office/drawing/2014/main" id="{7821D993-DEDD-470E-B48B-CB053A55A119}"/>
-              </a:ext>
-            </a:extLst>
-          </p:cNvPr>
-          <p:cNvSpPr>
-            <a:spLocks noGrp="1"/>
-          </p:cNvSpPr>
-          <p:nvPr>
-            <p:ph type="dt" sz="half" idx="10"/>
-          </p:nvPr>
-        </p:nvSpPr>
-        <p:spPr/>
+            <a:endParaRPr/>
+          </a:p>
+        </p:txBody>
+      </p:sp>
+      <p:sp>
+        <p:nvSpPr>
+          <p:cNvPr id="5" name="Date Placeholder 4" hidden="0"/>
+          <p:cNvSpPr>
+            <a:spLocks noGrp="1"/>
+          </p:cNvSpPr>
+          <p:nvPr isPhoto="0" userDrawn="0">
+            <p:ph type="dt" sz="half" idx="10" hasCustomPrompt="0"/>
+          </p:nvPr>
+        </p:nvSpPr>
+        <p:spPr bwMode="auto"/>
         <p:txBody>
           <a:bodyPr/>
           <a:lstStyle/>
           <a:p>
+            <a:pPr>
+              <a:defRPr/>
+            </a:pPr>
             <a:fld id="{76969C88-B244-455D-A017-012B25B1ACDD}" type="datetimeFigureOut">
-              <a:rPr lang="en-US" smtClean="0"/>
-              <a:t>4/5/22</a:t>
+              <a:rPr lang="en-US"/>
+              <a:t/>
             </a:fld>
             <a:endParaRPr lang="en-US"/>
           </a:p>
@@ -2657,64 +2299,53 @@
       </p:sp>
       <p:sp>
         <p:nvSpPr>
-          <p:cNvPr id="6" name="Footer Placeholder 5">
-            <a:extLst>
-              <a:ext uri="{FF2B5EF4-FFF2-40B4-BE49-F238E27FC236}">
-                <a16:creationId xmlns:a16="http://schemas.microsoft.com/office/drawing/2014/main" id="{67926C64-7401-4CA4-859F-74472AF869C6}"/>
-              </a:ext>
-            </a:extLst>
-          </p:cNvPr>
-          <p:cNvSpPr>
-            <a:spLocks noGrp="1"/>
-          </p:cNvSpPr>
-          <p:nvPr>
-            <p:ph type="ftr" sz="quarter" idx="11"/>
-          </p:nvPr>
-        </p:nvSpPr>
-        <p:spPr/>
+          <p:cNvPr id="6" name="Footer Placeholder 5" hidden="0"/>
+          <p:cNvSpPr>
+            <a:spLocks noGrp="1"/>
+          </p:cNvSpPr>
+          <p:nvPr isPhoto="0" userDrawn="0">
+            <p:ph type="ftr" sz="quarter" idx="11" hasCustomPrompt="0"/>
+          </p:nvPr>
+        </p:nvSpPr>
+        <p:spPr bwMode="auto"/>
         <p:txBody>
           <a:bodyPr/>
           <a:lstStyle/>
           <a:p>
+            <a:pPr>
+              <a:defRPr/>
+            </a:pPr>
             <a:endParaRPr lang="en-US"/>
           </a:p>
         </p:txBody>
       </p:sp>
       <p:sp>
         <p:nvSpPr>
-          <p:cNvPr id="7" name="Slide Number Placeholder 6">
-            <a:extLst>
-              <a:ext uri="{FF2B5EF4-FFF2-40B4-BE49-F238E27FC236}">
-                <a16:creationId xmlns:a16="http://schemas.microsoft.com/office/drawing/2014/main" id="{F0108F41-F1F6-431C-9B45-8A447F188CB8}"/>
-              </a:ext>
-            </a:extLst>
-          </p:cNvPr>
-          <p:cNvSpPr>
-            <a:spLocks noGrp="1"/>
-          </p:cNvSpPr>
-          <p:nvPr>
-            <p:ph type="sldNum" sz="quarter" idx="12"/>
-          </p:nvPr>
-        </p:nvSpPr>
-        <p:spPr/>
+          <p:cNvPr id="7" name="Slide Number Placeholder 6" hidden="0"/>
+          <p:cNvSpPr>
+            <a:spLocks noGrp="1"/>
+          </p:cNvSpPr>
+          <p:nvPr isPhoto="0" userDrawn="0">
+            <p:ph type="sldNum" sz="quarter" idx="12" hasCustomPrompt="0"/>
+          </p:nvPr>
+        </p:nvSpPr>
+        <p:spPr bwMode="auto"/>
         <p:txBody>
           <a:bodyPr/>
           <a:lstStyle/>
           <a:p>
+            <a:pPr>
+              <a:defRPr/>
+            </a:pPr>
             <a:fld id="{07CE569E-9B7C-4CB9-AB80-C0841F922CFF}" type="slidenum">
-              <a:rPr lang="en-US" smtClean="0"/>
-              <a:t>‹nº›</a:t>
+              <a:rPr lang="en-US"/>
+              <a:t/>
             </a:fld>
             <a:endParaRPr lang="en-US"/>
           </a:p>
         </p:txBody>
       </p:sp>
     </p:spTree>
-    <p:extLst>
-      <p:ext uri="{BB962C8B-B14F-4D97-AF65-F5344CB8AC3E}">
-        <p14:creationId xmlns:p14="http://schemas.microsoft.com/office/powerpoint/2010/main" val="313425171"/>
-      </p:ext>
-    </p:extLst>
   </p:cSld>
   <p:clrMapOvr>
     <a:masterClrMapping/>
@@ -2723,15 +2354,15 @@
 </file>
 
 <file path=ppt/slideLayouts/slideLayout9.xml><?xml version="1.0" encoding="utf-8"?>
-<p:sldLayout xmlns:a="http://schemas.openxmlformats.org/drawingml/2006/main" xmlns:r="http://schemas.openxmlformats.org/officeDocument/2006/relationships" xmlns:p="http://schemas.openxmlformats.org/presentationml/2006/main" type="picTx" preserve="1">
+<p:sldLayout xmlns:a="http://schemas.openxmlformats.org/drawingml/2006/main" xmlns:r="http://schemas.openxmlformats.org/officeDocument/2006/relationships" xmlns:p="http://schemas.openxmlformats.org/presentationml/2006/main" xmlns:m="http://schemas.openxmlformats.org/officeDocument/2006/math" xmlns:w="http://schemas.openxmlformats.org/wordprocessingml/2006/main" matchingName="" preserve="1" showMasterPhAnim="0" type="picTx" userDrawn="1">
   <p:cSld name="Picture with Caption">
     <p:spTree>
       <p:nvGrpSpPr>
-        <p:cNvPr id="1" name=""/>
+        <p:cNvPr id="1" name="" hidden="0"/>
         <p:cNvGrpSpPr/>
-        <p:nvPr/>
+        <p:nvPr isPhoto="0" userDrawn="0"/>
       </p:nvGrpSpPr>
-      <p:grpSpPr>
+      <p:grpSpPr bwMode="auto">
         <a:xfrm>
           <a:off x="0" y="0"/>
           <a:ext cx="0" cy="0"/>
@@ -2741,21 +2372,15 @@
       </p:grpSpPr>
       <p:sp>
         <p:nvSpPr>
-          <p:cNvPr id="2" name="Title 1">
-            <a:extLst>
-              <a:ext uri="{FF2B5EF4-FFF2-40B4-BE49-F238E27FC236}">
-                <a16:creationId xmlns:a16="http://schemas.microsoft.com/office/drawing/2014/main" id="{2BE104FB-422C-4023-9381-EB12F1582D44}"/>
-              </a:ext>
-            </a:extLst>
-          </p:cNvPr>
-          <p:cNvSpPr>
-            <a:spLocks noGrp="1"/>
-          </p:cNvSpPr>
-          <p:nvPr>
-            <p:ph type="title"/>
-          </p:nvPr>
-        </p:nvSpPr>
-        <p:spPr>
+          <p:cNvPr id="2" name="Title 1" hidden="0"/>
+          <p:cNvSpPr>
+            <a:spLocks noGrp="1"/>
+          </p:cNvSpPr>
+          <p:nvPr isPhoto="0" userDrawn="0">
+            <p:ph type="title" hasCustomPrompt="0"/>
+          </p:nvPr>
+        </p:nvSpPr>
+        <p:spPr bwMode="auto">
           <a:xfrm>
             <a:off x="762001" y="762000"/>
             <a:ext cx="3809999" cy="1524000"/>
@@ -2769,30 +2394,28 @@
             </a:lvl1pPr>
           </a:lstStyle>
           <a:p>
+            <a:pPr>
+              <a:defRPr/>
+            </a:pPr>
             <a:r>
               <a:rPr lang="en-US"/>
               <a:t>Click to edit Master title style</a:t>
             </a:r>
-          </a:p>
-        </p:txBody>
-      </p:sp>
-      <p:sp>
-        <p:nvSpPr>
-          <p:cNvPr id="3" name="Picture Placeholder 2">
-            <a:extLst>
-              <a:ext uri="{FF2B5EF4-FFF2-40B4-BE49-F238E27FC236}">
-                <a16:creationId xmlns:a16="http://schemas.microsoft.com/office/drawing/2014/main" id="{14DBA3AA-DE44-4B1F-91D1-09F67B89B941}"/>
-              </a:ext>
-            </a:extLst>
-          </p:cNvPr>
-          <p:cNvSpPr>
-            <a:spLocks noGrp="1"/>
-          </p:cNvSpPr>
-          <p:nvPr>
-            <p:ph type="pic" idx="1"/>
-          </p:nvPr>
-        </p:nvSpPr>
-        <p:spPr>
+            <a:endParaRPr/>
+          </a:p>
+        </p:txBody>
+      </p:sp>
+      <p:sp>
+        <p:nvSpPr>
+          <p:cNvPr id="3" name="Picture Placeholder 2" hidden="0"/>
+          <p:cNvSpPr>
+            <a:spLocks noGrp="1"/>
+          </p:cNvSpPr>
+          <p:nvPr isPhoto="0" userDrawn="0">
+            <p:ph type="pic" idx="1" hasCustomPrompt="0"/>
+          </p:nvPr>
+        </p:nvSpPr>
+        <p:spPr bwMode="auto">
           <a:xfrm>
             <a:off x="5334000" y="762001"/>
             <a:ext cx="6021388" cy="5334000"/>
@@ -2839,30 +2462,28 @@
             </a:lvl9pPr>
           </a:lstStyle>
           <a:p>
+            <a:pPr>
+              <a:defRPr/>
+            </a:pPr>
             <a:r>
               <a:rPr lang="en-US"/>
               <a:t>Click icon to add picture</a:t>
             </a:r>
-          </a:p>
-        </p:txBody>
-      </p:sp>
-      <p:sp>
-        <p:nvSpPr>
-          <p:cNvPr id="4" name="Text Placeholder 3">
-            <a:extLst>
-              <a:ext uri="{FF2B5EF4-FFF2-40B4-BE49-F238E27FC236}">
-                <a16:creationId xmlns:a16="http://schemas.microsoft.com/office/drawing/2014/main" id="{4A27B131-5117-4106-80DB-2AB208C4C953}"/>
-              </a:ext>
-            </a:extLst>
-          </p:cNvPr>
-          <p:cNvSpPr>
-            <a:spLocks noGrp="1"/>
-          </p:cNvSpPr>
-          <p:nvPr>
-            <p:ph type="body" sz="half" idx="2"/>
-          </p:nvPr>
-        </p:nvSpPr>
-        <p:spPr>
+            <a:endParaRPr/>
+          </a:p>
+        </p:txBody>
+      </p:sp>
+      <p:sp>
+        <p:nvSpPr>
+          <p:cNvPr id="4" name="Text Placeholder 3" hidden="0"/>
+          <p:cNvSpPr>
+            <a:spLocks noGrp="1"/>
+          </p:cNvSpPr>
+          <p:nvPr isPhoto="0" userDrawn="0">
+            <p:ph type="body" sz="half" idx="2" hasCustomPrompt="0"/>
+          </p:nvPr>
+        </p:nvSpPr>
+        <p:spPr bwMode="auto">
           <a:xfrm>
             <a:off x="762001" y="2286000"/>
             <a:ext cx="3809999" cy="3810000"/>
@@ -2909,38 +2530,38 @@
             </a:lvl9pPr>
           </a:lstStyle>
           <a:p>
-            <a:pPr lvl="0"/>
+            <a:pPr lvl="0">
+              <a:defRPr/>
+            </a:pPr>
             <a:r>
               <a:rPr lang="en-US"/>
               <a:t>Click to edit Master text styles</a:t>
             </a:r>
-          </a:p>
-        </p:txBody>
-      </p:sp>
-      <p:sp>
-        <p:nvSpPr>
-          <p:cNvPr id="5" name="Date Placeholder 4">
-            <a:extLst>
-              <a:ext uri="{FF2B5EF4-FFF2-40B4-BE49-F238E27FC236}">
-                <a16:creationId xmlns:a16="http://schemas.microsoft.com/office/drawing/2014/main" id="{1C13918A-7F23-4C72-8E80-591324A3046C}"/>
-              </a:ext>
-            </a:extLst>
-          </p:cNvPr>
-          <p:cNvSpPr>
-            <a:spLocks noGrp="1"/>
-          </p:cNvSpPr>
-          <p:nvPr>
-            <p:ph type="dt" sz="half" idx="10"/>
-          </p:nvPr>
-        </p:nvSpPr>
-        <p:spPr/>
+            <a:endParaRPr/>
+          </a:p>
+        </p:txBody>
+      </p:sp>
+      <p:sp>
+        <p:nvSpPr>
+          <p:cNvPr id="5" name="Date Placeholder 4" hidden="0"/>
+          <p:cNvSpPr>
+            <a:spLocks noGrp="1"/>
+          </p:cNvSpPr>
+          <p:nvPr isPhoto="0" userDrawn="0">
+            <p:ph type="dt" sz="half" idx="10" hasCustomPrompt="0"/>
+          </p:nvPr>
+        </p:nvSpPr>
+        <p:spPr bwMode="auto"/>
         <p:txBody>
           <a:bodyPr/>
           <a:lstStyle/>
           <a:p>
+            <a:pPr>
+              <a:defRPr/>
+            </a:pPr>
             <a:fld id="{76969C88-B244-455D-A017-012B25B1ACDD}" type="datetimeFigureOut">
-              <a:rPr lang="en-US" smtClean="0"/>
-              <a:t>4/5/22</a:t>
+              <a:rPr lang="en-US"/>
+              <a:t/>
             </a:fld>
             <a:endParaRPr lang="en-US"/>
           </a:p>
@@ -2948,64 +2569,53 @@
       </p:sp>
       <p:sp>
         <p:nvSpPr>
-          <p:cNvPr id="6" name="Footer Placeholder 5">
-            <a:extLst>
-              <a:ext uri="{FF2B5EF4-FFF2-40B4-BE49-F238E27FC236}">
-                <a16:creationId xmlns:a16="http://schemas.microsoft.com/office/drawing/2014/main" id="{181071C8-76FE-4B83-8317-BD53C7C844C2}"/>
-              </a:ext>
-            </a:extLst>
-          </p:cNvPr>
-          <p:cNvSpPr>
-            <a:spLocks noGrp="1"/>
-          </p:cNvSpPr>
-          <p:nvPr>
-            <p:ph type="ftr" sz="quarter" idx="11"/>
-          </p:nvPr>
-        </p:nvSpPr>
-        <p:spPr/>
+          <p:cNvPr id="6" name="Footer Placeholder 5" hidden="0"/>
+          <p:cNvSpPr>
+            <a:spLocks noGrp="1"/>
+          </p:cNvSpPr>
+          <p:nvPr isPhoto="0" userDrawn="0">
+            <p:ph type="ftr" sz="quarter" idx="11" hasCustomPrompt="0"/>
+          </p:nvPr>
+        </p:nvSpPr>
+        <p:spPr bwMode="auto"/>
         <p:txBody>
           <a:bodyPr/>
           <a:lstStyle/>
           <a:p>
+            <a:pPr>
+              <a:defRPr/>
+            </a:pPr>
             <a:endParaRPr lang="en-US"/>
           </a:p>
         </p:txBody>
       </p:sp>
       <p:sp>
         <p:nvSpPr>
-          <p:cNvPr id="7" name="Slide Number Placeholder 6">
-            <a:extLst>
-              <a:ext uri="{FF2B5EF4-FFF2-40B4-BE49-F238E27FC236}">
-                <a16:creationId xmlns:a16="http://schemas.microsoft.com/office/drawing/2014/main" id="{3623681A-6F29-48FC-9409-319ED3E96635}"/>
-              </a:ext>
-            </a:extLst>
-          </p:cNvPr>
-          <p:cNvSpPr>
-            <a:spLocks noGrp="1"/>
-          </p:cNvSpPr>
-          <p:nvPr>
-            <p:ph type="sldNum" sz="quarter" idx="12"/>
-          </p:nvPr>
-        </p:nvSpPr>
-        <p:spPr/>
+          <p:cNvPr id="7" name="Slide Number Placeholder 6" hidden="0"/>
+          <p:cNvSpPr>
+            <a:spLocks noGrp="1"/>
+          </p:cNvSpPr>
+          <p:nvPr isPhoto="0" userDrawn="0">
+            <p:ph type="sldNum" sz="quarter" idx="12" hasCustomPrompt="0"/>
+          </p:nvPr>
+        </p:nvSpPr>
+        <p:spPr bwMode="auto"/>
         <p:txBody>
           <a:bodyPr/>
           <a:lstStyle/>
           <a:p>
+            <a:pPr>
+              <a:defRPr/>
+            </a:pPr>
             <a:fld id="{07CE569E-9B7C-4CB9-AB80-C0841F922CFF}" type="slidenum">
-              <a:rPr lang="en-US" smtClean="0"/>
-              <a:t>‹nº›</a:t>
+              <a:rPr lang="en-US"/>
+              <a:t/>
             </a:fld>
             <a:endParaRPr lang="en-US"/>
           </a:p>
         </p:txBody>
       </p:sp>
     </p:spTree>
-    <p:extLst>
-      <p:ext uri="{BB962C8B-B14F-4D97-AF65-F5344CB8AC3E}">
-        <p14:creationId xmlns:p14="http://schemas.microsoft.com/office/powerpoint/2010/main" val="2505709371"/>
-      </p:ext>
-    </p:extLst>
   </p:cSld>
   <p:clrMapOvr>
     <a:masterClrMapping/>
@@ -3014,8 +2624,8 @@
 </file>
 
 <file path=ppt/slideMasters/slideMaster1.xml><?xml version="1.0" encoding="utf-8"?>
-<p:sldMaster xmlns:a="http://schemas.openxmlformats.org/drawingml/2006/main" xmlns:r="http://schemas.openxmlformats.org/officeDocument/2006/relationships" xmlns:p="http://schemas.openxmlformats.org/presentationml/2006/main">
-  <p:cSld>
+<p:sldMaster xmlns:a="http://schemas.openxmlformats.org/drawingml/2006/main" xmlns:r="http://schemas.openxmlformats.org/officeDocument/2006/relationships" xmlns:p="http://schemas.openxmlformats.org/presentationml/2006/main" xmlns:m="http://schemas.openxmlformats.org/officeDocument/2006/math" xmlns:w="http://schemas.openxmlformats.org/wordprocessingml/2006/main" preserve="0">
+  <p:cSld name="">
     <p:bg>
       <p:bgRef idx="1001">
         <a:schemeClr val="bg2"/>
@@ -3023,11 +2633,11 @@
     </p:bg>
     <p:spTree>
       <p:nvGrpSpPr>
-        <p:cNvPr id="1" name=""/>
+        <p:cNvPr id="1" name="" hidden="0"/>
         <p:cNvGrpSpPr/>
-        <p:nvPr/>
+        <p:nvPr isPhoto="0" userDrawn="0"/>
       </p:nvGrpSpPr>
-      <p:grpSpPr>
+      <p:grpSpPr bwMode="auto">
         <a:xfrm>
           <a:off x="0" y="0"/>
           <a:ext cx="0" cy="0"/>
@@ -3037,17 +2647,11 @@
       </p:grpSpPr>
       <p:sp>
         <p:nvSpPr>
-          <p:cNvPr id="8" name="Freeform: Shape 7">
-            <a:extLst>
-              <a:ext uri="{FF2B5EF4-FFF2-40B4-BE49-F238E27FC236}">
-                <a16:creationId xmlns:a16="http://schemas.microsoft.com/office/drawing/2014/main" id="{A6EF5A53-0A64-4CA5-B9C7-1CB97CB5CF1C}"/>
-              </a:ext>
-            </a:extLst>
-          </p:cNvPr>
+          <p:cNvPr id="8" name="Freeform: Shape 7" hidden="0"/>
           <p:cNvSpPr/>
-          <p:nvPr/>
-        </p:nvSpPr>
-        <p:spPr>
+          <p:nvPr isPhoto="0" userDrawn="0"/>
+        </p:nvSpPr>
+        <p:spPr bwMode="auto">
           <a:xfrm>
             <a:off x="8157843" y="6244836"/>
             <a:ext cx="4034156" cy="613164"/>
@@ -3111,7 +2715,7 @@
             </a:cxnLst>
             <a:rect l="l" t="t" r="r" b="b"/>
             <a:pathLst>
-              <a:path w="4034156" h="613164">
+              <a:path w="4034156" h="613164" fill="norm" stroke="1" extrusionOk="0">
                 <a:moveTo>
                   <a:pt x="1479137" y="230"/>
                 </a:moveTo>
@@ -3185,7 +2789,7 @@
           </a:bodyPr>
           <a:lstStyle/>
           <a:p>
-            <a:pPr marL="0" marR="0" lvl="0" indent="0" algn="ctr" defTabSz="914400" rtl="0" eaLnBrk="1" fontAlgn="auto" latinLnBrk="0" hangingPunct="1">
+            <a:pPr marL="0" marR="0" lvl="0" indent="0" algn="ctr" defTabSz="914400">
               <a:lnSpc>
                 <a:spcPct val="100000"/>
               </a:lnSpc>
@@ -3199,20 +2803,16 @@
               <a:buSzTx/>
               <a:buFontTx/>
               <a:buNone/>
-              <a:tabLst/>
-              <a:defRPr/>
-            </a:pPr>
-            <a:endParaRPr kumimoji="0" lang="en-US" sz="1500" b="0" i="0" u="none" strike="noStrike" kern="1200" cap="none" spc="0" normalizeH="0" baseline="0" noProof="0">
+              <a:defRPr/>
+            </a:pPr>
+            <a:endParaRPr lang="en-US" sz="1500" b="0" i="0" u="none" strike="noStrike" cap="none" spc="0">
               <a:ln>
                 <a:noFill/>
               </a:ln>
               <a:solidFill>
                 <a:prstClr val="white"/>
               </a:solidFill>
-              <a:effectLst/>
-              <a:uLnTx/>
-              <a:uFillTx/>
-              <a:latin typeface="Avenir Next LT Pro" panose="020B0504020202020204" pitchFamily="34" charset="0"/>
+              <a:latin typeface="Avenir Next LT Pro"/>
               <a:ea typeface="+mn-ea"/>
               <a:cs typeface="+mn-cs"/>
             </a:endParaRPr>
@@ -3221,17 +2821,11 @@
       </p:sp>
       <p:sp>
         <p:nvSpPr>
-          <p:cNvPr id="11" name="Freeform: Shape 10">
-            <a:extLst>
-              <a:ext uri="{FF2B5EF4-FFF2-40B4-BE49-F238E27FC236}">
-                <a16:creationId xmlns:a16="http://schemas.microsoft.com/office/drawing/2014/main" id="{34ABFBEA-4EB0-4D02-A2C0-1733CD3D6F12}"/>
-              </a:ext>
-            </a:extLst>
-          </p:cNvPr>
+          <p:cNvPr id="11" name="Freeform: Shape 10" hidden="0"/>
           <p:cNvSpPr/>
-          <p:nvPr/>
-        </p:nvSpPr>
-        <p:spPr>
+          <p:nvPr isPhoto="0" userDrawn="0"/>
+        </p:nvSpPr>
+        <p:spPr bwMode="auto">
           <a:xfrm>
             <a:off x="1" y="688126"/>
             <a:ext cx="448491" cy="1634252"/>
@@ -3275,7 +2869,7 @@
             </a:cxnLst>
             <a:rect l="l" t="t" r="r" b="b"/>
             <a:pathLst>
-              <a:path w="448491" h="1634252">
+              <a:path w="448491" h="1634252" fill="norm" stroke="1" extrusionOk="0">
                 <a:moveTo>
                   <a:pt x="0" y="0"/>
                 </a:moveTo>
@@ -3333,29 +2927,25 @@
           </a:bodyPr>
           <a:lstStyle/>
           <a:p>
-            <a:pPr algn="ctr"/>
+            <a:pPr algn="ctr">
+              <a:defRPr/>
+            </a:pPr>
             <a:endParaRPr lang="en-US" sz="900">
               <a:solidFill>
                 <a:prstClr val="white"/>
               </a:solidFill>
-              <a:latin typeface="Avenir Next LT Pro" panose="020B0504020202020204" pitchFamily="34" charset="0"/>
+              <a:latin typeface="Avenir Next LT Pro"/>
             </a:endParaRPr>
           </a:p>
         </p:txBody>
       </p:sp>
       <p:sp>
         <p:nvSpPr>
-          <p:cNvPr id="12" name="Freeform: Shape 11">
-            <a:extLst>
-              <a:ext uri="{FF2B5EF4-FFF2-40B4-BE49-F238E27FC236}">
-                <a16:creationId xmlns:a16="http://schemas.microsoft.com/office/drawing/2014/main" id="{19E083F6-57F4-487B-A766-EA0462B1EED8}"/>
-              </a:ext>
-            </a:extLst>
-          </p:cNvPr>
+          <p:cNvPr id="12" name="Freeform: Shape 11" hidden="0"/>
           <p:cNvSpPr/>
-          <p:nvPr/>
-        </p:nvSpPr>
-        <p:spPr>
+          <p:nvPr isPhoto="0" userDrawn="0"/>
+        </p:nvSpPr>
+        <p:spPr bwMode="auto">
           <a:xfrm>
             <a:off x="7309459" y="6144069"/>
             <a:ext cx="4418271" cy="718159"/>
@@ -3452,7 +3042,7 @@
             </a:cxnLst>
             <a:rect l="l" t="t" r="r" b="b"/>
             <a:pathLst>
-              <a:path w="4418271" h="718159">
+              <a:path w="4418271" h="718159" fill="norm" stroke="1" extrusionOk="0">
                 <a:moveTo>
                   <a:pt x="0" y="713930"/>
                 </a:moveTo>
@@ -3512,7 +3102,7 @@
           <a:bodyPr rtlCol="0" anchor="ctr"/>
           <a:lstStyle/>
           <a:p>
-            <a:pPr marL="0" marR="0" lvl="0" indent="0" algn="ctr" defTabSz="914400" rtl="0" eaLnBrk="1" fontAlgn="auto" latinLnBrk="0" hangingPunct="1">
+            <a:pPr marL="0" marR="0" lvl="0" indent="0" algn="ctr" defTabSz="914400">
               <a:lnSpc>
                 <a:spcPct val="100000"/>
               </a:lnSpc>
@@ -3526,19 +3116,15 @@
               <a:buSzTx/>
               <a:buFontTx/>
               <a:buNone/>
-              <a:tabLst/>
-              <a:defRPr/>
-            </a:pPr>
-            <a:endParaRPr kumimoji="0" lang="en-US" sz="1800" b="0" i="0" u="none" strike="noStrike" kern="1200" cap="none" spc="0" normalizeH="0" baseline="0" noProof="0">
+              <a:defRPr/>
+            </a:pPr>
+            <a:endParaRPr lang="en-US" sz="1800" b="0" i="0" u="none" strike="noStrike" cap="none" spc="0">
               <a:ln>
                 <a:noFill/>
               </a:ln>
               <a:solidFill>
                 <a:prstClr val="white"/>
               </a:solidFill>
-              <a:effectLst/>
-              <a:uLnTx/>
-              <a:uFillTx/>
               <a:latin typeface="Avenir Next LT Pro Light"/>
               <a:ea typeface="+mn-ea"/>
               <a:cs typeface="+mn-cs"/>
@@ -3548,21 +3134,15 @@
       </p:sp>
       <p:sp>
         <p:nvSpPr>
-          <p:cNvPr id="2" name="Title Placeholder 1">
-            <a:extLst>
-              <a:ext uri="{FF2B5EF4-FFF2-40B4-BE49-F238E27FC236}">
-                <a16:creationId xmlns:a16="http://schemas.microsoft.com/office/drawing/2014/main" id="{A3A2F988-7148-4375-83D8-12EE5EBC7BE0}"/>
-              </a:ext>
-            </a:extLst>
-          </p:cNvPr>
-          <p:cNvSpPr>
-            <a:spLocks noGrp="1"/>
-          </p:cNvSpPr>
-          <p:nvPr>
-            <p:ph type="title"/>
-          </p:nvPr>
-        </p:nvSpPr>
-        <p:spPr>
+          <p:cNvPr id="2" name="Title Placeholder 1" hidden="0"/>
+          <p:cNvSpPr>
+            <a:spLocks noGrp="1"/>
+          </p:cNvSpPr>
+          <p:nvPr isPhoto="0" userDrawn="0">
+            <p:ph type="title" hasCustomPrompt="0"/>
+          </p:nvPr>
+        </p:nvSpPr>
+        <p:spPr bwMode="auto">
           <a:xfrm>
             <a:off x="762000" y="762000"/>
             <a:ext cx="10668000" cy="1524000"/>
@@ -3577,31 +3157,28 @@
           </a:bodyPr>
           <a:lstStyle/>
           <a:p>
+            <a:pPr>
+              <a:defRPr/>
+            </a:pPr>
             <a:r>
               <a:rPr lang="en-US"/>
               <a:t>Click to edit Master title style</a:t>
             </a:r>
-            <a:endParaRPr lang="en-US" dirty="0"/>
-          </a:p>
-        </p:txBody>
-      </p:sp>
-      <p:sp>
-        <p:nvSpPr>
-          <p:cNvPr id="3" name="Text Placeholder 2">
-            <a:extLst>
-              <a:ext uri="{FF2B5EF4-FFF2-40B4-BE49-F238E27FC236}">
-                <a16:creationId xmlns:a16="http://schemas.microsoft.com/office/drawing/2014/main" id="{F6896238-C5B3-4F3C-97FA-890E1A51A203}"/>
-              </a:ext>
-            </a:extLst>
-          </p:cNvPr>
-          <p:cNvSpPr>
-            <a:spLocks noGrp="1"/>
-          </p:cNvSpPr>
-          <p:nvPr>
-            <p:ph type="body" idx="1"/>
-          </p:nvPr>
-        </p:nvSpPr>
-        <p:spPr>
+            <a:endParaRPr lang="en-US"/>
+          </a:p>
+        </p:txBody>
+      </p:sp>
+      <p:sp>
+        <p:nvSpPr>
+          <p:cNvPr id="3" name="Text Placeholder 2" hidden="0"/>
+          <p:cNvSpPr>
+            <a:spLocks noGrp="1"/>
+          </p:cNvSpPr>
+          <p:nvPr isPhoto="0" userDrawn="0">
+            <p:ph type="body" idx="1" hasCustomPrompt="0"/>
+          </p:nvPr>
+        </p:nvSpPr>
+        <p:spPr bwMode="auto">
           <a:xfrm>
             <a:off x="762000" y="2286000"/>
             <a:ext cx="10668000" cy="3818083"/>
@@ -3616,60 +3193,68 @@
           </a:bodyPr>
           <a:lstStyle/>
           <a:p>
-            <a:pPr lvl="0"/>
+            <a:pPr lvl="0">
+              <a:defRPr/>
+            </a:pPr>
             <a:r>
               <a:rPr lang="en-US"/>
               <a:t>Click to edit Master text styles</a:t>
             </a:r>
-          </a:p>
-          <a:p>
-            <a:pPr lvl="1"/>
+            <a:endParaRPr/>
+          </a:p>
+          <a:p>
+            <a:pPr lvl="1">
+              <a:defRPr/>
+            </a:pPr>
             <a:r>
               <a:rPr lang="en-US"/>
               <a:t>Second level</a:t>
             </a:r>
-          </a:p>
-          <a:p>
-            <a:pPr lvl="2"/>
+            <a:endParaRPr/>
+          </a:p>
+          <a:p>
+            <a:pPr lvl="2">
+              <a:defRPr/>
+            </a:pPr>
             <a:r>
               <a:rPr lang="en-US"/>
               <a:t>Third level</a:t>
             </a:r>
-          </a:p>
-          <a:p>
-            <a:pPr lvl="3"/>
+            <a:endParaRPr/>
+          </a:p>
+          <a:p>
+            <a:pPr lvl="3">
+              <a:defRPr/>
+            </a:pPr>
             <a:r>
               <a:rPr lang="en-US"/>
               <a:t>Fourth level</a:t>
             </a:r>
-          </a:p>
-          <a:p>
-            <a:pPr lvl="4"/>
+            <a:endParaRPr/>
+          </a:p>
+          <a:p>
+            <a:pPr lvl="4">
+              <a:defRPr/>
+            </a:pPr>
             <a:r>
               <a:rPr lang="en-US"/>
               <a:t>Fifth level</a:t>
             </a:r>
-            <a:endParaRPr lang="en-US" dirty="0"/>
-          </a:p>
-        </p:txBody>
-      </p:sp>
-      <p:sp>
-        <p:nvSpPr>
-          <p:cNvPr id="4" name="Date Placeholder 3">
-            <a:extLst>
-              <a:ext uri="{FF2B5EF4-FFF2-40B4-BE49-F238E27FC236}">
-                <a16:creationId xmlns:a16="http://schemas.microsoft.com/office/drawing/2014/main" id="{1D6E4474-0442-4E4B-9E5B-CA7B3951C1DA}"/>
-              </a:ext>
-            </a:extLst>
-          </p:cNvPr>
-          <p:cNvSpPr>
-            <a:spLocks noGrp="1"/>
-          </p:cNvSpPr>
-          <p:nvPr>
-            <p:ph type="dt" sz="half" idx="2"/>
-          </p:nvPr>
-        </p:nvSpPr>
-        <p:spPr>
+            <a:endParaRPr lang="en-US"/>
+          </a:p>
+        </p:txBody>
+      </p:sp>
+      <p:sp>
+        <p:nvSpPr>
+          <p:cNvPr id="4" name="Date Placeholder 3" hidden="0"/>
+          <p:cNvSpPr>
+            <a:spLocks noGrp="1"/>
+          </p:cNvSpPr>
+          <p:nvPr isPhoto="0" userDrawn="0">
+            <p:ph type="dt" sz="half" idx="2" hasCustomPrompt="0"/>
+          </p:nvPr>
+        </p:nvSpPr>
+        <p:spPr bwMode="auto">
           <a:xfrm>
             <a:off x="9389165" y="194320"/>
             <a:ext cx="2040835" cy="365125"/>
@@ -3693,10 +3278,12 @@
             </a:lvl1pPr>
           </a:lstStyle>
           <a:p>
+            <a:pPr>
+              <a:defRPr/>
+            </a:pPr>
             <a:fld id="{76969C88-B244-455D-A017-012B25B1ACDD}" type="datetimeFigureOut">
-              <a:rPr lang="en-US" smtClean="0"/>
-              <a:pPr/>
-              <a:t>4/5/22</a:t>
+              <a:rPr lang="en-US"/>
+              <a:t/>
             </a:fld>
             <a:endParaRPr lang="en-US"/>
           </a:p>
@@ -3704,21 +3291,15 @@
       </p:sp>
       <p:sp>
         <p:nvSpPr>
-          <p:cNvPr id="5" name="Footer Placeholder 4">
-            <a:extLst>
-              <a:ext uri="{FF2B5EF4-FFF2-40B4-BE49-F238E27FC236}">
-                <a16:creationId xmlns:a16="http://schemas.microsoft.com/office/drawing/2014/main" id="{E0626A98-F887-40E1-B9BA-9D93DE90E022}"/>
-              </a:ext>
-            </a:extLst>
-          </p:cNvPr>
-          <p:cNvSpPr>
-            <a:spLocks noGrp="1"/>
-          </p:cNvSpPr>
-          <p:nvPr>
-            <p:ph type="ftr" sz="quarter" idx="3"/>
-          </p:nvPr>
-        </p:nvSpPr>
-        <p:spPr>
+          <p:cNvPr id="5" name="Footer Placeholder 4" hidden="0"/>
+          <p:cNvSpPr>
+            <a:spLocks noGrp="1"/>
+          </p:cNvSpPr>
+          <p:nvPr isPhoto="0" userDrawn="0">
+            <p:ph type="ftr" sz="quarter" idx="3" hasCustomPrompt="0"/>
+          </p:nvPr>
+        </p:nvSpPr>
+        <p:spPr bwMode="auto">
           <a:xfrm>
             <a:off x="761999" y="6356350"/>
             <a:ext cx="6612835" cy="365125"/>
@@ -3742,27 +3323,24 @@
             </a:lvl1pPr>
           </a:lstStyle>
           <a:p>
-            <a:endParaRPr lang="en-US" dirty="0"/>
-          </a:p>
-        </p:txBody>
-      </p:sp>
-      <p:sp>
-        <p:nvSpPr>
-          <p:cNvPr id="6" name="Slide Number Placeholder 5">
-            <a:extLst>
-              <a:ext uri="{FF2B5EF4-FFF2-40B4-BE49-F238E27FC236}">
-                <a16:creationId xmlns:a16="http://schemas.microsoft.com/office/drawing/2014/main" id="{482C8119-73F6-4713-9AD3-3628DCDFB8F2}"/>
-              </a:ext>
-            </a:extLst>
-          </p:cNvPr>
-          <p:cNvSpPr>
-            <a:spLocks noGrp="1"/>
-          </p:cNvSpPr>
-          <p:nvPr>
-            <p:ph type="sldNum" sz="quarter" idx="4"/>
-          </p:nvPr>
-        </p:nvSpPr>
-        <p:spPr>
+            <a:pPr>
+              <a:defRPr/>
+            </a:pPr>
+            <a:endParaRPr lang="en-US"/>
+          </a:p>
+        </p:txBody>
+      </p:sp>
+      <p:sp>
+        <p:nvSpPr>
+          <p:cNvPr id="6" name="Slide Number Placeholder 5" hidden="0"/>
+          <p:cNvSpPr>
+            <a:spLocks noGrp="1"/>
+          </p:cNvSpPr>
+          <p:nvPr isPhoto="0" userDrawn="0">
+            <p:ph type="sldNum" sz="quarter" idx="4" hasCustomPrompt="0"/>
+          </p:nvPr>
+        </p:nvSpPr>
+        <p:spPr bwMode="auto">
           <a:xfrm>
             <a:off x="9906000" y="6356350"/>
             <a:ext cx="1524000" cy="365125"/>
@@ -3786,47 +3364,44 @@
             </a:lvl1pPr>
           </a:lstStyle>
           <a:p>
+            <a:pPr>
+              <a:defRPr/>
+            </a:pPr>
             <a:fld id="{07CE569E-9B7C-4CB9-AB80-C0841F922CFF}" type="slidenum">
-              <a:rPr lang="en-US" smtClean="0"/>
-              <a:pPr/>
-              <a:t>‹nº›</a:t>
+              <a:rPr lang="en-US"/>
+              <a:t/>
             </a:fld>
             <a:endParaRPr lang="en-US"/>
           </a:p>
         </p:txBody>
       </p:sp>
     </p:spTree>
-    <p:extLst>
-      <p:ext uri="{BB962C8B-B14F-4D97-AF65-F5344CB8AC3E}">
-        <p14:creationId xmlns:p14="http://schemas.microsoft.com/office/powerpoint/2010/main" val="480526197"/>
-      </p:ext>
-    </p:extLst>
   </p:cSld>
   <p:clrMap bg1="dk1" tx1="lt1" bg2="dk2" tx2="lt2" accent1="accent1" accent2="accent2" accent3="accent3" accent4="accent4" accent5="accent5" accent6="accent6" hlink="hlink" folHlink="folHlink"/>
   <p:sldLayoutIdLst>
-    <p:sldLayoutId id="2147483720" r:id="rId1"/>
-    <p:sldLayoutId id="2147483721" r:id="rId2"/>
-    <p:sldLayoutId id="2147483722" r:id="rId3"/>
-    <p:sldLayoutId id="2147483723" r:id="rId4"/>
-    <p:sldLayoutId id="2147483724" r:id="rId5"/>
-    <p:sldLayoutId id="2147483718" r:id="rId6"/>
-    <p:sldLayoutId id="2147483714" r:id="rId7"/>
-    <p:sldLayoutId id="2147483715" r:id="rId8"/>
-    <p:sldLayoutId id="2147483716" r:id="rId9"/>
-    <p:sldLayoutId id="2147483717" r:id="rId10"/>
-    <p:sldLayoutId id="2147483719" r:id="rId11"/>
+    <p:sldLayoutId id="2147483649" r:id="rId1"/>
+    <p:sldLayoutId id="2147483650" r:id="rId2"/>
+    <p:sldLayoutId id="2147483651" r:id="rId3"/>
+    <p:sldLayoutId id="2147483652" r:id="rId4"/>
+    <p:sldLayoutId id="2147483653" r:id="rId5"/>
+    <p:sldLayoutId id="2147483654" r:id="rId6"/>
+    <p:sldLayoutId id="2147483655" r:id="rId7"/>
+    <p:sldLayoutId id="2147483656" r:id="rId8"/>
+    <p:sldLayoutId id="2147483657" r:id="rId9"/>
+    <p:sldLayoutId id="2147483658" r:id="rId10"/>
+    <p:sldLayoutId id="2147483659" r:id="rId11"/>
   </p:sldLayoutIdLst>
   <p:txStyles>
     <p:titleStyle>
-      <a:lvl1pPr algn="l" defTabSz="914400" rtl="0" eaLnBrk="1" latinLnBrk="0" hangingPunct="1">
+      <a:lvl1pPr algn="l" defTabSz="914400">
         <a:lnSpc>
           <a:spcPct val="90000"/>
         </a:lnSpc>
         <a:spcBef>
-          <a:spcPct val="0"/>
+          <a:spcPts val="0"/>
         </a:spcBef>
         <a:buNone/>
-        <a:defRPr sz="4400" kern="1200">
+        <a:defRPr sz="4400">
           <a:solidFill>
             <a:schemeClr val="tx1"/>
           </a:solidFill>
@@ -3837,16 +3412,16 @@
       </a:lvl1pPr>
     </p:titleStyle>
     <p:bodyStyle>
-      <a:lvl1pPr marL="228600" indent="-228600" algn="l" defTabSz="914400" rtl="0" eaLnBrk="1" latinLnBrk="0" hangingPunct="1">
+      <a:lvl1pPr marL="228600" indent="-228600" algn="l" defTabSz="914400">
         <a:lnSpc>
           <a:spcPct val="125000"/>
         </a:lnSpc>
         <a:spcBef>
           <a:spcPts val="1000"/>
         </a:spcBef>
-        <a:buFont typeface="Arial" panose="020B0604020202020204" pitchFamily="34" charset="0"/>
+        <a:buFont typeface="Arial"/>
         <a:buChar char="•"/>
-        <a:defRPr sz="2800" kern="1200">
+        <a:defRPr sz="2800">
           <a:solidFill>
             <a:schemeClr val="tx1">
               <a:alpha val="70000"/>
@@ -3857,16 +3432,16 @@
           <a:cs typeface="+mn-cs"/>
         </a:defRPr>
       </a:lvl1pPr>
-      <a:lvl2pPr marL="685800" indent="-228600" algn="l" defTabSz="914400" rtl="0" eaLnBrk="1" latinLnBrk="0" hangingPunct="1">
+      <a:lvl2pPr marL="685800" indent="-228600" algn="l" defTabSz="914400">
         <a:lnSpc>
           <a:spcPct val="125000"/>
         </a:lnSpc>
         <a:spcBef>
           <a:spcPts val="500"/>
         </a:spcBef>
-        <a:buFont typeface="Arial" panose="020B0604020202020204" pitchFamily="34" charset="0"/>
+        <a:buFont typeface="Arial"/>
         <a:buChar char="•"/>
-        <a:defRPr sz="2400" kern="1200">
+        <a:defRPr sz="2400">
           <a:solidFill>
             <a:schemeClr val="tx1">
               <a:alpha val="70000"/>
@@ -3877,16 +3452,16 @@
           <a:cs typeface="+mn-cs"/>
         </a:defRPr>
       </a:lvl2pPr>
-      <a:lvl3pPr marL="1143000" indent="-228600" algn="l" defTabSz="914400" rtl="0" eaLnBrk="1" latinLnBrk="0" hangingPunct="1">
+      <a:lvl3pPr marL="1143000" indent="-228600" algn="l" defTabSz="914400">
         <a:lnSpc>
           <a:spcPct val="125000"/>
         </a:lnSpc>
         <a:spcBef>
           <a:spcPts val="500"/>
         </a:spcBef>
-        <a:buFont typeface="Arial" panose="020B0604020202020204" pitchFamily="34" charset="0"/>
+        <a:buFont typeface="Arial"/>
         <a:buChar char="•"/>
-        <a:defRPr sz="2000" kern="1200">
+        <a:defRPr sz="2000">
           <a:solidFill>
             <a:schemeClr val="tx1">
               <a:alpha val="70000"/>
@@ -3897,16 +3472,16 @@
           <a:cs typeface="+mn-cs"/>
         </a:defRPr>
       </a:lvl3pPr>
-      <a:lvl4pPr marL="1600200" indent="-228600" algn="l" defTabSz="914400" rtl="0" eaLnBrk="1" latinLnBrk="0" hangingPunct="1">
+      <a:lvl4pPr marL="1600200" indent="-228600" algn="l" defTabSz="914400">
         <a:lnSpc>
           <a:spcPct val="125000"/>
         </a:lnSpc>
         <a:spcBef>
           <a:spcPts val="500"/>
         </a:spcBef>
-        <a:buFont typeface="Arial" panose="020B0604020202020204" pitchFamily="34" charset="0"/>
+        <a:buFont typeface="Arial"/>
         <a:buChar char="•"/>
-        <a:defRPr sz="1800" kern="1200">
+        <a:defRPr sz="1800">
           <a:solidFill>
             <a:schemeClr val="tx1">
               <a:alpha val="70000"/>
@@ -3917,16 +3492,16 @@
           <a:cs typeface="+mn-cs"/>
         </a:defRPr>
       </a:lvl4pPr>
-      <a:lvl5pPr marL="2057400" indent="-228600" algn="l" defTabSz="914400" rtl="0" eaLnBrk="1" latinLnBrk="0" hangingPunct="1">
+      <a:lvl5pPr marL="2057400" indent="-228600" algn="l" defTabSz="914400">
         <a:lnSpc>
           <a:spcPct val="125000"/>
         </a:lnSpc>
         <a:spcBef>
           <a:spcPts val="500"/>
         </a:spcBef>
-        <a:buFont typeface="Arial" panose="020B0604020202020204" pitchFamily="34" charset="0"/>
+        <a:buFont typeface="Arial"/>
         <a:buChar char="•"/>
-        <a:defRPr sz="1800" kern="1200">
+        <a:defRPr sz="1800">
           <a:solidFill>
             <a:schemeClr val="tx1">
               <a:alpha val="70000"/>
@@ -3937,16 +3512,16 @@
           <a:cs typeface="+mn-cs"/>
         </a:defRPr>
       </a:lvl5pPr>
-      <a:lvl6pPr marL="2514600" indent="-228600" algn="l" defTabSz="914400" rtl="0" eaLnBrk="1" latinLnBrk="0" hangingPunct="1">
+      <a:lvl6pPr marL="2514600" indent="-228600" algn="l" defTabSz="914400">
         <a:lnSpc>
           <a:spcPct val="90000"/>
         </a:lnSpc>
         <a:spcBef>
           <a:spcPts val="500"/>
         </a:spcBef>
-        <a:buFont typeface="Arial" panose="020B0604020202020204" pitchFamily="34" charset="0"/>
+        <a:buFont typeface="Arial"/>
         <a:buChar char="•"/>
-        <a:defRPr sz="1800" kern="1200">
+        <a:defRPr sz="1800">
           <a:solidFill>
             <a:schemeClr val="tx1"/>
           </a:solidFill>
@@ -3955,16 +3530,16 @@
           <a:cs typeface="+mn-cs"/>
         </a:defRPr>
       </a:lvl6pPr>
-      <a:lvl7pPr marL="2971800" indent="-228600" algn="l" defTabSz="914400" rtl="0" eaLnBrk="1" latinLnBrk="0" hangingPunct="1">
+      <a:lvl7pPr marL="2971800" indent="-228600" algn="l" defTabSz="914400">
         <a:lnSpc>
           <a:spcPct val="90000"/>
         </a:lnSpc>
         <a:spcBef>
           <a:spcPts val="500"/>
         </a:spcBef>
-        <a:buFont typeface="Arial" panose="020B0604020202020204" pitchFamily="34" charset="0"/>
+        <a:buFont typeface="Arial"/>
         <a:buChar char="•"/>
-        <a:defRPr sz="1800" kern="1200">
+        <a:defRPr sz="1800">
           <a:solidFill>
             <a:schemeClr val="tx1"/>
           </a:solidFill>
@@ -3973,16 +3548,16 @@
           <a:cs typeface="+mn-cs"/>
         </a:defRPr>
       </a:lvl7pPr>
-      <a:lvl8pPr marL="3429000" indent="-228600" algn="l" defTabSz="914400" rtl="0" eaLnBrk="1" latinLnBrk="0" hangingPunct="1">
+      <a:lvl8pPr marL="3429000" indent="-228600" algn="l" defTabSz="914400">
         <a:lnSpc>
           <a:spcPct val="90000"/>
         </a:lnSpc>
         <a:spcBef>
           <a:spcPts val="500"/>
         </a:spcBef>
-        <a:buFont typeface="Arial" panose="020B0604020202020204" pitchFamily="34" charset="0"/>
+        <a:buFont typeface="Arial"/>
         <a:buChar char="•"/>
-        <a:defRPr sz="1800" kern="1200">
+        <a:defRPr sz="1800">
           <a:solidFill>
             <a:schemeClr val="tx1"/>
           </a:solidFill>
@@ -3991,16 +3566,16 @@
           <a:cs typeface="+mn-cs"/>
         </a:defRPr>
       </a:lvl8pPr>
-      <a:lvl9pPr marL="3886200" indent="-228600" algn="l" defTabSz="914400" rtl="0" eaLnBrk="1" latinLnBrk="0" hangingPunct="1">
+      <a:lvl9pPr marL="3886200" indent="-228600" algn="l" defTabSz="914400">
         <a:lnSpc>
           <a:spcPct val="90000"/>
         </a:lnSpc>
         <a:spcBef>
           <a:spcPts val="500"/>
         </a:spcBef>
-        <a:buFont typeface="Arial" panose="020B0604020202020204" pitchFamily="34" charset="0"/>
+        <a:buFont typeface="Arial"/>
         <a:buChar char="•"/>
-        <a:defRPr sz="1800" kern="1200">
+        <a:defRPr sz="1800">
           <a:solidFill>
             <a:schemeClr val="tx1"/>
           </a:solidFill>
@@ -4014,8 +3589,8 @@
       <a:defPPr>
         <a:defRPr lang="en-US"/>
       </a:defPPr>
-      <a:lvl1pPr marL="0" algn="l" defTabSz="914400" rtl="0" eaLnBrk="1" latinLnBrk="0" hangingPunct="1">
-        <a:defRPr sz="1800" kern="1200">
+      <a:lvl1pPr marL="0" algn="l" defTabSz="914400">
+        <a:defRPr sz="1800">
           <a:solidFill>
             <a:schemeClr val="tx1"/>
           </a:solidFill>
@@ -4024,8 +3599,8 @@
           <a:cs typeface="+mn-cs"/>
         </a:defRPr>
       </a:lvl1pPr>
-      <a:lvl2pPr marL="457200" algn="l" defTabSz="914400" rtl="0" eaLnBrk="1" latinLnBrk="0" hangingPunct="1">
-        <a:defRPr sz="1800" kern="1200">
+      <a:lvl2pPr marL="457200" algn="l" defTabSz="914400">
+        <a:defRPr sz="1800">
           <a:solidFill>
             <a:schemeClr val="tx1"/>
           </a:solidFill>
@@ -4034,8 +3609,8 @@
           <a:cs typeface="+mn-cs"/>
         </a:defRPr>
       </a:lvl2pPr>
-      <a:lvl3pPr marL="914400" algn="l" defTabSz="914400" rtl="0" eaLnBrk="1" latinLnBrk="0" hangingPunct="1">
-        <a:defRPr sz="1800" kern="1200">
+      <a:lvl3pPr marL="914400" algn="l" defTabSz="914400">
+        <a:defRPr sz="1800">
           <a:solidFill>
             <a:schemeClr val="tx1"/>
           </a:solidFill>
@@ -4044,8 +3619,8 @@
           <a:cs typeface="+mn-cs"/>
         </a:defRPr>
       </a:lvl3pPr>
-      <a:lvl4pPr marL="1371600" algn="l" defTabSz="914400" rtl="0" eaLnBrk="1" latinLnBrk="0" hangingPunct="1">
-        <a:defRPr sz="1800" kern="1200">
+      <a:lvl4pPr marL="1371600" algn="l" defTabSz="914400">
+        <a:defRPr sz="1800">
           <a:solidFill>
             <a:schemeClr val="tx1"/>
           </a:solidFill>
@@ -4054,8 +3629,8 @@
           <a:cs typeface="+mn-cs"/>
         </a:defRPr>
       </a:lvl4pPr>
-      <a:lvl5pPr marL="1828800" algn="l" defTabSz="914400" rtl="0" eaLnBrk="1" latinLnBrk="0" hangingPunct="1">
-        <a:defRPr sz="1800" kern="1200">
+      <a:lvl5pPr marL="1828800" algn="l" defTabSz="914400">
+        <a:defRPr sz="1800">
           <a:solidFill>
             <a:schemeClr val="tx1"/>
           </a:solidFill>
@@ -4064,8 +3639,8 @@
           <a:cs typeface="+mn-cs"/>
         </a:defRPr>
       </a:lvl5pPr>
-      <a:lvl6pPr marL="2286000" algn="l" defTabSz="914400" rtl="0" eaLnBrk="1" latinLnBrk="0" hangingPunct="1">
-        <a:defRPr sz="1800" kern="1200">
+      <a:lvl6pPr marL="2286000" algn="l" defTabSz="914400">
+        <a:defRPr sz="1800">
           <a:solidFill>
             <a:schemeClr val="tx1"/>
           </a:solidFill>
@@ -4074,8 +3649,8 @@
           <a:cs typeface="+mn-cs"/>
         </a:defRPr>
       </a:lvl6pPr>
-      <a:lvl7pPr marL="2743200" algn="l" defTabSz="914400" rtl="0" eaLnBrk="1" latinLnBrk="0" hangingPunct="1">
-        <a:defRPr sz="1800" kern="1200">
+      <a:lvl7pPr marL="2743200" algn="l" defTabSz="914400">
+        <a:defRPr sz="1800">
           <a:solidFill>
             <a:schemeClr val="tx1"/>
           </a:solidFill>
@@ -4084,8 +3659,8 @@
           <a:cs typeface="+mn-cs"/>
         </a:defRPr>
       </a:lvl7pPr>
-      <a:lvl8pPr marL="3200400" algn="l" defTabSz="914400" rtl="0" eaLnBrk="1" latinLnBrk="0" hangingPunct="1">
-        <a:defRPr sz="1800" kern="1200">
+      <a:lvl8pPr marL="3200400" algn="l" defTabSz="914400">
+        <a:defRPr sz="1800">
           <a:solidFill>
             <a:schemeClr val="tx1"/>
           </a:solidFill>
@@ -4094,8 +3669,8 @@
           <a:cs typeface="+mn-cs"/>
         </a:defRPr>
       </a:lvl8pPr>
-      <a:lvl9pPr marL="3657600" algn="l" defTabSz="914400" rtl="0" eaLnBrk="1" latinLnBrk="0" hangingPunct="1">
-        <a:defRPr sz="1800" kern="1200">
+      <a:lvl9pPr marL="3657600" algn="l" defTabSz="914400">
+        <a:defRPr sz="1800">
           <a:solidFill>
             <a:schemeClr val="tx1"/>
           </a:solidFill>
@@ -4110,23 +3685,22 @@
 </file>
 
 <file path=ppt/slides/slide1.xml><?xml version="1.0" encoding="utf-8"?>
-<p:sld xmlns:a="http://schemas.openxmlformats.org/drawingml/2006/main" xmlns:r="http://schemas.openxmlformats.org/officeDocument/2006/relationships" xmlns:p="http://schemas.openxmlformats.org/presentationml/2006/main">
-  <p:cSld>
+<p:sld xmlns:a="http://schemas.openxmlformats.org/drawingml/2006/main" xmlns:r="http://schemas.openxmlformats.org/officeDocument/2006/relationships" xmlns:p="http://schemas.openxmlformats.org/presentationml/2006/main" xmlns:m="http://schemas.openxmlformats.org/officeDocument/2006/math" xmlns:w="http://schemas.openxmlformats.org/wordprocessingml/2006/main" showMasterPhAnim="0" show="1">
+  <p:cSld name="">
     <p:bg>
-      <p:bgPr>
+      <p:bgPr shadeToTitle="0">
         <a:solidFill>
           <a:schemeClr val="bg2"/>
         </a:solidFill>
-        <a:effectLst/>
       </p:bgPr>
     </p:bg>
     <p:spTree>
       <p:nvGrpSpPr>
-        <p:cNvPr id="1" name=""/>
+        <p:cNvPr id="1" name="" hidden="0"/>
         <p:cNvGrpSpPr/>
-        <p:nvPr/>
+        <p:nvPr isPhoto="0" userDrawn="0"/>
       </p:nvGrpSpPr>
-      <p:grpSpPr>
+      <p:grpSpPr bwMode="auto">
         <a:xfrm>
           <a:off x="0" y="0"/>
           <a:ext cx="0" cy="0"/>
@@ -4136,28 +3710,13 @@
       </p:grpSpPr>
       <p:sp useBgFill="1">
         <p:nvSpPr>
-          <p:cNvPr id="71" name="Rectangle 70">
-            <a:extLst>
-              <a:ext uri="{FF2B5EF4-FFF2-40B4-BE49-F238E27FC236}">
-                <a16:creationId xmlns:a16="http://schemas.microsoft.com/office/drawing/2014/main" id="{7A18C9FB-EC4C-4DAE-8F7D-C6E5AF607958}"/>
-              </a:ext>
-              <a:ext uri="{C183D7F6-B498-43B3-948B-1728B52AA6E4}">
-                <adec:decorative xmlns:adec="http://schemas.microsoft.com/office/drawing/2017/decorative" val="1"/>
-              </a:ext>
-            </a:extLst>
-          </p:cNvPr>
-          <p:cNvSpPr>
-            <a:spLocks noGrp="1" noRot="1" noChangeAspect="1" noMove="1" noResize="1" noEditPoints="1" noAdjustHandles="1" noChangeArrowheads="1" noChangeShapeType="1" noTextEdit="1"/>
-          </p:cNvSpPr>
-          <p:nvPr>
-            <p:extLst>
-              <p:ext uri="{386F3935-93C4-4BCD-93E2-E3B085C9AB24}">
-                <p16:designElem xmlns:p16="http://schemas.microsoft.com/office/powerpoint/2015/main" val="1"/>
-              </p:ext>
-            </p:extLst>
-          </p:nvPr>
-        </p:nvSpPr>
-        <p:spPr>
+          <p:cNvPr id="71" name="Rectangle 70" hidden="0"/>
+          <p:cNvSpPr>
+            <a:spLocks noAdjustHandles="1" noChangeArrowheads="1" noChangeAspect="1" noChangeShapeType="1" noEditPoints="1" noGrp="1" noMove="1" noResize="1" noRot="1" noTextEdit="1"/>
+          </p:cNvSpPr>
+          <p:nvPr isPhoto="0" userDrawn="0"/>
+        </p:nvSpPr>
+        <p:spPr bwMode="auto">
           <a:xfrm>
             <a:off x="0" y="0"/>
             <a:ext cx="12192000" cy="6858000"/>
@@ -4171,19 +3730,6 @@
             <a:miter lim="800000"/>
           </a:ln>
           <a:effectLst/>
-          <a:extLst>
-            <a:ext uri="{91240B29-F687-4F45-9708-019B960494DF}">
-              <a14:hiddenLine xmlns:a14="http://schemas.microsoft.com/office/drawing/2010/main" w="12700" cap="flat" cmpd="sng" algn="ctr">
-                <a:solidFill>
-                  <a:schemeClr val="accent1">
-                    <a:shade val="50000"/>
-                  </a:schemeClr>
-                </a:solidFill>
-                <a:prstDash val="solid"/>
-                <a:miter lim="800000"/>
-              </a14:hiddenLine>
-            </a:ext>
-          </a:extLst>
         </p:spPr>
         <p:style>
           <a:lnRef idx="2">
@@ -4205,27 +3751,24 @@
           <a:bodyPr rtlCol="0" anchor="ctr"/>
           <a:lstStyle/>
           <a:p>
-            <a:endParaRPr lang="en-US" dirty="0"/>
-          </a:p>
-        </p:txBody>
-      </p:sp>
-      <p:sp>
-        <p:nvSpPr>
-          <p:cNvPr id="2" name="Título 1">
-            <a:extLst>
-              <a:ext uri="{FF2B5EF4-FFF2-40B4-BE49-F238E27FC236}">
-                <a16:creationId xmlns:a16="http://schemas.microsoft.com/office/drawing/2014/main" id="{B9FDC1FF-3287-4630-8D77-E66685481EE7}"/>
-              </a:ext>
-            </a:extLst>
-          </p:cNvPr>
-          <p:cNvSpPr>
-            <a:spLocks noGrp="1"/>
-          </p:cNvSpPr>
-          <p:nvPr>
-            <p:ph type="ctrTitle"/>
-          </p:nvPr>
-        </p:nvSpPr>
-        <p:spPr>
+            <a:pPr>
+              <a:defRPr/>
+            </a:pPr>
+            <a:endParaRPr lang="en-US"/>
+          </a:p>
+        </p:txBody>
+      </p:sp>
+      <p:sp>
+        <p:nvSpPr>
+          <p:cNvPr id="2" name="Título 1" hidden="0"/>
+          <p:cNvSpPr>
+            <a:spLocks noGrp="1"/>
+          </p:cNvSpPr>
+          <p:nvPr isPhoto="0" userDrawn="0">
+            <p:ph type="ctrTitle" hasCustomPrompt="0"/>
+          </p:nvPr>
+        </p:nvSpPr>
+        <p:spPr bwMode="auto">
           <a:xfrm>
             <a:off x="6858000" y="1524000"/>
             <a:ext cx="4572000" cy="2286000"/>
@@ -4237,37 +3780,35 @@
           </a:bodyPr>
           <a:lstStyle/>
           <a:p>
-            <a:r>
-              <a:rPr lang="pt-PT" sz="4400" u="sng" dirty="0"/>
+            <a:pPr>
+              <a:defRPr/>
+            </a:pPr>
+            <a:r>
+              <a:rPr lang="pt-PT" sz="4400" u="sng"/>
               <a:t>Chess Snake </a:t>
             </a:r>
             <a:br>
-              <a:rPr lang="pt-PT" sz="4400" u="sng" dirty="0"/>
+              <a:rPr lang="pt-PT" sz="4400" u="sng"/>
             </a:br>
             <a:r>
-              <a:rPr lang="pt-PT" sz="4400" u="sng" dirty="0"/>
+              <a:rPr lang="pt-PT" sz="4400" u="sng"/>
               <a:t>IART Project</a:t>
             </a:r>
-          </a:p>
-        </p:txBody>
-      </p:sp>
-      <p:sp>
-        <p:nvSpPr>
-          <p:cNvPr id="3" name="Subtítulo 2">
-            <a:extLst>
-              <a:ext uri="{FF2B5EF4-FFF2-40B4-BE49-F238E27FC236}">
-                <a16:creationId xmlns:a16="http://schemas.microsoft.com/office/drawing/2014/main" id="{FBB36667-5209-41C5-B231-1A1C67D43CB4}"/>
-              </a:ext>
-            </a:extLst>
-          </p:cNvPr>
-          <p:cNvSpPr>
-            <a:spLocks noGrp="1"/>
-          </p:cNvSpPr>
-          <p:nvPr>
-            <p:ph type="subTitle" idx="1"/>
-          </p:nvPr>
-        </p:nvSpPr>
-        <p:spPr>
+            <a:endParaRPr/>
+          </a:p>
+        </p:txBody>
+      </p:sp>
+      <p:sp>
+        <p:nvSpPr>
+          <p:cNvPr id="3" name="Subtítulo 2" hidden="0"/>
+          <p:cNvSpPr>
+            <a:spLocks noGrp="1"/>
+          </p:cNvSpPr>
+          <p:nvPr isPhoto="0" userDrawn="0">
+            <p:ph type="subTitle" idx="1" hasCustomPrompt="0"/>
+          </p:nvPr>
+        </p:nvSpPr>
+        <p:spPr bwMode="auto">
           <a:xfrm>
             <a:off x="6858000" y="4571999"/>
             <a:ext cx="5049520" cy="1524000"/>
@@ -4279,52 +3820,46 @@
           </a:bodyPr>
           <a:lstStyle/>
           <a:p>
-            <a:pPr algn="l"/>
-            <a:r>
-              <a:rPr lang="pt-PT" dirty="0"/>
+            <a:pPr algn="l">
+              <a:defRPr/>
+            </a:pPr>
+            <a:r>
+              <a:rPr lang="pt-PT"/>
               <a:t>Carlos Gomes – up201906622</a:t>
             </a:r>
-          </a:p>
-          <a:p>
-            <a:pPr algn="l"/>
-            <a:r>
-              <a:rPr lang="pt-PT" dirty="0"/>
+            <a:endParaRPr/>
+          </a:p>
+          <a:p>
+            <a:pPr algn="l">
+              <a:defRPr/>
+            </a:pPr>
+            <a:r>
+              <a:rPr lang="pt-PT"/>
               <a:t>Domingos Santos – up201906680</a:t>
             </a:r>
-          </a:p>
-          <a:p>
-            <a:pPr algn="l"/>
-            <a:r>
-              <a:rPr lang="pt-PT" dirty="0"/>
+            <a:endParaRPr/>
+          </a:p>
+          <a:p>
+            <a:pPr algn="l">
+              <a:defRPr/>
+            </a:pPr>
+            <a:r>
+              <a:rPr lang="pt-PT"/>
               <a:t>Filipe Pinto – up201907747</a:t>
             </a:r>
-          </a:p>
-        </p:txBody>
-      </p:sp>
-      <p:sp>
-        <p:nvSpPr>
-          <p:cNvPr id="73" name="Freeform: Shape 72">
-            <a:extLst>
-              <a:ext uri="{FF2B5EF4-FFF2-40B4-BE49-F238E27FC236}">
-                <a16:creationId xmlns:a16="http://schemas.microsoft.com/office/drawing/2014/main" id="{9A97FAAB-5E30-4176-BE96-C3DD3FB147F4}"/>
-              </a:ext>
-              <a:ext uri="{C183D7F6-B498-43B3-948B-1728B52AA6E4}">
-                <adec:decorative xmlns:adec="http://schemas.microsoft.com/office/drawing/2017/decorative" val="1"/>
-              </a:ext>
-            </a:extLst>
-          </p:cNvPr>
-          <p:cNvSpPr>
-            <a:spLocks noGrp="1" noRot="1" noChangeAspect="1" noMove="1" noResize="1" noEditPoints="1" noAdjustHandles="1" noChangeArrowheads="1" noChangeShapeType="1" noTextEdit="1"/>
-          </p:cNvSpPr>
-          <p:nvPr>
-            <p:extLst>
-              <p:ext uri="{386F3935-93C4-4BCD-93E2-E3B085C9AB24}">
-                <p16:designElem xmlns:p16="http://schemas.microsoft.com/office/powerpoint/2015/main" val="1"/>
-              </p:ext>
-            </p:extLst>
-          </p:nvPr>
-        </p:nvSpPr>
-        <p:spPr>
+            <a:endParaRPr/>
+          </a:p>
+        </p:txBody>
+      </p:sp>
+      <p:sp>
+        <p:nvSpPr>
+          <p:cNvPr id="73" name="Freeform: Shape 72" hidden="0"/>
+          <p:cNvSpPr>
+            <a:spLocks noAdjustHandles="1" noChangeArrowheads="1" noChangeAspect="1" noChangeShapeType="1" noEditPoints="1" noGrp="1" noMove="1" noResize="1" noRot="1" noTextEdit="1"/>
+          </p:cNvSpPr>
+          <p:nvPr isPhoto="0" userDrawn="0"/>
+        </p:nvSpPr>
+        <p:spPr bwMode="auto">
           <a:xfrm>
             <a:off x="-8" y="762007"/>
             <a:ext cx="5948806" cy="6095979"/>
@@ -4388,7 +3923,7 @@
             </a:cxnLst>
             <a:rect l="l" t="t" r="r" b="b"/>
             <a:pathLst>
-              <a:path w="5948806" h="6095979">
+              <a:path w="5948806" h="6095979" fill="norm" stroke="1" extrusionOk="0">
                 <a:moveTo>
                   <a:pt x="1573832" y="765"/>
                 </a:moveTo>
@@ -4462,35 +3997,22 @@
           </a:bodyPr>
           <a:lstStyle/>
           <a:p>
-            <a:pPr algn="ctr"/>
+            <a:pPr algn="ctr">
+              <a:defRPr/>
+            </a:pPr>
             <a:endParaRPr lang="en-US"/>
           </a:p>
         </p:txBody>
       </p:sp>
       <p:sp>
         <p:nvSpPr>
-          <p:cNvPr id="75" name="Freeform: Shape 74">
-            <a:extLst>
-              <a:ext uri="{FF2B5EF4-FFF2-40B4-BE49-F238E27FC236}">
-                <a16:creationId xmlns:a16="http://schemas.microsoft.com/office/drawing/2014/main" id="{F47DB6CD-8E9E-4643-B3B6-01BD80429B3C}"/>
-              </a:ext>
-              <a:ext uri="{C183D7F6-B498-43B3-948B-1728B52AA6E4}">
-                <adec:decorative xmlns:adec="http://schemas.microsoft.com/office/drawing/2017/decorative" val="1"/>
-              </a:ext>
-            </a:extLst>
-          </p:cNvPr>
-          <p:cNvSpPr>
-            <a:spLocks noGrp="1" noRot="1" noChangeAspect="1" noMove="1" noResize="1" noEditPoints="1" noAdjustHandles="1" noChangeArrowheads="1" noChangeShapeType="1" noTextEdit="1"/>
-          </p:cNvSpPr>
-          <p:nvPr>
-            <p:extLst>
-              <p:ext uri="{386F3935-93C4-4BCD-93E2-E3B085C9AB24}">
-                <p16:designElem xmlns:p16="http://schemas.microsoft.com/office/powerpoint/2015/main" val="1"/>
-              </p:ext>
-            </p:extLst>
-          </p:nvPr>
-        </p:nvSpPr>
-        <p:spPr>
+          <p:cNvPr id="75" name="Freeform: Shape 74" hidden="0"/>
+          <p:cNvSpPr>
+            <a:spLocks noAdjustHandles="1" noChangeArrowheads="1" noChangeAspect="1" noChangeShapeType="1" noEditPoints="1" noGrp="1" noMove="1" noResize="1" noRot="1" noTextEdit="1"/>
+          </p:cNvSpPr>
+          <p:nvPr isPhoto="0" userDrawn="0"/>
+        </p:nvSpPr>
+        <p:spPr bwMode="auto">
           <a:xfrm rot="5400000" flipH="1">
             <a:off x="223838" y="538152"/>
             <a:ext cx="6095989" cy="6543686"/>
@@ -4596,7 +4118,7 @@
             </a:cxnLst>
             <a:rect l="l" t="t" r="r" b="b"/>
             <a:pathLst>
-              <a:path w="2154655" h="6858000">
+              <a:path w="2154655" h="6858000" fill="norm" stroke="1" extrusionOk="0">
                 <a:moveTo>
                   <a:pt x="0" y="0"/>
                 </a:moveTo>
@@ -4654,7 +4176,9 @@
           <a:bodyPr rtlCol="0" anchor="ctr"/>
           <a:lstStyle/>
           <a:p>
-            <a:pPr algn="ctr"/>
+            <a:pPr algn="ctr">
+              <a:defRPr/>
+            </a:pPr>
             <a:endParaRPr lang="en-US">
               <a:solidFill>
                 <a:prstClr val="white"/>
@@ -4666,29 +4190,15 @@
       </p:sp>
       <p:pic>
         <p:nvPicPr>
-          <p:cNvPr id="1026" name="Picture 2" descr="Chess Snake Puzzles">
-            <a:extLst>
-              <a:ext uri="{FF2B5EF4-FFF2-40B4-BE49-F238E27FC236}">
-                <a16:creationId xmlns:a16="http://schemas.microsoft.com/office/drawing/2014/main" id="{FC15DA70-D716-4E63-8900-AEDB3BF0187C}"/>
-              </a:ext>
-            </a:extLst>
-          </p:cNvPr>
+          <p:cNvPr id="1026" name="Picture 2" descr="Chess Snake Puzzles" hidden="0"/>
           <p:cNvPicPr>
             <a:picLocks noChangeAspect="1" noChangeArrowheads="1"/>
           </p:cNvPicPr>
-          <p:nvPr/>
+          <p:nvPr isPhoto="0" userDrawn="0"/>
         </p:nvPicPr>
         <p:blipFill>
-          <a:blip r:embed="rId2">
-            <a:extLst>
-              <a:ext uri="{28A0092B-C50C-407E-A947-70E740481C1C}">
-                <a14:useLocalDpi xmlns:a14="http://schemas.microsoft.com/office/drawing/2010/main" val="0"/>
-              </a:ext>
-            </a:extLst>
-          </a:blip>
-          <a:stretch>
-            <a:fillRect/>
-          </a:stretch>
+          <a:blip r:embed="rId2"/>
+          <a:stretch/>
         </p:blipFill>
         <p:spPr bwMode="auto">
           <a:xfrm>
@@ -4699,44 +4209,21 @@
             <a:avLst/>
           </a:prstGeom>
           <a:noFill/>
-          <a:extLst>
-            <a:ext uri="{909E8E84-426E-40DD-AFC4-6F175D3DCCD1}">
-              <a14:hiddenFill xmlns:a14="http://schemas.microsoft.com/office/drawing/2010/main">
-                <a:solidFill>
-                  <a:srgbClr val="FFFFFF"/>
-                </a:solidFill>
-              </a14:hiddenFill>
-            </a:ext>
-          </a:extLst>
         </p:spPr>
       </p:pic>
       <p:pic>
         <p:nvPicPr>
-          <p:cNvPr id="53" name="Imagem 52" descr="Uma imagem com símbolo, exterior, sentado, paragem&#10;&#10;Descrição gerada automaticamente">
-            <a:extLst>
-              <a:ext uri="{FF2B5EF4-FFF2-40B4-BE49-F238E27FC236}">
-                <a16:creationId xmlns:a16="http://schemas.microsoft.com/office/drawing/2014/main" id="{05AC6A4D-6CC2-4CEA-B28E-AEF306634D37}"/>
-              </a:ext>
-            </a:extLst>
-          </p:cNvPr>
+          <p:cNvPr id="53" name="Imagem 52" descr="Uma imagem com símbolo, exterior, sentado, paragem&#10;&#10;Descrição gerada automaticamente" hidden="0"/>
           <p:cNvPicPr>
             <a:picLocks noChangeAspect="1"/>
           </p:cNvPicPr>
-          <p:nvPr/>
+          <p:nvPr isPhoto="0" userDrawn="0"/>
         </p:nvPicPr>
         <p:blipFill>
-          <a:blip r:embed="rId3">
-            <a:extLst>
-              <a:ext uri="{28A0092B-C50C-407E-A947-70E740481C1C}">
-                <a14:useLocalDpi xmlns:a14="http://schemas.microsoft.com/office/drawing/2010/main" val="0"/>
-              </a:ext>
-            </a:extLst>
-          </a:blip>
-          <a:stretch>
-            <a:fillRect/>
-          </a:stretch>
+          <a:blip r:embed="rId3"/>
+          <a:stretch/>
         </p:blipFill>
-        <p:spPr>
+        <p:spPr bwMode="auto">
           <a:xfrm>
             <a:off x="9220561" y="236331"/>
             <a:ext cx="2820437" cy="927611"/>
@@ -4747,28 +4234,31 @@
         </p:spPr>
       </p:pic>
     </p:spTree>
-    <p:extLst>
-      <p:ext uri="{BB962C8B-B14F-4D97-AF65-F5344CB8AC3E}">
-        <p14:creationId xmlns:p14="http://schemas.microsoft.com/office/powerpoint/2010/main" val="1231463357"/>
-      </p:ext>
-    </p:extLst>
   </p:cSld>
   <p:clrMapOvr>
     <a:masterClrMapping/>
   </p:clrMapOvr>
+  <mc:AlternateContent xmlns:mc="http://schemas.openxmlformats.org/markup-compatibility/2006">
+    <mc:Choice xmlns:p14="http://schemas.microsoft.com/office/powerpoint/2010/main" Requires="p14">
+      <p:transition p14:dur="2000" advClick="1"/>
+    </mc:Choice>
+    <mc:Fallback>
+      <p:transition advClick="1"/>
+    </mc:Fallback>
+  </mc:AlternateContent>
 </p:sld>
 </file>
 
 <file path=ppt/slides/slide2.xml><?xml version="1.0" encoding="utf-8"?>
-<p:sld xmlns:a="http://schemas.openxmlformats.org/drawingml/2006/main" xmlns:r="http://schemas.openxmlformats.org/officeDocument/2006/relationships" xmlns:p="http://schemas.openxmlformats.org/presentationml/2006/main">
-  <p:cSld>
+<p:sld xmlns:a="http://schemas.openxmlformats.org/drawingml/2006/main" xmlns:r="http://schemas.openxmlformats.org/officeDocument/2006/relationships" xmlns:p="http://schemas.openxmlformats.org/presentationml/2006/main" xmlns:m="http://schemas.openxmlformats.org/officeDocument/2006/math" xmlns:w="http://schemas.openxmlformats.org/wordprocessingml/2006/main" showMasterPhAnim="0" show="1">
+  <p:cSld name="">
     <p:spTree>
       <p:nvGrpSpPr>
-        <p:cNvPr id="1" name=""/>
+        <p:cNvPr id="1" name="" hidden="0"/>
         <p:cNvGrpSpPr/>
-        <p:nvPr/>
+        <p:nvPr isPhoto="0" userDrawn="0"/>
       </p:nvGrpSpPr>
-      <p:grpSpPr>
+      <p:grpSpPr bwMode="auto">
         <a:xfrm>
           <a:off x="0" y="0"/>
           <a:ext cx="0" cy="0"/>
@@ -4778,166 +4268,180 @@
       </p:grpSpPr>
       <p:sp>
         <p:nvSpPr>
-          <p:cNvPr id="2" name="Título 1">
-            <a:extLst>
-              <a:ext uri="{FF2B5EF4-FFF2-40B4-BE49-F238E27FC236}">
-                <a16:creationId xmlns:a16="http://schemas.microsoft.com/office/drawing/2014/main" id="{AE2AB61C-ABCC-413E-8E17-EBD044C9BB97}"/>
-              </a:ext>
-            </a:extLst>
-          </p:cNvPr>
-          <p:cNvSpPr>
-            <a:spLocks noGrp="1"/>
-          </p:cNvSpPr>
-          <p:nvPr>
-            <p:ph type="title"/>
-          </p:nvPr>
-        </p:nvSpPr>
-        <p:spPr/>
+          <p:cNvPr id="2" name="Título 1" hidden="0"/>
+          <p:cNvSpPr>
+            <a:spLocks noGrp="1"/>
+          </p:cNvSpPr>
+          <p:nvPr isPhoto="0" userDrawn="0">
+            <p:ph type="title" hasCustomPrompt="0"/>
+          </p:nvPr>
+        </p:nvSpPr>
+        <p:spPr bwMode="auto"/>
         <p:txBody>
           <a:bodyPr/>
           <a:lstStyle/>
           <a:p>
-            <a:r>
-              <a:rPr lang="pt-PT" dirty="0" err="1"/>
+            <a:pPr>
+              <a:defRPr/>
+            </a:pPr>
+            <a:r>
+              <a:rPr lang="pt-PT"/>
               <a:t>Specifications</a:t>
             </a:r>
-            <a:endParaRPr lang="pt-PT" dirty="0"/>
-          </a:p>
-        </p:txBody>
-      </p:sp>
-      <p:sp>
-        <p:nvSpPr>
-          <p:cNvPr id="3" name="Marcador de Posição de Conteúdo 2">
-            <a:extLst>
-              <a:ext uri="{FF2B5EF4-FFF2-40B4-BE49-F238E27FC236}">
-                <a16:creationId xmlns:a16="http://schemas.microsoft.com/office/drawing/2014/main" id="{300D1453-DC35-40B3-81DC-E9F3035DCC91}"/>
-              </a:ext>
-            </a:extLst>
-          </p:cNvPr>
-          <p:cNvSpPr>
-            <a:spLocks noGrp="1"/>
-          </p:cNvSpPr>
-          <p:nvPr>
-            <p:ph idx="1"/>
-          </p:nvPr>
-        </p:nvSpPr>
-        <p:spPr/>
+            <a:endParaRPr lang="pt-PT"/>
+          </a:p>
+        </p:txBody>
+      </p:sp>
+      <p:sp>
+        <p:nvSpPr>
+          <p:cNvPr id="3" name="Marcador de Posição de Conteúdo 2" hidden="0"/>
+          <p:cNvSpPr>
+            <a:spLocks noGrp="1"/>
+          </p:cNvSpPr>
+          <p:nvPr isPhoto="0" userDrawn="0">
+            <p:ph idx="1" hasCustomPrompt="0"/>
+          </p:nvPr>
+        </p:nvSpPr>
+        <p:spPr bwMode="auto"/>
         <p:txBody>
           <a:bodyPr>
             <a:normAutofit fontScale="70000" lnSpcReduction="20000"/>
           </a:bodyPr>
           <a:lstStyle/>
           <a:p>
-            <a:r>
-              <a:rPr lang="pt-PT" dirty="0"/>
+            <a:pPr>
+              <a:defRPr/>
+            </a:pPr>
+            <a:r>
+              <a:rPr lang="pt-PT"/>
               <a:t>The main goal for this project is to, based on Artificial Inteligence skills and search algorithms, implement a version of the puzzle “Chess Snake”;</a:t>
             </a:r>
-          </a:p>
-          <a:p>
-            <a:r>
-              <a:rPr lang="pt-PT" dirty="0"/>
+            <a:endParaRPr/>
+          </a:p>
+          <a:p>
+            <a:pPr>
+              <a:defRPr/>
+            </a:pPr>
+            <a:r>
+              <a:rPr lang="pt-PT"/>
               <a:t>The main goal of the puzzle is to connect the bottom left tile of the board with the top right tile, by creating a path according to some rules;</a:t>
             </a:r>
-          </a:p>
-          <a:p>
-            <a:r>
-              <a:rPr lang="pt-PT" dirty="0"/>
+            <a:endParaRPr/>
+          </a:p>
+          <a:p>
+            <a:pPr>
+              <a:defRPr/>
+            </a:pPr>
+            <a:r>
+              <a:rPr lang="pt-PT"/>
               <a:t>The rules are: </a:t>
             </a:r>
+            <a:endParaRPr/>
           </a:p>
           <a:p>
             <a:pPr marL="0" indent="0">
               <a:buNone/>
-            </a:pPr>
-            <a:r>
-              <a:rPr lang="pt-PT" dirty="0"/>
+              <a:defRPr/>
+            </a:pPr>
+            <a:r>
+              <a:rPr lang="pt-PT"/>
               <a:t>    - No loops are allowed;</a:t>
             </a:r>
+            <a:endParaRPr/>
           </a:p>
           <a:p>
             <a:pPr marL="0" indent="0">
               <a:buNone/>
-            </a:pPr>
-            <a:r>
-              <a:rPr lang="pt-PT" dirty="0"/>
+              <a:defRPr/>
+            </a:pPr>
+            <a:r>
+              <a:rPr lang="pt-PT"/>
               <a:t>    - Each chess piece </a:t>
             </a:r>
             <a:r>
-              <a:rPr lang="pt-PT" dirty="0" err="1"/>
+              <a:rPr lang="pt-PT"/>
               <a:t>attacks</a:t>
             </a:r>
             <a:r>
-              <a:rPr lang="pt-PT" dirty="0"/>
+              <a:rPr lang="pt-PT"/>
               <a:t> </a:t>
             </a:r>
             <a:r>
-              <a:rPr lang="pt-PT" dirty="0" err="1"/>
+              <a:rPr lang="pt-PT"/>
               <a:t>an</a:t>
             </a:r>
             <a:r>
-              <a:rPr lang="pt-PT" dirty="0"/>
+              <a:rPr lang="pt-PT"/>
               <a:t> equal number of squares of the choose path;</a:t>
             </a:r>
+            <a:endParaRPr/>
           </a:p>
           <a:p>
             <a:pPr marL="0" indent="0">
               <a:buNone/>
-            </a:pPr>
-            <a:r>
-              <a:rPr lang="pt-PT" dirty="0"/>
+              <a:defRPr/>
+            </a:pPr>
+            <a:r>
+              <a:rPr lang="pt-PT"/>
               <a:t>    - Pieces may not be crossed by </a:t>
             </a:r>
             <a:r>
-              <a:rPr lang="pt-PT" dirty="0" err="1"/>
+              <a:rPr lang="pt-PT"/>
               <a:t>the</a:t>
             </a:r>
             <a:r>
-              <a:rPr lang="pt-PT" dirty="0"/>
+              <a:rPr lang="pt-PT"/>
               <a:t> </a:t>
             </a:r>
             <a:r>
-              <a:rPr lang="pt-PT" dirty="0" err="1"/>
+              <a:rPr lang="pt-PT"/>
               <a:t>path</a:t>
             </a:r>
             <a:r>
-              <a:rPr lang="pt-PT" dirty="0"/>
+              <a:rPr lang="pt-PT"/>
               <a:t>;</a:t>
             </a:r>
+            <a:endParaRPr/>
           </a:p>
           <a:p>
             <a:pPr marL="0" indent="0">
               <a:buNone/>
-            </a:pPr>
-            <a:r>
-              <a:rPr lang="pt-PT" dirty="0"/>
+              <a:defRPr/>
+            </a:pPr>
+            <a:r>
+              <a:rPr lang="pt-PT"/>
               <a:t>    - The snake cannot touch itself.</a:t>
             </a:r>
+            <a:endParaRPr/>
           </a:p>
         </p:txBody>
       </p:sp>
     </p:spTree>
-    <p:extLst>
-      <p:ext uri="{BB962C8B-B14F-4D97-AF65-F5344CB8AC3E}">
-        <p14:creationId xmlns:p14="http://schemas.microsoft.com/office/powerpoint/2010/main" val="1616608620"/>
-      </p:ext>
-    </p:extLst>
   </p:cSld>
   <p:clrMapOvr>
     <a:masterClrMapping/>
   </p:clrMapOvr>
+  <mc:AlternateContent xmlns:mc="http://schemas.openxmlformats.org/markup-compatibility/2006">
+    <mc:Choice xmlns:p14="http://schemas.microsoft.com/office/powerpoint/2010/main" Requires="p14">
+      <p:transition p14:dur="2000" advClick="1"/>
+    </mc:Choice>
+    <mc:Fallback>
+      <p:transition advClick="1"/>
+    </mc:Fallback>
+  </mc:AlternateContent>
 </p:sld>
 </file>
 
 <file path=ppt/slides/slide3.xml><?xml version="1.0" encoding="utf-8"?>
-<p:sld xmlns:a="http://schemas.openxmlformats.org/drawingml/2006/main" xmlns:r="http://schemas.openxmlformats.org/officeDocument/2006/relationships" xmlns:p="http://schemas.openxmlformats.org/presentationml/2006/main">
-  <p:cSld>
+<p:sld xmlns:a="http://schemas.openxmlformats.org/drawingml/2006/main" xmlns:r="http://schemas.openxmlformats.org/officeDocument/2006/relationships" xmlns:p="http://schemas.openxmlformats.org/presentationml/2006/main" xmlns:m="http://schemas.openxmlformats.org/officeDocument/2006/math" xmlns:w="http://schemas.openxmlformats.org/wordprocessingml/2006/main" showMasterPhAnim="0" show="1">
+  <p:cSld name="">
     <p:spTree>
       <p:nvGrpSpPr>
-        <p:cNvPr id="1" name=""/>
+        <p:cNvPr id="1" name="" hidden="0"/>
         <p:cNvGrpSpPr/>
-        <p:nvPr/>
+        <p:nvPr isPhoto="0" userDrawn="0"/>
       </p:nvGrpSpPr>
-      <p:grpSpPr>
+      <p:grpSpPr bwMode="auto">
         <a:xfrm>
           <a:off x="0" y="0"/>
           <a:ext cx="0" cy="0"/>
@@ -4947,130 +4451,140 @@
       </p:grpSpPr>
       <p:sp>
         <p:nvSpPr>
-          <p:cNvPr id="2" name="Título 1">
-            <a:extLst>
-              <a:ext uri="{FF2B5EF4-FFF2-40B4-BE49-F238E27FC236}">
-                <a16:creationId xmlns:a16="http://schemas.microsoft.com/office/drawing/2014/main" id="{002C1EF3-DAF5-4954-A65F-75EE9FC0459D}"/>
-              </a:ext>
-            </a:extLst>
-          </p:cNvPr>
-          <p:cNvSpPr>
-            <a:spLocks noGrp="1"/>
-          </p:cNvSpPr>
-          <p:nvPr>
-            <p:ph type="title"/>
-          </p:nvPr>
-        </p:nvSpPr>
-        <p:spPr/>
+          <p:cNvPr id="2" name="Título 1" hidden="0"/>
+          <p:cNvSpPr>
+            <a:spLocks noGrp="1"/>
+          </p:cNvSpPr>
+          <p:nvPr isPhoto="0" userDrawn="0">
+            <p:ph type="title" hasCustomPrompt="0"/>
+          </p:nvPr>
+        </p:nvSpPr>
+        <p:spPr bwMode="auto"/>
         <p:txBody>
           <a:bodyPr/>
           <a:lstStyle/>
           <a:p>
-            <a:r>
-              <a:rPr lang="pt-PT" dirty="0" err="1"/>
+            <a:pPr>
+              <a:defRPr/>
+            </a:pPr>
+            <a:r>
+              <a:rPr lang="pt-PT"/>
               <a:t>Related</a:t>
             </a:r>
             <a:r>
-              <a:rPr lang="pt-PT" dirty="0"/>
+              <a:rPr lang="pt-PT"/>
               <a:t> </a:t>
             </a:r>
             <a:r>
-              <a:rPr lang="pt-PT" dirty="0" err="1"/>
+              <a:rPr lang="pt-PT"/>
               <a:t>Work</a:t>
             </a:r>
-            <a:endParaRPr lang="pt-PT" dirty="0"/>
-          </a:p>
-        </p:txBody>
-      </p:sp>
-      <p:sp>
-        <p:nvSpPr>
-          <p:cNvPr id="3" name="Marcador de Posição de Conteúdo 2">
-            <a:extLst>
-              <a:ext uri="{FF2B5EF4-FFF2-40B4-BE49-F238E27FC236}">
-                <a16:creationId xmlns:a16="http://schemas.microsoft.com/office/drawing/2014/main" id="{5AF8D9DC-FC05-48F6-9EC8-CBB6AF3A0081}"/>
-              </a:ext>
-            </a:extLst>
-          </p:cNvPr>
-          <p:cNvSpPr>
-            <a:spLocks noGrp="1"/>
-          </p:cNvSpPr>
-          <p:nvPr>
-            <p:ph idx="1"/>
-          </p:nvPr>
-        </p:nvSpPr>
-        <p:spPr/>
+            <a:endParaRPr lang="pt-PT"/>
+          </a:p>
+        </p:txBody>
+      </p:sp>
+      <p:sp>
+        <p:nvSpPr>
+          <p:cNvPr id="3" name="Marcador de Posição de Conteúdo 2" hidden="0"/>
+          <p:cNvSpPr>
+            <a:spLocks noGrp="1"/>
+          </p:cNvSpPr>
+          <p:nvPr isPhoto="0" userDrawn="0">
+            <p:ph idx="1" hasCustomPrompt="0"/>
+          </p:nvPr>
+        </p:nvSpPr>
+        <p:spPr bwMode="auto"/>
         <p:txBody>
           <a:bodyPr/>
           <a:lstStyle/>
           <a:p>
-            <a:r>
-              <a:rPr lang="pt-PT" dirty="0">
-                <a:hlinkClick r:id="rId2"/>
+            <a:pPr>
+              <a:defRPr/>
+            </a:pPr>
+            <a:r>
+              <a:rPr lang="pt-PT" u="sng">
+                <a:hlinkClick r:id="rId2" tooltip="https://erich-friedman.github.io/puzzle/snake/"/>
               </a:rPr>
               <a:t>https://erich-friedman.github.io/puzzle/snake/</a:t>
             </a:r>
-            <a:endParaRPr lang="pt-PT" dirty="0"/>
-          </a:p>
-          <a:p>
-            <a:r>
-              <a:rPr lang="pt-PT" dirty="0">
-                <a:hlinkClick r:id="rId3"/>
+            <a:endParaRPr lang="pt-PT"/>
+          </a:p>
+          <a:p>
+            <a:pPr>
+              <a:defRPr/>
+            </a:pPr>
+            <a:r>
+              <a:rPr lang="pt-PT" u="sng">
+                <a:hlinkClick r:id="rId3" tooltip="https://moodle.up.pt/"/>
               </a:rPr>
               <a:t>https://moodle.up.pt/</a:t>
             </a:r>
             <a:r>
-              <a:rPr lang="pt-PT" dirty="0"/>
+              <a:rPr lang="pt-PT"/>
               <a:t> (</a:t>
             </a:r>
             <a:r>
-              <a:rPr lang="pt-PT" dirty="0" err="1"/>
+              <a:rPr lang="pt-PT"/>
               <a:t>course</a:t>
             </a:r>
             <a:r>
-              <a:rPr lang="pt-PT" dirty="0"/>
+              <a:rPr lang="pt-PT"/>
               <a:t> files)</a:t>
             </a:r>
-          </a:p>
-          <a:p>
-            <a:r>
-              <a:rPr lang="pt-PT" dirty="0">
-                <a:hlinkClick r:id="rId4"/>
+            <a:endParaRPr/>
+          </a:p>
+          <a:p>
+            <a:pPr>
+              <a:defRPr/>
+            </a:pPr>
+            <a:r>
+              <a:rPr lang="pt-PT" u="sng">
+                <a:hlinkClick r:id="rId4" tooltip="https://pedros.works/chess-snake"/>
               </a:rPr>
               <a:t>https://pedros.works/chess-snake</a:t>
             </a:r>
-            <a:endParaRPr lang="pt-PT" dirty="0"/>
-          </a:p>
-          <a:p>
-            <a:endParaRPr lang="pt-PT" dirty="0"/>
-          </a:p>
-          <a:p>
-            <a:endParaRPr lang="pt-PT" dirty="0"/>
+            <a:endParaRPr lang="pt-PT"/>
+          </a:p>
+          <a:p>
+            <a:pPr>
+              <a:defRPr/>
+            </a:pPr>
+            <a:endParaRPr lang="pt-PT"/>
+          </a:p>
+          <a:p>
+            <a:pPr>
+              <a:defRPr/>
+            </a:pPr>
+            <a:endParaRPr lang="pt-PT"/>
           </a:p>
         </p:txBody>
       </p:sp>
     </p:spTree>
-    <p:extLst>
-      <p:ext uri="{BB962C8B-B14F-4D97-AF65-F5344CB8AC3E}">
-        <p14:creationId xmlns:p14="http://schemas.microsoft.com/office/powerpoint/2010/main" val="3204148524"/>
-      </p:ext>
-    </p:extLst>
   </p:cSld>
   <p:clrMapOvr>
     <a:masterClrMapping/>
   </p:clrMapOvr>
+  <mc:AlternateContent xmlns:mc="http://schemas.openxmlformats.org/markup-compatibility/2006">
+    <mc:Choice xmlns:p14="http://schemas.microsoft.com/office/powerpoint/2010/main" Requires="p14">
+      <p:transition p14:dur="2000" advClick="1"/>
+    </mc:Choice>
+    <mc:Fallback>
+      <p:transition advClick="1"/>
+    </mc:Fallback>
+  </mc:AlternateContent>
 </p:sld>
 </file>
 
 <file path=ppt/slides/slide4.xml><?xml version="1.0" encoding="utf-8"?>
-<p:sld xmlns:a="http://schemas.openxmlformats.org/drawingml/2006/main" xmlns:r="http://schemas.openxmlformats.org/officeDocument/2006/relationships" xmlns:p="http://schemas.openxmlformats.org/presentationml/2006/main">
-  <p:cSld>
+<p:sld xmlns:a="http://schemas.openxmlformats.org/drawingml/2006/main" xmlns:r="http://schemas.openxmlformats.org/officeDocument/2006/relationships" xmlns:p="http://schemas.openxmlformats.org/presentationml/2006/main" xmlns:m="http://schemas.openxmlformats.org/officeDocument/2006/math" xmlns:w="http://schemas.openxmlformats.org/wordprocessingml/2006/main" showMasterPhAnim="0" show="1">
+  <p:cSld name="">
     <p:spTree>
       <p:nvGrpSpPr>
-        <p:cNvPr id="1" name=""/>
+        <p:cNvPr id="1" name="" hidden="0"/>
         <p:cNvGrpSpPr/>
-        <p:nvPr/>
+        <p:nvPr isPhoto="0" userDrawn="0"/>
       </p:nvGrpSpPr>
-      <p:grpSpPr>
+      <p:grpSpPr bwMode="auto">
         <a:xfrm>
           <a:off x="0" y="0"/>
           <a:ext cx="0" cy="0"/>
@@ -5080,318 +4594,300 @@
       </p:grpSpPr>
       <p:sp>
         <p:nvSpPr>
-          <p:cNvPr id="2" name="Título 1">
-            <a:extLst>
-              <a:ext uri="{FF2B5EF4-FFF2-40B4-BE49-F238E27FC236}">
-                <a16:creationId xmlns:a16="http://schemas.microsoft.com/office/drawing/2014/main" id="{CF6D79BA-1C89-43B6-8A52-C02CB39ED30B}"/>
-              </a:ext>
-            </a:extLst>
-          </p:cNvPr>
-          <p:cNvSpPr>
-            <a:spLocks noGrp="1"/>
-          </p:cNvSpPr>
-          <p:nvPr>
-            <p:ph type="title"/>
-          </p:nvPr>
-        </p:nvSpPr>
-        <p:spPr/>
+          <p:cNvPr id="2" name="Título 1" hidden="0"/>
+          <p:cNvSpPr>
+            <a:spLocks noGrp="1"/>
+          </p:cNvSpPr>
+          <p:nvPr isPhoto="0" userDrawn="0">
+            <p:ph type="title" hasCustomPrompt="0"/>
+          </p:nvPr>
+        </p:nvSpPr>
+        <p:spPr bwMode="auto"/>
         <p:txBody>
           <a:bodyPr/>
           <a:lstStyle/>
           <a:p>
-            <a:r>
-              <a:rPr lang="pt-PT" dirty="0" err="1"/>
+            <a:pPr>
+              <a:defRPr/>
+            </a:pPr>
+            <a:r>
+              <a:rPr lang="pt-PT"/>
               <a:t>Search</a:t>
             </a:r>
             <a:r>
-              <a:rPr lang="pt-PT" dirty="0"/>
+              <a:rPr lang="pt-PT"/>
               <a:t> </a:t>
             </a:r>
             <a:r>
-              <a:rPr lang="pt-PT" dirty="0" err="1"/>
+              <a:rPr lang="pt-PT"/>
               <a:t>Problem</a:t>
             </a:r>
             <a:r>
-              <a:rPr lang="pt-PT" dirty="0"/>
+              <a:rPr lang="pt-PT"/>
               <a:t> </a:t>
             </a:r>
             <a:r>
-              <a:rPr lang="pt-PT" dirty="0" err="1"/>
+              <a:rPr lang="pt-PT"/>
               <a:t>Formulation</a:t>
             </a:r>
-            <a:endParaRPr lang="pt-PT" dirty="0"/>
-          </a:p>
-        </p:txBody>
-      </p:sp>
-      <p:sp>
-        <p:nvSpPr>
-          <p:cNvPr id="3" name="Marcador de Posição de Conteúdo 2">
-            <a:extLst>
-              <a:ext uri="{FF2B5EF4-FFF2-40B4-BE49-F238E27FC236}">
-                <a16:creationId xmlns:a16="http://schemas.microsoft.com/office/drawing/2014/main" id="{6EDDA152-6B00-4A16-8E42-4E16F0784E3C}"/>
-              </a:ext>
-            </a:extLst>
-          </p:cNvPr>
-          <p:cNvSpPr>
-            <a:spLocks noGrp="1"/>
-          </p:cNvSpPr>
-          <p:nvPr>
-            <p:ph idx="1"/>
-          </p:nvPr>
-        </p:nvSpPr>
-        <p:spPr/>
-        <p:txBody>
-          <a:bodyPr>
-            <a:normAutofit fontScale="55000" lnSpcReduction="20000"/>
+            <a:endParaRPr lang="pt-PT"/>
+          </a:p>
+        </p:txBody>
+      </p:sp>
+      <p:sp>
+        <p:nvSpPr>
+          <p:cNvPr id="3" name="Marcador de Posição de Conteúdo 2" hidden="0"/>
+          <p:cNvSpPr>
+            <a:spLocks noGrp="1"/>
+          </p:cNvSpPr>
+          <p:nvPr isPhoto="0" userDrawn="0">
+            <p:ph idx="1" hasCustomPrompt="0"/>
+          </p:nvPr>
+        </p:nvSpPr>
+        <p:spPr bwMode="auto"/>
+        <p:txBody>
+          <a:bodyPr vertOverflow="overflow" horzOverflow="clip" vert="horz" wrap="square" lIns="91440" tIns="45720" rIns="91440" bIns="45720" numCol="1" spcCol="0" rtlCol="0" fromWordArt="0" anchor="t" anchorCtr="0" forceAA="0" upright="0" compatLnSpc="0">
+            <a:normAutofit fontScale="55000" lnSpcReduction="9000"/>
           </a:bodyPr>
           <a:lstStyle/>
           <a:p>
-            <a:r>
-              <a:rPr lang="pt-PT" dirty="0"/>
+            <a:pPr>
+              <a:defRPr/>
+            </a:pPr>
+            <a:r>
+              <a:rPr lang="pt-PT"/>
               <a:t>State Representation: The board is represented by a matrix (list of lists), start and end tile are represented by the char ‘s’ and ‘f’, respectively, each chess piece is also represented by a char (king – k, queen – q, bishop – b, knigth – n, rook –r and pawn - p) the path tiles are represented with a 1 and the empty tiles with a 0. </a:t>
             </a:r>
             <a:r>
-              <a:rPr lang="pt-PT" dirty="0" err="1"/>
+              <a:rPr lang="pt-PT"/>
               <a:t>Each</a:t>
             </a:r>
             <a:r>
-              <a:rPr lang="pt-PT" dirty="0"/>
+              <a:rPr lang="pt-PT"/>
+              <a:t> chess </a:t>
+            </a:r>
+            <a:r>
+              <a:rPr lang="pt-PT"/>
+              <a:t>piece</a:t>
+            </a:r>
+            <a:r>
+              <a:rPr lang="pt-PT"/>
               <a:t> </a:t>
             </a:r>
             <a:r>
-              <a:rPr lang="pt-PT" dirty="0" err="1"/>
-              <a:t>piece</a:t>
-            </a:r>
-            <a:r>
-              <a:rPr lang="pt-PT" dirty="0"/>
+              <a:rPr lang="pt-PT"/>
+              <a:t>has</a:t>
+            </a:r>
+            <a:r>
+              <a:rPr lang="pt-PT"/>
+              <a:t> a </a:t>
+            </a:r>
+            <a:r>
+              <a:rPr lang="pt-PT"/>
+              <a:t>counter</a:t>
+            </a:r>
+            <a:r>
+              <a:rPr lang="pt-PT"/>
               <a:t> </a:t>
             </a:r>
             <a:r>
-              <a:rPr lang="pt-PT" dirty="0" err="1"/>
+              <a:rPr lang="pt-PT"/>
+              <a:t>that</a:t>
+            </a:r>
+            <a:r>
+              <a:rPr lang="pt-PT"/>
+              <a:t> </a:t>
+            </a:r>
+            <a:r>
+              <a:rPr lang="pt-PT"/>
+              <a:t>counts</a:t>
+            </a:r>
+            <a:r>
+              <a:rPr lang="pt-PT"/>
+              <a:t> </a:t>
+            </a:r>
+            <a:r>
+              <a:rPr lang="pt-PT"/>
+              <a:t>each</a:t>
+            </a:r>
+            <a:r>
+              <a:rPr lang="pt-PT"/>
+              <a:t> time </a:t>
+            </a:r>
+            <a:r>
+              <a:rPr lang="pt-PT"/>
+              <a:t>it</a:t>
+            </a:r>
+            <a:r>
+              <a:rPr lang="pt-PT"/>
+              <a:t> </a:t>
+            </a:r>
+            <a:r>
+              <a:rPr lang="pt-PT"/>
+              <a:t>attacks</a:t>
+            </a:r>
+            <a:r>
+              <a:rPr lang="pt-PT"/>
+              <a:t> </a:t>
+            </a:r>
+            <a:r>
+              <a:rPr lang="pt-PT"/>
+              <a:t>the</a:t>
+            </a:r>
+            <a:r>
+              <a:rPr lang="pt-PT"/>
+              <a:t> </a:t>
+            </a:r>
+            <a:r>
+              <a:rPr lang="pt-PT"/>
+              <a:t>snake</a:t>
+            </a:r>
+            <a:r>
+              <a:rPr lang="pt-PT"/>
+              <a:t>. </a:t>
+            </a:r>
+            <a:r>
+              <a:rPr lang="pt-PT"/>
+              <a:t>Every</a:t>
+            </a:r>
+            <a:r>
+              <a:rPr lang="pt-PT"/>
+              <a:t> tile </a:t>
+            </a:r>
+            <a:r>
+              <a:rPr lang="pt-PT"/>
               <a:t>has</a:t>
             </a:r>
             <a:r>
-              <a:rPr lang="pt-PT" dirty="0"/>
+              <a:rPr lang="pt-PT"/>
               <a:t> a </a:t>
             </a:r>
             <a:r>
-              <a:rPr lang="pt-PT" dirty="0" err="1"/>
-              <a:t>counter</a:t>
-            </a:r>
-            <a:r>
-              <a:rPr lang="pt-PT" dirty="0"/>
+              <a:rPr lang="pt-PT"/>
+              <a:t>position</a:t>
+            </a:r>
+            <a:r>
+              <a:rPr lang="pt-PT"/>
+              <a:t> (x, y) </a:t>
+            </a:r>
+            <a:r>
+              <a:rPr lang="pt-PT"/>
+              <a:t>to store the corresponding index of the matrix and a bool to know if the tile is being attacked or not</a:t>
+            </a:r>
+            <a:r>
+              <a:rPr lang="pt-PT"/>
+              <a:t>.</a:t>
+            </a:r>
+            <a:endParaRPr/>
+          </a:p>
+          <a:p>
+            <a:pPr>
+              <a:defRPr/>
+            </a:pPr>
+            <a:r>
+              <a:rPr lang="pt-PT"/>
+              <a:t>Initial</a:t>
+            </a:r>
+            <a:r>
+              <a:rPr lang="pt-PT"/>
+              <a:t> state: The initial state is represented with the given chess tiles defined in the board and the start and finish tiles well-marked as well.</a:t>
+            </a:r>
+            <a:endParaRPr/>
+          </a:p>
+          <a:p>
+            <a:pPr>
+              <a:defRPr/>
+            </a:pPr>
+            <a:r>
+              <a:rPr lang="pt-PT"/>
+              <a:t>Final state: state with a chosen path which may follow the rules defined in the game description. So it will be a matrix similiar with the initial state but, in </a:t>
+            </a:r>
+            <a:r>
+              <a:rPr lang="pt-PT"/>
+              <a:t>this</a:t>
+            </a:r>
+            <a:r>
+              <a:rPr lang="pt-PT"/>
+              <a:t> case, with the tiles representing the solution path marked with a 1.</a:t>
+            </a:r>
+            <a:endParaRPr/>
+          </a:p>
+          <a:p>
+            <a:pPr>
+              <a:defRPr/>
+            </a:pPr>
+            <a:r>
+              <a:rPr lang="pt-PT"/>
+              <a:t>Solution Cost – Each move costs 1, so the final cost will be the total length of the </a:t>
+            </a:r>
+            <a:r>
+              <a:rPr lang="pt-PT"/>
+              <a:t>snake</a:t>
+            </a:r>
+            <a:r>
+              <a:rPr lang="pt-PT"/>
+              <a:t>. (</a:t>
+            </a:r>
+            <a:r>
+              <a:rPr lang="pt-PT" b="1"/>
+              <a:t>to </a:t>
+            </a:r>
+            <a:r>
+              <a:rPr lang="pt-PT" b="1"/>
+              <a:t>be</a:t>
+            </a:r>
+            <a:r>
+              <a:rPr lang="pt-PT" b="1"/>
               <a:t> </a:t>
             </a:r>
             <a:r>
-              <a:rPr lang="pt-PT" dirty="0" err="1"/>
-              <a:t>that</a:t>
-            </a:r>
-            <a:r>
-              <a:rPr lang="pt-PT" dirty="0"/>
-              <a:t> </a:t>
-            </a:r>
-            <a:r>
-              <a:rPr lang="pt-PT" dirty="0" err="1"/>
-              <a:t>counts</a:t>
-            </a:r>
-            <a:r>
-              <a:rPr lang="pt-PT" dirty="0"/>
-              <a:t> </a:t>
-            </a:r>
-            <a:r>
-              <a:rPr lang="pt-PT" dirty="0" err="1"/>
-              <a:t>each</a:t>
-            </a:r>
-            <a:r>
-              <a:rPr lang="pt-PT" dirty="0"/>
-              <a:t> time </a:t>
-            </a:r>
-            <a:r>
-              <a:rPr lang="pt-PT" dirty="0" err="1"/>
-              <a:t>it</a:t>
-            </a:r>
-            <a:r>
-              <a:rPr lang="pt-PT" dirty="0"/>
-              <a:t> </a:t>
-            </a:r>
-            <a:r>
-              <a:rPr lang="pt-PT" dirty="0" err="1"/>
-              <a:t>attacks</a:t>
-            </a:r>
-            <a:r>
-              <a:rPr lang="pt-PT" dirty="0"/>
-              <a:t> </a:t>
-            </a:r>
-            <a:r>
-              <a:rPr lang="pt-PT" dirty="0" err="1"/>
-              <a:t>the</a:t>
-            </a:r>
-            <a:r>
-              <a:rPr lang="pt-PT" dirty="0"/>
-              <a:t> </a:t>
-            </a:r>
-            <a:r>
-              <a:rPr lang="pt-PT" dirty="0" err="1"/>
-              <a:t>snake</a:t>
-            </a:r>
-            <a:r>
-              <a:rPr lang="pt-PT" dirty="0"/>
-              <a:t>. </a:t>
-            </a:r>
-            <a:r>
-              <a:rPr lang="pt-PT" dirty="0" err="1"/>
-              <a:t>Every</a:t>
-            </a:r>
-            <a:r>
-              <a:rPr lang="pt-PT" dirty="0"/>
-              <a:t> tile </a:t>
-            </a:r>
-            <a:r>
-              <a:rPr lang="pt-PT" dirty="0" err="1"/>
-              <a:t>has</a:t>
-            </a:r>
-            <a:r>
-              <a:rPr lang="pt-PT" dirty="0"/>
-              <a:t> a </a:t>
-            </a:r>
-            <a:r>
-              <a:rPr lang="pt-PT" dirty="0" err="1"/>
-              <a:t>position</a:t>
-            </a:r>
-            <a:r>
-              <a:rPr lang="pt-PT" dirty="0"/>
-              <a:t> (x, y) </a:t>
-            </a:r>
-            <a:r>
-              <a:rPr lang="pt-PT" dirty="0" err="1"/>
-              <a:t>that</a:t>
-            </a:r>
-            <a:r>
-              <a:rPr lang="pt-PT" dirty="0"/>
-              <a:t> </a:t>
-            </a:r>
-            <a:r>
-              <a:rPr lang="pt-PT" dirty="0" err="1"/>
-              <a:t>is</a:t>
-            </a:r>
-            <a:r>
-              <a:rPr lang="pt-PT" dirty="0"/>
-              <a:t> </a:t>
-            </a:r>
-            <a:r>
-              <a:rPr lang="pt-PT" dirty="0" err="1"/>
-              <a:t>updated</a:t>
-            </a:r>
-            <a:r>
-              <a:rPr lang="pt-PT" dirty="0"/>
-              <a:t> </a:t>
-            </a:r>
-            <a:r>
-              <a:rPr lang="pt-PT" dirty="0" err="1"/>
-              <a:t>everytime</a:t>
-            </a:r>
-            <a:r>
-              <a:rPr lang="pt-PT" dirty="0"/>
-              <a:t> </a:t>
-            </a:r>
-            <a:r>
-              <a:rPr lang="pt-PT" dirty="0" err="1"/>
-              <a:t>it</a:t>
-            </a:r>
-            <a:r>
-              <a:rPr lang="pt-PT" dirty="0"/>
-              <a:t> moves.</a:t>
-            </a:r>
-          </a:p>
-          <a:p>
-            <a:r>
-              <a:rPr lang="pt-PT" dirty="0" err="1"/>
-              <a:t>Initial</a:t>
-            </a:r>
-            <a:r>
-              <a:rPr lang="pt-PT" dirty="0"/>
-              <a:t> state: The initial state is represented with the given chess tiles defined in the board and the start and finish tiles well-marked as well.</a:t>
-            </a:r>
-          </a:p>
-          <a:p>
-            <a:r>
-              <a:rPr lang="pt-PT" dirty="0"/>
-              <a:t>Final state: state with a chosen path which may follow the rules defined in the game description. So it will be a matrix similiar with the initial state but, in </a:t>
-            </a:r>
-            <a:r>
-              <a:rPr lang="pt-PT" dirty="0" err="1"/>
-              <a:t>this</a:t>
-            </a:r>
-            <a:r>
-              <a:rPr lang="pt-PT" dirty="0"/>
-              <a:t> case, with the tiles representing the solution path marked with a 1.</a:t>
-            </a:r>
-          </a:p>
-          <a:p>
-            <a:r>
-              <a:rPr lang="pt-PT" dirty="0"/>
-              <a:t>Solution Cost – Each move costs 1, so the final cost will be the total length of the </a:t>
-            </a:r>
-            <a:r>
-              <a:rPr lang="pt-PT" dirty="0" err="1"/>
-              <a:t>snake</a:t>
-            </a:r>
-            <a:r>
-              <a:rPr lang="pt-PT" dirty="0"/>
-              <a:t>. (</a:t>
-            </a:r>
-            <a:r>
-              <a:rPr lang="pt-PT" b="1" dirty="0"/>
-              <a:t>to </a:t>
-            </a:r>
-            <a:r>
-              <a:rPr lang="pt-PT" b="1" dirty="0" err="1"/>
-              <a:t>be</a:t>
-            </a:r>
-            <a:r>
-              <a:rPr lang="pt-PT" b="1" dirty="0"/>
-              <a:t> </a:t>
-            </a:r>
-            <a:r>
-              <a:rPr lang="pt-PT" b="1" dirty="0" err="1"/>
+              <a:rPr lang="pt-PT" b="1"/>
               <a:t>checked</a:t>
             </a:r>
             <a:r>
-              <a:rPr lang="pt-PT" dirty="0"/>
+              <a:rPr lang="pt-PT"/>
               <a:t>)</a:t>
             </a:r>
-          </a:p>
-          <a:p>
-            <a:r>
-              <a:rPr lang="pt-PT" dirty="0"/>
+            <a:endParaRPr/>
+          </a:p>
+          <a:p>
+            <a:pPr>
+              <a:defRPr/>
+            </a:pPr>
+            <a:r>
+              <a:rPr lang="pt-PT"/>
               <a:t>Heuristic – As the main goal of the puzzle is to find a way to connect the 2 edges pf the board, an heuristic function can be defined as the remaining Manhattan distance from the current snake block to the finish tile.</a:t>
             </a:r>
+            <a:endParaRPr/>
           </a:p>
         </p:txBody>
       </p:sp>
     </p:spTree>
-    <p:extLst>
-      <p:ext uri="{BB962C8B-B14F-4D97-AF65-F5344CB8AC3E}">
-        <p14:creationId xmlns:p14="http://schemas.microsoft.com/office/powerpoint/2010/main" val="3251552042"/>
-      </p:ext>
-    </p:extLst>
   </p:cSld>
   <p:clrMapOvr>
     <a:masterClrMapping/>
   </p:clrMapOvr>
+  <mc:AlternateContent xmlns:mc="http://schemas.openxmlformats.org/markup-compatibility/2006">
+    <mc:Choice xmlns:p14="http://schemas.microsoft.com/office/powerpoint/2010/main" Requires="p14">
+      <p:transition p14:dur="2000" advClick="1"/>
+    </mc:Choice>
+    <mc:Fallback>
+      <p:transition advClick="1"/>
+    </mc:Fallback>
+  </mc:AlternateContent>
 </p:sld>
 </file>
 
 <file path=ppt/slides/slide5.xml><?xml version="1.0" encoding="utf-8"?>
-<p:sld xmlns:a="http://schemas.openxmlformats.org/drawingml/2006/main" xmlns:r="http://schemas.openxmlformats.org/officeDocument/2006/relationships" xmlns:p="http://schemas.openxmlformats.org/presentationml/2006/main">
-  <p:cSld>
+<p:sld xmlns:a="http://schemas.openxmlformats.org/drawingml/2006/main" xmlns:r="http://schemas.openxmlformats.org/officeDocument/2006/relationships" xmlns:p="http://schemas.openxmlformats.org/presentationml/2006/main" xmlns:m="http://schemas.openxmlformats.org/officeDocument/2006/math" xmlns:w="http://schemas.openxmlformats.org/wordprocessingml/2006/main" showMasterPhAnim="0" show="1">
+  <p:cSld name="">
     <p:spTree>
       <p:nvGrpSpPr>
-        <p:cNvPr id="1" name=""/>
+        <p:cNvPr id="1" name="" hidden="0"/>
         <p:cNvGrpSpPr/>
-        <p:nvPr/>
+        <p:nvPr isPhoto="0" userDrawn="0"/>
       </p:nvGrpSpPr>
-      <p:grpSpPr>
+      <p:grpSpPr bwMode="auto">
         <a:xfrm>
           <a:off x="0" y="0"/>
           <a:ext cx="0" cy="0"/>
@@ -5401,21 +4897,15 @@
       </p:grpSpPr>
       <p:sp>
         <p:nvSpPr>
-          <p:cNvPr id="2" name="Title 1">
-            <a:extLst>
-              <a:ext uri="{FF2B5EF4-FFF2-40B4-BE49-F238E27FC236}">
-                <a16:creationId xmlns:a16="http://schemas.microsoft.com/office/drawing/2014/main" id="{27EA0A15-A027-4F12-A914-BB6A52AC47A1}"/>
-              </a:ext>
-            </a:extLst>
-          </p:cNvPr>
-          <p:cNvSpPr>
-            <a:spLocks noGrp="1"/>
-          </p:cNvSpPr>
-          <p:nvPr>
-            <p:ph type="title"/>
-          </p:nvPr>
-        </p:nvSpPr>
-        <p:spPr>
+          <p:cNvPr id="2" name="Title 1" hidden="0"/>
+          <p:cNvSpPr>
+            <a:spLocks noGrp="1"/>
+          </p:cNvSpPr>
+          <p:nvPr isPhoto="0" userDrawn="0">
+            <p:ph type="title" hasCustomPrompt="0"/>
+          </p:nvPr>
+        </p:nvSpPr>
+        <p:spPr bwMode="auto">
           <a:xfrm>
             <a:off x="321112" y="-211963"/>
             <a:ext cx="10668000" cy="1524000"/>
@@ -5425,32 +4915,24 @@
           <a:bodyPr/>
           <a:lstStyle/>
           <a:p>
-            <a:r>
-              <a:rPr lang="pt-PT" dirty="0"/>
+            <a:pPr>
+              <a:defRPr/>
+            </a:pPr>
+            <a:r>
+              <a:rPr lang="pt-PT"/>
               <a:t>Search Problem Formulation</a:t>
             </a:r>
+            <a:endParaRPr/>
           </a:p>
         </p:txBody>
       </p:sp>
       <p:graphicFrame>
         <p:nvGraphicFramePr>
-          <p:cNvPr id="4" name="Table 5">
-            <a:extLst>
-              <a:ext uri="{FF2B5EF4-FFF2-40B4-BE49-F238E27FC236}">
-                <a16:creationId xmlns:a16="http://schemas.microsoft.com/office/drawing/2014/main" id="{2A3F9839-4261-4ACA-B552-CBD09BE3B284}"/>
-              </a:ext>
-            </a:extLst>
-          </p:cNvPr>
+          <p:cNvPr id="4" name="Table 5" hidden="0"/>
           <p:cNvGraphicFramePr>
-            <a:graphicFrameLocks noGrp="1"/>
+            <a:graphicFrameLocks xmlns:a="http://schemas.openxmlformats.org/drawingml/2006/main" noGrp="1"/>
           </p:cNvGraphicFramePr>
-          <p:nvPr>
-            <p:extLst>
-              <p:ext uri="{D42A27DB-BD31-4B8C-83A1-F6EECF244321}">
-                <p14:modId xmlns:p14="http://schemas.microsoft.com/office/powerpoint/2010/main" val="186792945"/>
-              </p:ext>
-            </p:extLst>
-          </p:nvPr>
+          <p:nvPr isPhoto="0" userDrawn="0"/>
         </p:nvGraphicFramePr>
         <p:xfrm>
           <a:off x="3119823" y="854138"/>
@@ -5459,51 +4941,28 @@
         <a:graphic>
           <a:graphicData uri="http://schemas.openxmlformats.org/drawingml/2006/table">
             <a:tbl>
-              <a:tblPr firstRow="1" bandRow="1">
-                <a:tableStyleId>{5C22544A-7EE6-4342-B048-85BDC9FD1C3A}</a:tableStyleId>
+              <a:tblPr firstRow="1" firstCol="0" lastRow="0" lastCol="0" bandRow="1" bandCol="0">
+                <a:tableStyleId>{AFF03CC2-6BA7-71CA-834B-2A56201C08C8}</a:tableStyleId>
               </a:tblPr>
               <a:tblGrid>
-                <a:gridCol w="1057086">
-                  <a:extLst>
-                    <a:ext uri="{9D8B030D-6E8A-4147-A177-3AD203B41FA5}">
-                      <a16:colId xmlns:a16="http://schemas.microsoft.com/office/drawing/2014/main" val="1900299851"/>
-                    </a:ext>
-                  </a:extLst>
-                </a:gridCol>
-                <a:gridCol w="3586543">
-                  <a:extLst>
-                    <a:ext uri="{9D8B030D-6E8A-4147-A177-3AD203B41FA5}">
-                      <a16:colId xmlns:a16="http://schemas.microsoft.com/office/drawing/2014/main" val="2670342692"/>
-                    </a:ext>
-                  </a:extLst>
-                </a:gridCol>
-                <a:gridCol w="3163708">
-                  <a:extLst>
-                    <a:ext uri="{9D8B030D-6E8A-4147-A177-3AD203B41FA5}">
-                      <a16:colId xmlns:a16="http://schemas.microsoft.com/office/drawing/2014/main" val="3521495539"/>
-                    </a:ext>
-                  </a:extLst>
-                </a:gridCol>
-                <a:gridCol w="943728">
-                  <a:extLst>
-                    <a:ext uri="{9D8B030D-6E8A-4147-A177-3AD203B41FA5}">
-                      <a16:colId xmlns:a16="http://schemas.microsoft.com/office/drawing/2014/main" val="485993998"/>
-                    </a:ext>
-                  </a:extLst>
-                </a:gridCol>
+                <a:gridCol w="1057086"/>
+                <a:gridCol w="3586543"/>
+                <a:gridCol w="3163708"/>
+                <a:gridCol w="943728"/>
               </a:tblGrid>
-              <a:tr h="0">
+              <a:tr h="152840">
                 <a:tc>
                   <a:txBody>
                     <a:bodyPr/>
-                    <a:lstStyle/>
                     <a:p>
-                      <a:pPr algn="ctr"/>
+                      <a:pPr algn="ctr">
+                        <a:defRPr/>
+                      </a:pPr>
                       <a:r>
-                        <a:rPr lang="en-GB" sz="1400" dirty="0"/>
+                        <a:rPr lang="en-GB" sz="1400"/>
                         <a:t>Operators</a:t>
                       </a:r>
-                      <a:endParaRPr lang="pt-PT" sz="1400" dirty="0"/>
+                      <a:endParaRPr lang="pt-PT" sz="1400"/>
                     </a:p>
                   </a:txBody>
                   <a:tcPr/>
@@ -5511,14 +4970,15 @@
                 <a:tc>
                   <a:txBody>
                     <a:bodyPr/>
-                    <a:lstStyle/>
                     <a:p>
-                      <a:pPr algn="ctr"/>
+                      <a:pPr algn="ctr">
+                        <a:defRPr/>
+                      </a:pPr>
                       <a:r>
-                        <a:rPr lang="en-GB" sz="1400" dirty="0"/>
+                        <a:rPr lang="en-GB" sz="1400"/>
                         <a:t>Pre-condition</a:t>
                       </a:r>
-                      <a:endParaRPr lang="pt-PT" sz="1400" dirty="0"/>
+                      <a:endParaRPr lang="pt-PT" sz="1400"/>
                     </a:p>
                   </a:txBody>
                   <a:tcPr/>
@@ -5526,14 +4986,15 @@
                 <a:tc>
                   <a:txBody>
                     <a:bodyPr/>
-                    <a:lstStyle/>
                     <a:p>
-                      <a:pPr algn="ctr"/>
+                      <a:pPr algn="ctr">
+                        <a:defRPr/>
+                      </a:pPr>
                       <a:r>
-                        <a:rPr lang="en-GB" sz="1400" dirty="0"/>
+                        <a:rPr lang="en-GB" sz="1400"/>
                         <a:t>Effects</a:t>
                       </a:r>
-                      <a:endParaRPr lang="pt-PT" sz="1400" dirty="0"/>
+                      <a:endParaRPr lang="pt-PT" sz="1400"/>
                     </a:p>
                   </a:txBody>
                   <a:tcPr/>
@@ -5541,36 +5002,33 @@
                 <a:tc>
                   <a:txBody>
                     <a:bodyPr/>
-                    <a:lstStyle/>
                     <a:p>
-                      <a:pPr algn="ctr"/>
+                      <a:pPr algn="ctr">
+                        <a:defRPr/>
+                      </a:pPr>
                       <a:r>
-                        <a:rPr lang="en-GB" sz="1400" dirty="0"/>
+                        <a:rPr lang="en-GB" sz="1400"/>
                         <a:t>Cost</a:t>
                       </a:r>
-                      <a:endParaRPr lang="pt-PT" sz="1400" dirty="0"/>
+                      <a:endParaRPr lang="pt-PT" sz="1400"/>
                     </a:p>
                   </a:txBody>
                   <a:tcPr/>
                 </a:tc>
-                <a:extLst>
-                  <a:ext uri="{0D108BD9-81ED-4DB2-BD59-A6C34878D82A}">
-                    <a16:rowId xmlns:a16="http://schemas.microsoft.com/office/drawing/2014/main" val="3458546414"/>
-                  </a:ext>
-                </a:extLst>
               </a:tr>
               <a:tr h="895531">
                 <a:tc>
                   <a:txBody>
                     <a:bodyPr/>
-                    <a:lstStyle/>
                     <a:p>
-                      <a:pPr algn="ctr"/>
+                      <a:pPr algn="ctr">
+                        <a:defRPr/>
+                      </a:pPr>
                       <a:r>
-                        <a:rPr lang="en-GB" sz="1400" dirty="0"/>
+                        <a:rPr lang="en-GB" sz="1400"/>
                         <a:t>Move up</a:t>
                       </a:r>
-                      <a:endParaRPr lang="pt-PT" sz="1400" dirty="0"/>
+                      <a:endParaRPr lang="pt-PT" sz="1400"/>
                     </a:p>
                   </a:txBody>
                   <a:tcPr/>
@@ -5578,19 +5036,25 @@
                 <a:tc>
                   <a:txBody>
                     <a:bodyPr/>
-                    <a:lstStyle/>
                     <a:p>
+                      <a:pPr>
+                        <a:defRPr/>
+                      </a:pPr>
                       <a:r>
-                        <a:rPr lang="en-GB" sz="1400" dirty="0"/>
+                        <a:rPr lang="en-GB" sz="1400"/>
                         <a:t>- The above tile of the last piece of the snake is empty ( no chess piece nor snake piece);</a:t>
                       </a:r>
+                      <a:endParaRPr/>
                     </a:p>
                     <a:p>
+                      <a:pPr>
+                        <a:defRPr/>
+                      </a:pPr>
                       <a:r>
-                        <a:rPr lang="en-GB" sz="1400" dirty="0"/>
+                        <a:rPr lang="en-GB" sz="1400"/>
                         <a:t>- The last tile of the snake is not on the top row.</a:t>
                       </a:r>
-                      <a:endParaRPr lang="pt-PT" sz="1400" dirty="0"/>
+                      <a:endParaRPr lang="pt-PT" sz="1400"/>
                     </a:p>
                   </a:txBody>
                   <a:tcPr/>
@@ -5598,27 +5062,29 @@
                 <a:tc>
                   <a:txBody>
                     <a:bodyPr/>
-                    <a:lstStyle/>
                     <a:p>
                       <a:pPr marL="285750" indent="-285750">
                         <a:buFontTx/>
                         <a:buChar char="-"/>
+                        <a:defRPr/>
                       </a:pPr>
                       <a:r>
-                        <a:rPr lang="en-GB" sz="1400" dirty="0"/>
+                        <a:rPr lang="en-GB" sz="1400"/>
                         <a:t>The above tile of the last piece of the snake is now part of the path too;</a:t>
                       </a:r>
+                      <a:endParaRPr/>
                     </a:p>
                     <a:p>
                       <a:pPr marL="285750" indent="-285750">
                         <a:buFontTx/>
                         <a:buChar char="-"/>
+                        <a:defRPr/>
                       </a:pPr>
                       <a:r>
-                        <a:rPr lang="en-GB" sz="1400" dirty="0"/>
+                        <a:rPr lang="en-GB" sz="1400"/>
                         <a:t>Update matrix’s values. (x, y-1) changes to 1.</a:t>
                       </a:r>
-                      <a:endParaRPr lang="pt-PT" sz="1400" dirty="0"/>
+                      <a:endParaRPr lang="pt-PT" sz="1400"/>
                     </a:p>
                   </a:txBody>
                   <a:tcPr/>
@@ -5626,31 +5092,26 @@
                 <a:tc>
                   <a:txBody>
                     <a:bodyPr/>
-                    <a:lstStyle/>
                     <a:p>
-                      <a:pPr algn="ctr"/>
+                      <a:pPr algn="ctr">
+                        <a:defRPr/>
+                      </a:pPr>
                       <a:r>
-                        <a:rPr lang="en-GB" sz="1400" dirty="0"/>
+                        <a:rPr lang="en-GB" sz="1400"/>
                         <a:t>1</a:t>
                       </a:r>
-                      <a:endParaRPr lang="pt-PT" sz="1400" dirty="0"/>
+                      <a:endParaRPr lang="pt-PT" sz="1400"/>
                     </a:p>
                   </a:txBody>
                   <a:tcPr/>
                 </a:tc>
-                <a:extLst>
-                  <a:ext uri="{0D108BD9-81ED-4DB2-BD59-A6C34878D82A}">
-                    <a16:rowId xmlns:a16="http://schemas.microsoft.com/office/drawing/2014/main" val="1414879794"/>
-                  </a:ext>
-                </a:extLst>
               </a:tr>
-              <a:tr h="1225463">
+              <a:tr h="1225462">
                 <a:tc>
                   <a:txBody>
                     <a:bodyPr/>
-                    <a:lstStyle/>
                     <a:p>
-                      <a:pPr marL="0" marR="0" lvl="0" indent="0" algn="ctr" defTabSz="914400" rtl="0" eaLnBrk="1" fontAlgn="auto" latinLnBrk="0" hangingPunct="1">
+                      <a:pPr marL="0" marR="0" lvl="0" indent="0" algn="ctr" defTabSz="914400">
                         <a:lnSpc>
                           <a:spcPct val="100000"/>
                         </a:lnSpc>
@@ -5664,18 +5125,19 @@
                         <a:buSzTx/>
                         <a:buFontTx/>
                         <a:buNone/>
-                        <a:tabLst/>
                         <a:defRPr/>
                       </a:pPr>
                       <a:r>
-                        <a:rPr lang="en-GB" sz="1400" dirty="0"/>
+                        <a:rPr lang="en-GB" sz="1400"/>
                         <a:t>Move Down</a:t>
                       </a:r>
-                      <a:endParaRPr lang="pt-PT" sz="1400" dirty="0"/>
+                      <a:endParaRPr lang="pt-PT" sz="1400"/>
                     </a:p>
                     <a:p>
-                      <a:pPr algn="ctr"/>
-                      <a:endParaRPr lang="pt-PT" sz="1400" dirty="0"/>
+                      <a:pPr algn="ctr">
+                        <a:defRPr/>
+                      </a:pPr>
+                      <a:endParaRPr lang="pt-PT" sz="1400"/>
                     </a:p>
                   </a:txBody>
                   <a:tcPr/>
@@ -5683,19 +5145,25 @@
                 <a:tc>
                   <a:txBody>
                     <a:bodyPr/>
-                    <a:lstStyle/>
                     <a:p>
+                      <a:pPr>
+                        <a:defRPr/>
+                      </a:pPr>
                       <a:r>
-                        <a:rPr lang="en-GB" sz="1400" dirty="0"/>
+                        <a:rPr lang="en-GB" sz="1400"/>
                         <a:t>- The tile on the bottom of the last piece of the snake is empty (no chess piece nor snake piece);</a:t>
                       </a:r>
+                      <a:endParaRPr/>
                     </a:p>
                     <a:p>
+                      <a:pPr>
+                        <a:defRPr/>
+                      </a:pPr>
                       <a:r>
-                        <a:rPr lang="en-GB" sz="1400" dirty="0"/>
+                        <a:rPr lang="en-GB" sz="1400"/>
                         <a:t>- The last tile of the snake is not on the last row.</a:t>
                       </a:r>
-                      <a:endParaRPr lang="pt-PT" sz="1400" dirty="0"/>
+                      <a:endParaRPr lang="pt-PT" sz="1400"/>
                     </a:p>
                   </a:txBody>
                   <a:tcPr/>
@@ -5703,9 +5171,8 @@
                 <a:tc>
                   <a:txBody>
                     <a:bodyPr/>
-                    <a:lstStyle/>
                     <a:p>
-                      <a:pPr marL="285750" marR="0" lvl="0" indent="-285750" algn="l" defTabSz="914400" rtl="0" eaLnBrk="1" fontAlgn="auto" latinLnBrk="0" hangingPunct="1">
+                      <a:pPr marL="285750" marR="0" lvl="0" indent="-285750" algn="l" defTabSz="914400">
                         <a:lnSpc>
                           <a:spcPct val="100000"/>
                         </a:lnSpc>
@@ -5719,16 +5186,16 @@
                         <a:buSzTx/>
                         <a:buFontTx/>
                         <a:buChar char="-"/>
-                        <a:tabLst/>
                         <a:defRPr/>
                       </a:pPr>
                       <a:r>
-                        <a:rPr lang="en-GB" sz="1400" dirty="0"/>
+                        <a:rPr lang="en-GB" sz="1400"/>
                         <a:t>The tile on the bottom of the last piece of the snake is now part of the path too;</a:t>
                       </a:r>
+                      <a:endParaRPr/>
                     </a:p>
                     <a:p>
-                      <a:pPr marL="285750" marR="0" lvl="0" indent="-285750" algn="l" defTabSz="914400" rtl="0" eaLnBrk="1" fontAlgn="auto" latinLnBrk="0" hangingPunct="1">
+                      <a:pPr marL="285750" marR="0" lvl="0" indent="-285750" algn="l" defTabSz="914400">
                         <a:lnSpc>
                           <a:spcPct val="100000"/>
                         </a:lnSpc>
@@ -5742,17 +5209,16 @@
                         <a:buSzTx/>
                         <a:buFontTx/>
                         <a:buChar char="-"/>
-                        <a:tabLst/>
                         <a:defRPr/>
                       </a:pPr>
                       <a:r>
-                        <a:rPr lang="en-GB" sz="1400" dirty="0"/>
+                        <a:rPr lang="en-GB" sz="1400"/>
                         <a:t>Update matrix’s values. (x, y+1) changes to 1.</a:t>
                       </a:r>
-                      <a:endParaRPr lang="pt-PT" sz="1400" dirty="0"/>
+                      <a:endParaRPr lang="pt-PT" sz="1400"/>
                     </a:p>
                     <a:p>
-                      <a:pPr marL="285750" marR="0" lvl="0" indent="-285750" algn="l" defTabSz="914400" rtl="0" eaLnBrk="1" fontAlgn="auto" latinLnBrk="0" hangingPunct="1">
+                      <a:pPr marL="285750" marR="0" lvl="0" indent="-285750" algn="l" defTabSz="914400">
                         <a:lnSpc>
                           <a:spcPct val="100000"/>
                         </a:lnSpc>
@@ -5766,13 +5232,15 @@
                         <a:buSzTx/>
                         <a:buFontTx/>
                         <a:buChar char="-"/>
-                        <a:tabLst/>
                         <a:defRPr/>
                       </a:pPr>
-                      <a:endParaRPr lang="pt-PT" sz="1400" dirty="0"/>
+                      <a:endParaRPr lang="pt-PT" sz="1400"/>
                     </a:p>
                     <a:p>
-                      <a:endParaRPr lang="pt-PT" sz="1400" dirty="0"/>
+                      <a:pPr>
+                        <a:defRPr/>
+                      </a:pPr>
+                      <a:endParaRPr lang="pt-PT" sz="1400"/>
                     </a:p>
                   </a:txBody>
                   <a:tcPr/>
@@ -5780,31 +5248,26 @@
                 <a:tc>
                   <a:txBody>
                     <a:bodyPr/>
-                    <a:lstStyle/>
                     <a:p>
-                      <a:pPr algn="ctr"/>
+                      <a:pPr algn="ctr">
+                        <a:defRPr/>
+                      </a:pPr>
                       <a:r>
-                        <a:rPr lang="en-GB" sz="1400" dirty="0"/>
+                        <a:rPr lang="en-GB" sz="1400"/>
                         <a:t>1</a:t>
                       </a:r>
-                      <a:endParaRPr lang="pt-PT" sz="1400" dirty="0"/>
+                      <a:endParaRPr lang="pt-PT" sz="1400"/>
                     </a:p>
                   </a:txBody>
                   <a:tcPr/>
                 </a:tc>
-                <a:extLst>
-                  <a:ext uri="{0D108BD9-81ED-4DB2-BD59-A6C34878D82A}">
-                    <a16:rowId xmlns:a16="http://schemas.microsoft.com/office/drawing/2014/main" val="3434043383"/>
-                  </a:ext>
-                </a:extLst>
               </a:tr>
               <a:tr h="916647">
                 <a:tc>
                   <a:txBody>
                     <a:bodyPr/>
-                    <a:lstStyle/>
                     <a:p>
-                      <a:pPr marL="0" marR="0" lvl="0" indent="0" algn="ctr" defTabSz="914400" rtl="0" eaLnBrk="1" fontAlgn="auto" latinLnBrk="0" hangingPunct="1">
+                      <a:pPr marL="0" marR="0" lvl="0" indent="0" algn="ctr" defTabSz="914400">
                         <a:lnSpc>
                           <a:spcPct val="100000"/>
                         </a:lnSpc>
@@ -5818,18 +5281,19 @@
                         <a:buSzTx/>
                         <a:buFontTx/>
                         <a:buNone/>
-                        <a:tabLst/>
                         <a:defRPr/>
                       </a:pPr>
                       <a:r>
-                        <a:rPr lang="en-GB" sz="1400" dirty="0"/>
+                        <a:rPr lang="en-GB" sz="1400"/>
                         <a:t>Move Left</a:t>
                       </a:r>
-                      <a:endParaRPr lang="pt-PT" sz="1400" dirty="0"/>
+                      <a:endParaRPr lang="pt-PT" sz="1400"/>
                     </a:p>
                     <a:p>
-                      <a:pPr algn="ctr"/>
-                      <a:endParaRPr lang="pt-PT" sz="1400" dirty="0"/>
+                      <a:pPr algn="ctr">
+                        <a:defRPr/>
+                      </a:pPr>
+                      <a:endParaRPr lang="pt-PT" sz="1400"/>
                     </a:p>
                   </a:txBody>
                   <a:tcPr/>
@@ -5837,19 +5301,25 @@
                 <a:tc>
                   <a:txBody>
                     <a:bodyPr/>
-                    <a:lstStyle/>
                     <a:p>
+                      <a:pPr>
+                        <a:defRPr/>
+                      </a:pPr>
                       <a:r>
-                        <a:rPr lang="en-GB" sz="1400" dirty="0"/>
+                        <a:rPr lang="en-GB" sz="1400"/>
                         <a:t>- The tile on the left of the last piece of the snake is empty ( no chess piece nor snake piece);</a:t>
                       </a:r>
+                      <a:endParaRPr/>
                     </a:p>
                     <a:p>
+                      <a:pPr>
+                        <a:defRPr/>
+                      </a:pPr>
                       <a:r>
-                        <a:rPr lang="en-GB" sz="1400" dirty="0"/>
+                        <a:rPr lang="en-GB" sz="1400"/>
                         <a:t>- The last tile of the snake is not on the first column.</a:t>
                       </a:r>
-                      <a:endParaRPr lang="pt-PT" sz="1400" dirty="0"/>
+                      <a:endParaRPr lang="pt-PT" sz="1400"/>
                     </a:p>
                   </a:txBody>
                   <a:tcPr/>
@@ -5857,9 +5327,8 @@
                 <a:tc>
                   <a:txBody>
                     <a:bodyPr/>
-                    <a:lstStyle/>
                     <a:p>
-                      <a:pPr marL="285750" marR="0" lvl="0" indent="-285750" algn="l" defTabSz="914400" rtl="0" eaLnBrk="1" fontAlgn="auto" latinLnBrk="0" hangingPunct="1">
+                      <a:pPr marL="285750" marR="0" lvl="0" indent="-285750" algn="l" defTabSz="914400">
                         <a:lnSpc>
                           <a:spcPct val="100000"/>
                         </a:lnSpc>
@@ -5873,16 +5342,16 @@
                         <a:buSzTx/>
                         <a:buFontTx/>
                         <a:buChar char="-"/>
-                        <a:tabLst/>
                         <a:defRPr/>
                       </a:pPr>
                       <a:r>
-                        <a:rPr lang="en-GB" sz="1400" dirty="0"/>
+                        <a:rPr lang="en-GB" sz="1400"/>
                         <a:t>The tile on the left of the snake is now part of the path too;</a:t>
                       </a:r>
+                      <a:endParaRPr/>
                     </a:p>
                     <a:p>
-                      <a:pPr marL="285750" marR="0" lvl="0" indent="-285750" algn="l" defTabSz="914400" rtl="0" eaLnBrk="1" fontAlgn="auto" latinLnBrk="0" hangingPunct="1">
+                      <a:pPr marL="285750" marR="0" lvl="0" indent="-285750" algn="l" defTabSz="914400">
                         <a:lnSpc>
                           <a:spcPct val="100000"/>
                         </a:lnSpc>
@@ -5896,17 +5365,16 @@
                         <a:buSzTx/>
                         <a:buFontTx/>
                         <a:buChar char="-"/>
-                        <a:tabLst/>
                         <a:defRPr/>
                       </a:pPr>
                       <a:r>
-                        <a:rPr lang="en-GB" sz="1400" dirty="0"/>
+                        <a:rPr lang="en-GB" sz="1400"/>
                         <a:t>Update matrix’s values. (x-1, y) changes to 1.</a:t>
                       </a:r>
-                      <a:endParaRPr lang="pt-PT" sz="1400" dirty="0"/>
+                      <a:endParaRPr lang="pt-PT" sz="1400"/>
                     </a:p>
                     <a:p>
-                      <a:pPr marL="285750" marR="0" lvl="0" indent="-285750" algn="l" defTabSz="914400" rtl="0" eaLnBrk="1" fontAlgn="auto" latinLnBrk="0" hangingPunct="1">
+                      <a:pPr marL="285750" marR="0" lvl="0" indent="-285750" algn="l" defTabSz="914400">
                         <a:lnSpc>
                           <a:spcPct val="100000"/>
                         </a:lnSpc>
@@ -5920,10 +5388,9 @@
                         <a:buSzTx/>
                         <a:buFontTx/>
                         <a:buChar char="-"/>
-                        <a:tabLst/>
                         <a:defRPr/>
                       </a:pPr>
-                      <a:endParaRPr lang="pt-PT" sz="1400" dirty="0"/>
+                      <a:endParaRPr lang="pt-PT" sz="1400"/>
                     </a:p>
                   </a:txBody>
                   <a:tcPr/>
@@ -5931,9 +5398,8 @@
                 <a:tc>
                   <a:txBody>
                     <a:bodyPr/>
-                    <a:lstStyle/>
                     <a:p>
-                      <a:pPr marL="0" marR="0" lvl="0" indent="0" algn="ctr" defTabSz="914400" rtl="0" eaLnBrk="1" fontAlgn="auto" latinLnBrk="0" hangingPunct="1">
+                      <a:pPr marL="0" marR="0" lvl="0" indent="0" algn="ctr" defTabSz="914400">
                         <a:lnSpc>
                           <a:spcPct val="100000"/>
                         </a:lnSpc>
@@ -5947,31 +5413,24 @@
                         <a:buSzTx/>
                         <a:buFontTx/>
                         <a:buNone/>
-                        <a:tabLst/>
                         <a:defRPr/>
                       </a:pPr>
                       <a:r>
-                        <a:rPr lang="en-GB" sz="1400" dirty="0"/>
+                        <a:rPr lang="en-GB" sz="1400"/>
                         <a:t>1</a:t>
                       </a:r>
-                      <a:endParaRPr lang="pt-PT" sz="1400" dirty="0"/>
+                      <a:endParaRPr lang="pt-PT" sz="1400"/>
                     </a:p>
                   </a:txBody>
                   <a:tcPr/>
                 </a:tc>
-                <a:extLst>
-                  <a:ext uri="{0D108BD9-81ED-4DB2-BD59-A6C34878D82A}">
-                    <a16:rowId xmlns:a16="http://schemas.microsoft.com/office/drawing/2014/main" val="4161733167"/>
-                  </a:ext>
-                </a:extLst>
               </a:tr>
               <a:tr h="1060497">
                 <a:tc>
                   <a:txBody>
                     <a:bodyPr/>
-                    <a:lstStyle/>
                     <a:p>
-                      <a:pPr marL="0" marR="0" lvl="0" indent="0" algn="ctr" defTabSz="914400" rtl="0" eaLnBrk="1" fontAlgn="auto" latinLnBrk="0" hangingPunct="1">
+                      <a:pPr marL="0" marR="0" lvl="0" indent="0" algn="ctr" defTabSz="914400">
                         <a:lnSpc>
                           <a:spcPct val="100000"/>
                         </a:lnSpc>
@@ -5985,18 +5444,19 @@
                         <a:buSzTx/>
                         <a:buFontTx/>
                         <a:buNone/>
-                        <a:tabLst/>
                         <a:defRPr/>
                       </a:pPr>
                       <a:r>
-                        <a:rPr lang="en-GB" sz="1400" dirty="0"/>
+                        <a:rPr lang="en-GB" sz="1400"/>
                         <a:t>Move Right</a:t>
                       </a:r>
-                      <a:endParaRPr lang="pt-PT" sz="1400" dirty="0"/>
+                      <a:endParaRPr lang="pt-PT" sz="1400"/>
                     </a:p>
                     <a:p>
-                      <a:pPr algn="ctr"/>
-                      <a:endParaRPr lang="pt-PT" sz="1400" dirty="0"/>
+                      <a:pPr algn="ctr">
+                        <a:defRPr/>
+                      </a:pPr>
+                      <a:endParaRPr lang="pt-PT" sz="1400"/>
                     </a:p>
                   </a:txBody>
                   <a:tcPr/>
@@ -6004,19 +5464,25 @@
                 <a:tc>
                   <a:txBody>
                     <a:bodyPr/>
-                    <a:lstStyle/>
                     <a:p>
+                      <a:pPr>
+                        <a:defRPr/>
+                      </a:pPr>
                       <a:r>
-                        <a:rPr lang="en-GB" sz="1400" dirty="0"/>
+                        <a:rPr lang="en-GB" sz="1400"/>
                         <a:t>- The tile on the right of the last piece of the snake is empty ( no chess piece nor snake piece);</a:t>
                       </a:r>
+                      <a:endParaRPr/>
                     </a:p>
                     <a:p>
+                      <a:pPr>
+                        <a:defRPr/>
+                      </a:pPr>
                       <a:r>
-                        <a:rPr lang="en-GB" sz="1400" dirty="0"/>
+                        <a:rPr lang="en-GB" sz="1400"/>
                         <a:t>- The last tile of the snake is not on the last column.</a:t>
                       </a:r>
-                      <a:endParaRPr lang="pt-PT" sz="1400" dirty="0"/>
+                      <a:endParaRPr lang="pt-PT" sz="1400"/>
                     </a:p>
                   </a:txBody>
                   <a:tcPr/>
@@ -6024,9 +5490,8 @@
                 <a:tc>
                   <a:txBody>
                     <a:bodyPr/>
-                    <a:lstStyle/>
                     <a:p>
-                      <a:pPr marL="0" marR="0" lvl="0" indent="0" algn="l" defTabSz="914400" rtl="0" eaLnBrk="1" fontAlgn="auto" latinLnBrk="0" hangingPunct="1">
+                      <a:pPr marL="0" marR="0" lvl="0" indent="0" algn="l" defTabSz="914400">
                         <a:lnSpc>
                           <a:spcPct val="100000"/>
                         </a:lnSpc>
@@ -6040,16 +5505,16 @@
                         <a:buSzTx/>
                         <a:buFontTx/>
                         <a:buNone/>
-                        <a:tabLst/>
                         <a:defRPr/>
                       </a:pPr>
                       <a:r>
-                        <a:rPr lang="en-GB" sz="1400" dirty="0"/>
+                        <a:rPr lang="en-GB" sz="1400"/>
                         <a:t>The tile on the right of the snake is now part of the path too;</a:t>
                       </a:r>
+                      <a:endParaRPr/>
                     </a:p>
                     <a:p>
-                      <a:pPr marL="0" marR="0" lvl="0" indent="0" algn="l" defTabSz="914400" rtl="0" eaLnBrk="1" fontAlgn="auto" latinLnBrk="0" hangingPunct="1">
+                      <a:pPr marL="0" marR="0" lvl="0" indent="0" algn="l" defTabSz="914400">
                         <a:lnSpc>
                           <a:spcPct val="100000"/>
                         </a:lnSpc>
@@ -6063,17 +5528,16 @@
                         <a:buSzTx/>
                         <a:buFontTx/>
                         <a:buNone/>
-                        <a:tabLst/>
                         <a:defRPr/>
                       </a:pPr>
                       <a:r>
-                        <a:rPr lang="en-GB" sz="1400" dirty="0"/>
+                        <a:rPr lang="en-GB" sz="1400"/>
                         <a:t>Update matrix’s values. (x+1, y) changes to 1.</a:t>
                       </a:r>
-                      <a:endParaRPr lang="pt-PT" sz="1400" dirty="0"/>
+                      <a:endParaRPr lang="pt-PT" sz="1400"/>
                     </a:p>
                     <a:p>
-                      <a:pPr marL="0" marR="0" lvl="0" indent="0" algn="l" defTabSz="914400" rtl="0" eaLnBrk="1" fontAlgn="auto" latinLnBrk="0" hangingPunct="1">
+                      <a:pPr marL="0" marR="0" lvl="0" indent="0" algn="l" defTabSz="914400">
                         <a:lnSpc>
                           <a:spcPct val="100000"/>
                         </a:lnSpc>
@@ -6087,13 +5551,15 @@
                         <a:buSzTx/>
                         <a:buFontTx/>
                         <a:buNone/>
-                        <a:tabLst/>
                         <a:defRPr/>
                       </a:pPr>
-                      <a:endParaRPr lang="pt-PT" sz="1400" dirty="0"/>
+                      <a:endParaRPr lang="pt-PT" sz="1400"/>
                     </a:p>
                     <a:p>
-                      <a:endParaRPr lang="pt-PT" sz="1400" dirty="0"/>
+                      <a:pPr>
+                        <a:defRPr/>
+                      </a:pPr>
+                      <a:endParaRPr lang="pt-PT" sz="1400"/>
                     </a:p>
                   </a:txBody>
                   <a:tcPr/>
@@ -6101,23 +5567,19 @@
                 <a:tc>
                   <a:txBody>
                     <a:bodyPr/>
-                    <a:lstStyle/>
                     <a:p>
-                      <a:pPr algn="ctr"/>
+                      <a:pPr algn="ctr">
+                        <a:defRPr/>
+                      </a:pPr>
                       <a:r>
-                        <a:rPr lang="en-GB" sz="1400" dirty="0"/>
+                        <a:rPr lang="en-GB" sz="1400"/>
                         <a:t>1</a:t>
                       </a:r>
-                      <a:endParaRPr lang="pt-PT" sz="1400" dirty="0"/>
+                      <a:endParaRPr lang="pt-PT" sz="1400"/>
                     </a:p>
                   </a:txBody>
                   <a:tcPr/>
                 </a:tc>
-                <a:extLst>
-                  <a:ext uri="{0D108BD9-81ED-4DB2-BD59-A6C34878D82A}">
-                    <a16:rowId xmlns:a16="http://schemas.microsoft.com/office/drawing/2014/main" val="1000675557"/>
-                  </a:ext>
-                </a:extLst>
               </a:tr>
             </a:tbl>
           </a:graphicData>
@@ -6125,21 +5587,15 @@
       </p:graphicFrame>
       <p:sp>
         <p:nvSpPr>
-          <p:cNvPr id="8" name="Marcador de Posição de Conteúdo 2">
-            <a:extLst>
-              <a:ext uri="{FF2B5EF4-FFF2-40B4-BE49-F238E27FC236}">
-                <a16:creationId xmlns:a16="http://schemas.microsoft.com/office/drawing/2014/main" id="{96D95CC1-ECCC-45D2-987C-3AFB7CEA23D7}"/>
-              </a:ext>
-            </a:extLst>
-          </p:cNvPr>
-          <p:cNvSpPr>
-            <a:spLocks noGrp="1"/>
-          </p:cNvSpPr>
-          <p:nvPr>
-            <p:ph idx="1"/>
-          </p:nvPr>
-        </p:nvSpPr>
-        <p:spPr>
+          <p:cNvPr id="8" name="Marcador de Posição de Conteúdo 2" hidden="0"/>
+          <p:cNvSpPr>
+            <a:spLocks noGrp="1"/>
+          </p:cNvSpPr>
+          <p:nvPr isPhoto="0" userDrawn="0">
+            <p:ph idx="1" hasCustomPrompt="0"/>
+          </p:nvPr>
+        </p:nvSpPr>
+        <p:spPr bwMode="auto">
           <a:xfrm>
             <a:off x="549504" y="1453148"/>
             <a:ext cx="2341927" cy="608203"/>
@@ -6151,36 +5607,43 @@
           </a:bodyPr>
           <a:lstStyle/>
           <a:p>
-            <a:r>
-              <a:rPr lang="pt-PT" dirty="0"/>
+            <a:pPr>
+              <a:defRPr/>
+            </a:pPr>
+            <a:r>
+              <a:rPr lang="pt-PT"/>
               <a:t>Operators</a:t>
             </a:r>
+            <a:endParaRPr/>
           </a:p>
         </p:txBody>
       </p:sp>
     </p:spTree>
-    <p:extLst>
-      <p:ext uri="{BB962C8B-B14F-4D97-AF65-F5344CB8AC3E}">
-        <p14:creationId xmlns:p14="http://schemas.microsoft.com/office/powerpoint/2010/main" val="710399668"/>
-      </p:ext>
-    </p:extLst>
   </p:cSld>
   <p:clrMapOvr>
     <a:masterClrMapping/>
   </p:clrMapOvr>
+  <mc:AlternateContent xmlns:mc="http://schemas.openxmlformats.org/markup-compatibility/2006">
+    <mc:Choice xmlns:p14="http://schemas.microsoft.com/office/powerpoint/2010/main" Requires="p14">
+      <p:transition p14:dur="2000" advClick="1"/>
+    </mc:Choice>
+    <mc:Fallback>
+      <p:transition advClick="1"/>
+    </mc:Fallback>
+  </mc:AlternateContent>
 </p:sld>
 </file>
 
 <file path=ppt/slides/slide6.xml><?xml version="1.0" encoding="utf-8"?>
-<p:sld xmlns:a="http://schemas.openxmlformats.org/drawingml/2006/main" xmlns:r="http://schemas.openxmlformats.org/officeDocument/2006/relationships" xmlns:p="http://schemas.openxmlformats.org/presentationml/2006/main">
-  <p:cSld>
+<p:sld xmlns:a="http://schemas.openxmlformats.org/drawingml/2006/main" xmlns:r="http://schemas.openxmlformats.org/officeDocument/2006/relationships" xmlns:p="http://schemas.openxmlformats.org/presentationml/2006/main" xmlns:m="http://schemas.openxmlformats.org/officeDocument/2006/math" xmlns:w="http://schemas.openxmlformats.org/wordprocessingml/2006/main" showMasterPhAnim="0" show="1">
+  <p:cSld name="">
     <p:spTree>
       <p:nvGrpSpPr>
-        <p:cNvPr id="1" name=""/>
+        <p:cNvPr id="1" name="" hidden="0"/>
         <p:cNvGrpSpPr/>
-        <p:nvPr/>
+        <p:nvPr isPhoto="0" userDrawn="0"/>
       </p:nvGrpSpPr>
-      <p:grpSpPr>
+      <p:grpSpPr bwMode="auto">
         <a:xfrm>
           <a:off x="0" y="0"/>
           <a:ext cx="0" cy="0"/>
@@ -6190,99 +5653,112 @@
       </p:grpSpPr>
       <p:sp>
         <p:nvSpPr>
-          <p:cNvPr id="2" name="Título 1">
-            <a:extLst>
-              <a:ext uri="{FF2B5EF4-FFF2-40B4-BE49-F238E27FC236}">
-                <a16:creationId xmlns:a16="http://schemas.microsoft.com/office/drawing/2014/main" id="{4C7E0259-681D-4D5F-95D4-9C0E5E65F63F}"/>
-              </a:ext>
-            </a:extLst>
-          </p:cNvPr>
-          <p:cNvSpPr>
-            <a:spLocks noGrp="1"/>
-          </p:cNvSpPr>
-          <p:nvPr>
-            <p:ph type="title"/>
-          </p:nvPr>
-        </p:nvSpPr>
-        <p:spPr/>
+          <p:cNvPr id="2" name="Título 1" hidden="0"/>
+          <p:cNvSpPr>
+            <a:spLocks noGrp="1"/>
+          </p:cNvSpPr>
+          <p:nvPr isPhoto="0" userDrawn="0">
+            <p:ph type="title" hasCustomPrompt="0"/>
+          </p:nvPr>
+        </p:nvSpPr>
+        <p:spPr bwMode="auto"/>
         <p:txBody>
           <a:bodyPr/>
           <a:lstStyle/>
           <a:p>
-            <a:r>
-              <a:rPr lang="pt-PT" dirty="0" err="1"/>
+            <a:pPr>
+              <a:defRPr/>
+            </a:pPr>
+            <a:r>
+              <a:rPr lang="pt-PT"/>
               <a:t>Implementation</a:t>
             </a:r>
-            <a:endParaRPr lang="pt-PT" dirty="0"/>
-          </a:p>
-        </p:txBody>
-      </p:sp>
-      <p:sp>
-        <p:nvSpPr>
-          <p:cNvPr id="3" name="Marcador de Posição de Conteúdo 2">
-            <a:extLst>
-              <a:ext uri="{FF2B5EF4-FFF2-40B4-BE49-F238E27FC236}">
-                <a16:creationId xmlns:a16="http://schemas.microsoft.com/office/drawing/2014/main" id="{0F091D75-4CD1-4815-A56A-5459ACC80F92}"/>
-              </a:ext>
-            </a:extLst>
-          </p:cNvPr>
-          <p:cNvSpPr>
-            <a:spLocks noGrp="1"/>
-          </p:cNvSpPr>
-          <p:nvPr>
-            <p:ph idx="1"/>
-          </p:nvPr>
-        </p:nvSpPr>
-        <p:spPr/>
+            <a:endParaRPr lang="pt-PT"/>
+          </a:p>
+        </p:txBody>
+      </p:sp>
+      <p:sp>
+        <p:nvSpPr>
+          <p:cNvPr id="3" name="Marcador de Posição de Conteúdo 2" hidden="0"/>
+          <p:cNvSpPr>
+            <a:spLocks noGrp="1"/>
+          </p:cNvSpPr>
+          <p:nvPr isPhoto="0" userDrawn="0">
+            <p:ph idx="1" hasCustomPrompt="0"/>
+          </p:nvPr>
+        </p:nvSpPr>
+        <p:spPr bwMode="auto"/>
         <p:txBody>
           <a:bodyPr>
             <a:normAutofit fontScale="92500" lnSpcReduction="10000"/>
           </a:bodyPr>
           <a:lstStyle/>
           <a:p>
-            <a:r>
-              <a:rPr lang="pt-PT" dirty="0"/>
+            <a:pPr>
+              <a:defRPr/>
+            </a:pPr>
+            <a:r>
+              <a:rPr lang="pt-PT"/>
               <a:t>Prefered Languages: Python.</a:t>
             </a:r>
-          </a:p>
-          <a:p>
-            <a:r>
-              <a:rPr lang="pt-PT" dirty="0"/>
+            <a:endParaRPr/>
+          </a:p>
+          <a:p>
+            <a:pPr>
+              <a:defRPr/>
+            </a:pPr>
+            <a:r>
+              <a:rPr lang="pt-PT"/>
               <a:t>Data structures: board ( class that will represent the game state) and piece (a class which defines the possible attacks of the chess piece and stores its position).</a:t>
             </a:r>
-          </a:p>
-          <a:p>
-            <a:r>
-              <a:rPr lang="pt-PT" dirty="0"/>
+            <a:endParaRPr/>
+          </a:p>
+          <a:p>
+            <a:pPr>
+              <a:defRPr/>
+            </a:pPr>
+            <a:r>
+              <a:rPr lang="pt-PT"/>
               <a:t>The initial state is defined by reading the saved text files with board information.</a:t>
             </a:r>
-          </a:p>
-          <a:p>
-            <a:r>
-              <a:rPr lang="pt-PT" dirty="0"/>
+            <a:endParaRPr/>
+          </a:p>
+          <a:p>
+            <a:pPr>
+              <a:defRPr/>
+            </a:pPr>
+            <a:r>
+              <a:rPr lang="pt-PT"/>
               <a:t>Implemented libraries: numpy, pygame</a:t>
             </a:r>
-          </a:p>
-          <a:p>
-            <a:endParaRPr lang="pt-PT" dirty="0"/>
+            <a:endParaRPr/>
+          </a:p>
+          <a:p>
+            <a:pPr>
+              <a:defRPr/>
+            </a:pPr>
+            <a:endParaRPr lang="pt-PT"/>
           </a:p>
         </p:txBody>
       </p:sp>
     </p:spTree>
-    <p:extLst>
-      <p:ext uri="{BB962C8B-B14F-4D97-AF65-F5344CB8AC3E}">
-        <p14:creationId xmlns:p14="http://schemas.microsoft.com/office/powerpoint/2010/main" val="3566798296"/>
-      </p:ext>
-    </p:extLst>
   </p:cSld>
   <p:clrMapOvr>
     <a:masterClrMapping/>
   </p:clrMapOvr>
+  <mc:AlternateContent xmlns:mc="http://schemas.openxmlformats.org/markup-compatibility/2006">
+    <mc:Choice xmlns:p14="http://schemas.microsoft.com/office/powerpoint/2010/main" Requires="p14">
+      <p:transition p14:dur="2000" advClick="1"/>
+    </mc:Choice>
+    <mc:Fallback>
+      <p:transition advClick="1"/>
+    </mc:Fallback>
+  </mc:AlternateContent>
 </p:sld>
 </file>
 
 <file path=ppt/theme/theme1.xml><?xml version="1.0" encoding="utf-8"?>
-<a:theme xmlns:a="http://schemas.openxmlformats.org/drawingml/2006/main" name="PebbleVTI">
+<a:theme xmlns:a="http://schemas.openxmlformats.org/drawingml/2006/main" xmlns:r="http://schemas.openxmlformats.org/officeDocument/2006/relationships" xmlns:p="http://schemas.openxmlformats.org/presentationml/2006/main" name="PebbleVTI">
   <a:themeElements>
     <a:clrScheme name="Blush 3">
       <a:dk1>
@@ -6325,13 +5801,13 @@
     <a:fontScheme name="Custom 4">
       <a:majorFont>
         <a:latin typeface="Sitka Subheading"/>
-        <a:ea typeface=""/>
-        <a:cs typeface=""/>
+        <a:ea typeface="Arial"/>
+        <a:cs typeface="Arial"/>
       </a:majorFont>
       <a:minorFont>
         <a:latin typeface="Avenir Next LT Pro"/>
-        <a:ea typeface=""/>
-        <a:cs typeface=""/>
+        <a:ea typeface="Arial"/>
+        <a:cs typeface="Arial"/>
       </a:minorFont>
     </a:fontScheme>
     <a:fmtScheme name="Office">
@@ -6339,7 +5815,7 @@
         <a:solidFill>
           <a:schemeClr val="phClr"/>
         </a:solidFill>
-        <a:gradFill rotWithShape="1">
+        <a:gradFill>
           <a:gsLst>
             <a:gs pos="0">
               <a:schemeClr val="phClr">
@@ -6365,7 +5841,7 @@
           </a:gsLst>
           <a:lin ang="5400000" scaled="0"/>
         </a:gradFill>
-        <a:gradFill rotWithShape="1">
+        <a:gradFill>
           <a:gsLst>
             <a:gs pos="0">
               <a:schemeClr val="phClr">
@@ -6417,16 +5893,28 @@
       </a:lnStyleLst>
       <a:effectStyleLst>
         <a:effectStyle>
-          <a:effectLst/>
-        </a:effectStyle>
-        <a:effectStyle>
-          <a:effectLst/>
+          <a:effectLst>
+            <a:outerShdw blurRad="40000" dist="20000" dir="5400000" rotWithShape="0">
+              <a:srgbClr val="000000">
+                <a:alpha val="38000"/>
+              </a:srgbClr>
+            </a:outerShdw>
+          </a:effectLst>
         </a:effectStyle>
         <a:effectStyle>
           <a:effectLst>
-            <a:outerShdw blurRad="57150" dist="19050" dir="5400000" algn="ctr" rotWithShape="0">
+            <a:outerShdw blurRad="40000" dist="23000" dir="5400000" rotWithShape="0">
               <a:srgbClr val="000000">
-                <a:alpha val="63000"/>
+                <a:alpha val="35000"/>
+              </a:srgbClr>
+            </a:outerShdw>
+          </a:effectLst>
+        </a:effectStyle>
+        <a:effectStyle>
+          <a:effectLst>
+            <a:outerShdw blurRad="40000" dist="23000" dir="5400000" rotWithShape="0">
+              <a:srgbClr val="000000">
+                <a:alpha val="35000"/>
               </a:srgbClr>
             </a:outerShdw>
           </a:effectLst>
@@ -6442,7 +5930,7 @@
             <a:satMod val="170000"/>
           </a:schemeClr>
         </a:solidFill>
-        <a:gradFill rotWithShape="1">
+        <a:gradFill>
           <a:gsLst>
             <a:gs pos="0">
               <a:schemeClr val="phClr">
@@ -6473,11 +5961,5 @@
     </a:fmtScheme>
   </a:themeElements>
   <a:objectDefaults/>
-  <a:extraClrSchemeLst/>
-  <a:extLst>
-    <a:ext uri="{05A4C25C-085E-4340-85A3-A5531E510DB2}">
-      <thm15:themeFamily xmlns:thm15="http://schemas.microsoft.com/office/thememl/2012/main" name="PebbleVTI" id="{8B4DB91D-6BB4-4BA3-973A-733D3AF2680E}" vid="{9A19CF0D-2077-4BF4-BAA5-86934C336D59}"/>
-    </a:ext>
-  </a:extLst>
 </a:theme>
 </file>